--- a/제안서(김동민,김상현,나기엽,허영민).pptx
+++ b/제안서(김동민,김상현,나기엽,허영민).pptx
@@ -4,10 +4,13 @@
   <p:sldMasterIdLst>
     <p:sldMasterId id="2147483648" r:id="rId1"/>
   </p:sldMasterIdLst>
+  <p:notesMasterIdLst>
+    <p:notesMasterId r:id="rId20"/>
+  </p:notesMasterIdLst>
   <p:sldIdLst>
     <p:sldId id="257" r:id="rId2"/>
     <p:sldId id="258" r:id="rId3"/>
-    <p:sldId id="260" r:id="rId4"/>
+    <p:sldId id="320" r:id="rId4"/>
     <p:sldId id="315" r:id="rId5"/>
     <p:sldId id="283" r:id="rId6"/>
     <p:sldId id="310" r:id="rId7"/>
@@ -22,6 +25,7 @@
     <p:sldId id="304" r:id="rId16"/>
     <p:sldId id="319" r:id="rId17"/>
     <p:sldId id="273" r:id="rId18"/>
+    <p:sldId id="321" r:id="rId19"/>
   </p:sldIdLst>
   <p:sldSz cx="12192000" cy="6858000"/>
   <p:notesSz cx="6858000" cy="9144000"/>
@@ -135,12 +139,659 @@
         </p15:guide>
       </p15:sldGuideLst>
     </p:ext>
+    <p:ext uri="{2D200454-40CA-4A62-9FC3-DE9A4176ACB9}">
+      <p15:notesGuideLst xmlns:p15="http://schemas.microsoft.com/office/powerpoint/2012/main"/>
+    </p:ext>
   </p:extLst>
 </p:presentation>
 </file>
 
+<file path=ppt/commentAuthors.xml><?xml version="1.0" encoding="utf-8"?>
+<p:cmAuthorLst xmlns:a="http://schemas.openxmlformats.org/drawingml/2006/main" xmlns:r="http://schemas.openxmlformats.org/officeDocument/2006/relationships" xmlns:p="http://schemas.openxmlformats.org/presentationml/2006/main">
+  <p:cmAuthor id="1" name="동민 김" initials="동김" lastIdx="1" clrIdx="0">
+    <p:extLst>
+      <p:ext uri="{19B8F6BF-5375-455C-9EA6-DF929625EA0E}">
+        <p15:presenceInfo xmlns:p15="http://schemas.microsoft.com/office/powerpoint/2012/main" userId="동민 김" providerId="None"/>
+      </p:ext>
+    </p:extLst>
+  </p:cmAuthor>
+</p:cmAuthorLst>
+</file>
+
 <file path=ppt/revisionInfo.xml><?xml version="1.0" encoding="utf-8"?>
 <p1510:revInfo xmlns:a="http://schemas.openxmlformats.org/drawingml/2006/main" xmlns:r="http://schemas.openxmlformats.org/officeDocument/2006/relationships" xmlns:p1510="http://schemas.microsoft.com/office/powerpoint/2015/10/main"/>
+</file>
+
+<file path=ppt/comments/comment1.xml><?xml version="1.0" encoding="utf-8"?>
+<p:cmLst xmlns:a="http://schemas.openxmlformats.org/drawingml/2006/main" xmlns:r="http://schemas.openxmlformats.org/officeDocument/2006/relationships" xmlns:p="http://schemas.openxmlformats.org/presentationml/2006/main">
+  <p:cm authorId="1" dt="2018-01-03T10:17:20.192" idx="1">
+    <p:pos x="10" y="10"/>
+    <p:text/>
+    <p:extLst>
+      <p:ext uri="{C676402C-5697-4E1C-873F-D02D1690AC5C}">
+        <p15:threadingInfo xmlns:p15="http://schemas.microsoft.com/office/powerpoint/2012/main" timeZoneBias="-540"/>
+      </p:ext>
+    </p:extLst>
+  </p:cm>
+</p:cmLst>
+</file>
+
+<file path=ppt/notesMasters/notesMaster1.xml><?xml version="1.0" encoding="utf-8"?>
+<p:notesMaster xmlns:a="http://schemas.openxmlformats.org/drawingml/2006/main" xmlns:r="http://schemas.openxmlformats.org/officeDocument/2006/relationships" xmlns:p="http://schemas.openxmlformats.org/presentationml/2006/main">
+  <p:cSld>
+    <p:bg>
+      <p:bgRef idx="1001">
+        <a:schemeClr val="bg1"/>
+      </p:bgRef>
+    </p:bg>
+    <p:spTree>
+      <p:nvGrpSpPr>
+        <p:cNvPr id="1" name=""/>
+        <p:cNvGrpSpPr/>
+        <p:nvPr/>
+      </p:nvGrpSpPr>
+      <p:grpSpPr>
+        <a:xfrm>
+          <a:off x="0" y="0"/>
+          <a:ext cx="0" cy="0"/>
+          <a:chOff x="0" y="0"/>
+          <a:chExt cx="0" cy="0"/>
+        </a:xfrm>
+      </p:grpSpPr>
+      <p:sp>
+        <p:nvSpPr>
+          <p:cNvPr id="2" name="머리글 개체 틀 1"/>
+          <p:cNvSpPr>
+            <a:spLocks noGrp="1"/>
+          </p:cNvSpPr>
+          <p:nvPr>
+            <p:ph type="hdr" sz="quarter"/>
+          </p:nvPr>
+        </p:nvSpPr>
+        <p:spPr>
+          <a:xfrm>
+            <a:off x="0" y="0"/>
+            <a:ext cx="2971800" cy="458788"/>
+          </a:xfrm>
+          <a:prstGeom prst="rect">
+            <a:avLst/>
+          </a:prstGeom>
+        </p:spPr>
+        <p:txBody>
+          <a:bodyPr vert="horz" lIns="91440" tIns="45720" rIns="91440" bIns="45720" rtlCol="0"/>
+          <a:lstStyle>
+            <a:lvl1pPr algn="l">
+              <a:defRPr sz="1200"/>
+            </a:lvl1pPr>
+          </a:lstStyle>
+          <a:p>
+            <a:endParaRPr lang="ko-KR" altLang="en-US"/>
+          </a:p>
+        </p:txBody>
+      </p:sp>
+      <p:sp>
+        <p:nvSpPr>
+          <p:cNvPr id="3" name="날짜 개체 틀 2"/>
+          <p:cNvSpPr>
+            <a:spLocks noGrp="1"/>
+          </p:cNvSpPr>
+          <p:nvPr>
+            <p:ph type="dt" idx="1"/>
+          </p:nvPr>
+        </p:nvSpPr>
+        <p:spPr>
+          <a:xfrm>
+            <a:off x="3884613" y="0"/>
+            <a:ext cx="2971800" cy="458788"/>
+          </a:xfrm>
+          <a:prstGeom prst="rect">
+            <a:avLst/>
+          </a:prstGeom>
+        </p:spPr>
+        <p:txBody>
+          <a:bodyPr vert="horz" lIns="91440" tIns="45720" rIns="91440" bIns="45720" rtlCol="0"/>
+          <a:lstStyle>
+            <a:lvl1pPr algn="r">
+              <a:defRPr sz="1200"/>
+            </a:lvl1pPr>
+          </a:lstStyle>
+          <a:p>
+            <a:fld id="{9B864841-D7C0-46C1-B8DF-C271A85531C8}" type="datetimeFigureOut">
+              <a:rPr lang="ko-KR" altLang="en-US" smtClean="0"/>
+              <a:t>2018-01-03</a:t>
+            </a:fld>
+            <a:endParaRPr lang="ko-KR" altLang="en-US"/>
+          </a:p>
+        </p:txBody>
+      </p:sp>
+      <p:sp>
+        <p:nvSpPr>
+          <p:cNvPr id="4" name="슬라이드 이미지 개체 틀 3"/>
+          <p:cNvSpPr>
+            <a:spLocks noGrp="1" noRot="1" noChangeAspect="1"/>
+          </p:cNvSpPr>
+          <p:nvPr>
+            <p:ph type="sldImg" idx="2"/>
+          </p:nvPr>
+        </p:nvSpPr>
+        <p:spPr>
+          <a:xfrm>
+            <a:off x="685800" y="1143000"/>
+            <a:ext cx="5486400" cy="3086100"/>
+          </a:xfrm>
+          <a:prstGeom prst="rect">
+            <a:avLst/>
+          </a:prstGeom>
+          <a:noFill/>
+          <a:ln w="12700">
+            <a:solidFill>
+              <a:prstClr val="black"/>
+            </a:solidFill>
+          </a:ln>
+        </p:spPr>
+        <p:txBody>
+          <a:bodyPr vert="horz" lIns="91440" tIns="45720" rIns="91440" bIns="45720" rtlCol="0" anchor="ctr"/>
+          <a:lstStyle/>
+          <a:p>
+            <a:endParaRPr lang="ko-KR" altLang="en-US"/>
+          </a:p>
+        </p:txBody>
+      </p:sp>
+      <p:sp>
+        <p:nvSpPr>
+          <p:cNvPr id="5" name="슬라이드 노트 개체 틀 4"/>
+          <p:cNvSpPr>
+            <a:spLocks noGrp="1"/>
+          </p:cNvSpPr>
+          <p:nvPr>
+            <p:ph type="body" sz="quarter" idx="3"/>
+          </p:nvPr>
+        </p:nvSpPr>
+        <p:spPr>
+          <a:xfrm>
+            <a:off x="685800" y="4400550"/>
+            <a:ext cx="5486400" cy="3600450"/>
+          </a:xfrm>
+          <a:prstGeom prst="rect">
+            <a:avLst/>
+          </a:prstGeom>
+        </p:spPr>
+        <p:txBody>
+          <a:bodyPr vert="horz" lIns="91440" tIns="45720" rIns="91440" bIns="45720" rtlCol="0"/>
+          <a:lstStyle/>
+          <a:p>
+            <a:pPr lvl="0"/>
+            <a:r>
+              <a:rPr lang="ko-KR" altLang="en-US"/>
+              <a:t>마스터 텍스트 스타일 편집</a:t>
+            </a:r>
+          </a:p>
+          <a:p>
+            <a:pPr lvl="1"/>
+            <a:r>
+              <a:rPr lang="ko-KR" altLang="en-US"/>
+              <a:t>둘째 수준</a:t>
+            </a:r>
+          </a:p>
+          <a:p>
+            <a:pPr lvl="2"/>
+            <a:r>
+              <a:rPr lang="ko-KR" altLang="en-US"/>
+              <a:t>셋째 수준</a:t>
+            </a:r>
+          </a:p>
+          <a:p>
+            <a:pPr lvl="3"/>
+            <a:r>
+              <a:rPr lang="ko-KR" altLang="en-US"/>
+              <a:t>넷째 수준</a:t>
+            </a:r>
+          </a:p>
+          <a:p>
+            <a:pPr lvl="4"/>
+            <a:r>
+              <a:rPr lang="ko-KR" altLang="en-US"/>
+              <a:t>다섯째 수준</a:t>
+            </a:r>
+          </a:p>
+        </p:txBody>
+      </p:sp>
+      <p:sp>
+        <p:nvSpPr>
+          <p:cNvPr id="6" name="바닥글 개체 틀 5"/>
+          <p:cNvSpPr>
+            <a:spLocks noGrp="1"/>
+          </p:cNvSpPr>
+          <p:nvPr>
+            <p:ph type="ftr" sz="quarter" idx="4"/>
+          </p:nvPr>
+        </p:nvSpPr>
+        <p:spPr>
+          <a:xfrm>
+            <a:off x="0" y="8685213"/>
+            <a:ext cx="2971800" cy="458787"/>
+          </a:xfrm>
+          <a:prstGeom prst="rect">
+            <a:avLst/>
+          </a:prstGeom>
+        </p:spPr>
+        <p:txBody>
+          <a:bodyPr vert="horz" lIns="91440" tIns="45720" rIns="91440" bIns="45720" rtlCol="0" anchor="b"/>
+          <a:lstStyle>
+            <a:lvl1pPr algn="l">
+              <a:defRPr sz="1200"/>
+            </a:lvl1pPr>
+          </a:lstStyle>
+          <a:p>
+            <a:endParaRPr lang="ko-KR" altLang="en-US"/>
+          </a:p>
+        </p:txBody>
+      </p:sp>
+      <p:sp>
+        <p:nvSpPr>
+          <p:cNvPr id="7" name="슬라이드 번호 개체 틀 6"/>
+          <p:cNvSpPr>
+            <a:spLocks noGrp="1"/>
+          </p:cNvSpPr>
+          <p:nvPr>
+            <p:ph type="sldNum" sz="quarter" idx="5"/>
+          </p:nvPr>
+        </p:nvSpPr>
+        <p:spPr>
+          <a:xfrm>
+            <a:off x="3884613" y="8685213"/>
+            <a:ext cx="2971800" cy="458787"/>
+          </a:xfrm>
+          <a:prstGeom prst="rect">
+            <a:avLst/>
+          </a:prstGeom>
+        </p:spPr>
+        <p:txBody>
+          <a:bodyPr vert="horz" lIns="91440" tIns="45720" rIns="91440" bIns="45720" rtlCol="0" anchor="b"/>
+          <a:lstStyle>
+            <a:lvl1pPr algn="r">
+              <a:defRPr sz="1200"/>
+            </a:lvl1pPr>
+          </a:lstStyle>
+          <a:p>
+            <a:fld id="{4299520E-C537-40B6-A8DC-FF12422EF8A9}" type="slidenum">
+              <a:rPr lang="ko-KR" altLang="en-US" smtClean="0"/>
+              <a:t>‹#›</a:t>
+            </a:fld>
+            <a:endParaRPr lang="ko-KR" altLang="en-US"/>
+          </a:p>
+        </p:txBody>
+      </p:sp>
+    </p:spTree>
+    <p:extLst>
+      <p:ext uri="{BB962C8B-B14F-4D97-AF65-F5344CB8AC3E}">
+        <p14:creationId xmlns:p14="http://schemas.microsoft.com/office/powerpoint/2010/main" val="873911752"/>
+      </p:ext>
+    </p:extLst>
+  </p:cSld>
+  <p:clrMap bg1="lt1" tx1="dk1" bg2="lt2" tx2="dk2" accent1="accent1" accent2="accent2" accent3="accent3" accent4="accent4" accent5="accent5" accent6="accent6" hlink="hlink" folHlink="folHlink"/>
+  <p:notesStyle>
+    <a:lvl1pPr marL="0" algn="l" defTabSz="914400" rtl="0" eaLnBrk="1" latinLnBrk="1" hangingPunct="1">
+      <a:defRPr sz="1200" kern="1200">
+        <a:solidFill>
+          <a:schemeClr val="tx1"/>
+        </a:solidFill>
+        <a:latin typeface="+mn-lt"/>
+        <a:ea typeface="+mn-ea"/>
+        <a:cs typeface="+mn-cs"/>
+      </a:defRPr>
+    </a:lvl1pPr>
+    <a:lvl2pPr marL="457200" algn="l" defTabSz="914400" rtl="0" eaLnBrk="1" latinLnBrk="1" hangingPunct="1">
+      <a:defRPr sz="1200" kern="1200">
+        <a:solidFill>
+          <a:schemeClr val="tx1"/>
+        </a:solidFill>
+        <a:latin typeface="+mn-lt"/>
+        <a:ea typeface="+mn-ea"/>
+        <a:cs typeface="+mn-cs"/>
+      </a:defRPr>
+    </a:lvl2pPr>
+    <a:lvl3pPr marL="914400" algn="l" defTabSz="914400" rtl="0" eaLnBrk="1" latinLnBrk="1" hangingPunct="1">
+      <a:defRPr sz="1200" kern="1200">
+        <a:solidFill>
+          <a:schemeClr val="tx1"/>
+        </a:solidFill>
+        <a:latin typeface="+mn-lt"/>
+        <a:ea typeface="+mn-ea"/>
+        <a:cs typeface="+mn-cs"/>
+      </a:defRPr>
+    </a:lvl3pPr>
+    <a:lvl4pPr marL="1371600" algn="l" defTabSz="914400" rtl="0" eaLnBrk="1" latinLnBrk="1" hangingPunct="1">
+      <a:defRPr sz="1200" kern="1200">
+        <a:solidFill>
+          <a:schemeClr val="tx1"/>
+        </a:solidFill>
+        <a:latin typeface="+mn-lt"/>
+        <a:ea typeface="+mn-ea"/>
+        <a:cs typeface="+mn-cs"/>
+      </a:defRPr>
+    </a:lvl4pPr>
+    <a:lvl5pPr marL="1828800" algn="l" defTabSz="914400" rtl="0" eaLnBrk="1" latinLnBrk="1" hangingPunct="1">
+      <a:defRPr sz="1200" kern="1200">
+        <a:solidFill>
+          <a:schemeClr val="tx1"/>
+        </a:solidFill>
+        <a:latin typeface="+mn-lt"/>
+        <a:ea typeface="+mn-ea"/>
+        <a:cs typeface="+mn-cs"/>
+      </a:defRPr>
+    </a:lvl5pPr>
+    <a:lvl6pPr marL="2286000" algn="l" defTabSz="914400" rtl="0" eaLnBrk="1" latinLnBrk="1" hangingPunct="1">
+      <a:defRPr sz="1200" kern="1200">
+        <a:solidFill>
+          <a:schemeClr val="tx1"/>
+        </a:solidFill>
+        <a:latin typeface="+mn-lt"/>
+        <a:ea typeface="+mn-ea"/>
+        <a:cs typeface="+mn-cs"/>
+      </a:defRPr>
+    </a:lvl6pPr>
+    <a:lvl7pPr marL="2743200" algn="l" defTabSz="914400" rtl="0" eaLnBrk="1" latinLnBrk="1" hangingPunct="1">
+      <a:defRPr sz="1200" kern="1200">
+        <a:solidFill>
+          <a:schemeClr val="tx1"/>
+        </a:solidFill>
+        <a:latin typeface="+mn-lt"/>
+        <a:ea typeface="+mn-ea"/>
+        <a:cs typeface="+mn-cs"/>
+      </a:defRPr>
+    </a:lvl7pPr>
+    <a:lvl8pPr marL="3200400" algn="l" defTabSz="914400" rtl="0" eaLnBrk="1" latinLnBrk="1" hangingPunct="1">
+      <a:defRPr sz="1200" kern="1200">
+        <a:solidFill>
+          <a:schemeClr val="tx1"/>
+        </a:solidFill>
+        <a:latin typeface="+mn-lt"/>
+        <a:ea typeface="+mn-ea"/>
+        <a:cs typeface="+mn-cs"/>
+      </a:defRPr>
+    </a:lvl8pPr>
+    <a:lvl9pPr marL="3657600" algn="l" defTabSz="914400" rtl="0" eaLnBrk="1" latinLnBrk="1" hangingPunct="1">
+      <a:defRPr sz="1200" kern="1200">
+        <a:solidFill>
+          <a:schemeClr val="tx1"/>
+        </a:solidFill>
+        <a:latin typeface="+mn-lt"/>
+        <a:ea typeface="+mn-ea"/>
+        <a:cs typeface="+mn-cs"/>
+      </a:defRPr>
+    </a:lvl9pPr>
+  </p:notesStyle>
+</p:notesMaster>
+</file>
+
+<file path=ppt/notesSlides/notesSlide1.xml><?xml version="1.0" encoding="utf-8"?>
+<p:notes xmlns:a="http://schemas.openxmlformats.org/drawingml/2006/main" xmlns:r="http://schemas.openxmlformats.org/officeDocument/2006/relationships" xmlns:p="http://schemas.openxmlformats.org/presentationml/2006/main">
+  <p:cSld>
+    <p:spTree>
+      <p:nvGrpSpPr>
+        <p:cNvPr id="1" name=""/>
+        <p:cNvGrpSpPr/>
+        <p:nvPr/>
+      </p:nvGrpSpPr>
+      <p:grpSpPr>
+        <a:xfrm>
+          <a:off x="0" y="0"/>
+          <a:ext cx="0" cy="0"/>
+          <a:chOff x="0" y="0"/>
+          <a:chExt cx="0" cy="0"/>
+        </a:xfrm>
+      </p:grpSpPr>
+      <p:sp>
+        <p:nvSpPr>
+          <p:cNvPr id="2" name="슬라이드 이미지 개체 틀 1"/>
+          <p:cNvSpPr>
+            <a:spLocks noGrp="1" noRot="1" noChangeAspect="1"/>
+          </p:cNvSpPr>
+          <p:nvPr>
+            <p:ph type="sldImg"/>
+          </p:nvPr>
+        </p:nvSpPr>
+        <p:spPr/>
+      </p:sp>
+      <p:sp>
+        <p:nvSpPr>
+          <p:cNvPr id="3" name="슬라이드 노트 개체 틀 2"/>
+          <p:cNvSpPr>
+            <a:spLocks noGrp="1"/>
+          </p:cNvSpPr>
+          <p:nvPr>
+            <p:ph type="body" idx="1"/>
+          </p:nvPr>
+        </p:nvSpPr>
+        <p:spPr/>
+        <p:txBody>
+          <a:bodyPr/>
+          <a:lstStyle/>
+          <a:p>
+            <a:r>
+              <a:rPr lang="ko-KR" altLang="en-US" dirty="0"/>
+              <a:t>위험지역에 진입 시 어찌 판단할 것인가</a:t>
+            </a:r>
+            <a:r>
+              <a:rPr lang="en-US" altLang="ko-KR" dirty="0"/>
+              <a:t>?</a:t>
+            </a:r>
+          </a:p>
+          <a:p>
+            <a:r>
+              <a:rPr lang="ko-KR" altLang="en-US" dirty="0"/>
+              <a:t>실시간으로 위치를 받는건지 임계영역을 확인하는건지</a:t>
+            </a:r>
+            <a:endParaRPr lang="en-US" altLang="ko-KR" dirty="0"/>
+          </a:p>
+          <a:p>
+            <a:endParaRPr lang="ko-KR" altLang="en-US" dirty="0"/>
+          </a:p>
+        </p:txBody>
+      </p:sp>
+      <p:sp>
+        <p:nvSpPr>
+          <p:cNvPr id="4" name="슬라이드 번호 개체 틀 3"/>
+          <p:cNvSpPr>
+            <a:spLocks noGrp="1"/>
+          </p:cNvSpPr>
+          <p:nvPr>
+            <p:ph type="sldNum" sz="quarter" idx="10"/>
+          </p:nvPr>
+        </p:nvSpPr>
+        <p:spPr/>
+        <p:txBody>
+          <a:bodyPr/>
+          <a:lstStyle/>
+          <a:p>
+            <a:fld id="{4299520E-C537-40B6-A8DC-FF12422EF8A9}" type="slidenum">
+              <a:rPr lang="ko-KR" altLang="en-US" smtClean="0"/>
+              <a:t>7</a:t>
+            </a:fld>
+            <a:endParaRPr lang="ko-KR" altLang="en-US"/>
+          </a:p>
+        </p:txBody>
+      </p:sp>
+    </p:spTree>
+    <p:extLst>
+      <p:ext uri="{BB962C8B-B14F-4D97-AF65-F5344CB8AC3E}">
+        <p14:creationId xmlns:p14="http://schemas.microsoft.com/office/powerpoint/2010/main" val="3336054810"/>
+      </p:ext>
+    </p:extLst>
+  </p:cSld>
+  <p:clrMapOvr>
+    <a:masterClrMapping/>
+  </p:clrMapOvr>
+</p:notes>
+</file>
+
+<file path=ppt/notesSlides/notesSlide2.xml><?xml version="1.0" encoding="utf-8"?>
+<p:notes xmlns:a="http://schemas.openxmlformats.org/drawingml/2006/main" xmlns:r="http://schemas.openxmlformats.org/officeDocument/2006/relationships" xmlns:p="http://schemas.openxmlformats.org/presentationml/2006/main">
+  <p:cSld>
+    <p:spTree>
+      <p:nvGrpSpPr>
+        <p:cNvPr id="1" name=""/>
+        <p:cNvGrpSpPr/>
+        <p:nvPr/>
+      </p:nvGrpSpPr>
+      <p:grpSpPr>
+        <a:xfrm>
+          <a:off x="0" y="0"/>
+          <a:ext cx="0" cy="0"/>
+          <a:chOff x="0" y="0"/>
+          <a:chExt cx="0" cy="0"/>
+        </a:xfrm>
+      </p:grpSpPr>
+      <p:sp>
+        <p:nvSpPr>
+          <p:cNvPr id="2" name="슬라이드 이미지 개체 틀 1"/>
+          <p:cNvSpPr>
+            <a:spLocks noGrp="1" noRot="1" noChangeAspect="1"/>
+          </p:cNvSpPr>
+          <p:nvPr>
+            <p:ph type="sldImg"/>
+          </p:nvPr>
+        </p:nvSpPr>
+        <p:spPr/>
+      </p:sp>
+      <p:sp>
+        <p:nvSpPr>
+          <p:cNvPr id="3" name="슬라이드 노트 개체 틀 2"/>
+          <p:cNvSpPr>
+            <a:spLocks noGrp="1"/>
+          </p:cNvSpPr>
+          <p:nvPr>
+            <p:ph type="body" idx="1"/>
+          </p:nvPr>
+        </p:nvSpPr>
+        <p:spPr/>
+        <p:txBody>
+          <a:bodyPr/>
+          <a:lstStyle/>
+          <a:p>
+            <a:endParaRPr lang="ko-KR" altLang="en-US" dirty="0"/>
+          </a:p>
+        </p:txBody>
+      </p:sp>
+      <p:sp>
+        <p:nvSpPr>
+          <p:cNvPr id="4" name="슬라이드 번호 개체 틀 3"/>
+          <p:cNvSpPr>
+            <a:spLocks noGrp="1"/>
+          </p:cNvSpPr>
+          <p:nvPr>
+            <p:ph type="sldNum" sz="quarter" idx="10"/>
+          </p:nvPr>
+        </p:nvSpPr>
+        <p:spPr/>
+        <p:txBody>
+          <a:bodyPr/>
+          <a:lstStyle/>
+          <a:p>
+            <a:fld id="{4299520E-C537-40B6-A8DC-FF12422EF8A9}" type="slidenum">
+              <a:rPr lang="ko-KR" altLang="en-US" smtClean="0"/>
+              <a:t>10</a:t>
+            </a:fld>
+            <a:endParaRPr lang="ko-KR" altLang="en-US"/>
+          </a:p>
+        </p:txBody>
+      </p:sp>
+    </p:spTree>
+    <p:extLst>
+      <p:ext uri="{BB962C8B-B14F-4D97-AF65-F5344CB8AC3E}">
+        <p14:creationId xmlns:p14="http://schemas.microsoft.com/office/powerpoint/2010/main" val="1673551842"/>
+      </p:ext>
+    </p:extLst>
+  </p:cSld>
+  <p:clrMapOvr>
+    <a:masterClrMapping/>
+  </p:clrMapOvr>
+</p:notes>
+</file>
+
+<file path=ppt/notesSlides/notesSlide3.xml><?xml version="1.0" encoding="utf-8"?>
+<p:notes xmlns:a="http://schemas.openxmlformats.org/drawingml/2006/main" xmlns:r="http://schemas.openxmlformats.org/officeDocument/2006/relationships" xmlns:p="http://schemas.openxmlformats.org/presentationml/2006/main">
+  <p:cSld>
+    <p:spTree>
+      <p:nvGrpSpPr>
+        <p:cNvPr id="1" name=""/>
+        <p:cNvGrpSpPr/>
+        <p:nvPr/>
+      </p:nvGrpSpPr>
+      <p:grpSpPr>
+        <a:xfrm>
+          <a:off x="0" y="0"/>
+          <a:ext cx="0" cy="0"/>
+          <a:chOff x="0" y="0"/>
+          <a:chExt cx="0" cy="0"/>
+        </a:xfrm>
+      </p:grpSpPr>
+      <p:sp>
+        <p:nvSpPr>
+          <p:cNvPr id="2" name="슬라이드 이미지 개체 틀 1"/>
+          <p:cNvSpPr>
+            <a:spLocks noGrp="1" noRot="1" noChangeAspect="1"/>
+          </p:cNvSpPr>
+          <p:nvPr>
+            <p:ph type="sldImg"/>
+          </p:nvPr>
+        </p:nvSpPr>
+        <p:spPr/>
+      </p:sp>
+      <p:sp>
+        <p:nvSpPr>
+          <p:cNvPr id="3" name="슬라이드 노트 개체 틀 2"/>
+          <p:cNvSpPr>
+            <a:spLocks noGrp="1"/>
+          </p:cNvSpPr>
+          <p:nvPr>
+            <p:ph type="body" idx="1"/>
+          </p:nvPr>
+        </p:nvSpPr>
+        <p:spPr/>
+        <p:txBody>
+          <a:bodyPr/>
+          <a:lstStyle/>
+          <a:p>
+            <a:endParaRPr lang="ko-KR" altLang="en-US" dirty="0"/>
+          </a:p>
+        </p:txBody>
+      </p:sp>
+      <p:sp>
+        <p:nvSpPr>
+          <p:cNvPr id="4" name="슬라이드 번호 개체 틀 3"/>
+          <p:cNvSpPr>
+            <a:spLocks noGrp="1"/>
+          </p:cNvSpPr>
+          <p:nvPr>
+            <p:ph type="sldNum" sz="quarter" idx="10"/>
+          </p:nvPr>
+        </p:nvSpPr>
+        <p:spPr/>
+        <p:txBody>
+          <a:bodyPr/>
+          <a:lstStyle/>
+          <a:p>
+            <a:fld id="{4299520E-C537-40B6-A8DC-FF12422EF8A9}" type="slidenum">
+              <a:rPr lang="ko-KR" altLang="en-US" smtClean="0"/>
+              <a:t>11</a:t>
+            </a:fld>
+            <a:endParaRPr lang="ko-KR" altLang="en-US"/>
+          </a:p>
+        </p:txBody>
+      </p:sp>
+    </p:spTree>
+    <p:extLst>
+      <p:ext uri="{BB962C8B-B14F-4D97-AF65-F5344CB8AC3E}">
+        <p14:creationId xmlns:p14="http://schemas.microsoft.com/office/powerpoint/2010/main" val="1981097046"/>
+      </p:ext>
+    </p:extLst>
+  </p:cSld>
+  <p:clrMapOvr>
+    <a:masterClrMapping/>
+  </p:clrMapOvr>
+</p:notes>
 </file>
 
 <file path=ppt/slideLayouts/slideLayout1.xml><?xml version="1.0" encoding="utf-8"?>
@@ -291,7 +942,7 @@
             <a:fld id="{EB80F7DE-E60C-43F8-BF97-3E6836F05660}" type="datetimeFigureOut">
               <a:rPr lang="ko-KR" altLang="en-US" smtClean="0"/>
               <a:pPr/>
-              <a:t>2017-12-30</a:t>
+              <a:t>2018-01-03</a:t>
             </a:fld>
             <a:endParaRPr lang="ko-KR" altLang="en-US"/>
           </a:p>
@@ -491,7 +1142,7 @@
             <a:fld id="{EB80F7DE-E60C-43F8-BF97-3E6836F05660}" type="datetimeFigureOut">
               <a:rPr lang="ko-KR" altLang="en-US" smtClean="0"/>
               <a:pPr/>
-              <a:t>2017-12-30</a:t>
+              <a:t>2018-01-03</a:t>
             </a:fld>
             <a:endParaRPr lang="ko-KR" altLang="en-US"/>
           </a:p>
@@ -701,7 +1352,7 @@
             <a:fld id="{EB80F7DE-E60C-43F8-BF97-3E6836F05660}" type="datetimeFigureOut">
               <a:rPr lang="ko-KR" altLang="en-US" smtClean="0"/>
               <a:pPr/>
-              <a:t>2017-12-30</a:t>
+              <a:t>2018-01-03</a:t>
             </a:fld>
             <a:endParaRPr lang="ko-KR" altLang="en-US"/>
           </a:p>
@@ -901,7 +1552,7 @@
             <a:fld id="{EB80F7DE-E60C-43F8-BF97-3E6836F05660}" type="datetimeFigureOut">
               <a:rPr lang="ko-KR" altLang="en-US" smtClean="0"/>
               <a:pPr/>
-              <a:t>2017-12-30</a:t>
+              <a:t>2018-01-03</a:t>
             </a:fld>
             <a:endParaRPr lang="ko-KR" altLang="en-US"/>
           </a:p>
@@ -1178,7 +1829,7 @@
             <a:fld id="{EB80F7DE-E60C-43F8-BF97-3E6836F05660}" type="datetimeFigureOut">
               <a:rPr lang="ko-KR" altLang="en-US" smtClean="0"/>
               <a:pPr/>
-              <a:t>2017-12-30</a:t>
+              <a:t>2018-01-03</a:t>
             </a:fld>
             <a:endParaRPr lang="ko-KR" altLang="en-US"/>
           </a:p>
@@ -1445,7 +2096,7 @@
             <a:fld id="{EB80F7DE-E60C-43F8-BF97-3E6836F05660}" type="datetimeFigureOut">
               <a:rPr lang="ko-KR" altLang="en-US" smtClean="0"/>
               <a:pPr/>
-              <a:t>2017-12-30</a:t>
+              <a:t>2018-01-03</a:t>
             </a:fld>
             <a:endParaRPr lang="ko-KR" altLang="en-US"/>
           </a:p>
@@ -1859,7 +2510,7 @@
             <a:fld id="{EB80F7DE-E60C-43F8-BF97-3E6836F05660}" type="datetimeFigureOut">
               <a:rPr lang="ko-KR" altLang="en-US" smtClean="0"/>
               <a:pPr/>
-              <a:t>2017-12-30</a:t>
+              <a:t>2018-01-03</a:t>
             </a:fld>
             <a:endParaRPr lang="ko-KR" altLang="en-US"/>
           </a:p>
@@ -2002,7 +2653,7 @@
             <a:fld id="{EB80F7DE-E60C-43F8-BF97-3E6836F05660}" type="datetimeFigureOut">
               <a:rPr lang="ko-KR" altLang="en-US" smtClean="0"/>
               <a:pPr/>
-              <a:t>2017-12-30</a:t>
+              <a:t>2018-01-03</a:t>
             </a:fld>
             <a:endParaRPr lang="ko-KR" altLang="en-US"/>
           </a:p>
@@ -2117,7 +2768,7 @@
             <a:fld id="{EB80F7DE-E60C-43F8-BF97-3E6836F05660}" type="datetimeFigureOut">
               <a:rPr lang="ko-KR" altLang="en-US" smtClean="0"/>
               <a:pPr/>
-              <a:t>2017-12-30</a:t>
+              <a:t>2018-01-03</a:t>
             </a:fld>
             <a:endParaRPr lang="ko-KR" altLang="en-US"/>
           </a:p>
@@ -2430,7 +3081,7 @@
             <a:fld id="{EB80F7DE-E60C-43F8-BF97-3E6836F05660}" type="datetimeFigureOut">
               <a:rPr lang="ko-KR" altLang="en-US" smtClean="0"/>
               <a:pPr/>
-              <a:t>2017-12-30</a:t>
+              <a:t>2018-01-03</a:t>
             </a:fld>
             <a:endParaRPr lang="ko-KR" altLang="en-US"/>
           </a:p>
@@ -2720,7 +3371,7 @@
             <a:fld id="{EB80F7DE-E60C-43F8-BF97-3E6836F05660}" type="datetimeFigureOut">
               <a:rPr lang="ko-KR" altLang="en-US" smtClean="0"/>
               <a:pPr/>
-              <a:t>2017-12-30</a:t>
+              <a:t>2018-01-03</a:t>
             </a:fld>
             <a:endParaRPr lang="ko-KR" altLang="en-US"/>
           </a:p>
@@ -2963,7 +3614,7 @@
             <a:fld id="{EB80F7DE-E60C-43F8-BF97-3E6836F05660}" type="datetimeFigureOut">
               <a:rPr lang="ko-KR" altLang="en-US" smtClean="0"/>
               <a:pPr/>
-              <a:t>2017-12-30</a:t>
+              <a:t>2018-01-03</a:t>
             </a:fld>
             <a:endParaRPr lang="ko-KR" altLang="en-US"/>
           </a:p>
@@ -4649,7 +5300,7 @@
         <p:spPr>
           <a:xfrm>
             <a:off x="8427867" y="2085989"/>
-            <a:ext cx="2760956" cy="3508653"/>
+            <a:ext cx="2760956" cy="2539157"/>
           </a:xfrm>
           <a:prstGeom prst="rect">
             <a:avLst/>
@@ -4684,27 +5335,6 @@
             <a:r>
               <a:rPr lang="en-US" altLang="ko-KR" sz="1600" dirty="0"/>
               <a:t>    - Spring framework</a:t>
-            </a:r>
-          </a:p>
-          <a:p>
-            <a:pPr>
-              <a:lnSpc>
-                <a:spcPct val="150000"/>
-              </a:lnSpc>
-            </a:pPr>
-            <a:endParaRPr lang="en-US" altLang="ko-KR" dirty="0"/>
-          </a:p>
-          <a:p>
-            <a:pPr marL="285750" indent="-285750">
-              <a:lnSpc>
-                <a:spcPct val="150000"/>
-              </a:lnSpc>
-              <a:buFont typeface="Arial" panose="020B0604020202020204" pitchFamily="34" charset="0"/>
-              <a:buChar char="•"/>
-            </a:pPr>
-            <a:r>
-              <a:rPr lang="ko-KR" altLang="en-US" sz="2000" dirty="0"/>
-              <a:t>하드웨어</a:t>
             </a:r>
             <a:endParaRPr lang="en-US" altLang="ko-KR" dirty="0"/>
           </a:p>
@@ -4912,7 +5542,7 @@
           <p:nvPr/>
         </p:nvPicPr>
         <p:blipFill>
-          <a:blip r:embed="rId2">
+          <a:blip r:embed="rId3">
             <a:extLst>
               <a:ext uri="{28A0092B-C50C-407E-A947-70E740481C1C}">
                 <a14:useLocalDpi xmlns:a14="http://schemas.microsoft.com/office/drawing/2010/main" val="0"/>
@@ -8374,6 +9004,139 @@
 </p:sld>
 </file>
 
+<file path=ppt/slides/slide18.xml><?xml version="1.0" encoding="utf-8"?>
+<p:sld xmlns:a="http://schemas.openxmlformats.org/drawingml/2006/main" xmlns:r="http://schemas.openxmlformats.org/officeDocument/2006/relationships" xmlns:p="http://schemas.openxmlformats.org/presentationml/2006/main">
+  <p:cSld>
+    <p:spTree>
+      <p:nvGrpSpPr>
+        <p:cNvPr id="1" name=""/>
+        <p:cNvGrpSpPr/>
+        <p:nvPr/>
+      </p:nvGrpSpPr>
+      <p:grpSpPr>
+        <a:xfrm>
+          <a:off x="0" y="0"/>
+          <a:ext cx="0" cy="0"/>
+          <a:chOff x="0" y="0"/>
+          <a:chExt cx="0" cy="0"/>
+        </a:xfrm>
+      </p:grpSpPr>
+      <p:sp>
+        <p:nvSpPr>
+          <p:cNvPr id="8" name="TextBox 7">
+            <a:extLst>
+              <a:ext uri="{FF2B5EF4-FFF2-40B4-BE49-F238E27FC236}">
+                <a16:creationId xmlns:a16="http://schemas.microsoft.com/office/drawing/2014/main" id="{A1B98550-860F-443A-A456-0E2EAE366D1D}"/>
+              </a:ext>
+            </a:extLst>
+          </p:cNvPr>
+          <p:cNvSpPr txBox="1"/>
+          <p:nvPr/>
+        </p:nvSpPr>
+        <p:spPr>
+          <a:xfrm>
+            <a:off x="537796" y="284756"/>
+            <a:ext cx="4167065" cy="707886"/>
+          </a:xfrm>
+          <a:prstGeom prst="rect">
+            <a:avLst/>
+          </a:prstGeom>
+          <a:noFill/>
+        </p:spPr>
+        <p:txBody>
+          <a:bodyPr wrap="square" rtlCol="0">
+            <a:spAutoFit/>
+          </a:bodyPr>
+          <a:lstStyle/>
+          <a:p>
+            <a:r>
+              <a:rPr lang="ko-KR" altLang="en-US" sz="4000" dirty="0">
+                <a:latin typeface="a가시고기B" panose="02020600000000000000" pitchFamily="18" charset="-127"/>
+                <a:ea typeface="a가시고기B" panose="02020600000000000000" pitchFamily="18" charset="-127"/>
+              </a:rPr>
+              <a:t>부록</a:t>
+            </a:r>
+          </a:p>
+        </p:txBody>
+      </p:sp>
+      <p:sp>
+        <p:nvSpPr>
+          <p:cNvPr id="9" name="직사각형 8">
+            <a:extLst>
+              <a:ext uri="{FF2B5EF4-FFF2-40B4-BE49-F238E27FC236}">
+                <a16:creationId xmlns:a16="http://schemas.microsoft.com/office/drawing/2014/main" id="{67968165-15C5-4C62-BFAE-104CC98506B6}"/>
+              </a:ext>
+            </a:extLst>
+          </p:cNvPr>
+          <p:cNvSpPr/>
+          <p:nvPr/>
+        </p:nvSpPr>
+        <p:spPr>
+          <a:xfrm>
+            <a:off x="453293" y="375138"/>
+            <a:ext cx="84504" cy="527123"/>
+          </a:xfrm>
+          <a:prstGeom prst="rect">
+            <a:avLst/>
+          </a:prstGeom>
+          <a:solidFill>
+            <a:schemeClr val="tx1"/>
+          </a:solidFill>
+          <a:ln>
+            <a:solidFill>
+              <a:schemeClr val="tx1"/>
+            </a:solidFill>
+          </a:ln>
+        </p:spPr>
+        <p:style>
+          <a:lnRef idx="2">
+            <a:schemeClr val="accent1">
+              <a:shade val="50000"/>
+            </a:schemeClr>
+          </a:lnRef>
+          <a:fillRef idx="1">
+            <a:schemeClr val="accent1"/>
+          </a:fillRef>
+          <a:effectRef idx="0">
+            <a:schemeClr val="accent1"/>
+          </a:effectRef>
+          <a:fontRef idx="minor">
+            <a:schemeClr val="lt1"/>
+          </a:fontRef>
+        </p:style>
+        <p:txBody>
+          <a:bodyPr rtlCol="0" anchor="ctr"/>
+          <a:lstStyle/>
+          <a:p>
+            <a:pPr algn="ctr"/>
+            <a:endParaRPr lang="ko-KR" altLang="en-US">
+              <a:latin typeface="a가시고기L" panose="02020600000000000000" pitchFamily="18" charset="-127"/>
+              <a:ea typeface="a가시고기L" panose="02020600000000000000" pitchFamily="18" charset="-127"/>
+            </a:endParaRPr>
+          </a:p>
+        </p:txBody>
+      </p:sp>
+    </p:spTree>
+    <p:extLst>
+      <p:ext uri="{BB962C8B-B14F-4D97-AF65-F5344CB8AC3E}">
+        <p14:creationId xmlns:p14="http://schemas.microsoft.com/office/powerpoint/2010/main" val="333874365"/>
+      </p:ext>
+    </p:extLst>
+  </p:cSld>
+  <p:clrMapOvr>
+    <a:masterClrMapping/>
+  </p:clrMapOvr>
+  <mc:AlternateContent xmlns:mc="http://schemas.openxmlformats.org/markup-compatibility/2006" xmlns:p14="http://schemas.microsoft.com/office/powerpoint/2010/main">
+    <mc:Choice Requires="p14">
+      <p:transition p14:dur="0" advTm="4000"/>
+    </mc:Choice>
+    <mc:Fallback xmlns="">
+      <p:transition advTm="4000"/>
+    </mc:Fallback>
+  </mc:AlternateContent>
+</p:sld>
+</file>
+
 <file path=ppt/slides/slide2.xml><?xml version="1.0" encoding="utf-8"?>
 <p:sld xmlns:a="http://schemas.openxmlformats.org/drawingml/2006/main" xmlns:r="http://schemas.openxmlformats.org/officeDocument/2006/relationships" xmlns:p="http://schemas.openxmlformats.org/presentationml/2006/main">
   <p:cSld>
@@ -9778,13 +10541,7 @@
       </p:sp>
       <p:pic>
         <p:nvPicPr>
-          <p:cNvPr id="2" name="그림 1">
-            <a:extLst>
-              <a:ext uri="{FF2B5EF4-FFF2-40B4-BE49-F238E27FC236}">
-                <a16:creationId xmlns:a16="http://schemas.microsoft.com/office/drawing/2014/main" id="{173ED3A5-E395-4F3A-A7F4-F92C6B1D001B}"/>
-              </a:ext>
-            </a:extLst>
-          </p:cNvPr>
+          <p:cNvPr id="16" name="그림 15" descr="기사2번.png"/>
           <p:cNvPicPr>
             <a:picLocks noChangeAspect="1"/>
           </p:cNvPicPr>
@@ -9792,186 +10549,6 @@
         </p:nvPicPr>
         <p:blipFill>
           <a:blip r:embed="rId2"/>
-          <a:stretch>
-            <a:fillRect/>
-          </a:stretch>
-        </p:blipFill>
-        <p:spPr>
-          <a:xfrm>
-            <a:off x="5812300" y="1417983"/>
-            <a:ext cx="6038850" cy="2429125"/>
-          </a:xfrm>
-          <a:prstGeom prst="rect">
-            <a:avLst/>
-          </a:prstGeom>
-        </p:spPr>
-      </p:pic>
-      <p:sp>
-        <p:nvSpPr>
-          <p:cNvPr id="4" name="직사각형 3">
-            <a:extLst>
-              <a:ext uri="{FF2B5EF4-FFF2-40B4-BE49-F238E27FC236}">
-                <a16:creationId xmlns:a16="http://schemas.microsoft.com/office/drawing/2014/main" id="{E44F33EB-C972-4544-9233-411D9FE29796}"/>
-              </a:ext>
-            </a:extLst>
-          </p:cNvPr>
-          <p:cNvSpPr/>
-          <p:nvPr/>
-        </p:nvSpPr>
-        <p:spPr>
-          <a:xfrm>
-            <a:off x="6785113" y="3167270"/>
-            <a:ext cx="2092942" cy="224001"/>
-          </a:xfrm>
-          <a:prstGeom prst="rect">
-            <a:avLst/>
-          </a:prstGeom>
-          <a:noFill/>
-          <a:ln w="28575">
-            <a:solidFill>
-              <a:srgbClr val="FF0000"/>
-            </a:solidFill>
-          </a:ln>
-        </p:spPr>
-        <p:style>
-          <a:lnRef idx="2">
-            <a:schemeClr val="accent1">
-              <a:shade val="50000"/>
-            </a:schemeClr>
-          </a:lnRef>
-          <a:fillRef idx="1">
-            <a:schemeClr val="accent1"/>
-          </a:fillRef>
-          <a:effectRef idx="0">
-            <a:schemeClr val="accent1"/>
-          </a:effectRef>
-          <a:fontRef idx="minor">
-            <a:schemeClr val="lt1"/>
-          </a:fontRef>
-        </p:style>
-        <p:txBody>
-          <a:bodyPr rtlCol="0" anchor="ctr"/>
-          <a:lstStyle/>
-          <a:p>
-            <a:pPr algn="ctr"/>
-            <a:endParaRPr lang="ko-KR" altLang="en-US"/>
-          </a:p>
-        </p:txBody>
-      </p:sp>
-      <p:sp>
-        <p:nvSpPr>
-          <p:cNvPr id="17" name="직사각형 16">
-            <a:extLst>
-              <a:ext uri="{FF2B5EF4-FFF2-40B4-BE49-F238E27FC236}">
-                <a16:creationId xmlns:a16="http://schemas.microsoft.com/office/drawing/2014/main" id="{0C336AC1-1320-43C0-B9A0-31B97C838D54}"/>
-              </a:ext>
-            </a:extLst>
-          </p:cNvPr>
-          <p:cNvSpPr/>
-          <p:nvPr/>
-        </p:nvSpPr>
-        <p:spPr>
-          <a:xfrm>
-            <a:off x="8733183" y="3419061"/>
-            <a:ext cx="2287868" cy="184695"/>
-          </a:xfrm>
-          <a:prstGeom prst="rect">
-            <a:avLst/>
-          </a:prstGeom>
-          <a:noFill/>
-          <a:ln w="28575">
-            <a:solidFill>
-              <a:srgbClr val="FF0000"/>
-            </a:solidFill>
-          </a:ln>
-        </p:spPr>
-        <p:style>
-          <a:lnRef idx="2">
-            <a:schemeClr val="accent1">
-              <a:shade val="50000"/>
-            </a:schemeClr>
-          </a:lnRef>
-          <a:fillRef idx="1">
-            <a:schemeClr val="accent1"/>
-          </a:fillRef>
-          <a:effectRef idx="0">
-            <a:schemeClr val="accent1"/>
-          </a:effectRef>
-          <a:fontRef idx="minor">
-            <a:schemeClr val="lt1"/>
-          </a:fontRef>
-        </p:style>
-        <p:txBody>
-          <a:bodyPr rtlCol="0" anchor="ctr"/>
-          <a:lstStyle/>
-          <a:p>
-            <a:pPr algn="ctr"/>
-            <a:endParaRPr lang="ko-KR" altLang="en-US"/>
-          </a:p>
-        </p:txBody>
-      </p:sp>
-      <p:sp>
-        <p:nvSpPr>
-          <p:cNvPr id="19" name="직사각형 18">
-            <a:extLst>
-              <a:ext uri="{FF2B5EF4-FFF2-40B4-BE49-F238E27FC236}">
-                <a16:creationId xmlns:a16="http://schemas.microsoft.com/office/drawing/2014/main" id="{6396FB31-1E03-4650-A730-1E5EF072CBA7}"/>
-              </a:ext>
-            </a:extLst>
-          </p:cNvPr>
-          <p:cNvSpPr/>
-          <p:nvPr/>
-        </p:nvSpPr>
-        <p:spPr>
-          <a:xfrm>
-            <a:off x="5940437" y="3617843"/>
-            <a:ext cx="1454919" cy="188668"/>
-          </a:xfrm>
-          <a:prstGeom prst="rect">
-            <a:avLst/>
-          </a:prstGeom>
-          <a:noFill/>
-          <a:ln w="28575">
-            <a:solidFill>
-              <a:srgbClr val="FF0000"/>
-            </a:solidFill>
-          </a:ln>
-        </p:spPr>
-        <p:style>
-          <a:lnRef idx="2">
-            <a:schemeClr val="accent1">
-              <a:shade val="50000"/>
-            </a:schemeClr>
-          </a:lnRef>
-          <a:fillRef idx="1">
-            <a:schemeClr val="accent1"/>
-          </a:fillRef>
-          <a:effectRef idx="0">
-            <a:schemeClr val="accent1"/>
-          </a:effectRef>
-          <a:fontRef idx="minor">
-            <a:schemeClr val="lt1"/>
-          </a:fontRef>
-        </p:style>
-        <p:txBody>
-          <a:bodyPr rtlCol="0" anchor="ctr"/>
-          <a:lstStyle/>
-          <a:p>
-            <a:pPr algn="ctr"/>
-            <a:endParaRPr lang="ko-KR" altLang="en-US"/>
-          </a:p>
-        </p:txBody>
-      </p:sp>
-      <p:pic>
-        <p:nvPicPr>
-          <p:cNvPr id="16" name="그림 15" descr="기사2번.png"/>
-          <p:cNvPicPr>
-            <a:picLocks noChangeAspect="1"/>
-          </p:cNvPicPr>
-          <p:nvPr/>
-        </p:nvPicPr>
-        <p:blipFill>
-          <a:blip r:embed="rId3"/>
           <a:stretch>
             <a:fillRect/>
           </a:stretch>
@@ -10038,10 +10615,98 @@
           </a:p>
         </p:txBody>
       </p:sp>
+      <p:pic>
+        <p:nvPicPr>
+          <p:cNvPr id="5" name="그림 4">
+            <a:extLst>
+              <a:ext uri="{FF2B5EF4-FFF2-40B4-BE49-F238E27FC236}">
+                <a16:creationId xmlns:a16="http://schemas.microsoft.com/office/drawing/2014/main" id="{A216BE99-8031-4141-A3AD-1C4F0BCFC1AA}"/>
+              </a:ext>
+            </a:extLst>
+          </p:cNvPr>
+          <p:cNvPicPr>
+            <a:picLocks noChangeAspect="1"/>
+          </p:cNvPicPr>
+          <p:nvPr/>
+        </p:nvPicPr>
+        <p:blipFill>
+          <a:blip r:embed="rId3">
+            <a:extLst>
+              <a:ext uri="{28A0092B-C50C-407E-A947-70E740481C1C}">
+                <a14:useLocalDpi xmlns:a14="http://schemas.microsoft.com/office/drawing/2010/main" val="0"/>
+              </a:ext>
+            </a:extLst>
+          </a:blip>
+          <a:stretch>
+            <a:fillRect/>
+          </a:stretch>
+        </p:blipFill>
+        <p:spPr>
+          <a:xfrm>
+            <a:off x="5883966" y="449885"/>
+            <a:ext cx="5928874" cy="3436918"/>
+          </a:xfrm>
+          <a:prstGeom prst="rect">
+            <a:avLst/>
+          </a:prstGeom>
+        </p:spPr>
+      </p:pic>
+      <p:sp>
+        <p:nvSpPr>
+          <p:cNvPr id="18" name="직사각형 17">
+            <a:extLst>
+              <a:ext uri="{FF2B5EF4-FFF2-40B4-BE49-F238E27FC236}">
+                <a16:creationId xmlns:a16="http://schemas.microsoft.com/office/drawing/2014/main" id="{6B42E5F0-199C-4959-9157-440D321EC28F}"/>
+              </a:ext>
+            </a:extLst>
+          </p:cNvPr>
+          <p:cNvSpPr/>
+          <p:nvPr/>
+        </p:nvSpPr>
+        <p:spPr>
+          <a:xfrm>
+            <a:off x="7213813" y="3039970"/>
+            <a:ext cx="3842533" cy="202430"/>
+          </a:xfrm>
+          <a:prstGeom prst="rect">
+            <a:avLst/>
+          </a:prstGeom>
+          <a:noFill/>
+          <a:ln w="28575">
+            <a:solidFill>
+              <a:srgbClr val="FF0000"/>
+            </a:solidFill>
+          </a:ln>
+        </p:spPr>
+        <p:style>
+          <a:lnRef idx="2">
+            <a:schemeClr val="accent1">
+              <a:shade val="50000"/>
+            </a:schemeClr>
+          </a:lnRef>
+          <a:fillRef idx="1">
+            <a:schemeClr val="accent1"/>
+          </a:fillRef>
+          <a:effectRef idx="0">
+            <a:schemeClr val="accent1"/>
+          </a:effectRef>
+          <a:fontRef idx="minor">
+            <a:schemeClr val="lt1"/>
+          </a:fontRef>
+        </p:style>
+        <p:txBody>
+          <a:bodyPr rtlCol="0" anchor="ctr"/>
+          <a:lstStyle/>
+          <a:p>
+            <a:pPr algn="ctr"/>
+            <a:endParaRPr lang="ko-KR" altLang="en-US"/>
+          </a:p>
+        </p:txBody>
+      </p:sp>
     </p:spTree>
     <p:extLst>
       <p:ext uri="{BB962C8B-B14F-4D97-AF65-F5344CB8AC3E}">
-        <p14:creationId xmlns:p14="http://schemas.microsoft.com/office/powerpoint/2010/main" val="2808355567"/>
+        <p14:creationId xmlns:p14="http://schemas.microsoft.com/office/powerpoint/2010/main" val="388362383"/>
       </p:ext>
     </p:extLst>
   </p:cSld>
@@ -10234,7 +10899,7 @@
         <p:spPr>
           <a:xfrm>
             <a:off x="768885" y="2137169"/>
-            <a:ext cx="4697353" cy="923330"/>
+            <a:ext cx="4697353" cy="1290353"/>
           </a:xfrm>
           <a:prstGeom prst="rect">
             <a:avLst/>
@@ -10251,6 +10916,9 @@
           <a:lstStyle/>
           <a:p>
             <a:pPr marL="342900" indent="-342900">
+              <a:lnSpc>
+                <a:spcPct val="150000"/>
+              </a:lnSpc>
               <a:buFontTx/>
               <a:buChar char="-"/>
             </a:pPr>
@@ -10291,6 +10959,11 @@
             </a:endParaRPr>
           </a:p>
           <a:p>
+            <a:pPr>
+              <a:lnSpc>
+                <a:spcPct val="150000"/>
+              </a:lnSpc>
+            </a:pPr>
             <a:r>
               <a:rPr lang="ko-KR" altLang="en-US" dirty="0">
                 <a:latin typeface="a가시고기L" panose="02020600000000000000" pitchFamily="18" charset="-127"/>
@@ -10304,6 +10977,11 @@
             </a:endParaRPr>
           </a:p>
           <a:p>
+            <a:pPr>
+              <a:lnSpc>
+                <a:spcPct val="150000"/>
+              </a:lnSpc>
+            </a:pPr>
             <a:r>
               <a:rPr lang="en-US" altLang="ko-KR" dirty="0">
                 <a:latin typeface="a가시고기L" panose="02020600000000000000" pitchFamily="18" charset="-127"/>
@@ -10327,10 +11005,10 @@
       </p:sp>
       <p:pic>
         <p:nvPicPr>
-          <p:cNvPr id="12" name="그림 11" descr="스크린샷이(가) 표시된 사진&#10;&#10;매우 높은 신뢰도로 생성된 설명">
-            <a:extLst>
-              <a:ext uri="{FF2B5EF4-FFF2-40B4-BE49-F238E27FC236}">
-                <a16:creationId xmlns:a16="http://schemas.microsoft.com/office/drawing/2014/main" id="{F213FA47-9A82-4872-B4BA-CD6181B9AE90}"/>
+          <p:cNvPr id="2" name="그림 1">
+            <a:extLst>
+              <a:ext uri="{FF2B5EF4-FFF2-40B4-BE49-F238E27FC236}">
+                <a16:creationId xmlns:a16="http://schemas.microsoft.com/office/drawing/2014/main" id="{EAD9961A-8FBF-4833-AEDB-1E3D9065CDEB}"/>
               </a:ext>
             </a:extLst>
           </p:cNvPr>
@@ -10340,21 +11018,15 @@
           <p:nvPr/>
         </p:nvPicPr>
         <p:blipFill>
-          <a:blip r:embed="rId2">
-            <a:extLst>
-              <a:ext uri="{28A0092B-C50C-407E-A947-70E740481C1C}">
-                <a14:useLocalDpi xmlns:a14="http://schemas.microsoft.com/office/drawing/2010/main" val="0"/>
-              </a:ext>
-            </a:extLst>
-          </a:blip>
+          <a:blip r:embed="rId2"/>
           <a:stretch>
             <a:fillRect/>
           </a:stretch>
         </p:blipFill>
         <p:spPr>
           <a:xfrm>
-            <a:off x="4911208" y="1487489"/>
-            <a:ext cx="7280792" cy="3954030"/>
+            <a:off x="4635668" y="955784"/>
+            <a:ext cx="7372350" cy="4943475"/>
           </a:xfrm>
           <a:prstGeom prst="rect">
             <a:avLst/>
@@ -11325,7 +11997,7 @@
           <p:nvPr/>
         </p:nvPicPr>
         <p:blipFill>
-          <a:blip r:embed="rId2">
+          <a:blip r:embed="rId3">
             <a:extLst>
               <a:ext uri="{28A0092B-C50C-407E-A947-70E740481C1C}">
                 <a14:useLocalDpi xmlns:a14="http://schemas.microsoft.com/office/drawing/2010/main" val="0"/>
@@ -11358,7 +12030,7 @@
   </p:clrMapOvr>
   <mc:AlternateContent xmlns:mc="http://schemas.openxmlformats.org/markup-compatibility/2006" xmlns:p14="http://schemas.microsoft.com/office/powerpoint/2010/main">
     <mc:Choice Requires="p14">
-      <p:transition p14:dur="0" advTm="4000"/>
+      <p:transition p14:dur="10" advTm="4000"/>
     </mc:Choice>
     <mc:Fallback xmlns="">
       <p:transition advTm="4000"/>
@@ -13079,4 +13751,299 @@
     </a:ext>
   </a:extLst>
 </a:theme>
+</file>
+
+<file path=ppt/theme/theme2.xml><?xml version="1.0" encoding="utf-8"?>
+<a:theme xmlns:a="http://schemas.openxmlformats.org/drawingml/2006/main" name="Office 테마">
+  <a:themeElements>
+    <a:clrScheme name="Office">
+      <a:dk1>
+        <a:sysClr val="windowText" lastClr="000000"/>
+      </a:dk1>
+      <a:lt1>
+        <a:sysClr val="window" lastClr="FFFFFF"/>
+      </a:lt1>
+      <a:dk2>
+        <a:srgbClr val="44546A"/>
+      </a:dk2>
+      <a:lt2>
+        <a:srgbClr val="E7E6E6"/>
+      </a:lt2>
+      <a:accent1>
+        <a:srgbClr val="4472C4"/>
+      </a:accent1>
+      <a:accent2>
+        <a:srgbClr val="ED7D31"/>
+      </a:accent2>
+      <a:accent3>
+        <a:srgbClr val="A5A5A5"/>
+      </a:accent3>
+      <a:accent4>
+        <a:srgbClr val="FFC000"/>
+      </a:accent4>
+      <a:accent5>
+        <a:srgbClr val="5B9BD5"/>
+      </a:accent5>
+      <a:accent6>
+        <a:srgbClr val="70AD47"/>
+      </a:accent6>
+      <a:hlink>
+        <a:srgbClr val="0563C1"/>
+      </a:hlink>
+      <a:folHlink>
+        <a:srgbClr val="954F72"/>
+      </a:folHlink>
+    </a:clrScheme>
+    <a:fontScheme name="Office">
+      <a:majorFont>
+        <a:latin typeface="맑은 고딕" panose="020F0302020204030204"/>
+        <a:ea typeface=""/>
+        <a:cs typeface=""/>
+        <a:font script="Jpan" typeface="游ゴシック Light"/>
+        <a:font script="Hang" typeface="맑은 고딕"/>
+        <a:font script="Hans" typeface="等线 Light"/>
+        <a:font script="Hant" typeface="新細明體"/>
+        <a:font script="Arab" typeface="Times New Roman"/>
+        <a:font script="Hebr" typeface="Times New Roman"/>
+        <a:font script="Thai" typeface="Angsana New"/>
+        <a:font script="Ethi" typeface="Nyala"/>
+        <a:font script="Beng" typeface="Vrinda"/>
+        <a:font script="Gujr" typeface="Shruti"/>
+        <a:font script="Khmr" typeface="MoolBoran"/>
+        <a:font script="Knda" typeface="Tunga"/>
+        <a:font script="Guru" typeface="Raavi"/>
+        <a:font script="Cans" typeface="Euphemia"/>
+        <a:font script="Cher" typeface="Plantagenet Cherokee"/>
+        <a:font script="Yiii" typeface="Microsoft Yi Baiti"/>
+        <a:font script="Tibt" typeface="Microsoft Himalaya"/>
+        <a:font script="Thaa" typeface="MV Boli"/>
+        <a:font script="Deva" typeface="Mangal"/>
+        <a:font script="Telu" typeface="Gautami"/>
+        <a:font script="Taml" typeface="Latha"/>
+        <a:font script="Syrc" typeface="Estrangelo Edessa"/>
+        <a:font script="Orya" typeface="Kalinga"/>
+        <a:font script="Mlym" typeface="Kartika"/>
+        <a:font script="Laoo" typeface="DokChampa"/>
+        <a:font script="Sinh" typeface="Iskoola Pota"/>
+        <a:font script="Mong" typeface="Mongolian Baiti"/>
+        <a:font script="Viet" typeface="Times New Roman"/>
+        <a:font script="Uigh" typeface="Microsoft Uighur"/>
+        <a:font script="Geor" typeface="Sylfaen"/>
+        <a:font script="Armn" typeface="Arial"/>
+        <a:font script="Bugi" typeface="Leelawadee UI"/>
+        <a:font script="Bopo" typeface="Microsoft JhengHei"/>
+        <a:font script="Java" typeface="Javanese Text"/>
+        <a:font script="Lisu" typeface="Segoe UI"/>
+        <a:font script="Mymr" typeface="Myanmar Text"/>
+        <a:font script="Nkoo" typeface="Ebrima"/>
+        <a:font script="Olck" typeface="Nirmala UI"/>
+        <a:font script="Osma" typeface="Ebrima"/>
+        <a:font script="Phag" typeface="Phagspa"/>
+        <a:font script="Syrn" typeface="Estrangelo Edessa"/>
+        <a:font script="Syrj" typeface="Estrangelo Edessa"/>
+        <a:font script="Syre" typeface="Estrangelo Edessa"/>
+        <a:font script="Sora" typeface="Nirmala UI"/>
+        <a:font script="Tale" typeface="Microsoft Tai Le"/>
+        <a:font script="Talu" typeface="Microsoft New Tai Lue"/>
+        <a:font script="Tfng" typeface="Ebrima"/>
+      </a:majorFont>
+      <a:minorFont>
+        <a:latin typeface="맑은 고딕" panose="020F0502020204030204"/>
+        <a:ea typeface=""/>
+        <a:cs typeface=""/>
+        <a:font script="Jpan" typeface="游ゴシック"/>
+        <a:font script="Hang" typeface="맑은 고딕"/>
+        <a:font script="Hans" typeface="等线"/>
+        <a:font script="Hant" typeface="新細明體"/>
+        <a:font script="Arab" typeface="Arial"/>
+        <a:font script="Hebr" typeface="Arial"/>
+        <a:font script="Thai" typeface="Cordia New"/>
+        <a:font script="Ethi" typeface="Nyala"/>
+        <a:font script="Beng" typeface="Vrinda"/>
+        <a:font script="Gujr" typeface="Shruti"/>
+        <a:font script="Khmr" typeface="DaunPenh"/>
+        <a:font script="Knda" typeface="Tunga"/>
+        <a:font script="Guru" typeface="Raavi"/>
+        <a:font script="Cans" typeface="Euphemia"/>
+        <a:font script="Cher" typeface="Plantagenet Cherokee"/>
+        <a:font script="Yiii" typeface="Microsoft Yi Baiti"/>
+        <a:font script="Tibt" typeface="Microsoft Himalaya"/>
+        <a:font script="Thaa" typeface="MV Boli"/>
+        <a:font script="Deva" typeface="Mangal"/>
+        <a:font script="Telu" typeface="Gautami"/>
+        <a:font script="Taml" typeface="Latha"/>
+        <a:font script="Syrc" typeface="Estrangelo Edessa"/>
+        <a:font script="Orya" typeface="Kalinga"/>
+        <a:font script="Mlym" typeface="Kartika"/>
+        <a:font script="Laoo" typeface="DokChampa"/>
+        <a:font script="Sinh" typeface="Iskoola Pota"/>
+        <a:font script="Mong" typeface="Mongolian Baiti"/>
+        <a:font script="Viet" typeface="Arial"/>
+        <a:font script="Uigh" typeface="Microsoft Uighur"/>
+        <a:font script="Geor" typeface="Sylfaen"/>
+        <a:font script="Armn" typeface="Arial"/>
+        <a:font script="Bugi" typeface="Leelawadee UI"/>
+        <a:font script="Bopo" typeface="Microsoft JhengHei"/>
+        <a:font script="Java" typeface="Javanese Text"/>
+        <a:font script="Lisu" typeface="Segoe UI"/>
+        <a:font script="Mymr" typeface="Myanmar Text"/>
+        <a:font script="Nkoo" typeface="Ebrima"/>
+        <a:font script="Olck" typeface="Nirmala UI"/>
+        <a:font script="Osma" typeface="Ebrima"/>
+        <a:font script="Phag" typeface="Phagspa"/>
+        <a:font script="Syrn" typeface="Estrangelo Edessa"/>
+        <a:font script="Syrj" typeface="Estrangelo Edessa"/>
+        <a:font script="Syre" typeface="Estrangelo Edessa"/>
+        <a:font script="Sora" typeface="Nirmala UI"/>
+        <a:font script="Tale" typeface="Microsoft Tai Le"/>
+        <a:font script="Talu" typeface="Microsoft New Tai Lue"/>
+        <a:font script="Tfng" typeface="Ebrima"/>
+      </a:minorFont>
+    </a:fontScheme>
+    <a:fmtScheme name="Office">
+      <a:fillStyleLst>
+        <a:solidFill>
+          <a:schemeClr val="phClr"/>
+        </a:solidFill>
+        <a:gradFill rotWithShape="1">
+          <a:gsLst>
+            <a:gs pos="0">
+              <a:schemeClr val="phClr">
+                <a:lumMod val="110000"/>
+                <a:satMod val="105000"/>
+                <a:tint val="67000"/>
+              </a:schemeClr>
+            </a:gs>
+            <a:gs pos="50000">
+              <a:schemeClr val="phClr">
+                <a:lumMod val="105000"/>
+                <a:satMod val="103000"/>
+                <a:tint val="73000"/>
+              </a:schemeClr>
+            </a:gs>
+            <a:gs pos="100000">
+              <a:schemeClr val="phClr">
+                <a:lumMod val="105000"/>
+                <a:satMod val="109000"/>
+                <a:tint val="81000"/>
+              </a:schemeClr>
+            </a:gs>
+          </a:gsLst>
+          <a:lin ang="5400000" scaled="0"/>
+        </a:gradFill>
+        <a:gradFill rotWithShape="1">
+          <a:gsLst>
+            <a:gs pos="0">
+              <a:schemeClr val="phClr">
+                <a:satMod val="103000"/>
+                <a:lumMod val="102000"/>
+                <a:tint val="94000"/>
+              </a:schemeClr>
+            </a:gs>
+            <a:gs pos="50000">
+              <a:schemeClr val="phClr">
+                <a:satMod val="110000"/>
+                <a:lumMod val="100000"/>
+                <a:shade val="100000"/>
+              </a:schemeClr>
+            </a:gs>
+            <a:gs pos="100000">
+              <a:schemeClr val="phClr">
+                <a:lumMod val="99000"/>
+                <a:satMod val="120000"/>
+                <a:shade val="78000"/>
+              </a:schemeClr>
+            </a:gs>
+          </a:gsLst>
+          <a:lin ang="5400000" scaled="0"/>
+        </a:gradFill>
+      </a:fillStyleLst>
+      <a:lnStyleLst>
+        <a:ln w="6350" cap="flat" cmpd="sng" algn="ctr">
+          <a:solidFill>
+            <a:schemeClr val="phClr"/>
+          </a:solidFill>
+          <a:prstDash val="solid"/>
+          <a:miter lim="800000"/>
+        </a:ln>
+        <a:ln w="12700" cap="flat" cmpd="sng" algn="ctr">
+          <a:solidFill>
+            <a:schemeClr val="phClr"/>
+          </a:solidFill>
+          <a:prstDash val="solid"/>
+          <a:miter lim="800000"/>
+        </a:ln>
+        <a:ln w="19050" cap="flat" cmpd="sng" algn="ctr">
+          <a:solidFill>
+            <a:schemeClr val="phClr"/>
+          </a:solidFill>
+          <a:prstDash val="solid"/>
+          <a:miter lim="800000"/>
+        </a:ln>
+      </a:lnStyleLst>
+      <a:effectStyleLst>
+        <a:effectStyle>
+          <a:effectLst/>
+        </a:effectStyle>
+        <a:effectStyle>
+          <a:effectLst/>
+        </a:effectStyle>
+        <a:effectStyle>
+          <a:effectLst>
+            <a:outerShdw blurRad="57150" dist="19050" dir="5400000" algn="ctr" rotWithShape="0">
+              <a:srgbClr val="000000">
+                <a:alpha val="63000"/>
+              </a:srgbClr>
+            </a:outerShdw>
+          </a:effectLst>
+        </a:effectStyle>
+      </a:effectStyleLst>
+      <a:bgFillStyleLst>
+        <a:solidFill>
+          <a:schemeClr val="phClr"/>
+        </a:solidFill>
+        <a:solidFill>
+          <a:schemeClr val="phClr">
+            <a:tint val="95000"/>
+            <a:satMod val="170000"/>
+          </a:schemeClr>
+        </a:solidFill>
+        <a:gradFill rotWithShape="1">
+          <a:gsLst>
+            <a:gs pos="0">
+              <a:schemeClr val="phClr">
+                <a:tint val="93000"/>
+                <a:satMod val="150000"/>
+                <a:shade val="98000"/>
+                <a:lumMod val="102000"/>
+              </a:schemeClr>
+            </a:gs>
+            <a:gs pos="50000">
+              <a:schemeClr val="phClr">
+                <a:tint val="98000"/>
+                <a:satMod val="130000"/>
+                <a:shade val="90000"/>
+                <a:lumMod val="103000"/>
+              </a:schemeClr>
+            </a:gs>
+            <a:gs pos="100000">
+              <a:schemeClr val="phClr">
+                <a:shade val="63000"/>
+                <a:satMod val="120000"/>
+              </a:schemeClr>
+            </a:gs>
+          </a:gsLst>
+          <a:lin ang="5400000" scaled="0"/>
+        </a:gradFill>
+      </a:bgFillStyleLst>
+    </a:fmtScheme>
+  </a:themeElements>
+  <a:objectDefaults/>
+  <a:extraClrSchemeLst/>
+  <a:extLst>
+    <a:ext uri="{05A4C25C-085E-4340-85A3-A5531E510DB2}">
+      <thm15:themeFamily xmlns:thm15="http://schemas.microsoft.com/office/thememl/2012/main" name="Office Theme" id="{62F939B6-93AF-4DB8-9C6B-D6C7DFDC589F}" vid="{4A3C46E8-61CC-4603-A589-7422A47A8E4A}"/>
+    </a:ext>
+  </a:extLst>
+</a:theme>
 </file>
--- a/제안서(김동민,김상현,나기엽,허영민).pptx
+++ b/제안서(김동민,김상현,나기엽,허영민).pptx
@@ -1,34 +1,50 @@
 
 <file path=ppt/presentation.xml><?xml version="1.0" encoding="utf-8"?>
-<p:presentation xmlns:a="http://schemas.openxmlformats.org/drawingml/2006/main" xmlns:r="http://schemas.openxmlformats.org/officeDocument/2006/relationships" xmlns:p="http://schemas.openxmlformats.org/presentationml/2006/main" saveSubsetFonts="1">
+<p:presentation xmlns:a="http://schemas.openxmlformats.org/drawingml/2006/main" xmlns:r="http://schemas.openxmlformats.org/officeDocument/2006/relationships" xmlns:p="http://schemas.openxmlformats.org/presentationml/2006/main" embedTrueTypeFonts="1">
   <p:sldMasterIdLst>
     <p:sldMasterId id="2147483648" r:id="rId1"/>
   </p:sldMasterIdLst>
   <p:notesMasterIdLst>
-    <p:notesMasterId r:id="rId20"/>
+    <p:notesMasterId r:id="rId21"/>
   </p:notesMasterIdLst>
   <p:sldIdLst>
     <p:sldId id="257" r:id="rId2"/>
     <p:sldId id="258" r:id="rId3"/>
-    <p:sldId id="320" r:id="rId4"/>
-    <p:sldId id="315" r:id="rId5"/>
-    <p:sldId id="283" r:id="rId6"/>
-    <p:sldId id="310" r:id="rId7"/>
-    <p:sldId id="287" r:id="rId8"/>
-    <p:sldId id="263" r:id="rId9"/>
-    <p:sldId id="317" r:id="rId10"/>
-    <p:sldId id="293" r:id="rId11"/>
-    <p:sldId id="318" r:id="rId12"/>
-    <p:sldId id="266" r:id="rId13"/>
-    <p:sldId id="285" r:id="rId14"/>
-    <p:sldId id="267" r:id="rId15"/>
-    <p:sldId id="304" r:id="rId16"/>
-    <p:sldId id="319" r:id="rId17"/>
-    <p:sldId id="273" r:id="rId18"/>
-    <p:sldId id="321" r:id="rId19"/>
+    <p:sldId id="322" r:id="rId4"/>
+    <p:sldId id="320" r:id="rId5"/>
+    <p:sldId id="315" r:id="rId6"/>
+    <p:sldId id="283" r:id="rId7"/>
+    <p:sldId id="310" r:id="rId8"/>
+    <p:sldId id="287" r:id="rId9"/>
+    <p:sldId id="263" r:id="rId10"/>
+    <p:sldId id="317" r:id="rId11"/>
+    <p:sldId id="293" r:id="rId12"/>
+    <p:sldId id="318" r:id="rId13"/>
+    <p:sldId id="266" r:id="rId14"/>
+    <p:sldId id="285" r:id="rId15"/>
+    <p:sldId id="267" r:id="rId16"/>
+    <p:sldId id="304" r:id="rId17"/>
+    <p:sldId id="319" r:id="rId18"/>
+    <p:sldId id="273" r:id="rId19"/>
+    <p:sldId id="321" r:id="rId20"/>
   </p:sldIdLst>
   <p:sldSz cx="12192000" cy="6858000"/>
   <p:notesSz cx="6858000" cy="9144000"/>
+  <p:embeddedFontLst>
+    <p:embeddedFont>
+      <p:font typeface="맑은 고딕" panose="020B0503020000020004" pitchFamily="50" charset="-127"/>
+      <p:regular r:id="rId22"/>
+      <p:bold r:id="rId23"/>
+    </p:embeddedFont>
+    <p:embeddedFont>
+      <p:font typeface="a가시고기L" panose="02020600000000000000" pitchFamily="18" charset="-127"/>
+      <p:regular r:id="rId24"/>
+    </p:embeddedFont>
+    <p:embeddedFont>
+      <p:font typeface="a가시고기B" panose="02020600000000000000" pitchFamily="18" charset="-127"/>
+      <p:regular r:id="rId25"/>
+    </p:embeddedFont>
+  </p:embeddedFontLst>
   <p:defaultTextStyle>
     <a:defPPr>
       <a:defRPr lang="ko-KR"/>
@@ -162,20 +178,6 @@
 <p1510:revInfo xmlns:a="http://schemas.openxmlformats.org/drawingml/2006/main" xmlns:r="http://schemas.openxmlformats.org/officeDocument/2006/relationships" xmlns:p1510="http://schemas.microsoft.com/office/powerpoint/2015/10/main"/>
 </file>
 
-<file path=ppt/comments/comment1.xml><?xml version="1.0" encoding="utf-8"?>
-<p:cmLst xmlns:a="http://schemas.openxmlformats.org/drawingml/2006/main" xmlns:r="http://schemas.openxmlformats.org/officeDocument/2006/relationships" xmlns:p="http://schemas.openxmlformats.org/presentationml/2006/main">
-  <p:cm authorId="1" dt="2018-01-03T10:17:20.192" idx="1">
-    <p:pos x="10" y="10"/>
-    <p:text/>
-    <p:extLst>
-      <p:ext uri="{C676402C-5697-4E1C-873F-D02D1690AC5C}">
-        <p15:threadingInfo xmlns:p15="http://schemas.microsoft.com/office/powerpoint/2012/main" timeZoneBias="-540"/>
-      </p:ext>
-    </p:extLst>
-  </p:cm>
-</p:cmLst>
-</file>
-
 <file path=ppt/notesMasters/notesMaster1.xml><?xml version="1.0" encoding="utf-8"?>
 <p:notesMaster xmlns:a="http://schemas.openxmlformats.org/drawingml/2006/main" xmlns:r="http://schemas.openxmlformats.org/officeDocument/2006/relationships" xmlns:p="http://schemas.openxmlformats.org/presentationml/2006/main">
   <p:cSld>
@@ -258,7 +260,7 @@
           <a:p>
             <a:fld id="{9B864841-D7C0-46C1-B8DF-C271A85531C8}" type="datetimeFigureOut">
               <a:rPr lang="ko-KR" altLang="en-US" smtClean="0"/>
-              <a:t>2018-01-03</a:t>
+              <a:t>2018-01-19</a:t>
             </a:fld>
             <a:endParaRPr lang="ko-KR" altLang="en-US"/>
           </a:p>
@@ -569,23 +571,6 @@
           <a:bodyPr/>
           <a:lstStyle/>
           <a:p>
-            <a:r>
-              <a:rPr lang="ko-KR" altLang="en-US" dirty="0"/>
-              <a:t>위험지역에 진입 시 어찌 판단할 것인가</a:t>
-            </a:r>
-            <a:r>
-              <a:rPr lang="en-US" altLang="ko-KR" dirty="0"/>
-              <a:t>?</a:t>
-            </a:r>
-          </a:p>
-          <a:p>
-            <a:r>
-              <a:rPr lang="ko-KR" altLang="en-US" dirty="0"/>
-              <a:t>실시간으로 위치를 받는건지 임계영역을 확인하는건지</a:t>
-            </a:r>
-            <a:endParaRPr lang="en-US" altLang="ko-KR" dirty="0"/>
-          </a:p>
-          <a:p>
             <a:endParaRPr lang="ko-KR" altLang="en-US" dirty="0"/>
           </a:p>
         </p:txBody>
@@ -607,7 +592,7 @@
           <a:p>
             <a:fld id="{4299520E-C537-40B6-A8DC-FF12422EF8A9}" type="slidenum">
               <a:rPr lang="ko-KR" altLang="en-US" smtClean="0"/>
-              <a:t>7</a:t>
+              <a:t>1</a:t>
             </a:fld>
             <a:endParaRPr lang="ko-KR" altLang="en-US"/>
           </a:p>
@@ -616,7 +601,7 @@
     </p:spTree>
     <p:extLst>
       <p:ext uri="{BB962C8B-B14F-4D97-AF65-F5344CB8AC3E}">
-        <p14:creationId xmlns:p14="http://schemas.microsoft.com/office/powerpoint/2010/main" val="3336054810"/>
+        <p14:creationId xmlns:p14="http://schemas.microsoft.com/office/powerpoint/2010/main" val="367961374"/>
       </p:ext>
     </p:extLst>
   </p:cSld>
@@ -691,7 +676,7 @@
           <a:p>
             <a:fld id="{4299520E-C537-40B6-A8DC-FF12422EF8A9}" type="slidenum">
               <a:rPr lang="ko-KR" altLang="en-US" smtClean="0"/>
-              <a:t>10</a:t>
+              <a:t>3</a:t>
             </a:fld>
             <a:endParaRPr lang="ko-KR" altLang="en-US"/>
           </a:p>
@@ -700,7 +685,7 @@
     </p:spTree>
     <p:extLst>
       <p:ext uri="{BB962C8B-B14F-4D97-AF65-F5344CB8AC3E}">
-        <p14:creationId xmlns:p14="http://schemas.microsoft.com/office/powerpoint/2010/main" val="1673551842"/>
+        <p14:creationId xmlns:p14="http://schemas.microsoft.com/office/powerpoint/2010/main" val="3442125520"/>
       </p:ext>
     </p:extLst>
   </p:cSld>
@@ -754,6 +739,23 @@
           <a:bodyPr/>
           <a:lstStyle/>
           <a:p>
+            <a:r>
+              <a:rPr lang="ko-KR" altLang="en-US" dirty="0"/>
+              <a:t>위험지역에 진입 시 어찌 판단할 것인가</a:t>
+            </a:r>
+            <a:r>
+              <a:rPr lang="en-US" altLang="ko-KR" dirty="0"/>
+              <a:t>?</a:t>
+            </a:r>
+          </a:p>
+          <a:p>
+            <a:r>
+              <a:rPr lang="ko-KR" altLang="en-US" dirty="0"/>
+              <a:t>실시간으로 위치를 받는건지 임계영역을 확인하는건지</a:t>
+            </a:r>
+            <a:endParaRPr lang="en-US" altLang="ko-KR" dirty="0"/>
+          </a:p>
+          <a:p>
             <a:endParaRPr lang="ko-KR" altLang="en-US" dirty="0"/>
           </a:p>
         </p:txBody>
@@ -775,7 +777,175 @@
           <a:p>
             <a:fld id="{4299520E-C537-40B6-A8DC-FF12422EF8A9}" type="slidenum">
               <a:rPr lang="ko-KR" altLang="en-US" smtClean="0"/>
+              <a:t>8</a:t>
+            </a:fld>
+            <a:endParaRPr lang="ko-KR" altLang="en-US"/>
+          </a:p>
+        </p:txBody>
+      </p:sp>
+    </p:spTree>
+    <p:extLst>
+      <p:ext uri="{BB962C8B-B14F-4D97-AF65-F5344CB8AC3E}">
+        <p14:creationId xmlns:p14="http://schemas.microsoft.com/office/powerpoint/2010/main" val="3336054810"/>
+      </p:ext>
+    </p:extLst>
+  </p:cSld>
+  <p:clrMapOvr>
+    <a:masterClrMapping/>
+  </p:clrMapOvr>
+</p:notes>
+</file>
+
+<file path=ppt/notesSlides/notesSlide4.xml><?xml version="1.0" encoding="utf-8"?>
+<p:notes xmlns:a="http://schemas.openxmlformats.org/drawingml/2006/main" xmlns:r="http://schemas.openxmlformats.org/officeDocument/2006/relationships" xmlns:p="http://schemas.openxmlformats.org/presentationml/2006/main">
+  <p:cSld>
+    <p:spTree>
+      <p:nvGrpSpPr>
+        <p:cNvPr id="1" name=""/>
+        <p:cNvGrpSpPr/>
+        <p:nvPr/>
+      </p:nvGrpSpPr>
+      <p:grpSpPr>
+        <a:xfrm>
+          <a:off x="0" y="0"/>
+          <a:ext cx="0" cy="0"/>
+          <a:chOff x="0" y="0"/>
+          <a:chExt cx="0" cy="0"/>
+        </a:xfrm>
+      </p:grpSpPr>
+      <p:sp>
+        <p:nvSpPr>
+          <p:cNvPr id="2" name="슬라이드 이미지 개체 틀 1"/>
+          <p:cNvSpPr>
+            <a:spLocks noGrp="1" noRot="1" noChangeAspect="1"/>
+          </p:cNvSpPr>
+          <p:nvPr>
+            <p:ph type="sldImg"/>
+          </p:nvPr>
+        </p:nvSpPr>
+        <p:spPr/>
+      </p:sp>
+      <p:sp>
+        <p:nvSpPr>
+          <p:cNvPr id="3" name="슬라이드 노트 개체 틀 2"/>
+          <p:cNvSpPr>
+            <a:spLocks noGrp="1"/>
+          </p:cNvSpPr>
+          <p:nvPr>
+            <p:ph type="body" idx="1"/>
+          </p:nvPr>
+        </p:nvSpPr>
+        <p:spPr/>
+        <p:txBody>
+          <a:bodyPr/>
+          <a:lstStyle/>
+          <a:p>
+            <a:endParaRPr lang="ko-KR" altLang="en-US" dirty="0"/>
+          </a:p>
+        </p:txBody>
+      </p:sp>
+      <p:sp>
+        <p:nvSpPr>
+          <p:cNvPr id="4" name="슬라이드 번호 개체 틀 3"/>
+          <p:cNvSpPr>
+            <a:spLocks noGrp="1"/>
+          </p:cNvSpPr>
+          <p:nvPr>
+            <p:ph type="sldNum" sz="quarter" idx="10"/>
+          </p:nvPr>
+        </p:nvSpPr>
+        <p:spPr/>
+        <p:txBody>
+          <a:bodyPr/>
+          <a:lstStyle/>
+          <a:p>
+            <a:fld id="{4299520E-C537-40B6-A8DC-FF12422EF8A9}" type="slidenum">
+              <a:rPr lang="ko-KR" altLang="en-US" smtClean="0"/>
               <a:t>11</a:t>
+            </a:fld>
+            <a:endParaRPr lang="ko-KR" altLang="en-US"/>
+          </a:p>
+        </p:txBody>
+      </p:sp>
+    </p:spTree>
+    <p:extLst>
+      <p:ext uri="{BB962C8B-B14F-4D97-AF65-F5344CB8AC3E}">
+        <p14:creationId xmlns:p14="http://schemas.microsoft.com/office/powerpoint/2010/main" val="1673551842"/>
+      </p:ext>
+    </p:extLst>
+  </p:cSld>
+  <p:clrMapOvr>
+    <a:masterClrMapping/>
+  </p:clrMapOvr>
+</p:notes>
+</file>
+
+<file path=ppt/notesSlides/notesSlide5.xml><?xml version="1.0" encoding="utf-8"?>
+<p:notes xmlns:a="http://schemas.openxmlformats.org/drawingml/2006/main" xmlns:r="http://schemas.openxmlformats.org/officeDocument/2006/relationships" xmlns:p="http://schemas.openxmlformats.org/presentationml/2006/main">
+  <p:cSld>
+    <p:spTree>
+      <p:nvGrpSpPr>
+        <p:cNvPr id="1" name=""/>
+        <p:cNvGrpSpPr/>
+        <p:nvPr/>
+      </p:nvGrpSpPr>
+      <p:grpSpPr>
+        <a:xfrm>
+          <a:off x="0" y="0"/>
+          <a:ext cx="0" cy="0"/>
+          <a:chOff x="0" y="0"/>
+          <a:chExt cx="0" cy="0"/>
+        </a:xfrm>
+      </p:grpSpPr>
+      <p:sp>
+        <p:nvSpPr>
+          <p:cNvPr id="2" name="슬라이드 이미지 개체 틀 1"/>
+          <p:cNvSpPr>
+            <a:spLocks noGrp="1" noRot="1" noChangeAspect="1"/>
+          </p:cNvSpPr>
+          <p:nvPr>
+            <p:ph type="sldImg"/>
+          </p:nvPr>
+        </p:nvSpPr>
+        <p:spPr/>
+      </p:sp>
+      <p:sp>
+        <p:nvSpPr>
+          <p:cNvPr id="3" name="슬라이드 노트 개체 틀 2"/>
+          <p:cNvSpPr>
+            <a:spLocks noGrp="1"/>
+          </p:cNvSpPr>
+          <p:nvPr>
+            <p:ph type="body" idx="1"/>
+          </p:nvPr>
+        </p:nvSpPr>
+        <p:spPr/>
+        <p:txBody>
+          <a:bodyPr/>
+          <a:lstStyle/>
+          <a:p>
+            <a:endParaRPr lang="ko-KR" altLang="en-US" dirty="0"/>
+          </a:p>
+        </p:txBody>
+      </p:sp>
+      <p:sp>
+        <p:nvSpPr>
+          <p:cNvPr id="4" name="슬라이드 번호 개체 틀 3"/>
+          <p:cNvSpPr>
+            <a:spLocks noGrp="1"/>
+          </p:cNvSpPr>
+          <p:nvPr>
+            <p:ph type="sldNum" sz="quarter" idx="10"/>
+          </p:nvPr>
+        </p:nvSpPr>
+        <p:spPr/>
+        <p:txBody>
+          <a:bodyPr/>
+          <a:lstStyle/>
+          <a:p>
+            <a:fld id="{4299520E-C537-40B6-A8DC-FF12422EF8A9}" type="slidenum">
+              <a:rPr lang="ko-KR" altLang="en-US" smtClean="0"/>
+              <a:t>12</a:t>
             </a:fld>
             <a:endParaRPr lang="ko-KR" altLang="en-US"/>
           </a:p>
@@ -939,10 +1109,9 @@
           <a:bodyPr/>
           <a:lstStyle/>
           <a:p>
-            <a:fld id="{EB80F7DE-E60C-43F8-BF97-3E6836F05660}" type="datetimeFigureOut">
+            <a:fld id="{5240629C-35D7-4ED5-BD4A-2D3440E8C930}" type="datetime1">
               <a:rPr lang="ko-KR" altLang="en-US" smtClean="0"/>
-              <a:pPr/>
-              <a:t>2018-01-03</a:t>
+              <a:t>2018-01-19</a:t>
             </a:fld>
             <a:endParaRPr lang="ko-KR" altLang="en-US"/>
           </a:p>
@@ -1139,10 +1308,9 @@
           <a:bodyPr/>
           <a:lstStyle/>
           <a:p>
-            <a:fld id="{EB80F7DE-E60C-43F8-BF97-3E6836F05660}" type="datetimeFigureOut">
+            <a:fld id="{54330EB6-C7F7-4415-B294-E8F200D58843}" type="datetime1">
               <a:rPr lang="ko-KR" altLang="en-US" smtClean="0"/>
-              <a:pPr/>
-              <a:t>2018-01-03</a:t>
+              <a:t>2018-01-19</a:t>
             </a:fld>
             <a:endParaRPr lang="ko-KR" altLang="en-US"/>
           </a:p>
@@ -1349,10 +1517,9 @@
           <a:bodyPr/>
           <a:lstStyle/>
           <a:p>
-            <a:fld id="{EB80F7DE-E60C-43F8-BF97-3E6836F05660}" type="datetimeFigureOut">
+            <a:fld id="{ECC965D0-4910-41BC-9FCE-178BBD2718FF}" type="datetime1">
               <a:rPr lang="ko-KR" altLang="en-US" smtClean="0"/>
-              <a:pPr/>
-              <a:t>2018-01-03</a:t>
+              <a:t>2018-01-19</a:t>
             </a:fld>
             <a:endParaRPr lang="ko-KR" altLang="en-US"/>
           </a:p>
@@ -1549,10 +1716,9 @@
           <a:bodyPr/>
           <a:lstStyle/>
           <a:p>
-            <a:fld id="{EB80F7DE-E60C-43F8-BF97-3E6836F05660}" type="datetimeFigureOut">
+            <a:fld id="{D12589B9-EAF4-4062-8171-AF23E288B741}" type="datetime1">
               <a:rPr lang="ko-KR" altLang="en-US" smtClean="0"/>
-              <a:pPr/>
-              <a:t>2018-01-03</a:t>
+              <a:t>2018-01-19</a:t>
             </a:fld>
             <a:endParaRPr lang="ko-KR" altLang="en-US"/>
           </a:p>
@@ -1826,10 +1992,9 @@
           <a:bodyPr/>
           <a:lstStyle/>
           <a:p>
-            <a:fld id="{EB80F7DE-E60C-43F8-BF97-3E6836F05660}" type="datetimeFigureOut">
+            <a:fld id="{343F6EED-A7F0-44BC-8379-842BF3FA5582}" type="datetime1">
               <a:rPr lang="ko-KR" altLang="en-US" smtClean="0"/>
-              <a:pPr/>
-              <a:t>2018-01-03</a:t>
+              <a:t>2018-01-19</a:t>
             </a:fld>
             <a:endParaRPr lang="ko-KR" altLang="en-US"/>
           </a:p>
@@ -2093,10 +2258,9 @@
           <a:bodyPr/>
           <a:lstStyle/>
           <a:p>
-            <a:fld id="{EB80F7DE-E60C-43F8-BF97-3E6836F05660}" type="datetimeFigureOut">
+            <a:fld id="{CF4743A9-28F7-485E-8A92-522E10D8C052}" type="datetime1">
               <a:rPr lang="ko-KR" altLang="en-US" smtClean="0"/>
-              <a:pPr/>
-              <a:t>2018-01-03</a:t>
+              <a:t>2018-01-19</a:t>
             </a:fld>
             <a:endParaRPr lang="ko-KR" altLang="en-US"/>
           </a:p>
@@ -2507,10 +2671,9 @@
           <a:bodyPr/>
           <a:lstStyle/>
           <a:p>
-            <a:fld id="{EB80F7DE-E60C-43F8-BF97-3E6836F05660}" type="datetimeFigureOut">
+            <a:fld id="{0E456AF9-A11F-4D88-9FC0-FC2F44C76413}" type="datetime1">
               <a:rPr lang="ko-KR" altLang="en-US" smtClean="0"/>
-              <a:pPr/>
-              <a:t>2018-01-03</a:t>
+              <a:t>2018-01-19</a:t>
             </a:fld>
             <a:endParaRPr lang="ko-KR" altLang="en-US"/>
           </a:p>
@@ -2650,10 +2813,9 @@
           <a:bodyPr/>
           <a:lstStyle/>
           <a:p>
-            <a:fld id="{EB80F7DE-E60C-43F8-BF97-3E6836F05660}" type="datetimeFigureOut">
+            <a:fld id="{93F56D05-7387-4B12-A30F-7A0FDB66E3DD}" type="datetime1">
               <a:rPr lang="ko-KR" altLang="en-US" smtClean="0"/>
-              <a:pPr/>
-              <a:t>2018-01-03</a:t>
+              <a:t>2018-01-19</a:t>
             </a:fld>
             <a:endParaRPr lang="ko-KR" altLang="en-US"/>
           </a:p>
@@ -2765,10 +2927,9 @@
           <a:bodyPr/>
           <a:lstStyle/>
           <a:p>
-            <a:fld id="{EB80F7DE-E60C-43F8-BF97-3E6836F05660}" type="datetimeFigureOut">
+            <a:fld id="{10148ED8-C829-4885-88FB-383AA39D0AED}" type="datetime1">
               <a:rPr lang="ko-KR" altLang="en-US" smtClean="0"/>
-              <a:pPr/>
-              <a:t>2018-01-03</a:t>
+              <a:t>2018-01-19</a:t>
             </a:fld>
             <a:endParaRPr lang="ko-KR" altLang="en-US"/>
           </a:p>
@@ -3078,10 +3239,9 @@
           <a:bodyPr/>
           <a:lstStyle/>
           <a:p>
-            <a:fld id="{EB80F7DE-E60C-43F8-BF97-3E6836F05660}" type="datetimeFigureOut">
+            <a:fld id="{5B809D08-EA7B-498B-9BA4-FE00AD5D46D0}" type="datetime1">
               <a:rPr lang="ko-KR" altLang="en-US" smtClean="0"/>
-              <a:pPr/>
-              <a:t>2018-01-03</a:t>
+              <a:t>2018-01-19</a:t>
             </a:fld>
             <a:endParaRPr lang="ko-KR" altLang="en-US"/>
           </a:p>
@@ -3368,10 +3528,9 @@
           <a:bodyPr/>
           <a:lstStyle/>
           <a:p>
-            <a:fld id="{EB80F7DE-E60C-43F8-BF97-3E6836F05660}" type="datetimeFigureOut">
+            <a:fld id="{41937676-B207-4C44-A9BB-800BC32E237C}" type="datetime1">
               <a:rPr lang="ko-KR" altLang="en-US" smtClean="0"/>
-              <a:pPr/>
-              <a:t>2018-01-03</a:t>
+              <a:t>2018-01-19</a:t>
             </a:fld>
             <a:endParaRPr lang="ko-KR" altLang="en-US"/>
           </a:p>
@@ -3611,10 +3770,9 @@
             </a:lvl1pPr>
           </a:lstStyle>
           <a:p>
-            <a:fld id="{EB80F7DE-E60C-43F8-BF97-3E6836F05660}" type="datetimeFigureOut">
+            <a:fld id="{744527A3-E141-4C2B-A272-E2B22957B5D9}" type="datetime1">
               <a:rPr lang="ko-KR" altLang="en-US" smtClean="0"/>
-              <a:pPr/>
-              <a:t>2018-01-03</a:t>
+              <a:t>2018-01-19</a:t>
             </a:fld>
             <a:endParaRPr lang="ko-KR" altLang="en-US"/>
           </a:p>
@@ -3732,6 +3890,7 @@
     <p:sldLayoutId id="2147483658" r:id="rId10"/>
     <p:sldLayoutId id="2147483659" r:id="rId11"/>
   </p:sldLayoutIdLst>
+  <p:hf hdr="0" ftr="0" dt="0"/>
   <p:txStyles>
     <p:titleStyle>
       <a:lvl1pPr algn="l" defTabSz="914400" rtl="0" eaLnBrk="1" latinLnBrk="1" hangingPunct="1">
@@ -4047,7 +4206,7 @@
           <p:nvPr/>
         </p:nvPicPr>
         <p:blipFill>
-          <a:blip r:embed="rId2">
+          <a:blip r:embed="rId3">
             <a:extLst>
               <a:ext uri="{28A0092B-C50C-407E-A947-70E740481C1C}">
                 <a14:useLocalDpi xmlns:a14="http://schemas.microsoft.com/office/drawing/2010/main" val="0"/>
@@ -4129,9 +4288,9 @@
           <a:lstStyle/>
           <a:p>
             <a:pPr algn="ctr"/>
-            <a:endParaRPr lang="ko-KR" altLang="en-US">
-              <a:latin typeface="a가시고기B" panose="02020600000000000000" pitchFamily="18" charset="-127"/>
-              <a:ea typeface="a가시고기B" panose="02020600000000000000" pitchFamily="18" charset="-127"/>
+            <a:endParaRPr lang="ko-KR" altLang="en-US" dirty="0">
+              <a:latin typeface="a가시고기L" panose="02020600000000000000" pitchFamily="18" charset="-127"/>
+              <a:ea typeface="a가시고기L" panose="02020600000000000000" pitchFamily="18" charset="-127"/>
             </a:endParaRPr>
           </a:p>
         </p:txBody>
@@ -4194,15 +4353,15 @@
                   <a:lumMod val="95000"/>
                 </a:schemeClr>
               </a:solidFill>
-              <a:latin typeface="Adobe Caslon Pro Bold" pitchFamily="18" charset="0"/>
-              <a:ea typeface="나눔명조 ExtraBold" charset="0"/>
+              <a:latin typeface="a가시고기L" panose="02020600000000000000" pitchFamily="18" charset="-127"/>
+              <a:ea typeface="a가시고기L" panose="02020600000000000000" pitchFamily="18" charset="-127"/>
             </a:endParaRPr>
           </a:p>
           <a:p>
             <a:pPr algn="ctr"/>
             <a:endParaRPr lang="ko-KR" altLang="en-US" sz="3000" b="1" dirty="0">
-              <a:latin typeface="HY나무M" panose="02030600000101010101" pitchFamily="18" charset="-127"/>
-              <a:ea typeface="HY나무M" panose="02030600000101010101" pitchFamily="18" charset="-127"/>
+              <a:latin typeface="a가시고기L" panose="02020600000000000000" pitchFamily="18" charset="-127"/>
+              <a:ea typeface="a가시고기L" panose="02020600000000000000" pitchFamily="18" charset="-127"/>
             </a:endParaRPr>
           </a:p>
         </p:txBody>
@@ -4244,8 +4403,8 @@
                 <a:solidFill>
                   <a:schemeClr val="bg1"/>
                 </a:solidFill>
-                <a:latin typeface="휴먼모음T" panose="02030504000101010101" pitchFamily="18" charset="-127"/>
-                <a:ea typeface="휴먼모음T" panose="02030504000101010101" pitchFamily="18" charset="-127"/>
+                <a:latin typeface="a가시고기L" panose="02020600000000000000" pitchFamily="18" charset="-127"/>
+                <a:ea typeface="a가시고기L" panose="02020600000000000000" pitchFamily="18" charset="-127"/>
               </a:rPr>
               <a:t>2013156005 </a:t>
             </a:r>
@@ -4254,8 +4413,8 @@
                 <a:solidFill>
                   <a:schemeClr val="bg1"/>
                 </a:solidFill>
-                <a:latin typeface="휴먼모음T" panose="02030504000101010101" pitchFamily="18" charset="-127"/>
-                <a:ea typeface="휴먼모음T" panose="02030504000101010101" pitchFamily="18" charset="-127"/>
+                <a:latin typeface="a가시고기L" panose="02020600000000000000" pitchFamily="18" charset="-127"/>
+                <a:ea typeface="a가시고기L" panose="02020600000000000000" pitchFamily="18" charset="-127"/>
               </a:rPr>
               <a:t>김동민</a:t>
             </a:r>
@@ -4264,8 +4423,8 @@
                 <a:solidFill>
                   <a:schemeClr val="bg1"/>
                 </a:solidFill>
-                <a:latin typeface="휴먼모음T" panose="02030504000101010101" pitchFamily="18" charset="-127"/>
-                <a:ea typeface="휴먼모음T" panose="02030504000101010101" pitchFamily="18" charset="-127"/>
+                <a:latin typeface="a가시고기L" panose="02020600000000000000" pitchFamily="18" charset="-127"/>
+                <a:ea typeface="a가시고기L" panose="02020600000000000000" pitchFamily="18" charset="-127"/>
               </a:rPr>
               <a:t>   </a:t>
             </a:r>
@@ -4274,8 +4433,8 @@
                 <a:solidFill>
                   <a:schemeClr val="bg1"/>
                 </a:solidFill>
-                <a:latin typeface="휴먼모음T" panose="02030504000101010101" pitchFamily="18" charset="-127"/>
-                <a:ea typeface="휴먼모음T" panose="02030504000101010101" pitchFamily="18" charset="-127"/>
+                <a:latin typeface="a가시고기L" panose="02020600000000000000" pitchFamily="18" charset="-127"/>
+                <a:ea typeface="a가시고기L" panose="02020600000000000000" pitchFamily="18" charset="-127"/>
               </a:rPr>
               <a:t>최종필</a:t>
             </a:r>
@@ -4284,8 +4443,8 @@
                 <a:solidFill>
                   <a:schemeClr val="bg1"/>
                 </a:solidFill>
-                <a:latin typeface="휴먼모음T" panose="02030504000101010101" pitchFamily="18" charset="-127"/>
-                <a:ea typeface="휴먼모음T" panose="02030504000101010101" pitchFamily="18" charset="-127"/>
+                <a:latin typeface="a가시고기L" panose="02020600000000000000" pitchFamily="18" charset="-127"/>
+                <a:ea typeface="a가시고기L" panose="02020600000000000000" pitchFamily="18" charset="-127"/>
               </a:rPr>
               <a:t> </a:t>
             </a:r>
@@ -4294,8 +4453,8 @@
                 <a:solidFill>
                   <a:schemeClr val="bg1"/>
                 </a:solidFill>
-                <a:latin typeface="휴먼모음T" panose="02030504000101010101" pitchFamily="18" charset="-127"/>
-                <a:ea typeface="휴먼모음T" panose="02030504000101010101" pitchFamily="18" charset="-127"/>
+                <a:latin typeface="a가시고기L" panose="02020600000000000000" pitchFamily="18" charset="-127"/>
+                <a:ea typeface="a가시고기L" panose="02020600000000000000" pitchFamily="18" charset="-127"/>
               </a:rPr>
               <a:t>교수님</a:t>
             </a:r>
@@ -4303,8 +4462,8 @@
               <a:solidFill>
                 <a:schemeClr val="bg1"/>
               </a:solidFill>
-              <a:latin typeface="휴먼모음T" panose="02030504000101010101" pitchFamily="18" charset="-127"/>
-              <a:ea typeface="휴먼모음T" panose="02030504000101010101" pitchFamily="18" charset="-127"/>
+              <a:latin typeface="a가시고기L" panose="02020600000000000000" pitchFamily="18" charset="-127"/>
+              <a:ea typeface="a가시고기L" panose="02020600000000000000" pitchFamily="18" charset="-127"/>
             </a:endParaRPr>
           </a:p>
           <a:p>
@@ -4318,8 +4477,8 @@
                 <a:solidFill>
                   <a:schemeClr val="bg1"/>
                 </a:solidFill>
-                <a:latin typeface="휴먼모음T" panose="02030504000101010101" pitchFamily="18" charset="-127"/>
-                <a:ea typeface="휴먼모음T" panose="02030504000101010101" pitchFamily="18" charset="-127"/>
+                <a:latin typeface="a가시고기L" panose="02020600000000000000" pitchFamily="18" charset="-127"/>
+                <a:ea typeface="a가시고기L" panose="02020600000000000000" pitchFamily="18" charset="-127"/>
               </a:rPr>
               <a:t>2013156047 </a:t>
             </a:r>
@@ -4328,8 +4487,8 @@
                 <a:solidFill>
                   <a:schemeClr val="bg1"/>
                 </a:solidFill>
-                <a:latin typeface="휴먼모음T" panose="02030504000101010101" pitchFamily="18" charset="-127"/>
-                <a:ea typeface="휴먼모음T" panose="02030504000101010101" pitchFamily="18" charset="-127"/>
+                <a:latin typeface="a가시고기L" panose="02020600000000000000" pitchFamily="18" charset="-127"/>
+                <a:ea typeface="a가시고기L" panose="02020600000000000000" pitchFamily="18" charset="-127"/>
               </a:rPr>
               <a:t>허영민</a:t>
             </a:r>
@@ -4338,8 +4497,8 @@
                 <a:solidFill>
                   <a:schemeClr val="bg1"/>
                 </a:solidFill>
-                <a:latin typeface="휴먼모음T" panose="02030504000101010101" pitchFamily="18" charset="-127"/>
-                <a:ea typeface="휴먼모음T" panose="02030504000101010101" pitchFamily="18" charset="-127"/>
+                <a:latin typeface="a가시고기L" panose="02020600000000000000" pitchFamily="18" charset="-127"/>
+                <a:ea typeface="a가시고기L" panose="02020600000000000000" pitchFamily="18" charset="-127"/>
               </a:rPr>
               <a:t>   </a:t>
             </a:r>
@@ -4348,8 +4507,8 @@
                 <a:solidFill>
                   <a:schemeClr val="bg1"/>
                 </a:solidFill>
-                <a:latin typeface="휴먼모음T" panose="02030504000101010101" pitchFamily="18" charset="-127"/>
-                <a:ea typeface="휴먼모음T" panose="02030504000101010101" pitchFamily="18" charset="-127"/>
+                <a:latin typeface="a가시고기L" panose="02020600000000000000" pitchFamily="18" charset="-127"/>
+                <a:ea typeface="a가시고기L" panose="02020600000000000000" pitchFamily="18" charset="-127"/>
               </a:rPr>
               <a:t>최종필</a:t>
             </a:r>
@@ -4358,8 +4517,8 @@
                 <a:solidFill>
                   <a:schemeClr val="bg1"/>
                 </a:solidFill>
-                <a:latin typeface="휴먼모음T" panose="02030504000101010101" pitchFamily="18" charset="-127"/>
-                <a:ea typeface="휴먼모음T" panose="02030504000101010101" pitchFamily="18" charset="-127"/>
+                <a:latin typeface="a가시고기L" panose="02020600000000000000" pitchFamily="18" charset="-127"/>
+                <a:ea typeface="a가시고기L" panose="02020600000000000000" pitchFamily="18" charset="-127"/>
               </a:rPr>
               <a:t> 교수님</a:t>
             </a:r>
@@ -4367,8 +4526,8 @@
               <a:solidFill>
                 <a:schemeClr val="bg1"/>
               </a:solidFill>
-              <a:latin typeface="휴먼모음T" panose="02030504000101010101" pitchFamily="18" charset="-127"/>
-              <a:ea typeface="휴먼모음T" panose="02030504000101010101" pitchFamily="18" charset="-127"/>
+              <a:latin typeface="a가시고기L" panose="02020600000000000000" pitchFamily="18" charset="-127"/>
+              <a:ea typeface="a가시고기L" panose="02020600000000000000" pitchFamily="18" charset="-127"/>
             </a:endParaRPr>
           </a:p>
           <a:p>
@@ -4382,8 +4541,8 @@
                 <a:solidFill>
                   <a:schemeClr val="bg1"/>
                 </a:solidFill>
-                <a:latin typeface="휴먼모음T" panose="02030504000101010101" pitchFamily="18" charset="-127"/>
-                <a:ea typeface="휴먼모음T" panose="02030504000101010101" pitchFamily="18" charset="-127"/>
+                <a:latin typeface="a가시고기L" panose="02020600000000000000" pitchFamily="18" charset="-127"/>
+                <a:ea typeface="a가시고기L" panose="02020600000000000000" pitchFamily="18" charset="-127"/>
               </a:rPr>
               <a:t>2013156017 </a:t>
             </a:r>
@@ -4392,8 +4551,8 @@
                 <a:solidFill>
                   <a:schemeClr val="bg1"/>
                 </a:solidFill>
-                <a:latin typeface="휴먼모음T" panose="02030504000101010101" pitchFamily="18" charset="-127"/>
-                <a:ea typeface="휴먼모음T" panose="02030504000101010101" pitchFamily="18" charset="-127"/>
+                <a:latin typeface="a가시고기L" panose="02020600000000000000" pitchFamily="18" charset="-127"/>
+                <a:ea typeface="a가시고기L" panose="02020600000000000000" pitchFamily="18" charset="-127"/>
               </a:rPr>
               <a:t>나기엽</a:t>
             </a:r>
@@ -4402,8 +4561,8 @@
                 <a:solidFill>
                   <a:schemeClr val="bg1"/>
                 </a:solidFill>
-                <a:latin typeface="휴먼모음T" panose="02030504000101010101" pitchFamily="18" charset="-127"/>
-                <a:ea typeface="휴먼모음T" panose="02030504000101010101" pitchFamily="18" charset="-127"/>
+                <a:latin typeface="a가시고기L" panose="02020600000000000000" pitchFamily="18" charset="-127"/>
+                <a:ea typeface="a가시고기L" panose="02020600000000000000" pitchFamily="18" charset="-127"/>
               </a:rPr>
               <a:t>   </a:t>
             </a:r>
@@ -4412,8 +4571,8 @@
                 <a:solidFill>
                   <a:schemeClr val="bg1"/>
                 </a:solidFill>
-                <a:latin typeface="휴먼모음T" panose="02030504000101010101" pitchFamily="18" charset="-127"/>
-                <a:ea typeface="휴먼모음T" panose="02030504000101010101" pitchFamily="18" charset="-127"/>
+                <a:latin typeface="a가시고기L" panose="02020600000000000000" pitchFamily="18" charset="-127"/>
+                <a:ea typeface="a가시고기L" panose="02020600000000000000" pitchFamily="18" charset="-127"/>
               </a:rPr>
               <a:t>최종필</a:t>
             </a:r>
@@ -4422,8 +4581,8 @@
                 <a:solidFill>
                   <a:schemeClr val="bg1"/>
                 </a:solidFill>
-                <a:latin typeface="휴먼모음T" panose="02030504000101010101" pitchFamily="18" charset="-127"/>
-                <a:ea typeface="휴먼모음T" panose="02030504000101010101" pitchFamily="18" charset="-127"/>
+                <a:latin typeface="a가시고기L" panose="02020600000000000000" pitchFamily="18" charset="-127"/>
+                <a:ea typeface="a가시고기L" panose="02020600000000000000" pitchFamily="18" charset="-127"/>
               </a:rPr>
               <a:t> 교수님</a:t>
             </a:r>
@@ -4431,8 +4590,8 @@
               <a:solidFill>
                 <a:schemeClr val="bg1"/>
               </a:solidFill>
-              <a:latin typeface="휴먼모음T" panose="02030504000101010101" pitchFamily="18" charset="-127"/>
-              <a:ea typeface="휴먼모음T" panose="02030504000101010101" pitchFamily="18" charset="-127"/>
+              <a:latin typeface="a가시고기L" panose="02020600000000000000" pitchFamily="18" charset="-127"/>
+              <a:ea typeface="a가시고기L" panose="02020600000000000000" pitchFamily="18" charset="-127"/>
             </a:endParaRPr>
           </a:p>
           <a:p>
@@ -4446,8 +4605,8 @@
                 <a:solidFill>
                   <a:schemeClr val="bg1"/>
                 </a:solidFill>
-                <a:latin typeface="휴먼모음T" panose="02030504000101010101" pitchFamily="18" charset="-127"/>
-                <a:ea typeface="휴먼모음T" panose="02030504000101010101" pitchFamily="18" charset="-127"/>
+                <a:latin typeface="a가시고기L" panose="02020600000000000000" pitchFamily="18" charset="-127"/>
+                <a:ea typeface="a가시고기L" panose="02020600000000000000" pitchFamily="18" charset="-127"/>
               </a:rPr>
               <a:t>2012150009 </a:t>
             </a:r>
@@ -4456,8 +4615,8 @@
                 <a:solidFill>
                   <a:schemeClr val="bg1"/>
                 </a:solidFill>
-                <a:latin typeface="휴먼모음T" panose="02030504000101010101" pitchFamily="18" charset="-127"/>
-                <a:ea typeface="휴먼모음T" panose="02030504000101010101" pitchFamily="18" charset="-127"/>
+                <a:latin typeface="a가시고기L" panose="02020600000000000000" pitchFamily="18" charset="-127"/>
+                <a:ea typeface="a가시고기L" panose="02020600000000000000" pitchFamily="18" charset="-127"/>
               </a:rPr>
               <a:t>김상현   </a:t>
             </a:r>
@@ -4466,8 +4625,8 @@
                 <a:solidFill>
                   <a:schemeClr val="bg1"/>
                 </a:solidFill>
-                <a:latin typeface="휴먼모음T" panose="02030504000101010101" pitchFamily="18" charset="-127"/>
-                <a:ea typeface="휴먼모음T" panose="02030504000101010101" pitchFamily="18" charset="-127"/>
+                <a:latin typeface="a가시고기L" panose="02020600000000000000" pitchFamily="18" charset="-127"/>
+                <a:ea typeface="a가시고기L" panose="02020600000000000000" pitchFamily="18" charset="-127"/>
               </a:rPr>
               <a:t>최종필</a:t>
             </a:r>
@@ -4476,8 +4635,8 @@
                 <a:solidFill>
                   <a:schemeClr val="bg1"/>
                 </a:solidFill>
-                <a:latin typeface="휴먼모음T" panose="02030504000101010101" pitchFamily="18" charset="-127"/>
-                <a:ea typeface="휴먼모음T" panose="02030504000101010101" pitchFamily="18" charset="-127"/>
+                <a:latin typeface="a가시고기L" panose="02020600000000000000" pitchFamily="18" charset="-127"/>
+                <a:ea typeface="a가시고기L" panose="02020600000000000000" pitchFamily="18" charset="-127"/>
               </a:rPr>
               <a:t> 교수님</a:t>
             </a:r>
@@ -4485,8 +4644,8 @@
               <a:solidFill>
                 <a:schemeClr val="bg1"/>
               </a:solidFill>
-              <a:latin typeface="휴먼모음T" panose="02030504000101010101" pitchFamily="18" charset="-127"/>
-              <a:ea typeface="휴먼모음T" panose="02030504000101010101" pitchFamily="18" charset="-127"/>
+              <a:latin typeface="a가시고기L" panose="02020600000000000000" pitchFamily="18" charset="-127"/>
+              <a:ea typeface="a가시고기L" panose="02020600000000000000" pitchFamily="18" charset="-127"/>
             </a:endParaRPr>
           </a:p>
         </p:txBody>
@@ -4506,7 +4665,7 @@
         <p:spPr>
           <a:xfrm>
             <a:off x="4381937" y="1856893"/>
-            <a:ext cx="3600400" cy="2308324"/>
+            <a:ext cx="3600400" cy="2677656"/>
           </a:xfrm>
           <a:prstGeom prst="rect">
             <a:avLst/>
@@ -4531,8 +4690,8 @@
                     <a:lumMod val="95000"/>
                   </a:schemeClr>
                 </a:solidFill>
-                <a:latin typeface="HY나무M" panose="02030600000101010101" pitchFamily="18" charset="-127"/>
-                <a:ea typeface="HY나무M" panose="02030600000101010101" pitchFamily="18" charset="-127"/>
+                <a:latin typeface="a가시고기B" panose="02020600000000000000" pitchFamily="18" charset="-127"/>
+                <a:ea typeface="a가시고기B" panose="02020600000000000000" pitchFamily="18" charset="-127"/>
               </a:rPr>
               <a:t>수영장</a:t>
             </a:r>
@@ -4542,8 +4701,8 @@
                   <a:lumMod val="95000"/>
                 </a:schemeClr>
               </a:solidFill>
-              <a:latin typeface="HY나무M" panose="02030600000101010101" pitchFamily="18" charset="-127"/>
-              <a:ea typeface="HY나무M" panose="02030600000101010101" pitchFamily="18" charset="-127"/>
+              <a:latin typeface="a가시고기B" panose="02020600000000000000" pitchFamily="18" charset="-127"/>
+              <a:ea typeface="a가시고기B" panose="02020600000000000000" pitchFamily="18" charset="-127"/>
             </a:endParaRPr>
           </a:p>
           <a:p>
@@ -4559,8 +4718,8 @@
                     <a:lumMod val="95000"/>
                   </a:schemeClr>
                 </a:solidFill>
-                <a:latin typeface="Adobe Caslon Pro Bold" pitchFamily="18" charset="0"/>
-                <a:ea typeface="HY나무M" panose="02030600000101010101" pitchFamily="18" charset="-127"/>
+                <a:latin typeface="a가시고기B" panose="02020600000000000000" pitchFamily="18" charset="-127"/>
+                <a:ea typeface="a가시고기B" panose="02020600000000000000" pitchFamily="18" charset="-127"/>
               </a:rPr>
               <a:t>유아안전 도우미</a:t>
             </a:r>
@@ -4570,8 +4729,8 @@
                   <a:lumMod val="95000"/>
                 </a:schemeClr>
               </a:solidFill>
-              <a:latin typeface="Adobe Caslon Pro Bold" pitchFamily="18" charset="0"/>
-              <a:ea typeface="HY나무M" panose="02030600000101010101" pitchFamily="18" charset="-127"/>
+              <a:latin typeface="a가시고기B" panose="02020600000000000000" pitchFamily="18" charset="-127"/>
+              <a:ea typeface="a가시고기B" panose="02020600000000000000" pitchFamily="18" charset="-127"/>
             </a:endParaRPr>
           </a:p>
           <a:p>
@@ -4587,8 +4746,8 @@
                     <a:lumMod val="95000"/>
                   </a:schemeClr>
                 </a:solidFill>
-                <a:latin typeface="Adobe Caslon Pro Bold" pitchFamily="18" charset="0"/>
-                <a:ea typeface="HY나무M" panose="02030600000101010101" pitchFamily="18" charset="-127"/>
+                <a:latin typeface="a가시고기B" panose="02020600000000000000" pitchFamily="18" charset="-127"/>
+                <a:ea typeface="a가시고기B" panose="02020600000000000000" pitchFamily="18" charset="-127"/>
               </a:rPr>
               <a:t>swimming</a:t>
             </a:r>
@@ -4599,8 +4758,8 @@
                     <a:lumMod val="95000"/>
                   </a:schemeClr>
                 </a:solidFill>
-                <a:latin typeface="Adobe Caslon Pro Bold" pitchFamily="18" charset="0"/>
-                <a:ea typeface="HY나무M" panose="02030600000101010101" pitchFamily="18" charset="-127"/>
+                <a:latin typeface="a가시고기B" panose="02020600000000000000" pitchFamily="18" charset="-127"/>
+                <a:ea typeface="a가시고기B" panose="02020600000000000000" pitchFamily="18" charset="-127"/>
               </a:rPr>
               <a:t> </a:t>
             </a:r>
@@ -4611,8 +4770,8 @@
                     <a:lumMod val="95000"/>
                   </a:schemeClr>
                 </a:solidFill>
-                <a:latin typeface="Adobe Caslon Pro Bold" pitchFamily="18" charset="0"/>
-                <a:ea typeface="HY나무M" panose="02030600000101010101" pitchFamily="18" charset="-127"/>
+                <a:latin typeface="a가시고기B" panose="02020600000000000000" pitchFamily="18" charset="-127"/>
+                <a:ea typeface="a가시고기B" panose="02020600000000000000" pitchFamily="18" charset="-127"/>
               </a:rPr>
               <a:t>pool infant safety helper</a:t>
             </a:r>
@@ -4622,13 +4781,46 @@
                   <a:lumMod val="95000"/>
                 </a:schemeClr>
               </a:solidFill>
-              <a:latin typeface="Adobe Caslon Pro Bold" pitchFamily="18" charset="0"/>
-              <a:ea typeface="나눔명조 ExtraBold" charset="0"/>
+              <a:latin typeface="a가시고기B" panose="02020600000000000000" pitchFamily="18" charset="-127"/>
+              <a:ea typeface="a가시고기B" panose="02020600000000000000" pitchFamily="18" charset="-127"/>
             </a:endParaRPr>
           </a:p>
           <a:p>
             <a:pPr algn="ctr"/>
-            <a:endParaRPr lang="ko-KR" altLang="en-US" sz="1200" dirty="0"/>
+            <a:endParaRPr lang="ko-KR" altLang="en-US" sz="1200" dirty="0">
+              <a:latin typeface="a가시고기B" panose="02020600000000000000" pitchFamily="18" charset="-127"/>
+              <a:ea typeface="a가시고기B" panose="02020600000000000000" pitchFamily="18" charset="-127"/>
+            </a:endParaRPr>
+          </a:p>
+        </p:txBody>
+      </p:sp>
+      <p:sp>
+        <p:nvSpPr>
+          <p:cNvPr id="3" name="슬라이드 번호 개체 틀 2">
+            <a:extLst>
+              <a:ext uri="{FF2B5EF4-FFF2-40B4-BE49-F238E27FC236}">
+                <a16:creationId xmlns:a16="http://schemas.microsoft.com/office/drawing/2014/main" id="{6B487483-318E-4FCE-B16E-8016B7DDBE8E}"/>
+              </a:ext>
+            </a:extLst>
+          </p:cNvPr>
+          <p:cNvSpPr>
+            <a:spLocks noGrp="1"/>
+          </p:cNvSpPr>
+          <p:nvPr>
+            <p:ph type="sldNum" sz="quarter" idx="12"/>
+          </p:nvPr>
+        </p:nvSpPr>
+        <p:spPr/>
+        <p:txBody>
+          <a:bodyPr/>
+          <a:lstStyle/>
+          <a:p>
+            <a:fld id="{9E3BAC05-F6BA-4953-A19F-91E61AE236E7}" type="slidenum">
+              <a:rPr lang="ko-KR" altLang="en-US" smtClean="0"/>
+              <a:pPr/>
+              <a:t>1</a:t>
+            </a:fld>
+            <a:endParaRPr lang="ko-KR" altLang="en-US"/>
           </a:p>
         </p:txBody>
       </p:sp>
@@ -4676,8 +4868,8 @@
         </p:nvSpPr>
         <p:spPr>
           <a:xfrm>
-            <a:off x="453293" y="375138"/>
-            <a:ext cx="84504" cy="527123"/>
+            <a:off x="585168" y="375138"/>
+            <a:ext cx="44698" cy="527123"/>
           </a:xfrm>
           <a:prstGeom prst="rect">
             <a:avLst/>
@@ -4733,8 +4925,8 @@
         </p:nvSpPr>
         <p:spPr>
           <a:xfrm>
-            <a:off x="537796" y="284756"/>
-            <a:ext cx="5499109" cy="707886"/>
+            <a:off x="537797" y="284756"/>
+            <a:ext cx="4167065" cy="707886"/>
           </a:xfrm>
           <a:prstGeom prst="rect">
             <a:avLst/>
@@ -4747,196 +4939,224 @@
           </a:bodyPr>
           <a:lstStyle/>
           <a:p>
-            <a:pPr>
-              <a:spcBef>
-                <a:spcPct val="0"/>
-              </a:spcBef>
-              <a:buClrTx/>
-              <a:buFontTx/>
-              <a:buNone/>
-            </a:pPr>
             <a:r>
               <a:rPr lang="ko-KR" altLang="en-US" sz="4000" dirty="0">
                 <a:latin typeface="a가시고기B" panose="02020600000000000000" pitchFamily="18" charset="-127"/>
                 <a:ea typeface="a가시고기B" panose="02020600000000000000" pitchFamily="18" charset="-127"/>
               </a:rPr>
-              <a:t>개발 환경 및 개발 방법</a:t>
-            </a:r>
-          </a:p>
-        </p:txBody>
-      </p:sp>
-      <p:sp>
-        <p:nvSpPr>
-          <p:cNvPr id="2" name="직사각형 1">
-            <a:extLst>
-              <a:ext uri="{FF2B5EF4-FFF2-40B4-BE49-F238E27FC236}">
-                <a16:creationId xmlns:a16="http://schemas.microsoft.com/office/drawing/2014/main" id="{DFF23BC9-8837-4A44-8AB2-DFB8276CB4BB}"/>
-              </a:ext>
-            </a:extLst>
-          </p:cNvPr>
-          <p:cNvSpPr/>
+              <a:t>시스템 구성도</a:t>
+            </a:r>
+          </a:p>
+        </p:txBody>
+      </p:sp>
+      <p:sp>
+        <p:nvSpPr>
+          <p:cNvPr id="2" name="Rectangle 11"/>
+          <p:cNvSpPr>
+            <a:spLocks noChangeArrowheads="1"/>
+          </p:cNvSpPr>
           <p:nvPr/>
         </p:nvSpPr>
-        <p:spPr>
+        <p:spPr bwMode="auto">
           <a:xfrm>
-            <a:off x="1269507" y="2104009"/>
-            <a:ext cx="2760956" cy="4034242"/>
+            <a:off x="0" y="43934"/>
+            <a:ext cx="184731" cy="369332"/>
           </a:xfrm>
           <a:prstGeom prst="rect">
             <a:avLst/>
           </a:prstGeom>
           <a:noFill/>
-          <a:ln w="38100">
-            <a:solidFill>
-              <a:schemeClr val="tx1"/>
-            </a:solidFill>
+          <a:ln>
+            <a:noFill/>
           </a:ln>
+          <a:effectLst/>
+          <a:extLst>
+            <a:ext uri="{909E8E84-426E-40DD-AFC4-6F175D3DCCD1}">
+              <a14:hiddenFill xmlns:a14="http://schemas.microsoft.com/office/drawing/2010/main">
+                <a:solidFill>
+                  <a:schemeClr val="accent1"/>
+                </a:solidFill>
+              </a14:hiddenFill>
+            </a:ext>
+            <a:ext uri="{91240B29-F687-4F45-9708-019B960494DF}">
+              <a14:hiddenLine xmlns:a14="http://schemas.microsoft.com/office/drawing/2010/main" w="9525">
+                <a:solidFill>
+                  <a:schemeClr val="tx1"/>
+                </a:solidFill>
+                <a:miter lim="800000"/>
+                <a:headEnd/>
+                <a:tailEnd/>
+              </a14:hiddenLine>
+            </a:ext>
+            <a:ext uri="{AF507438-7753-43E0-B8FC-AC1667EBCBE1}">
+              <a14:hiddenEffects xmlns:a14="http://schemas.microsoft.com/office/drawing/2010/main">
+                <a:effectLst>
+                  <a:outerShdw dist="35921" dir="2700000" algn="ctr" rotWithShape="0">
+                    <a:schemeClr val="bg2"/>
+                  </a:outerShdw>
+                </a:effectLst>
+              </a14:hiddenEffects>
+            </a:ext>
+          </a:extLst>
         </p:spPr>
-        <p:style>
-          <a:lnRef idx="2">
-            <a:schemeClr val="accent1">
-              <a:shade val="50000"/>
-            </a:schemeClr>
-          </a:lnRef>
-          <a:fillRef idx="1">
-            <a:schemeClr val="accent1"/>
-          </a:fillRef>
-          <a:effectRef idx="0">
-            <a:schemeClr val="accent1"/>
-          </a:effectRef>
-          <a:fontRef idx="minor">
-            <a:schemeClr val="lt1"/>
-          </a:fontRef>
-        </p:style>
-        <p:txBody>
-          <a:bodyPr rtlCol="0" anchor="ctr"/>
-          <a:lstStyle/>
-          <a:p>
-            <a:pPr algn="ctr"/>
-            <a:endParaRPr lang="ko-KR" altLang="en-US" dirty="0"/>
-          </a:p>
-        </p:txBody>
-      </p:sp>
-      <p:sp>
-        <p:nvSpPr>
-          <p:cNvPr id="7" name="직사각형 6">
-            <a:extLst>
-              <a:ext uri="{FF2B5EF4-FFF2-40B4-BE49-F238E27FC236}">
-                <a16:creationId xmlns:a16="http://schemas.microsoft.com/office/drawing/2014/main" id="{F6695FB4-E082-4A39-85E2-FD92EE7A8111}"/>
-              </a:ext>
-            </a:extLst>
-          </p:cNvPr>
-          <p:cNvSpPr/>
+        <p:txBody>
+          <a:bodyPr vert="horz" wrap="none" lIns="91440" tIns="45720" rIns="91440" bIns="45720" numCol="1" anchor="ctr" anchorCtr="0" compatLnSpc="1">
+            <a:prstTxWarp prst="textNoShape">
+              <a:avLst/>
+            </a:prstTxWarp>
+            <a:spAutoFit/>
+          </a:bodyPr>
+          <a:lstStyle/>
+          <a:p>
+            <a:endParaRPr lang="ko-KR" altLang="en-US">
+              <a:latin typeface="a가시고기L" panose="02020600000000000000" pitchFamily="18" charset="-127"/>
+              <a:ea typeface="a가시고기L" panose="02020600000000000000" pitchFamily="18" charset="-127"/>
+            </a:endParaRPr>
+          </a:p>
+        </p:txBody>
+      </p:sp>
+      <p:sp>
+        <p:nvSpPr>
+          <p:cNvPr id="11" name="Rectangle 21"/>
+          <p:cNvSpPr>
+            <a:spLocks noChangeArrowheads="1"/>
+          </p:cNvSpPr>
           <p:nvPr/>
         </p:nvSpPr>
-        <p:spPr>
+        <p:spPr bwMode="auto">
           <a:xfrm>
-            <a:off x="4848687" y="2104008"/>
-            <a:ext cx="2760956" cy="4034242"/>
+            <a:off x="0" y="43934"/>
+            <a:ext cx="184731" cy="369332"/>
           </a:xfrm>
           <a:prstGeom prst="rect">
             <a:avLst/>
           </a:prstGeom>
           <a:noFill/>
-          <a:ln w="38100">
-            <a:solidFill>
-              <a:schemeClr val="tx1"/>
-            </a:solidFill>
+          <a:ln>
+            <a:noFill/>
           </a:ln>
+          <a:effectLst/>
+          <a:extLst>
+            <a:ext uri="{909E8E84-426E-40DD-AFC4-6F175D3DCCD1}">
+              <a14:hiddenFill xmlns:a14="http://schemas.microsoft.com/office/drawing/2010/main">
+                <a:solidFill>
+                  <a:schemeClr val="accent1"/>
+                </a:solidFill>
+              </a14:hiddenFill>
+            </a:ext>
+            <a:ext uri="{91240B29-F687-4F45-9708-019B960494DF}">
+              <a14:hiddenLine xmlns:a14="http://schemas.microsoft.com/office/drawing/2010/main" w="9525">
+                <a:solidFill>
+                  <a:schemeClr val="tx1"/>
+                </a:solidFill>
+                <a:miter lim="800000"/>
+                <a:headEnd/>
+                <a:tailEnd/>
+              </a14:hiddenLine>
+            </a:ext>
+            <a:ext uri="{AF507438-7753-43E0-B8FC-AC1667EBCBE1}">
+              <a14:hiddenEffects xmlns:a14="http://schemas.microsoft.com/office/drawing/2010/main">
+                <a:effectLst>
+                  <a:outerShdw dist="35921" dir="2700000" algn="ctr" rotWithShape="0">
+                    <a:schemeClr val="bg2"/>
+                  </a:outerShdw>
+                </a:effectLst>
+              </a14:hiddenEffects>
+            </a:ext>
+          </a:extLst>
         </p:spPr>
-        <p:style>
-          <a:lnRef idx="2">
-            <a:schemeClr val="accent1">
-              <a:shade val="50000"/>
-            </a:schemeClr>
-          </a:lnRef>
-          <a:fillRef idx="1">
-            <a:schemeClr val="accent1"/>
-          </a:fillRef>
-          <a:effectRef idx="0">
-            <a:schemeClr val="accent1"/>
-          </a:effectRef>
-          <a:fontRef idx="minor">
-            <a:schemeClr val="lt1"/>
-          </a:fontRef>
-        </p:style>
-        <p:txBody>
-          <a:bodyPr rtlCol="0" anchor="ctr"/>
-          <a:lstStyle/>
-          <a:p>
-            <a:pPr algn="ctr"/>
-            <a:endParaRPr lang="ko-KR" altLang="en-US"/>
-          </a:p>
-        </p:txBody>
-      </p:sp>
-      <p:sp>
-        <p:nvSpPr>
-          <p:cNvPr id="8" name="직사각형 7">
-            <a:extLst>
-              <a:ext uri="{FF2B5EF4-FFF2-40B4-BE49-F238E27FC236}">
-                <a16:creationId xmlns:a16="http://schemas.microsoft.com/office/drawing/2014/main" id="{575495A0-3B9A-4FDD-92A6-DE05EB7ADD4C}"/>
-              </a:ext>
-            </a:extLst>
-          </p:cNvPr>
-          <p:cNvSpPr/>
+        <p:txBody>
+          <a:bodyPr vert="horz" wrap="none" lIns="91440" tIns="45720" rIns="91440" bIns="45720" numCol="1" anchor="ctr" anchorCtr="0" compatLnSpc="1">
+            <a:prstTxWarp prst="textNoShape">
+              <a:avLst/>
+            </a:prstTxWarp>
+            <a:spAutoFit/>
+          </a:bodyPr>
+          <a:lstStyle/>
+          <a:p>
+            <a:endParaRPr lang="ko-KR" altLang="en-US">
+              <a:latin typeface="a가시고기L" panose="02020600000000000000" pitchFamily="18" charset="-127"/>
+              <a:ea typeface="a가시고기L" panose="02020600000000000000" pitchFamily="18" charset="-127"/>
+            </a:endParaRPr>
+          </a:p>
+        </p:txBody>
+      </p:sp>
+      <p:sp>
+        <p:nvSpPr>
+          <p:cNvPr id="14" name="Rectangle 24"/>
+          <p:cNvSpPr>
+            <a:spLocks noChangeArrowheads="1"/>
+          </p:cNvSpPr>
           <p:nvPr/>
         </p:nvSpPr>
-        <p:spPr>
+        <p:spPr bwMode="auto">
           <a:xfrm>
-            <a:off x="8427867" y="2104008"/>
-            <a:ext cx="2760956" cy="4034242"/>
+            <a:off x="0" y="43934"/>
+            <a:ext cx="184731" cy="369332"/>
           </a:xfrm>
           <a:prstGeom prst="rect">
             <a:avLst/>
           </a:prstGeom>
           <a:noFill/>
-          <a:ln w="38100">
-            <a:solidFill>
-              <a:schemeClr val="tx1"/>
-            </a:solidFill>
+          <a:ln>
+            <a:noFill/>
           </a:ln>
+          <a:effectLst/>
+          <a:extLst>
+            <a:ext uri="{909E8E84-426E-40DD-AFC4-6F175D3DCCD1}">
+              <a14:hiddenFill xmlns:a14="http://schemas.microsoft.com/office/drawing/2010/main">
+                <a:solidFill>
+                  <a:schemeClr val="accent1"/>
+                </a:solidFill>
+              </a14:hiddenFill>
+            </a:ext>
+            <a:ext uri="{91240B29-F687-4F45-9708-019B960494DF}">
+              <a14:hiddenLine xmlns:a14="http://schemas.microsoft.com/office/drawing/2010/main" w="9525">
+                <a:solidFill>
+                  <a:schemeClr val="tx1"/>
+                </a:solidFill>
+                <a:miter lim="800000"/>
+                <a:headEnd/>
+                <a:tailEnd/>
+              </a14:hiddenLine>
+            </a:ext>
+            <a:ext uri="{AF507438-7753-43E0-B8FC-AC1667EBCBE1}">
+              <a14:hiddenEffects xmlns:a14="http://schemas.microsoft.com/office/drawing/2010/main">
+                <a:effectLst>
+                  <a:outerShdw dist="35921" dir="2700000" algn="ctr" rotWithShape="0">
+                    <a:schemeClr val="bg2"/>
+                  </a:outerShdw>
+                </a:effectLst>
+              </a14:hiddenEffects>
+            </a:ext>
+          </a:extLst>
         </p:spPr>
-        <p:style>
-          <a:lnRef idx="2">
-            <a:schemeClr val="accent1">
-              <a:shade val="50000"/>
-            </a:schemeClr>
-          </a:lnRef>
-          <a:fillRef idx="1">
-            <a:schemeClr val="accent1"/>
-          </a:fillRef>
-          <a:effectRef idx="0">
-            <a:schemeClr val="accent1"/>
-          </a:effectRef>
-          <a:fontRef idx="minor">
-            <a:schemeClr val="lt1"/>
-          </a:fontRef>
-        </p:style>
-        <p:txBody>
-          <a:bodyPr rtlCol="0" anchor="ctr"/>
-          <a:lstStyle/>
-          <a:p>
-            <a:pPr algn="ctr"/>
-            <a:endParaRPr lang="ko-KR" altLang="en-US"/>
-          </a:p>
-        </p:txBody>
-      </p:sp>
-      <p:sp>
-        <p:nvSpPr>
-          <p:cNvPr id="3" name="TextBox 2">
-            <a:extLst>
-              <a:ext uri="{FF2B5EF4-FFF2-40B4-BE49-F238E27FC236}">
-                <a16:creationId xmlns:a16="http://schemas.microsoft.com/office/drawing/2014/main" id="{EE286DBB-1A5B-4D18-9ADD-01A03566F868}"/>
-              </a:ext>
-            </a:extLst>
-          </p:cNvPr>
+        <p:txBody>
+          <a:bodyPr vert="horz" wrap="none" lIns="91440" tIns="45720" rIns="91440" bIns="45720" numCol="1" anchor="ctr" anchorCtr="0" compatLnSpc="1">
+            <a:prstTxWarp prst="textNoShape">
+              <a:avLst/>
+            </a:prstTxWarp>
+            <a:spAutoFit/>
+          </a:bodyPr>
+          <a:lstStyle/>
+          <a:p>
+            <a:endParaRPr lang="ko-KR" altLang="en-US">
+              <a:latin typeface="a가시고기L" panose="02020600000000000000" pitchFamily="18" charset="-127"/>
+              <a:ea typeface="a가시고기L" panose="02020600000000000000" pitchFamily="18" charset="-127"/>
+            </a:endParaRPr>
+          </a:p>
+        </p:txBody>
+      </p:sp>
+      <p:sp>
+        <p:nvSpPr>
+          <p:cNvPr id="60" name="TextBox 59"/>
           <p:cNvSpPr txBox="1"/>
           <p:nvPr/>
         </p:nvSpPr>
         <p:spPr>
           <a:xfrm>
-            <a:off x="2050741" y="1531990"/>
-            <a:ext cx="1127464" cy="461665"/>
+            <a:off x="4254500" y="3467100"/>
+            <a:ext cx="3581400" cy="369332"/>
           </a:xfrm>
           <a:prstGeom prst="rect">
             <a:avLst/>
@@ -4950,30 +5170,23 @@
           <a:lstStyle/>
           <a:p>
             <a:pPr algn="ctr"/>
-            <a:r>
-              <a:rPr lang="en-US" altLang="ko-KR" sz="2400" dirty="0"/>
-              <a:t>Band</a:t>
-            </a:r>
-            <a:endParaRPr lang="ko-KR" altLang="en-US" sz="2400" dirty="0"/>
-          </a:p>
-        </p:txBody>
-      </p:sp>
-      <p:sp>
-        <p:nvSpPr>
-          <p:cNvPr id="10" name="TextBox 9">
-            <a:extLst>
-              <a:ext uri="{FF2B5EF4-FFF2-40B4-BE49-F238E27FC236}">
-                <a16:creationId xmlns:a16="http://schemas.microsoft.com/office/drawing/2014/main" id="{7CC3F23F-9AEE-4C12-865D-87A82FDEE4D9}"/>
-              </a:ext>
-            </a:extLst>
-          </p:cNvPr>
+            <a:endParaRPr lang="ko-KR" altLang="en-US" dirty="0">
+              <a:latin typeface="a가시고기L" panose="02020600000000000000" pitchFamily="18" charset="-127"/>
+              <a:ea typeface="a가시고기L" panose="02020600000000000000" pitchFamily="18" charset="-127"/>
+            </a:endParaRPr>
+          </a:p>
+        </p:txBody>
+      </p:sp>
+      <p:sp>
+        <p:nvSpPr>
+          <p:cNvPr id="61" name="TextBox 60"/>
           <p:cNvSpPr txBox="1"/>
           <p:nvPr/>
         </p:nvSpPr>
         <p:spPr>
           <a:xfrm>
-            <a:off x="5928063" y="1531990"/>
-            <a:ext cx="667920" cy="461665"/>
+            <a:off x="8267700" y="3467100"/>
+            <a:ext cx="3581400" cy="369332"/>
           </a:xfrm>
           <a:prstGeom prst="rect">
             <a:avLst/>
@@ -4987,409 +5200,83 @@
           <a:lstStyle/>
           <a:p>
             <a:pPr algn="ctr"/>
-            <a:r>
-              <a:rPr lang="en-US" altLang="ko-KR" sz="2400" dirty="0"/>
-              <a:t>AP</a:t>
-            </a:r>
-            <a:endParaRPr lang="ko-KR" altLang="en-US" sz="2400" dirty="0"/>
-          </a:p>
-        </p:txBody>
-      </p:sp>
-      <p:sp>
-        <p:nvSpPr>
-          <p:cNvPr id="11" name="TextBox 10">
-            <a:extLst>
-              <a:ext uri="{FF2B5EF4-FFF2-40B4-BE49-F238E27FC236}">
-                <a16:creationId xmlns:a16="http://schemas.microsoft.com/office/drawing/2014/main" id="{1A5F9196-A66F-49B9-B7CB-4ABDFEF1272D}"/>
-              </a:ext>
-            </a:extLst>
-          </p:cNvPr>
-          <p:cNvSpPr txBox="1"/>
+            <a:endParaRPr lang="ko-KR" altLang="en-US" dirty="0">
+              <a:latin typeface="a가시고기L" panose="02020600000000000000" pitchFamily="18" charset="-127"/>
+              <a:ea typeface="a가시고기L" panose="02020600000000000000" pitchFamily="18" charset="-127"/>
+            </a:endParaRPr>
+          </a:p>
+        </p:txBody>
+      </p:sp>
+      <p:pic>
+        <p:nvPicPr>
+          <p:cNvPr id="4" name="그림 3">
+            <a:extLst>
+              <a:ext uri="{FF2B5EF4-FFF2-40B4-BE49-F238E27FC236}">
+                <a16:creationId xmlns:a16="http://schemas.microsoft.com/office/drawing/2014/main" id="{98E4624E-6004-4589-85B7-09C2A76BEFA5}"/>
+              </a:ext>
+            </a:extLst>
+          </p:cNvPr>
+          <p:cNvPicPr>
+            <a:picLocks noChangeAspect="1"/>
+          </p:cNvPicPr>
           <p:nvPr/>
-        </p:nvSpPr>
+        </p:nvPicPr>
+        <p:blipFill>
+          <a:blip r:embed="rId2">
+            <a:extLst>
+              <a:ext uri="{28A0092B-C50C-407E-A947-70E740481C1C}">
+                <a14:useLocalDpi xmlns:a14="http://schemas.microsoft.com/office/drawing/2010/main" val="0"/>
+              </a:ext>
+            </a:extLst>
+          </a:blip>
+          <a:stretch>
+            <a:fillRect/>
+          </a:stretch>
+        </p:blipFill>
         <p:spPr>
           <a:xfrm>
-            <a:off x="9173913" y="1528143"/>
-            <a:ext cx="1268863" cy="461665"/>
+            <a:off x="1669921" y="1235328"/>
+            <a:ext cx="8750557" cy="5202207"/>
           </a:xfrm>
           <a:prstGeom prst="rect">
             <a:avLst/>
           </a:prstGeom>
-          <a:noFill/>
         </p:spPr>
-        <p:txBody>
-          <a:bodyPr wrap="square" rtlCol="0">
-            <a:spAutoFit/>
-          </a:bodyPr>
-          <a:lstStyle/>
-          <a:p>
-            <a:pPr algn="ctr"/>
-            <a:r>
-              <a:rPr lang="en-US" altLang="ko-KR" sz="2400" dirty="0"/>
-              <a:t>SERVER</a:t>
-            </a:r>
-            <a:endParaRPr lang="ko-KR" altLang="en-US" sz="2400" dirty="0"/>
-          </a:p>
-        </p:txBody>
-      </p:sp>
-      <p:sp>
-        <p:nvSpPr>
-          <p:cNvPr id="9" name="TextBox 8">
-            <a:extLst>
-              <a:ext uri="{FF2B5EF4-FFF2-40B4-BE49-F238E27FC236}">
-                <a16:creationId xmlns:a16="http://schemas.microsoft.com/office/drawing/2014/main" id="{63471556-04E3-4663-8415-18FDC05033BF}"/>
-              </a:ext>
-            </a:extLst>
-          </p:cNvPr>
-          <p:cNvSpPr txBox="1"/>
-          <p:nvPr/>
-        </p:nvSpPr>
-        <p:spPr>
-          <a:xfrm>
-            <a:off x="1269507" y="2112885"/>
-            <a:ext cx="2760956" cy="3277820"/>
-          </a:xfrm>
-          <a:prstGeom prst="rect">
-            <a:avLst/>
-          </a:prstGeom>
-          <a:noFill/>
-        </p:spPr>
-        <p:txBody>
-          <a:bodyPr wrap="square" rtlCol="0">
-            <a:spAutoFit/>
-          </a:bodyPr>
-          <a:lstStyle/>
-          <a:p>
-            <a:pPr marL="285750" indent="-285750">
-              <a:lnSpc>
-                <a:spcPct val="150000"/>
-              </a:lnSpc>
-              <a:buFont typeface="Arial" panose="020B0604020202020204" pitchFamily="34" charset="0"/>
-              <a:buChar char="•"/>
-            </a:pPr>
-            <a:r>
-              <a:rPr lang="ko-KR" altLang="en-US" sz="2000" dirty="0"/>
-              <a:t>하드웨어</a:t>
-            </a:r>
-            <a:endParaRPr lang="en-US" altLang="ko-KR" sz="2000" dirty="0"/>
-          </a:p>
-          <a:p>
-            <a:pPr>
-              <a:lnSpc>
-                <a:spcPct val="150000"/>
-              </a:lnSpc>
-            </a:pPr>
-            <a:r>
-              <a:rPr lang="en-US" altLang="ko-KR" sz="1600" dirty="0"/>
-              <a:t>    - Raspberry Pi</a:t>
-            </a:r>
-          </a:p>
-          <a:p>
-            <a:pPr>
-              <a:lnSpc>
-                <a:spcPct val="150000"/>
-              </a:lnSpc>
-            </a:pPr>
-            <a:r>
-              <a:rPr lang="en-US" altLang="ko-KR" sz="1600" dirty="0"/>
-              <a:t>    - DWM1001 Module</a:t>
-            </a:r>
-          </a:p>
-          <a:p>
-            <a:pPr>
-              <a:lnSpc>
-                <a:spcPct val="150000"/>
-              </a:lnSpc>
-            </a:pPr>
-            <a:endParaRPr lang="en-US" altLang="ko-KR" dirty="0"/>
-          </a:p>
-          <a:p>
-            <a:pPr marL="285750" indent="-285750">
-              <a:lnSpc>
-                <a:spcPct val="150000"/>
-              </a:lnSpc>
-              <a:buFont typeface="Arial" panose="020B0604020202020204" pitchFamily="34" charset="0"/>
-              <a:buChar char="•"/>
-            </a:pPr>
-            <a:r>
-              <a:rPr lang="ko-KR" altLang="en-US" sz="2000" dirty="0"/>
-              <a:t>통신</a:t>
-            </a:r>
-            <a:endParaRPr lang="en-US" altLang="ko-KR" sz="2000" dirty="0"/>
-          </a:p>
-          <a:p>
-            <a:pPr>
-              <a:lnSpc>
-                <a:spcPct val="150000"/>
-              </a:lnSpc>
-            </a:pPr>
-            <a:r>
-              <a:rPr lang="en-US" altLang="ko-KR" sz="1600" dirty="0"/>
-              <a:t>    - UWB</a:t>
-            </a:r>
-          </a:p>
-          <a:p>
-            <a:pPr>
-              <a:lnSpc>
-                <a:spcPct val="150000"/>
-              </a:lnSpc>
-            </a:pPr>
-            <a:r>
-              <a:rPr lang="en-US" altLang="ko-KR" sz="1600" dirty="0"/>
-              <a:t>    - UART</a:t>
-            </a:r>
-          </a:p>
-          <a:p>
-            <a:pPr>
-              <a:lnSpc>
-                <a:spcPct val="150000"/>
-              </a:lnSpc>
-            </a:pPr>
-            <a:r>
-              <a:rPr lang="en-US" altLang="ko-KR" sz="1600" dirty="0"/>
-              <a:t>    - Ethernet</a:t>
-            </a:r>
-            <a:endParaRPr lang="ko-KR" altLang="en-US" sz="1600" dirty="0"/>
-          </a:p>
-        </p:txBody>
-      </p:sp>
-      <p:sp>
-        <p:nvSpPr>
-          <p:cNvPr id="18" name="TextBox 17">
-            <a:extLst>
-              <a:ext uri="{FF2B5EF4-FFF2-40B4-BE49-F238E27FC236}">
-                <a16:creationId xmlns:a16="http://schemas.microsoft.com/office/drawing/2014/main" id="{351583D6-7FA5-4456-A442-1E38739D4EB0}"/>
-              </a:ext>
-            </a:extLst>
-          </p:cNvPr>
-          <p:cNvSpPr txBox="1"/>
-          <p:nvPr/>
-        </p:nvSpPr>
-        <p:spPr>
-          <a:xfrm>
-            <a:off x="4848687" y="2121765"/>
-            <a:ext cx="2760956" cy="3693319"/>
-          </a:xfrm>
-          <a:prstGeom prst="rect">
-            <a:avLst/>
-          </a:prstGeom>
-          <a:noFill/>
-        </p:spPr>
-        <p:txBody>
-          <a:bodyPr wrap="square" rtlCol="0">
-            <a:spAutoFit/>
-          </a:bodyPr>
-          <a:lstStyle/>
-          <a:p>
-            <a:pPr marL="285750" indent="-285750">
-              <a:lnSpc>
-                <a:spcPct val="150000"/>
-              </a:lnSpc>
-              <a:buFont typeface="Arial" panose="020B0604020202020204" pitchFamily="34" charset="0"/>
-              <a:buChar char="•"/>
-            </a:pPr>
-            <a:r>
-              <a:rPr lang="ko-KR" altLang="en-US" sz="2000" dirty="0"/>
-              <a:t>하드웨어</a:t>
-            </a:r>
-            <a:endParaRPr lang="en-US" altLang="ko-KR" dirty="0"/>
-          </a:p>
-          <a:p>
-            <a:pPr>
-              <a:lnSpc>
-                <a:spcPct val="150000"/>
-              </a:lnSpc>
-            </a:pPr>
-            <a:r>
-              <a:rPr lang="en-US" altLang="ko-KR" sz="1600" dirty="0"/>
-              <a:t>    - Raspberry Pi</a:t>
-            </a:r>
-          </a:p>
-          <a:p>
-            <a:pPr>
-              <a:lnSpc>
-                <a:spcPct val="150000"/>
-              </a:lnSpc>
-            </a:pPr>
-            <a:r>
-              <a:rPr lang="en-US" altLang="ko-KR" sz="1600" dirty="0"/>
-              <a:t>    - DWM1001 Module</a:t>
-            </a:r>
-          </a:p>
-          <a:p>
-            <a:pPr>
-              <a:lnSpc>
-                <a:spcPct val="150000"/>
-              </a:lnSpc>
-            </a:pPr>
-            <a:endParaRPr lang="en-US" altLang="ko-KR" dirty="0"/>
-          </a:p>
-          <a:p>
-            <a:pPr marL="285750" indent="-285750">
-              <a:lnSpc>
-                <a:spcPct val="150000"/>
-              </a:lnSpc>
-              <a:buFont typeface="Arial" panose="020B0604020202020204" pitchFamily="34" charset="0"/>
-              <a:buChar char="•"/>
-            </a:pPr>
-            <a:r>
-              <a:rPr lang="ko-KR" altLang="en-US" sz="2000" dirty="0"/>
-              <a:t>통신</a:t>
-            </a:r>
-            <a:endParaRPr lang="en-US" altLang="ko-KR" dirty="0"/>
-          </a:p>
-          <a:p>
-            <a:pPr>
-              <a:lnSpc>
-                <a:spcPct val="150000"/>
-              </a:lnSpc>
-            </a:pPr>
-            <a:r>
-              <a:rPr lang="en-US" altLang="ko-KR" sz="1600" dirty="0"/>
-              <a:t>    - UWB</a:t>
-            </a:r>
-          </a:p>
-          <a:p>
-            <a:pPr>
-              <a:lnSpc>
-                <a:spcPct val="150000"/>
-              </a:lnSpc>
-            </a:pPr>
-            <a:r>
-              <a:rPr lang="en-US" altLang="ko-KR" sz="1600" dirty="0"/>
-              <a:t>    - UART</a:t>
-            </a:r>
-          </a:p>
-          <a:p>
-            <a:pPr>
-              <a:lnSpc>
-                <a:spcPct val="150000"/>
-              </a:lnSpc>
-            </a:pPr>
-            <a:r>
-              <a:rPr lang="en-US" altLang="ko-KR" sz="1600" dirty="0"/>
-              <a:t>    - Ethernet</a:t>
-            </a:r>
-          </a:p>
-          <a:p>
-            <a:pPr>
-              <a:lnSpc>
-                <a:spcPct val="150000"/>
-              </a:lnSpc>
-            </a:pPr>
-            <a:r>
-              <a:rPr lang="en-US" altLang="ko-KR" sz="1600" dirty="0"/>
-              <a:t>    - TCP / IP</a:t>
-            </a:r>
-            <a:endParaRPr lang="ko-KR" altLang="en-US" sz="1600" dirty="0"/>
-          </a:p>
-        </p:txBody>
-      </p:sp>
-      <p:sp>
-        <p:nvSpPr>
-          <p:cNvPr id="19" name="TextBox 18">
-            <a:extLst>
-              <a:ext uri="{FF2B5EF4-FFF2-40B4-BE49-F238E27FC236}">
-                <a16:creationId xmlns:a16="http://schemas.microsoft.com/office/drawing/2014/main" id="{D0FACDA4-922C-45DB-B86E-842AF3E014F0}"/>
-              </a:ext>
-            </a:extLst>
-          </p:cNvPr>
-          <p:cNvSpPr txBox="1"/>
-          <p:nvPr/>
-        </p:nvSpPr>
-        <p:spPr>
-          <a:xfrm>
-            <a:off x="8427867" y="2085989"/>
-            <a:ext cx="2760956" cy="2539157"/>
-          </a:xfrm>
-          <a:prstGeom prst="rect">
-            <a:avLst/>
-          </a:prstGeom>
-          <a:noFill/>
-        </p:spPr>
-        <p:txBody>
-          <a:bodyPr wrap="square" rtlCol="0">
-            <a:spAutoFit/>
-          </a:bodyPr>
-          <a:lstStyle/>
-          <a:p>
-            <a:pPr marL="285750" indent="-285750">
-              <a:lnSpc>
-                <a:spcPct val="150000"/>
-              </a:lnSpc>
-              <a:buFont typeface="Arial" panose="020B0604020202020204" pitchFamily="34" charset="0"/>
-              <a:buChar char="•"/>
-            </a:pPr>
-            <a:r>
-              <a:rPr lang="ko-KR" altLang="en-US" sz="2000" dirty="0"/>
-              <a:t>서버</a:t>
-            </a:r>
-            <a:endParaRPr lang="en-US" altLang="ko-KR" sz="2000" dirty="0"/>
-          </a:p>
-          <a:p>
-            <a:pPr>
-              <a:lnSpc>
-                <a:spcPct val="150000"/>
-              </a:lnSpc>
-            </a:pPr>
-            <a:r>
-              <a:rPr lang="en-US" altLang="ko-KR" sz="1600" dirty="0"/>
-              <a:t>    - Spring framework</a:t>
-            </a:r>
-            <a:endParaRPr lang="en-US" altLang="ko-KR" dirty="0"/>
-          </a:p>
-          <a:p>
-            <a:pPr>
-              <a:lnSpc>
-                <a:spcPct val="150000"/>
-              </a:lnSpc>
-            </a:pPr>
-            <a:r>
-              <a:rPr lang="en-US" altLang="ko-KR" sz="1600" dirty="0"/>
-              <a:t>    - Windows</a:t>
-            </a:r>
-            <a:endParaRPr lang="en-US" altLang="ko-KR" dirty="0"/>
-          </a:p>
-          <a:p>
-            <a:pPr>
-              <a:lnSpc>
-                <a:spcPct val="150000"/>
-              </a:lnSpc>
-            </a:pPr>
-            <a:endParaRPr lang="en-US" altLang="ko-KR" dirty="0"/>
-          </a:p>
-          <a:p>
-            <a:pPr marL="285750" indent="-285750">
-              <a:lnSpc>
-                <a:spcPct val="150000"/>
-              </a:lnSpc>
-              <a:buFont typeface="Arial" panose="020B0604020202020204" pitchFamily="34" charset="0"/>
-              <a:buChar char="•"/>
-            </a:pPr>
-            <a:r>
-              <a:rPr lang="ko-KR" altLang="en-US" sz="2000" dirty="0"/>
-              <a:t>통신</a:t>
-            </a:r>
-            <a:endParaRPr lang="en-US" altLang="ko-KR" dirty="0"/>
-          </a:p>
-          <a:p>
-            <a:pPr>
-              <a:lnSpc>
-                <a:spcPct val="150000"/>
-              </a:lnSpc>
-            </a:pPr>
-            <a:r>
-              <a:rPr lang="en-US" altLang="ko-KR" sz="1600" dirty="0"/>
-              <a:t>    - TCP / IP</a:t>
-            </a:r>
-            <a:endParaRPr lang="ko-KR" altLang="en-US" sz="1600" dirty="0"/>
+      </p:pic>
+      <p:sp>
+        <p:nvSpPr>
+          <p:cNvPr id="3" name="슬라이드 번호 개체 틀 2">
+            <a:extLst>
+              <a:ext uri="{FF2B5EF4-FFF2-40B4-BE49-F238E27FC236}">
+                <a16:creationId xmlns:a16="http://schemas.microsoft.com/office/drawing/2014/main" id="{22DE9A22-8FCF-4494-A47C-839FB8A293CB}"/>
+              </a:ext>
+            </a:extLst>
+          </p:cNvPr>
+          <p:cNvSpPr>
+            <a:spLocks noGrp="1"/>
+          </p:cNvSpPr>
+          <p:nvPr>
+            <p:ph type="sldNum" sz="quarter" idx="12"/>
+          </p:nvPr>
+        </p:nvSpPr>
+        <p:spPr/>
+        <p:txBody>
+          <a:bodyPr/>
+          <a:lstStyle/>
+          <a:p>
+            <a:fld id="{9E3BAC05-F6BA-4953-A19F-91E61AE236E7}" type="slidenum">
+              <a:rPr lang="ko-KR" altLang="en-US" smtClean="0"/>
+              <a:pPr/>
+              <a:t>10</a:t>
+            </a:fld>
+            <a:endParaRPr lang="ko-KR" altLang="en-US"/>
           </a:p>
         </p:txBody>
       </p:sp>
     </p:spTree>
     <p:extLst>
       <p:ext uri="{BB962C8B-B14F-4D97-AF65-F5344CB8AC3E}">
-        <p14:creationId xmlns:p14="http://schemas.microsoft.com/office/powerpoint/2010/main" val="1642331227"/>
+        <p14:creationId xmlns:p14="http://schemas.microsoft.com/office/powerpoint/2010/main" val="3307168380"/>
       </p:ext>
     </p:extLst>
   </p:cSld>
@@ -5527,59 +5414,67 @@
           </a:p>
         </p:txBody>
       </p:sp>
-      <p:pic>
-        <p:nvPicPr>
-          <p:cNvPr id="1026" name="Picture 2" descr="기술 데이터">
-            <a:extLst>
-              <a:ext uri="{FF2B5EF4-FFF2-40B4-BE49-F238E27FC236}">
-                <a16:creationId xmlns:a16="http://schemas.microsoft.com/office/drawing/2014/main" id="{9A2F4BE3-B5E2-4417-80DE-D4AA9B9EC324}"/>
-              </a:ext>
-            </a:extLst>
-          </p:cNvPr>
-          <p:cNvPicPr>
-            <a:picLocks noChangeAspect="1" noChangeArrowheads="1"/>
-          </p:cNvPicPr>
+      <p:sp>
+        <p:nvSpPr>
+          <p:cNvPr id="2" name="직사각형 1">
+            <a:extLst>
+              <a:ext uri="{FF2B5EF4-FFF2-40B4-BE49-F238E27FC236}">
+                <a16:creationId xmlns:a16="http://schemas.microsoft.com/office/drawing/2014/main" id="{DFF23BC9-8837-4A44-8AB2-DFB8276CB4BB}"/>
+              </a:ext>
+            </a:extLst>
+          </p:cNvPr>
+          <p:cNvSpPr/>
           <p:nvPr/>
-        </p:nvPicPr>
-        <p:blipFill>
-          <a:blip r:embed="rId3">
-            <a:extLst>
-              <a:ext uri="{28A0092B-C50C-407E-A947-70E740481C1C}">
-                <a14:useLocalDpi xmlns:a14="http://schemas.microsoft.com/office/drawing/2010/main" val="0"/>
-              </a:ext>
-            </a:extLst>
-          </a:blip>
-          <a:srcRect/>
-          <a:stretch>
-            <a:fillRect/>
-          </a:stretch>
-        </p:blipFill>
-        <p:spPr bwMode="auto">
+        </p:nvSpPr>
+        <p:spPr>
           <a:xfrm>
-            <a:off x="453293" y="1798856"/>
-            <a:ext cx="5290282" cy="3920018"/>
+            <a:off x="1269507" y="2104009"/>
+            <a:ext cx="2760956" cy="4034242"/>
           </a:xfrm>
           <a:prstGeom prst="rect">
             <a:avLst/>
           </a:prstGeom>
           <a:noFill/>
-          <a:extLst>
-            <a:ext uri="{909E8E84-426E-40DD-AFC4-6F175D3DCCD1}">
-              <a14:hiddenFill xmlns:a14="http://schemas.microsoft.com/office/drawing/2010/main">
-                <a:solidFill>
-                  <a:srgbClr val="FFFFFF"/>
-                </a:solidFill>
-              </a14:hiddenFill>
-            </a:ext>
-          </a:extLst>
+          <a:ln w="38100">
+            <a:solidFill>
+              <a:schemeClr val="tx1"/>
+            </a:solidFill>
+          </a:ln>
         </p:spPr>
-      </p:pic>
-      <p:sp>
-        <p:nvSpPr>
-          <p:cNvPr id="2" name="직사각형 1">
-            <a:extLst>
-              <a:ext uri="{FF2B5EF4-FFF2-40B4-BE49-F238E27FC236}">
-                <a16:creationId xmlns:a16="http://schemas.microsoft.com/office/drawing/2014/main" id="{6BBB8B32-F9B4-4EAE-BF94-12689FB89B6B}"/>
+        <p:style>
+          <a:lnRef idx="2">
+            <a:schemeClr val="accent1">
+              <a:shade val="50000"/>
+            </a:schemeClr>
+          </a:lnRef>
+          <a:fillRef idx="1">
+            <a:schemeClr val="accent1"/>
+          </a:fillRef>
+          <a:effectRef idx="0">
+            <a:schemeClr val="accent1"/>
+          </a:effectRef>
+          <a:fontRef idx="minor">
+            <a:schemeClr val="lt1"/>
+          </a:fontRef>
+        </p:style>
+        <p:txBody>
+          <a:bodyPr rtlCol="0" anchor="ctr"/>
+          <a:lstStyle/>
+          <a:p>
+            <a:pPr algn="ctr"/>
+            <a:endParaRPr lang="ko-KR" altLang="en-US" dirty="0">
+              <a:latin typeface="a가시고기L" panose="02020600000000000000" pitchFamily="18" charset="-127"/>
+              <a:ea typeface="a가시고기L" panose="02020600000000000000" pitchFamily="18" charset="-127"/>
+            </a:endParaRPr>
+          </a:p>
+        </p:txBody>
+      </p:sp>
+      <p:sp>
+        <p:nvSpPr>
+          <p:cNvPr id="7" name="직사각형 6">
+            <a:extLst>
+              <a:ext uri="{FF2B5EF4-FFF2-40B4-BE49-F238E27FC236}">
+                <a16:creationId xmlns:a16="http://schemas.microsoft.com/office/drawing/2014/main" id="{F6695FB4-E082-4A39-85E2-FD92EE7A8111}"/>
               </a:ext>
             </a:extLst>
           </p:cNvPr>
@@ -5588,20 +5483,260 @@
         </p:nvSpPr>
         <p:spPr>
           <a:xfrm>
-            <a:off x="5928457" y="1798856"/>
-            <a:ext cx="6096000" cy="4108817"/>
+            <a:off x="4848687" y="2104008"/>
+            <a:ext cx="2760956" cy="4034242"/>
           </a:xfrm>
           <a:prstGeom prst="rect">
             <a:avLst/>
           </a:prstGeom>
+          <a:noFill/>
+          <a:ln w="38100">
+            <a:solidFill>
+              <a:schemeClr val="tx1"/>
+            </a:solidFill>
+          </a:ln>
         </p:spPr>
-        <p:txBody>
-          <a:bodyPr wrap="square">
+        <p:style>
+          <a:lnRef idx="2">
+            <a:schemeClr val="accent1">
+              <a:shade val="50000"/>
+            </a:schemeClr>
+          </a:lnRef>
+          <a:fillRef idx="1">
+            <a:schemeClr val="accent1"/>
+          </a:fillRef>
+          <a:effectRef idx="0">
+            <a:schemeClr val="accent1"/>
+          </a:effectRef>
+          <a:fontRef idx="minor">
+            <a:schemeClr val="lt1"/>
+          </a:fontRef>
+        </p:style>
+        <p:txBody>
+          <a:bodyPr rtlCol="0" anchor="ctr"/>
+          <a:lstStyle/>
+          <a:p>
+            <a:pPr algn="ctr"/>
+            <a:endParaRPr lang="ko-KR" altLang="en-US">
+              <a:latin typeface="a가시고기L" panose="02020600000000000000" pitchFamily="18" charset="-127"/>
+              <a:ea typeface="a가시고기L" panose="02020600000000000000" pitchFamily="18" charset="-127"/>
+            </a:endParaRPr>
+          </a:p>
+        </p:txBody>
+      </p:sp>
+      <p:sp>
+        <p:nvSpPr>
+          <p:cNvPr id="8" name="직사각형 7">
+            <a:extLst>
+              <a:ext uri="{FF2B5EF4-FFF2-40B4-BE49-F238E27FC236}">
+                <a16:creationId xmlns:a16="http://schemas.microsoft.com/office/drawing/2014/main" id="{575495A0-3B9A-4FDD-92A6-DE05EB7ADD4C}"/>
+              </a:ext>
+            </a:extLst>
+          </p:cNvPr>
+          <p:cNvSpPr/>
+          <p:nvPr/>
+        </p:nvSpPr>
+        <p:spPr>
+          <a:xfrm>
+            <a:off x="8427867" y="2104008"/>
+            <a:ext cx="2760956" cy="4034242"/>
+          </a:xfrm>
+          <a:prstGeom prst="rect">
+            <a:avLst/>
+          </a:prstGeom>
+          <a:noFill/>
+          <a:ln w="38100">
+            <a:solidFill>
+              <a:schemeClr val="tx1"/>
+            </a:solidFill>
+          </a:ln>
+        </p:spPr>
+        <p:style>
+          <a:lnRef idx="2">
+            <a:schemeClr val="accent1">
+              <a:shade val="50000"/>
+            </a:schemeClr>
+          </a:lnRef>
+          <a:fillRef idx="1">
+            <a:schemeClr val="accent1"/>
+          </a:fillRef>
+          <a:effectRef idx="0">
+            <a:schemeClr val="accent1"/>
+          </a:effectRef>
+          <a:fontRef idx="minor">
+            <a:schemeClr val="lt1"/>
+          </a:fontRef>
+        </p:style>
+        <p:txBody>
+          <a:bodyPr rtlCol="0" anchor="ctr"/>
+          <a:lstStyle/>
+          <a:p>
+            <a:pPr algn="ctr"/>
+            <a:endParaRPr lang="ko-KR" altLang="en-US">
+              <a:latin typeface="a가시고기L" panose="02020600000000000000" pitchFamily="18" charset="-127"/>
+              <a:ea typeface="a가시고기L" panose="02020600000000000000" pitchFamily="18" charset="-127"/>
+            </a:endParaRPr>
+          </a:p>
+        </p:txBody>
+      </p:sp>
+      <p:sp>
+        <p:nvSpPr>
+          <p:cNvPr id="3" name="TextBox 2">
+            <a:extLst>
+              <a:ext uri="{FF2B5EF4-FFF2-40B4-BE49-F238E27FC236}">
+                <a16:creationId xmlns:a16="http://schemas.microsoft.com/office/drawing/2014/main" id="{EE286DBB-1A5B-4D18-9ADD-01A03566F868}"/>
+              </a:ext>
+            </a:extLst>
+          </p:cNvPr>
+          <p:cNvSpPr txBox="1"/>
+          <p:nvPr/>
+        </p:nvSpPr>
+        <p:spPr>
+          <a:xfrm>
+            <a:off x="2050741" y="1531990"/>
+            <a:ext cx="1127464" cy="461665"/>
+          </a:xfrm>
+          <a:prstGeom prst="rect">
+            <a:avLst/>
+          </a:prstGeom>
+          <a:noFill/>
+        </p:spPr>
+        <p:txBody>
+          <a:bodyPr wrap="square" rtlCol="0">
             <a:spAutoFit/>
           </a:bodyPr>
           <a:lstStyle/>
           <a:p>
-            <a:pPr>
+            <a:pPr algn="ctr"/>
+            <a:r>
+              <a:rPr lang="en-US" altLang="ko-KR" sz="2400" dirty="0">
+                <a:latin typeface="a가시고기L" panose="02020600000000000000" pitchFamily="18" charset="-127"/>
+                <a:ea typeface="a가시고기L" panose="02020600000000000000" pitchFamily="18" charset="-127"/>
+              </a:rPr>
+              <a:t>Band</a:t>
+            </a:r>
+            <a:endParaRPr lang="ko-KR" altLang="en-US" sz="2400" dirty="0">
+              <a:latin typeface="a가시고기L" panose="02020600000000000000" pitchFamily="18" charset="-127"/>
+              <a:ea typeface="a가시고기L" panose="02020600000000000000" pitchFamily="18" charset="-127"/>
+            </a:endParaRPr>
+          </a:p>
+        </p:txBody>
+      </p:sp>
+      <p:sp>
+        <p:nvSpPr>
+          <p:cNvPr id="10" name="TextBox 9">
+            <a:extLst>
+              <a:ext uri="{FF2B5EF4-FFF2-40B4-BE49-F238E27FC236}">
+                <a16:creationId xmlns:a16="http://schemas.microsoft.com/office/drawing/2014/main" id="{7CC3F23F-9AEE-4C12-865D-87A82FDEE4D9}"/>
+              </a:ext>
+            </a:extLst>
+          </p:cNvPr>
+          <p:cNvSpPr txBox="1"/>
+          <p:nvPr/>
+        </p:nvSpPr>
+        <p:spPr>
+          <a:xfrm>
+            <a:off x="5928063" y="1531990"/>
+            <a:ext cx="667920" cy="461665"/>
+          </a:xfrm>
+          <a:prstGeom prst="rect">
+            <a:avLst/>
+          </a:prstGeom>
+          <a:noFill/>
+        </p:spPr>
+        <p:txBody>
+          <a:bodyPr wrap="square" rtlCol="0">
+            <a:spAutoFit/>
+          </a:bodyPr>
+          <a:lstStyle/>
+          <a:p>
+            <a:pPr algn="ctr"/>
+            <a:r>
+              <a:rPr lang="en-US" altLang="ko-KR" sz="2400" dirty="0">
+                <a:latin typeface="a가시고기L" panose="02020600000000000000" pitchFamily="18" charset="-127"/>
+                <a:ea typeface="a가시고기L" panose="02020600000000000000" pitchFamily="18" charset="-127"/>
+              </a:rPr>
+              <a:t>AP</a:t>
+            </a:r>
+            <a:endParaRPr lang="ko-KR" altLang="en-US" sz="2400" dirty="0">
+              <a:latin typeface="a가시고기L" panose="02020600000000000000" pitchFamily="18" charset="-127"/>
+              <a:ea typeface="a가시고기L" panose="02020600000000000000" pitchFamily="18" charset="-127"/>
+            </a:endParaRPr>
+          </a:p>
+        </p:txBody>
+      </p:sp>
+      <p:sp>
+        <p:nvSpPr>
+          <p:cNvPr id="11" name="TextBox 10">
+            <a:extLst>
+              <a:ext uri="{FF2B5EF4-FFF2-40B4-BE49-F238E27FC236}">
+                <a16:creationId xmlns:a16="http://schemas.microsoft.com/office/drawing/2014/main" id="{1A5F9196-A66F-49B9-B7CB-4ABDFEF1272D}"/>
+              </a:ext>
+            </a:extLst>
+          </p:cNvPr>
+          <p:cNvSpPr txBox="1"/>
+          <p:nvPr/>
+        </p:nvSpPr>
+        <p:spPr>
+          <a:xfrm>
+            <a:off x="9173913" y="1528143"/>
+            <a:ext cx="1268863" cy="830997"/>
+          </a:xfrm>
+          <a:prstGeom prst="rect">
+            <a:avLst/>
+          </a:prstGeom>
+          <a:noFill/>
+        </p:spPr>
+        <p:txBody>
+          <a:bodyPr wrap="square" rtlCol="0">
+            <a:spAutoFit/>
+          </a:bodyPr>
+          <a:lstStyle/>
+          <a:p>
+            <a:pPr algn="ctr"/>
+            <a:r>
+              <a:rPr lang="en-US" altLang="ko-KR" sz="2400" dirty="0">
+                <a:latin typeface="a가시고기L" panose="02020600000000000000" pitchFamily="18" charset="-127"/>
+                <a:ea typeface="a가시고기L" panose="02020600000000000000" pitchFamily="18" charset="-127"/>
+              </a:rPr>
+              <a:t>SERVER</a:t>
+            </a:r>
+            <a:endParaRPr lang="ko-KR" altLang="en-US" sz="2400" dirty="0">
+              <a:latin typeface="a가시고기L" panose="02020600000000000000" pitchFamily="18" charset="-127"/>
+              <a:ea typeface="a가시고기L" panose="02020600000000000000" pitchFamily="18" charset="-127"/>
+            </a:endParaRPr>
+          </a:p>
+        </p:txBody>
+      </p:sp>
+      <p:sp>
+        <p:nvSpPr>
+          <p:cNvPr id="9" name="TextBox 8">
+            <a:extLst>
+              <a:ext uri="{FF2B5EF4-FFF2-40B4-BE49-F238E27FC236}">
+                <a16:creationId xmlns:a16="http://schemas.microsoft.com/office/drawing/2014/main" id="{63471556-04E3-4663-8415-18FDC05033BF}"/>
+              </a:ext>
+            </a:extLst>
+          </p:cNvPr>
+          <p:cNvSpPr txBox="1"/>
+          <p:nvPr/>
+        </p:nvSpPr>
+        <p:spPr>
+          <a:xfrm>
+            <a:off x="1269507" y="2112885"/>
+            <a:ext cx="2760956" cy="3277820"/>
+          </a:xfrm>
+          <a:prstGeom prst="rect">
+            <a:avLst/>
+          </a:prstGeom>
+          <a:noFill/>
+        </p:spPr>
+        <p:txBody>
+          <a:bodyPr wrap="square" rtlCol="0">
+            <a:spAutoFit/>
+          </a:bodyPr>
+          <a:lstStyle/>
+          <a:p>
+            <a:pPr marL="285750" indent="-285750">
               <a:lnSpc>
                 <a:spcPct val="150000"/>
               </a:lnSpc>
@@ -5609,44 +5744,58 @@
               <a:buChar char="•"/>
             </a:pPr>
             <a:r>
+              <a:rPr lang="ko-KR" altLang="en-US" sz="2000" dirty="0">
+                <a:latin typeface="a가시고기L" panose="02020600000000000000" pitchFamily="18" charset="-127"/>
+                <a:ea typeface="a가시고기L" panose="02020600000000000000" pitchFamily="18" charset="-127"/>
+              </a:rPr>
+              <a:t>하드웨어</a:t>
+            </a:r>
+            <a:endParaRPr lang="en-US" altLang="ko-KR" sz="2000" dirty="0">
+              <a:latin typeface="a가시고기L" panose="02020600000000000000" pitchFamily="18" charset="-127"/>
+              <a:ea typeface="a가시고기L" panose="02020600000000000000" pitchFamily="18" charset="-127"/>
+            </a:endParaRPr>
+          </a:p>
+          <a:p>
+            <a:pPr>
+              <a:lnSpc>
+                <a:spcPct val="150000"/>
+              </a:lnSpc>
+            </a:pPr>
+            <a:r>
               <a:rPr lang="en-US" altLang="ko-KR" sz="1600" dirty="0">
-                <a:solidFill>
-                  <a:srgbClr val="333333"/>
-                </a:solidFill>
-                <a:latin typeface="Open Sans"/>
-              </a:rPr>
-              <a:t>UWB </a:t>
-            </a:r>
-            <a:r>
-              <a:rPr lang="ko-KR" altLang="en-US" sz="1600" dirty="0">
-                <a:solidFill>
-                  <a:srgbClr val="333333"/>
-                </a:solidFill>
-                <a:latin typeface="Open Sans"/>
-              </a:rPr>
-              <a:t>및 </a:t>
-            </a:r>
+                <a:latin typeface="a가시고기L" panose="02020600000000000000" pitchFamily="18" charset="-127"/>
+                <a:ea typeface="a가시고기L" panose="02020600000000000000" pitchFamily="18" charset="-127"/>
+              </a:rPr>
+              <a:t>    - Raspberry Pi</a:t>
+            </a:r>
+          </a:p>
+          <a:p>
+            <a:pPr>
+              <a:lnSpc>
+                <a:spcPct val="150000"/>
+              </a:lnSpc>
+            </a:pPr>
             <a:r>
               <a:rPr lang="en-US" altLang="ko-KR" sz="1600" dirty="0">
-                <a:solidFill>
-                  <a:srgbClr val="333333"/>
-                </a:solidFill>
-                <a:latin typeface="Open Sans"/>
-              </a:rPr>
-              <a:t>Bluetooth® </a:t>
-            </a:r>
-            <a:r>
-              <a:rPr lang="ko-KR" altLang="en-US" sz="1600" dirty="0">
-                <a:solidFill>
-                  <a:srgbClr val="333333"/>
-                </a:solidFill>
-                <a:latin typeface="Open Sans"/>
-              </a:rPr>
-              <a:t>스마트 지원</a:t>
+                <a:latin typeface="a가시고기L" panose="02020600000000000000" pitchFamily="18" charset="-127"/>
+                <a:ea typeface="a가시고기L" panose="02020600000000000000" pitchFamily="18" charset="-127"/>
+              </a:rPr>
+              <a:t>    - DWM1001 Module</a:t>
             </a:r>
           </a:p>
           <a:p>
             <a:pPr>
+              <a:lnSpc>
+                <a:spcPct val="150000"/>
+              </a:lnSpc>
+            </a:pPr>
+            <a:endParaRPr lang="en-US" altLang="ko-KR" dirty="0">
+              <a:latin typeface="a가시고기L" panose="02020600000000000000" pitchFamily="18" charset="-127"/>
+              <a:ea typeface="a가시고기L" panose="02020600000000000000" pitchFamily="18" charset="-127"/>
+            </a:endParaRPr>
+          </a:p>
+          <a:p>
+            <a:pPr marL="285750" indent="-285750">
               <a:lnSpc>
                 <a:spcPct val="150000"/>
               </a:lnSpc>
@@ -5654,26 +5803,94 @@
               <a:buChar char="•"/>
             </a:pPr>
             <a:r>
+              <a:rPr lang="ko-KR" altLang="en-US" sz="2000" dirty="0">
+                <a:latin typeface="a가시고기L" panose="02020600000000000000" pitchFamily="18" charset="-127"/>
+                <a:ea typeface="a가시고기L" panose="02020600000000000000" pitchFamily="18" charset="-127"/>
+              </a:rPr>
+              <a:t>통신</a:t>
+            </a:r>
+            <a:endParaRPr lang="en-US" altLang="ko-KR" sz="2000" dirty="0">
+              <a:latin typeface="a가시고기L" panose="02020600000000000000" pitchFamily="18" charset="-127"/>
+              <a:ea typeface="a가시고기L" panose="02020600000000000000" pitchFamily="18" charset="-127"/>
+            </a:endParaRPr>
+          </a:p>
+          <a:p>
+            <a:pPr>
+              <a:lnSpc>
+                <a:spcPct val="150000"/>
+              </a:lnSpc>
+            </a:pPr>
+            <a:r>
               <a:rPr lang="en-US" altLang="ko-KR" sz="1600" dirty="0">
-                <a:solidFill>
-                  <a:srgbClr val="333333"/>
-                </a:solidFill>
-                <a:latin typeface="Open Sans"/>
-              </a:rPr>
-              <a:t>USB </a:t>
-            </a:r>
-            <a:r>
-              <a:rPr lang="ko-KR" altLang="en-US" sz="1600" dirty="0">
-                <a:solidFill>
-                  <a:srgbClr val="333333"/>
-                </a:solidFill>
-                <a:latin typeface="Open Sans"/>
-              </a:rPr>
-              <a:t>플래시 및 디버깅</a:t>
+                <a:latin typeface="a가시고기L" panose="02020600000000000000" pitchFamily="18" charset="-127"/>
+                <a:ea typeface="a가시고기L" panose="02020600000000000000" pitchFamily="18" charset="-127"/>
+              </a:rPr>
+              <a:t>    - UWB</a:t>
             </a:r>
           </a:p>
           <a:p>
             <a:pPr>
+              <a:lnSpc>
+                <a:spcPct val="150000"/>
+              </a:lnSpc>
+            </a:pPr>
+            <a:r>
+              <a:rPr lang="en-US" altLang="ko-KR" sz="1600" dirty="0">
+                <a:latin typeface="a가시고기L" panose="02020600000000000000" pitchFamily="18" charset="-127"/>
+                <a:ea typeface="a가시고기L" panose="02020600000000000000" pitchFamily="18" charset="-127"/>
+              </a:rPr>
+              <a:t>    - UART</a:t>
+            </a:r>
+          </a:p>
+          <a:p>
+            <a:pPr>
+              <a:lnSpc>
+                <a:spcPct val="150000"/>
+              </a:lnSpc>
+            </a:pPr>
+            <a:r>
+              <a:rPr lang="en-US" altLang="ko-KR" sz="1600" dirty="0">
+                <a:latin typeface="a가시고기L" panose="02020600000000000000" pitchFamily="18" charset="-127"/>
+                <a:ea typeface="a가시고기L" panose="02020600000000000000" pitchFamily="18" charset="-127"/>
+              </a:rPr>
+              <a:t>    - Ethernet</a:t>
+            </a:r>
+            <a:endParaRPr lang="ko-KR" altLang="en-US" sz="1600" dirty="0">
+              <a:latin typeface="a가시고기L" panose="02020600000000000000" pitchFamily="18" charset="-127"/>
+              <a:ea typeface="a가시고기L" panose="02020600000000000000" pitchFamily="18" charset="-127"/>
+            </a:endParaRPr>
+          </a:p>
+        </p:txBody>
+      </p:sp>
+      <p:sp>
+        <p:nvSpPr>
+          <p:cNvPr id="18" name="TextBox 17">
+            <a:extLst>
+              <a:ext uri="{FF2B5EF4-FFF2-40B4-BE49-F238E27FC236}">
+                <a16:creationId xmlns:a16="http://schemas.microsoft.com/office/drawing/2014/main" id="{351583D6-7FA5-4456-A442-1E38739D4EB0}"/>
+              </a:ext>
+            </a:extLst>
+          </p:cNvPr>
+          <p:cNvSpPr txBox="1"/>
+          <p:nvPr/>
+        </p:nvSpPr>
+        <p:spPr>
+          <a:xfrm>
+            <a:off x="4848687" y="2121765"/>
+            <a:ext cx="2760956" cy="3693319"/>
+          </a:xfrm>
+          <a:prstGeom prst="rect">
+            <a:avLst/>
+          </a:prstGeom>
+          <a:noFill/>
+        </p:spPr>
+        <p:txBody>
+          <a:bodyPr wrap="square" rtlCol="0">
+            <a:spAutoFit/>
+          </a:bodyPr>
+          <a:lstStyle/>
+          <a:p>
+            <a:pPr marL="285750" indent="-285750">
               <a:lnSpc>
                 <a:spcPct val="150000"/>
               </a:lnSpc>
@@ -5681,62 +5898,58 @@
               <a:buChar char="•"/>
             </a:pPr>
             <a:r>
+              <a:rPr lang="ko-KR" altLang="en-US" sz="2000" dirty="0">
+                <a:latin typeface="a가시고기L" panose="02020600000000000000" pitchFamily="18" charset="-127"/>
+                <a:ea typeface="a가시고기L" panose="02020600000000000000" pitchFamily="18" charset="-127"/>
+              </a:rPr>
+              <a:t>하드웨어</a:t>
+            </a:r>
+            <a:endParaRPr lang="en-US" altLang="ko-KR" dirty="0">
+              <a:latin typeface="a가시고기L" panose="02020600000000000000" pitchFamily="18" charset="-127"/>
+              <a:ea typeface="a가시고기L" panose="02020600000000000000" pitchFamily="18" charset="-127"/>
+            </a:endParaRPr>
+          </a:p>
+          <a:p>
+            <a:pPr>
+              <a:lnSpc>
+                <a:spcPct val="150000"/>
+              </a:lnSpc>
+            </a:pPr>
+            <a:r>
               <a:rPr lang="en-US" altLang="ko-KR" sz="1600" dirty="0">
-                <a:solidFill>
-                  <a:srgbClr val="333333"/>
-                </a:solidFill>
-                <a:latin typeface="Open Sans"/>
-              </a:rPr>
-              <a:t>IAR, </a:t>
-            </a:r>
-            <a:r>
-              <a:rPr lang="en-US" altLang="ko-KR" sz="1600" dirty="0" err="1">
-                <a:solidFill>
-                  <a:srgbClr val="333333"/>
-                </a:solidFill>
-                <a:latin typeface="Open Sans"/>
-              </a:rPr>
-              <a:t>Keil</a:t>
-            </a:r>
+                <a:latin typeface="a가시고기L" panose="02020600000000000000" pitchFamily="18" charset="-127"/>
+                <a:ea typeface="a가시고기L" panose="02020600000000000000" pitchFamily="18" charset="-127"/>
+              </a:rPr>
+              <a:t>    - Raspberry Pi</a:t>
+            </a:r>
+          </a:p>
+          <a:p>
+            <a:pPr>
+              <a:lnSpc>
+                <a:spcPct val="150000"/>
+              </a:lnSpc>
+            </a:pPr>
             <a:r>
               <a:rPr lang="en-US" altLang="ko-KR" sz="1600" dirty="0">
-                <a:solidFill>
-                  <a:srgbClr val="333333"/>
-                </a:solidFill>
-                <a:latin typeface="Open Sans"/>
-              </a:rPr>
-              <a:t> </a:t>
-            </a:r>
-            <a:r>
-              <a:rPr lang="ko-KR" altLang="en-US" sz="1600" dirty="0">
-                <a:solidFill>
-                  <a:srgbClr val="333333"/>
-                </a:solidFill>
-                <a:latin typeface="Open Sans"/>
-              </a:rPr>
-              <a:t>및 </a:t>
-            </a:r>
-            <a:r>
-              <a:rPr lang="en-US" altLang="ko-KR" sz="1600" dirty="0">
-                <a:solidFill>
-                  <a:srgbClr val="333333"/>
-                </a:solidFill>
-                <a:latin typeface="Open Sans"/>
-              </a:rPr>
-              <a:t>GCC IDE </a:t>
-            </a:r>
-            <a:r>
-              <a:rPr lang="ko-KR" altLang="en-US" sz="1600" dirty="0">
-                <a:solidFill>
-                  <a:srgbClr val="333333"/>
-                </a:solidFill>
-                <a:latin typeface="Open Sans"/>
-              </a:rPr>
-              <a:t>지원</a:t>
+                <a:latin typeface="a가시고기L" panose="02020600000000000000" pitchFamily="18" charset="-127"/>
+                <a:ea typeface="a가시고기L" panose="02020600000000000000" pitchFamily="18" charset="-127"/>
+              </a:rPr>
+              <a:t>    - DWM1001 Module</a:t>
             </a:r>
           </a:p>
           <a:p>
             <a:pPr>
+              <a:lnSpc>
+                <a:spcPct val="150000"/>
+              </a:lnSpc>
+            </a:pPr>
+            <a:endParaRPr lang="en-US" altLang="ko-KR" dirty="0">
+              <a:latin typeface="a가시고기L" panose="02020600000000000000" pitchFamily="18" charset="-127"/>
+              <a:ea typeface="a가시고기L" panose="02020600000000000000" pitchFamily="18" charset="-127"/>
+            </a:endParaRPr>
+          </a:p>
+          <a:p>
+            <a:pPr marL="285750" indent="-285750">
               <a:lnSpc>
                 <a:spcPct val="150000"/>
               </a:lnSpc>
@@ -5744,17 +5957,108 @@
               <a:buChar char="•"/>
             </a:pPr>
             <a:r>
-              <a:rPr lang="ko-KR" altLang="en-US" sz="1600" dirty="0">
-                <a:solidFill>
-                  <a:srgbClr val="333333"/>
-                </a:solidFill>
-                <a:latin typeface="Open Sans"/>
-              </a:rPr>
-              <a:t>유연한 아키텍처</a:t>
-            </a:r>
-          </a:p>
-          <a:p>
-            <a:pPr marL="742950" lvl="1" indent="-285750">
+              <a:rPr lang="ko-KR" altLang="en-US" sz="2000" dirty="0">
+                <a:latin typeface="a가시고기L" panose="02020600000000000000" pitchFamily="18" charset="-127"/>
+                <a:ea typeface="a가시고기L" panose="02020600000000000000" pitchFamily="18" charset="-127"/>
+              </a:rPr>
+              <a:t>통신</a:t>
+            </a:r>
+            <a:endParaRPr lang="en-US" altLang="ko-KR" dirty="0">
+              <a:latin typeface="a가시고기L" panose="02020600000000000000" pitchFamily="18" charset="-127"/>
+              <a:ea typeface="a가시고기L" panose="02020600000000000000" pitchFamily="18" charset="-127"/>
+            </a:endParaRPr>
+          </a:p>
+          <a:p>
+            <a:pPr>
+              <a:lnSpc>
+                <a:spcPct val="150000"/>
+              </a:lnSpc>
+            </a:pPr>
+            <a:r>
+              <a:rPr lang="en-US" altLang="ko-KR" sz="1600" dirty="0">
+                <a:latin typeface="a가시고기L" panose="02020600000000000000" pitchFamily="18" charset="-127"/>
+                <a:ea typeface="a가시고기L" panose="02020600000000000000" pitchFamily="18" charset="-127"/>
+              </a:rPr>
+              <a:t>    - UWB</a:t>
+            </a:r>
+          </a:p>
+          <a:p>
+            <a:pPr>
+              <a:lnSpc>
+                <a:spcPct val="150000"/>
+              </a:lnSpc>
+            </a:pPr>
+            <a:r>
+              <a:rPr lang="en-US" altLang="ko-KR" sz="1600" dirty="0">
+                <a:latin typeface="a가시고기L" panose="02020600000000000000" pitchFamily="18" charset="-127"/>
+                <a:ea typeface="a가시고기L" panose="02020600000000000000" pitchFamily="18" charset="-127"/>
+              </a:rPr>
+              <a:t>    - UART</a:t>
+            </a:r>
+          </a:p>
+          <a:p>
+            <a:pPr>
+              <a:lnSpc>
+                <a:spcPct val="150000"/>
+              </a:lnSpc>
+            </a:pPr>
+            <a:r>
+              <a:rPr lang="en-US" altLang="ko-KR" sz="1600" dirty="0">
+                <a:latin typeface="a가시고기L" panose="02020600000000000000" pitchFamily="18" charset="-127"/>
+                <a:ea typeface="a가시고기L" panose="02020600000000000000" pitchFamily="18" charset="-127"/>
+              </a:rPr>
+              <a:t>    - Ethernet</a:t>
+            </a:r>
+          </a:p>
+          <a:p>
+            <a:pPr>
+              <a:lnSpc>
+                <a:spcPct val="150000"/>
+              </a:lnSpc>
+            </a:pPr>
+            <a:r>
+              <a:rPr lang="en-US" altLang="ko-KR" sz="1600" dirty="0">
+                <a:latin typeface="a가시고기L" panose="02020600000000000000" pitchFamily="18" charset="-127"/>
+                <a:ea typeface="a가시고기L" panose="02020600000000000000" pitchFamily="18" charset="-127"/>
+              </a:rPr>
+              <a:t>    - TCP / IP</a:t>
+            </a:r>
+            <a:endParaRPr lang="ko-KR" altLang="en-US" sz="1600" dirty="0">
+              <a:latin typeface="a가시고기L" panose="02020600000000000000" pitchFamily="18" charset="-127"/>
+              <a:ea typeface="a가시고기L" panose="02020600000000000000" pitchFamily="18" charset="-127"/>
+            </a:endParaRPr>
+          </a:p>
+        </p:txBody>
+      </p:sp>
+      <p:sp>
+        <p:nvSpPr>
+          <p:cNvPr id="19" name="TextBox 18">
+            <a:extLst>
+              <a:ext uri="{FF2B5EF4-FFF2-40B4-BE49-F238E27FC236}">
+                <a16:creationId xmlns:a16="http://schemas.microsoft.com/office/drawing/2014/main" id="{D0FACDA4-922C-45DB-B86E-842AF3E014F0}"/>
+              </a:ext>
+            </a:extLst>
+          </p:cNvPr>
+          <p:cNvSpPr txBox="1"/>
+          <p:nvPr/>
+        </p:nvSpPr>
+        <p:spPr>
+          <a:xfrm>
+            <a:off x="8427867" y="2085989"/>
+            <a:ext cx="2760956" cy="2539157"/>
+          </a:xfrm>
+          <a:prstGeom prst="rect">
+            <a:avLst/>
+          </a:prstGeom>
+          <a:noFill/>
+        </p:spPr>
+        <p:txBody>
+          <a:bodyPr wrap="square" rtlCol="0">
+            <a:spAutoFit/>
+          </a:bodyPr>
+          <a:lstStyle/>
+          <a:p>
+            <a:pPr marL="285750" indent="-285750">
               <a:lnSpc>
                 <a:spcPct val="150000"/>
               </a:lnSpc>
@@ -5762,26 +6066,66 @@
               <a:buChar char="•"/>
             </a:pPr>
             <a:r>
-              <a:rPr lang="ko-KR" altLang="en-US" sz="1600" dirty="0">
-                <a:solidFill>
-                  <a:srgbClr val="333333"/>
-                </a:solidFill>
-                <a:latin typeface="Open Sans"/>
-              </a:rPr>
-              <a:t>모듈 애플리케이션에서 시스템을 설계하는 임베디드 </a:t>
-            </a:r>
+              <a:rPr lang="ko-KR" altLang="en-US" sz="2000" dirty="0">
+                <a:latin typeface="a가시고기L" panose="02020600000000000000" pitchFamily="18" charset="-127"/>
+                <a:ea typeface="a가시고기L" panose="02020600000000000000" pitchFamily="18" charset="-127"/>
+              </a:rPr>
+              <a:t>서버</a:t>
+            </a:r>
+            <a:endParaRPr lang="en-US" altLang="ko-KR" sz="2000" dirty="0">
+              <a:latin typeface="a가시고기L" panose="02020600000000000000" pitchFamily="18" charset="-127"/>
+              <a:ea typeface="a가시고기L" panose="02020600000000000000" pitchFamily="18" charset="-127"/>
+            </a:endParaRPr>
+          </a:p>
+          <a:p>
+            <a:pPr>
+              <a:lnSpc>
+                <a:spcPct val="150000"/>
+              </a:lnSpc>
+            </a:pPr>
             <a:r>
               <a:rPr lang="en-US" altLang="ko-KR" sz="1600" dirty="0">
-                <a:solidFill>
-                  <a:srgbClr val="333333"/>
-                </a:solidFill>
-                <a:latin typeface="Open Sans"/>
-              </a:rPr>
-              <a:t>API</a:t>
-            </a:r>
-          </a:p>
-          <a:p>
-            <a:pPr marL="742950" lvl="1" indent="-285750">
+                <a:latin typeface="a가시고기L" panose="02020600000000000000" pitchFamily="18" charset="-127"/>
+                <a:ea typeface="a가시고기L" panose="02020600000000000000" pitchFamily="18" charset="-127"/>
+              </a:rPr>
+              <a:t>    - Spring framework</a:t>
+            </a:r>
+            <a:endParaRPr lang="en-US" altLang="ko-KR" dirty="0">
+              <a:latin typeface="a가시고기L" panose="02020600000000000000" pitchFamily="18" charset="-127"/>
+              <a:ea typeface="a가시고기L" panose="02020600000000000000" pitchFamily="18" charset="-127"/>
+            </a:endParaRPr>
+          </a:p>
+          <a:p>
+            <a:pPr>
+              <a:lnSpc>
+                <a:spcPct val="150000"/>
+              </a:lnSpc>
+            </a:pPr>
+            <a:r>
+              <a:rPr lang="en-US" altLang="ko-KR" sz="1600" dirty="0">
+                <a:latin typeface="a가시고기L" panose="02020600000000000000" pitchFamily="18" charset="-127"/>
+                <a:ea typeface="a가시고기L" panose="02020600000000000000" pitchFamily="18" charset="-127"/>
+              </a:rPr>
+              <a:t>    - Windows</a:t>
+            </a:r>
+            <a:endParaRPr lang="en-US" altLang="ko-KR" dirty="0">
+              <a:latin typeface="a가시고기L" panose="02020600000000000000" pitchFamily="18" charset="-127"/>
+              <a:ea typeface="a가시고기L" panose="02020600000000000000" pitchFamily="18" charset="-127"/>
+            </a:endParaRPr>
+          </a:p>
+          <a:p>
+            <a:pPr>
+              <a:lnSpc>
+                <a:spcPct val="150000"/>
+              </a:lnSpc>
+            </a:pPr>
+            <a:endParaRPr lang="en-US" altLang="ko-KR" dirty="0">
+              <a:latin typeface="a가시고기L" panose="02020600000000000000" pitchFamily="18" charset="-127"/>
+              <a:ea typeface="a가시고기L" panose="02020600000000000000" pitchFamily="18" charset="-127"/>
+            </a:endParaRPr>
+          </a:p>
+          <a:p>
+            <a:pPr marL="285750" indent="-285750">
               <a:lnSpc>
                 <a:spcPct val="150000"/>
               </a:lnSpc>
@@ -5789,226 +6133,71 @@
               <a:buChar char="•"/>
             </a:pPr>
             <a:r>
-              <a:rPr lang="en-US" altLang="ko-KR" sz="1600" dirty="0">
-                <a:solidFill>
-                  <a:srgbClr val="333333"/>
-                </a:solidFill>
-                <a:latin typeface="Open Sans"/>
-              </a:rPr>
-              <a:t>SPI, UART &amp; BLE</a:t>
-            </a:r>
-            <a:r>
-              <a:rPr lang="ko-KR" altLang="en-US" sz="1600" dirty="0">
-                <a:solidFill>
-                  <a:srgbClr val="333333"/>
-                </a:solidFill>
-                <a:latin typeface="Open Sans"/>
-              </a:rPr>
-              <a:t>을 통한 구성 및 </a:t>
-            </a:r>
-            <a:r>
-              <a:rPr lang="ko-KR" altLang="en-US" sz="1600" dirty="0" err="1">
-                <a:solidFill>
-                  <a:srgbClr val="333333"/>
-                </a:solidFill>
-                <a:latin typeface="Open Sans"/>
-              </a:rPr>
-              <a:t>제어를위한</a:t>
-            </a:r>
-            <a:r>
-              <a:rPr lang="ko-KR" altLang="en-US" sz="1600" dirty="0">
-                <a:solidFill>
-                  <a:srgbClr val="333333"/>
-                </a:solidFill>
-                <a:latin typeface="Open Sans"/>
-              </a:rPr>
-              <a:t> 외부 </a:t>
-            </a:r>
-            <a:r>
-              <a:rPr lang="en-US" altLang="ko-KR" sz="1600" dirty="0">
-                <a:solidFill>
-                  <a:srgbClr val="333333"/>
-                </a:solidFill>
-                <a:latin typeface="Open Sans"/>
-              </a:rPr>
-              <a:t>API</a:t>
-            </a:r>
+              <a:rPr lang="ko-KR" altLang="en-US" sz="2000" dirty="0">
+                <a:latin typeface="a가시고기L" panose="02020600000000000000" pitchFamily="18" charset="-127"/>
+                <a:ea typeface="a가시고기L" panose="02020600000000000000" pitchFamily="18" charset="-127"/>
+              </a:rPr>
+              <a:t>통신</a:t>
+            </a:r>
+            <a:endParaRPr lang="en-US" altLang="ko-KR" dirty="0">
+              <a:latin typeface="a가시고기L" panose="02020600000000000000" pitchFamily="18" charset="-127"/>
+              <a:ea typeface="a가시고기L" panose="02020600000000000000" pitchFamily="18" charset="-127"/>
+            </a:endParaRPr>
           </a:p>
           <a:p>
             <a:pPr>
               <a:lnSpc>
                 <a:spcPct val="150000"/>
               </a:lnSpc>
-              <a:buFont typeface="Arial" panose="020B0604020202020204" pitchFamily="34" charset="0"/>
-              <a:buChar char="•"/>
             </a:pPr>
             <a:r>
-              <a:rPr lang="ko-KR" altLang="en-US" sz="1600" dirty="0" err="1">
-                <a:solidFill>
-                  <a:srgbClr val="333333"/>
-                </a:solidFill>
-                <a:latin typeface="Open Sans"/>
-              </a:rPr>
-              <a:t>온보드</a:t>
-            </a:r>
-            <a:r>
-              <a:rPr lang="ko-KR" altLang="en-US" sz="1600" dirty="0">
-                <a:solidFill>
-                  <a:srgbClr val="333333"/>
-                </a:solidFill>
-                <a:latin typeface="Open Sans"/>
-              </a:rPr>
-              <a:t> 헤더를 통한 모든 </a:t>
-            </a:r>
-            <a:r>
               <a:rPr lang="en-US" altLang="ko-KR" sz="1600" dirty="0">
-                <a:solidFill>
-                  <a:srgbClr val="333333"/>
-                </a:solidFill>
-                <a:latin typeface="Open Sans"/>
-              </a:rPr>
-              <a:t>DWM1001 GPIO </a:t>
-            </a:r>
-            <a:r>
-              <a:rPr lang="ko-KR" altLang="en-US" sz="1600" dirty="0">
-                <a:solidFill>
-                  <a:srgbClr val="333333"/>
-                </a:solidFill>
-                <a:latin typeface="Open Sans"/>
-              </a:rPr>
-              <a:t>및 인터페이스에 대한 액세스</a:t>
-            </a:r>
-          </a:p>
-          <a:p>
-            <a:pPr>
-              <a:lnSpc>
-                <a:spcPct val="150000"/>
-              </a:lnSpc>
-              <a:buFont typeface="Arial" panose="020B0604020202020204" pitchFamily="34" charset="0"/>
-              <a:buChar char="•"/>
-            </a:pPr>
-            <a:r>
-              <a:rPr lang="en-US" altLang="ko-KR" sz="1600" dirty="0">
-                <a:solidFill>
-                  <a:srgbClr val="333333"/>
-                </a:solidFill>
-                <a:latin typeface="Open Sans"/>
-              </a:rPr>
-              <a:t>26 </a:t>
-            </a:r>
-            <a:r>
-              <a:rPr lang="ko-KR" altLang="en-US" sz="1600" dirty="0">
-                <a:solidFill>
-                  <a:srgbClr val="333333"/>
-                </a:solidFill>
-                <a:latin typeface="Open Sans"/>
-              </a:rPr>
-              <a:t>핀 </a:t>
-            </a:r>
-            <a:r>
-              <a:rPr lang="en-US" altLang="ko-KR" sz="1600" dirty="0">
-                <a:solidFill>
-                  <a:srgbClr val="333333"/>
-                </a:solidFill>
-                <a:latin typeface="Open Sans"/>
-              </a:rPr>
-              <a:t>Raspberry PI </a:t>
-            </a:r>
-            <a:r>
-              <a:rPr lang="ko-KR" altLang="en-US" sz="1600" dirty="0">
-                <a:solidFill>
-                  <a:srgbClr val="333333"/>
-                </a:solidFill>
-                <a:latin typeface="Open Sans"/>
-              </a:rPr>
-              <a:t>호환 헤더 </a:t>
-            </a:r>
-            <a:r>
-              <a:rPr lang="en-US" altLang="ko-KR" sz="1600" dirty="0">
-                <a:solidFill>
-                  <a:srgbClr val="333333"/>
-                </a:solidFill>
-                <a:latin typeface="Open Sans"/>
-              </a:rPr>
-              <a:t>(</a:t>
-            </a:r>
-            <a:r>
-              <a:rPr lang="ko-KR" altLang="en-US" sz="1600" dirty="0">
-                <a:solidFill>
-                  <a:srgbClr val="333333"/>
-                </a:solidFill>
-                <a:latin typeface="Open Sans"/>
-              </a:rPr>
-              <a:t>헤더는 포함되지 않음</a:t>
-            </a:r>
-            <a:r>
-              <a:rPr lang="en-US" altLang="ko-KR" sz="1600" dirty="0">
-                <a:solidFill>
-                  <a:srgbClr val="333333"/>
-                </a:solidFill>
-                <a:latin typeface="Open Sans"/>
-              </a:rPr>
-              <a:t>)</a:t>
-            </a:r>
-          </a:p>
-          <a:p>
-            <a:pPr>
-              <a:lnSpc>
-                <a:spcPct val="150000"/>
-              </a:lnSpc>
-              <a:buFont typeface="Arial" panose="020B0604020202020204" pitchFamily="34" charset="0"/>
-              <a:buChar char="•"/>
-            </a:pPr>
-            <a:r>
-              <a:rPr lang="ko-KR" altLang="en-US" sz="1600" dirty="0">
-                <a:solidFill>
-                  <a:srgbClr val="333333"/>
-                </a:solidFill>
-                <a:latin typeface="Open Sans"/>
-              </a:rPr>
-              <a:t>재설정 및 사용자 정의 단추 및 </a:t>
-            </a:r>
-            <a:r>
-              <a:rPr lang="en-US" altLang="ko-KR" sz="1600" dirty="0">
-                <a:solidFill>
-                  <a:srgbClr val="333333"/>
-                </a:solidFill>
-                <a:latin typeface="Open Sans"/>
-              </a:rPr>
-              <a:t>LED</a:t>
-            </a:r>
-          </a:p>
-          <a:p>
-            <a:pPr>
-              <a:lnSpc>
-                <a:spcPct val="150000"/>
-              </a:lnSpc>
-              <a:buFont typeface="Arial" panose="020B0604020202020204" pitchFamily="34" charset="0"/>
-              <a:buChar char="•"/>
-            </a:pPr>
-            <a:r>
-              <a:rPr lang="ko-KR" altLang="en-US" sz="1600" dirty="0">
-                <a:solidFill>
-                  <a:srgbClr val="333333"/>
-                </a:solidFill>
-                <a:latin typeface="Open Sans"/>
-              </a:rPr>
-              <a:t>배터리 충전 회로</a:t>
-            </a:r>
-            <a:endParaRPr lang="ko-KR" altLang="en-US" sz="1600" b="0" i="0" dirty="0">
-              <a:solidFill>
-                <a:srgbClr val="333333"/>
-              </a:solidFill>
-              <a:effectLst/>
-              <a:latin typeface="Open Sans"/>
+                <a:latin typeface="a가시고기L" panose="02020600000000000000" pitchFamily="18" charset="-127"/>
+                <a:ea typeface="a가시고기L" panose="02020600000000000000" pitchFamily="18" charset="-127"/>
+              </a:rPr>
+              <a:t>    - TCP / IP</a:t>
+            </a:r>
+            <a:endParaRPr lang="ko-KR" altLang="en-US" sz="1600" dirty="0">
+              <a:latin typeface="a가시고기L" panose="02020600000000000000" pitchFamily="18" charset="-127"/>
+              <a:ea typeface="a가시고기L" panose="02020600000000000000" pitchFamily="18" charset="-127"/>
             </a:endParaRPr>
+          </a:p>
+        </p:txBody>
+      </p:sp>
+      <p:sp>
+        <p:nvSpPr>
+          <p:cNvPr id="4" name="슬라이드 번호 개체 틀 3">
+            <a:extLst>
+              <a:ext uri="{FF2B5EF4-FFF2-40B4-BE49-F238E27FC236}">
+                <a16:creationId xmlns:a16="http://schemas.microsoft.com/office/drawing/2014/main" id="{AD5F7B62-F1AF-439F-8F7A-6F1C79701205}"/>
+              </a:ext>
+            </a:extLst>
+          </p:cNvPr>
+          <p:cNvSpPr>
+            <a:spLocks noGrp="1"/>
+          </p:cNvSpPr>
+          <p:nvPr>
+            <p:ph type="sldNum" sz="quarter" idx="12"/>
+          </p:nvPr>
+        </p:nvSpPr>
+        <p:spPr/>
+        <p:txBody>
+          <a:bodyPr/>
+          <a:lstStyle/>
+          <a:p>
+            <a:fld id="{9E3BAC05-F6BA-4953-A19F-91E61AE236E7}" type="slidenum">
+              <a:rPr lang="ko-KR" altLang="en-US" smtClean="0"/>
+              <a:pPr/>
+              <a:t>11</a:t>
+            </a:fld>
+            <a:endParaRPr lang="ko-KR" altLang="en-US"/>
           </a:p>
         </p:txBody>
       </p:sp>
     </p:spTree>
     <p:extLst>
       <p:ext uri="{BB962C8B-B14F-4D97-AF65-F5344CB8AC3E}">
-        <p14:creationId xmlns:p14="http://schemas.microsoft.com/office/powerpoint/2010/main" val="1681088760"/>
+        <p14:creationId xmlns:p14="http://schemas.microsoft.com/office/powerpoint/2010/main" val="1642331227"/>
       </p:ext>
     </p:extLst>
   </p:cSld>
@@ -6045,48 +6234,10 @@
       </p:grpSpPr>
       <p:sp>
         <p:nvSpPr>
-          <p:cNvPr id="8" name="TextBox 7">
-            <a:extLst>
-              <a:ext uri="{FF2B5EF4-FFF2-40B4-BE49-F238E27FC236}">
-                <a16:creationId xmlns:a16="http://schemas.microsoft.com/office/drawing/2014/main" id="{AB6C887D-AF47-4A31-8E27-D1777A8E8329}"/>
-              </a:ext>
-            </a:extLst>
-          </p:cNvPr>
-          <p:cNvSpPr txBox="1"/>
-          <p:nvPr/>
-        </p:nvSpPr>
-        <p:spPr>
-          <a:xfrm>
-            <a:off x="537797" y="284756"/>
-            <a:ext cx="4167065" cy="707886"/>
-          </a:xfrm>
-          <a:prstGeom prst="rect">
-            <a:avLst/>
-          </a:prstGeom>
-          <a:noFill/>
-        </p:spPr>
-        <p:txBody>
-          <a:bodyPr wrap="square" rtlCol="0">
-            <a:spAutoFit/>
-          </a:bodyPr>
-          <a:lstStyle/>
-          <a:p>
-            <a:r>
-              <a:rPr lang="ko-KR" altLang="en-US" sz="4000" dirty="0">
-                <a:latin typeface="a가시고기B" panose="02020600000000000000" pitchFamily="18" charset="-127"/>
-                <a:ea typeface="a가시고기B" panose="02020600000000000000" pitchFamily="18" charset="-127"/>
-              </a:rPr>
-              <a:t>업무 분담</a:t>
-            </a:r>
-          </a:p>
-        </p:txBody>
-      </p:sp>
-      <p:sp>
-        <p:nvSpPr>
-          <p:cNvPr id="9" name="직사각형 8">
-            <a:extLst>
-              <a:ext uri="{FF2B5EF4-FFF2-40B4-BE49-F238E27FC236}">
-                <a16:creationId xmlns:a16="http://schemas.microsoft.com/office/drawing/2014/main" id="{5A469B5B-16AA-4B72-83A8-C0A58B51BF07}"/>
+          <p:cNvPr id="13" name="직사각형 12">
+            <a:extLst>
+              <a:ext uri="{FF2B5EF4-FFF2-40B4-BE49-F238E27FC236}">
+                <a16:creationId xmlns:a16="http://schemas.microsoft.com/office/drawing/2014/main" id="{54DB8C53-3C8F-47F0-A6C9-7594697D5535}"/>
               </a:ext>
             </a:extLst>
           </p:cNvPr>
@@ -6132,6 +6283,728 @@
           <a:p>
             <a:pPr algn="ctr"/>
             <a:endParaRPr lang="ko-KR" altLang="en-US">
+              <a:latin typeface="a가시고기L" panose="02020600000000000000" pitchFamily="18" charset="-127"/>
+              <a:ea typeface="a가시고기L" panose="02020600000000000000" pitchFamily="18" charset="-127"/>
+            </a:endParaRPr>
+          </a:p>
+        </p:txBody>
+      </p:sp>
+      <p:sp>
+        <p:nvSpPr>
+          <p:cNvPr id="28" name="TextBox 27">
+            <a:extLst>
+              <a:ext uri="{FF2B5EF4-FFF2-40B4-BE49-F238E27FC236}">
+                <a16:creationId xmlns:a16="http://schemas.microsoft.com/office/drawing/2014/main" id="{A4CB0D91-8689-4566-B822-BE69403746C6}"/>
+              </a:ext>
+            </a:extLst>
+          </p:cNvPr>
+          <p:cNvSpPr txBox="1"/>
+          <p:nvPr/>
+        </p:nvSpPr>
+        <p:spPr>
+          <a:xfrm>
+            <a:off x="537796" y="284756"/>
+            <a:ext cx="5499109" cy="707886"/>
+          </a:xfrm>
+          <a:prstGeom prst="rect">
+            <a:avLst/>
+          </a:prstGeom>
+          <a:noFill/>
+        </p:spPr>
+        <p:txBody>
+          <a:bodyPr wrap="square" rtlCol="0">
+            <a:spAutoFit/>
+          </a:bodyPr>
+          <a:lstStyle/>
+          <a:p>
+            <a:pPr>
+              <a:spcBef>
+                <a:spcPct val="0"/>
+              </a:spcBef>
+              <a:buClrTx/>
+              <a:buFontTx/>
+              <a:buNone/>
+            </a:pPr>
+            <a:r>
+              <a:rPr lang="ko-KR" altLang="en-US" sz="4000" dirty="0">
+                <a:latin typeface="a가시고기B" panose="02020600000000000000" pitchFamily="18" charset="-127"/>
+                <a:ea typeface="a가시고기B" panose="02020600000000000000" pitchFamily="18" charset="-127"/>
+              </a:rPr>
+              <a:t>개발 환경 및 개발 방법</a:t>
+            </a:r>
+          </a:p>
+        </p:txBody>
+      </p:sp>
+      <p:pic>
+        <p:nvPicPr>
+          <p:cNvPr id="1026" name="Picture 2" descr="기술 데이터">
+            <a:extLst>
+              <a:ext uri="{FF2B5EF4-FFF2-40B4-BE49-F238E27FC236}">
+                <a16:creationId xmlns:a16="http://schemas.microsoft.com/office/drawing/2014/main" id="{9A2F4BE3-B5E2-4417-80DE-D4AA9B9EC324}"/>
+              </a:ext>
+            </a:extLst>
+          </p:cNvPr>
+          <p:cNvPicPr>
+            <a:picLocks noChangeAspect="1" noChangeArrowheads="1"/>
+          </p:cNvPicPr>
+          <p:nvPr/>
+        </p:nvPicPr>
+        <p:blipFill>
+          <a:blip r:embed="rId3">
+            <a:extLst>
+              <a:ext uri="{28A0092B-C50C-407E-A947-70E740481C1C}">
+                <a14:useLocalDpi xmlns:a14="http://schemas.microsoft.com/office/drawing/2010/main" val="0"/>
+              </a:ext>
+            </a:extLst>
+          </a:blip>
+          <a:srcRect/>
+          <a:stretch>
+            <a:fillRect/>
+          </a:stretch>
+        </p:blipFill>
+        <p:spPr bwMode="auto">
+          <a:xfrm>
+            <a:off x="453293" y="1798856"/>
+            <a:ext cx="5290282" cy="3920018"/>
+          </a:xfrm>
+          <a:prstGeom prst="rect">
+            <a:avLst/>
+          </a:prstGeom>
+          <a:noFill/>
+          <a:extLst>
+            <a:ext uri="{909E8E84-426E-40DD-AFC4-6F175D3DCCD1}">
+              <a14:hiddenFill xmlns:a14="http://schemas.microsoft.com/office/drawing/2010/main">
+                <a:solidFill>
+                  <a:srgbClr val="FFFFFF"/>
+                </a:solidFill>
+              </a14:hiddenFill>
+            </a:ext>
+          </a:extLst>
+        </p:spPr>
+      </p:pic>
+      <p:sp>
+        <p:nvSpPr>
+          <p:cNvPr id="2" name="직사각형 1">
+            <a:extLst>
+              <a:ext uri="{FF2B5EF4-FFF2-40B4-BE49-F238E27FC236}">
+                <a16:creationId xmlns:a16="http://schemas.microsoft.com/office/drawing/2014/main" id="{6BBB8B32-F9B4-4EAE-BF94-12689FB89B6B}"/>
+              </a:ext>
+            </a:extLst>
+          </p:cNvPr>
+          <p:cNvSpPr/>
+          <p:nvPr/>
+        </p:nvSpPr>
+        <p:spPr>
+          <a:xfrm>
+            <a:off x="5928457" y="1798856"/>
+            <a:ext cx="6096000" cy="4154984"/>
+          </a:xfrm>
+          <a:prstGeom prst="rect">
+            <a:avLst/>
+          </a:prstGeom>
+        </p:spPr>
+        <p:txBody>
+          <a:bodyPr wrap="square">
+            <a:spAutoFit/>
+          </a:bodyPr>
+          <a:lstStyle/>
+          <a:p>
+            <a:pPr>
+              <a:lnSpc>
+                <a:spcPct val="150000"/>
+              </a:lnSpc>
+              <a:buFont typeface="Arial" panose="020B0604020202020204" pitchFamily="34" charset="0"/>
+              <a:buChar char="•"/>
+            </a:pPr>
+            <a:r>
+              <a:rPr lang="en-US" altLang="ko-KR" sz="1600" dirty="0">
+                <a:solidFill>
+                  <a:srgbClr val="333333"/>
+                </a:solidFill>
+                <a:latin typeface="a가시고기L" panose="02020600000000000000" pitchFamily="18" charset="-127"/>
+                <a:ea typeface="a가시고기L" panose="02020600000000000000" pitchFamily="18" charset="-127"/>
+              </a:rPr>
+              <a:t>UWB </a:t>
+            </a:r>
+            <a:r>
+              <a:rPr lang="ko-KR" altLang="en-US" sz="1600" dirty="0">
+                <a:solidFill>
+                  <a:srgbClr val="333333"/>
+                </a:solidFill>
+                <a:latin typeface="a가시고기L" panose="02020600000000000000" pitchFamily="18" charset="-127"/>
+                <a:ea typeface="a가시고기L" panose="02020600000000000000" pitchFamily="18" charset="-127"/>
+              </a:rPr>
+              <a:t>및 </a:t>
+            </a:r>
+            <a:r>
+              <a:rPr lang="en-US" altLang="ko-KR" sz="1600" dirty="0">
+                <a:solidFill>
+                  <a:srgbClr val="333333"/>
+                </a:solidFill>
+                <a:latin typeface="a가시고기L" panose="02020600000000000000" pitchFamily="18" charset="-127"/>
+                <a:ea typeface="a가시고기L" panose="02020600000000000000" pitchFamily="18" charset="-127"/>
+              </a:rPr>
+              <a:t>Bluetooth® </a:t>
+            </a:r>
+            <a:r>
+              <a:rPr lang="ko-KR" altLang="en-US" sz="1600" dirty="0">
+                <a:solidFill>
+                  <a:srgbClr val="333333"/>
+                </a:solidFill>
+                <a:latin typeface="a가시고기L" panose="02020600000000000000" pitchFamily="18" charset="-127"/>
+                <a:ea typeface="a가시고기L" panose="02020600000000000000" pitchFamily="18" charset="-127"/>
+              </a:rPr>
+              <a:t>스마트 지원</a:t>
+            </a:r>
+          </a:p>
+          <a:p>
+            <a:pPr>
+              <a:lnSpc>
+                <a:spcPct val="150000"/>
+              </a:lnSpc>
+              <a:buFont typeface="Arial" panose="020B0604020202020204" pitchFamily="34" charset="0"/>
+              <a:buChar char="•"/>
+            </a:pPr>
+            <a:r>
+              <a:rPr lang="en-US" altLang="ko-KR" sz="1600" dirty="0">
+                <a:solidFill>
+                  <a:srgbClr val="333333"/>
+                </a:solidFill>
+                <a:latin typeface="a가시고기L" panose="02020600000000000000" pitchFamily="18" charset="-127"/>
+                <a:ea typeface="a가시고기L" panose="02020600000000000000" pitchFamily="18" charset="-127"/>
+              </a:rPr>
+              <a:t>USB </a:t>
+            </a:r>
+            <a:r>
+              <a:rPr lang="ko-KR" altLang="en-US" sz="1600" dirty="0">
+                <a:solidFill>
+                  <a:srgbClr val="333333"/>
+                </a:solidFill>
+                <a:latin typeface="a가시고기L" panose="02020600000000000000" pitchFamily="18" charset="-127"/>
+                <a:ea typeface="a가시고기L" panose="02020600000000000000" pitchFamily="18" charset="-127"/>
+              </a:rPr>
+              <a:t>플래시 및 디버깅</a:t>
+            </a:r>
+          </a:p>
+          <a:p>
+            <a:pPr>
+              <a:lnSpc>
+                <a:spcPct val="150000"/>
+              </a:lnSpc>
+              <a:buFont typeface="Arial" panose="020B0604020202020204" pitchFamily="34" charset="0"/>
+              <a:buChar char="•"/>
+            </a:pPr>
+            <a:r>
+              <a:rPr lang="en-US" altLang="ko-KR" sz="1600" dirty="0">
+                <a:solidFill>
+                  <a:srgbClr val="333333"/>
+                </a:solidFill>
+                <a:latin typeface="a가시고기L" panose="02020600000000000000" pitchFamily="18" charset="-127"/>
+                <a:ea typeface="a가시고기L" panose="02020600000000000000" pitchFamily="18" charset="-127"/>
+              </a:rPr>
+              <a:t>IAR, </a:t>
+            </a:r>
+            <a:r>
+              <a:rPr lang="en-US" altLang="ko-KR" sz="1600" dirty="0" err="1">
+                <a:solidFill>
+                  <a:srgbClr val="333333"/>
+                </a:solidFill>
+                <a:latin typeface="a가시고기L" panose="02020600000000000000" pitchFamily="18" charset="-127"/>
+                <a:ea typeface="a가시고기L" panose="02020600000000000000" pitchFamily="18" charset="-127"/>
+              </a:rPr>
+              <a:t>Keil</a:t>
+            </a:r>
+            <a:r>
+              <a:rPr lang="en-US" altLang="ko-KR" sz="1600" dirty="0">
+                <a:solidFill>
+                  <a:srgbClr val="333333"/>
+                </a:solidFill>
+                <a:latin typeface="a가시고기L" panose="02020600000000000000" pitchFamily="18" charset="-127"/>
+                <a:ea typeface="a가시고기L" panose="02020600000000000000" pitchFamily="18" charset="-127"/>
+              </a:rPr>
+              <a:t> </a:t>
+            </a:r>
+            <a:r>
+              <a:rPr lang="ko-KR" altLang="en-US" sz="1600" dirty="0">
+                <a:solidFill>
+                  <a:srgbClr val="333333"/>
+                </a:solidFill>
+                <a:latin typeface="a가시고기L" panose="02020600000000000000" pitchFamily="18" charset="-127"/>
+                <a:ea typeface="a가시고기L" panose="02020600000000000000" pitchFamily="18" charset="-127"/>
+              </a:rPr>
+              <a:t>및 </a:t>
+            </a:r>
+            <a:r>
+              <a:rPr lang="en-US" altLang="ko-KR" sz="1600" dirty="0">
+                <a:solidFill>
+                  <a:srgbClr val="333333"/>
+                </a:solidFill>
+                <a:latin typeface="a가시고기L" panose="02020600000000000000" pitchFamily="18" charset="-127"/>
+                <a:ea typeface="a가시고기L" panose="02020600000000000000" pitchFamily="18" charset="-127"/>
+              </a:rPr>
+              <a:t>GCC IDE </a:t>
+            </a:r>
+            <a:r>
+              <a:rPr lang="ko-KR" altLang="en-US" sz="1600" dirty="0">
+                <a:solidFill>
+                  <a:srgbClr val="333333"/>
+                </a:solidFill>
+                <a:latin typeface="a가시고기L" panose="02020600000000000000" pitchFamily="18" charset="-127"/>
+                <a:ea typeface="a가시고기L" panose="02020600000000000000" pitchFamily="18" charset="-127"/>
+              </a:rPr>
+              <a:t>지원</a:t>
+            </a:r>
+          </a:p>
+          <a:p>
+            <a:pPr>
+              <a:lnSpc>
+                <a:spcPct val="150000"/>
+              </a:lnSpc>
+              <a:buFont typeface="Arial" panose="020B0604020202020204" pitchFamily="34" charset="0"/>
+              <a:buChar char="•"/>
+            </a:pPr>
+            <a:r>
+              <a:rPr lang="ko-KR" altLang="en-US" sz="1600" dirty="0">
+                <a:solidFill>
+                  <a:srgbClr val="333333"/>
+                </a:solidFill>
+                <a:latin typeface="a가시고기L" panose="02020600000000000000" pitchFamily="18" charset="-127"/>
+                <a:ea typeface="a가시고기L" panose="02020600000000000000" pitchFamily="18" charset="-127"/>
+              </a:rPr>
+              <a:t>유연한 아키텍처</a:t>
+            </a:r>
+          </a:p>
+          <a:p>
+            <a:pPr marL="742950" lvl="1" indent="-285750">
+              <a:lnSpc>
+                <a:spcPct val="150000"/>
+              </a:lnSpc>
+              <a:buFont typeface="Arial" panose="020B0604020202020204" pitchFamily="34" charset="0"/>
+              <a:buChar char="•"/>
+            </a:pPr>
+            <a:r>
+              <a:rPr lang="ko-KR" altLang="en-US" sz="1600" dirty="0">
+                <a:solidFill>
+                  <a:srgbClr val="333333"/>
+                </a:solidFill>
+                <a:latin typeface="a가시고기L" panose="02020600000000000000" pitchFamily="18" charset="-127"/>
+                <a:ea typeface="a가시고기L" panose="02020600000000000000" pitchFamily="18" charset="-127"/>
+              </a:rPr>
+              <a:t>모듈 애플리케이션에서 시스템을 설계하는 임베디드 </a:t>
+            </a:r>
+            <a:r>
+              <a:rPr lang="en-US" altLang="ko-KR" sz="1600" dirty="0">
+                <a:solidFill>
+                  <a:srgbClr val="333333"/>
+                </a:solidFill>
+                <a:latin typeface="a가시고기L" panose="02020600000000000000" pitchFamily="18" charset="-127"/>
+                <a:ea typeface="a가시고기L" panose="02020600000000000000" pitchFamily="18" charset="-127"/>
+              </a:rPr>
+              <a:t>API</a:t>
+            </a:r>
+          </a:p>
+          <a:p>
+            <a:pPr marL="742950" lvl="1" indent="-285750">
+              <a:lnSpc>
+                <a:spcPct val="150000"/>
+              </a:lnSpc>
+              <a:buFont typeface="Arial" panose="020B0604020202020204" pitchFamily="34" charset="0"/>
+              <a:buChar char="•"/>
+            </a:pPr>
+            <a:r>
+              <a:rPr lang="en-US" altLang="ko-KR" sz="1600" dirty="0">
+                <a:solidFill>
+                  <a:srgbClr val="333333"/>
+                </a:solidFill>
+                <a:latin typeface="a가시고기L" panose="02020600000000000000" pitchFamily="18" charset="-127"/>
+                <a:ea typeface="a가시고기L" panose="02020600000000000000" pitchFamily="18" charset="-127"/>
+              </a:rPr>
+              <a:t>SPI, UART &amp; BLE</a:t>
+            </a:r>
+            <a:r>
+              <a:rPr lang="ko-KR" altLang="en-US" sz="1600" dirty="0">
+                <a:solidFill>
+                  <a:srgbClr val="333333"/>
+                </a:solidFill>
+                <a:latin typeface="a가시고기L" panose="02020600000000000000" pitchFamily="18" charset="-127"/>
+                <a:ea typeface="a가시고기L" panose="02020600000000000000" pitchFamily="18" charset="-127"/>
+              </a:rPr>
+              <a:t>을 통한 구성 및 </a:t>
+            </a:r>
+            <a:r>
+              <a:rPr lang="ko-KR" altLang="en-US" sz="1600" dirty="0" err="1">
+                <a:solidFill>
+                  <a:srgbClr val="333333"/>
+                </a:solidFill>
+                <a:latin typeface="a가시고기L" panose="02020600000000000000" pitchFamily="18" charset="-127"/>
+                <a:ea typeface="a가시고기L" panose="02020600000000000000" pitchFamily="18" charset="-127"/>
+              </a:rPr>
+              <a:t>제어를위한</a:t>
+            </a:r>
+            <a:r>
+              <a:rPr lang="ko-KR" altLang="en-US" sz="1600" dirty="0">
+                <a:solidFill>
+                  <a:srgbClr val="333333"/>
+                </a:solidFill>
+                <a:latin typeface="a가시고기L" panose="02020600000000000000" pitchFamily="18" charset="-127"/>
+                <a:ea typeface="a가시고기L" panose="02020600000000000000" pitchFamily="18" charset="-127"/>
+              </a:rPr>
+              <a:t> 외부 </a:t>
+            </a:r>
+            <a:r>
+              <a:rPr lang="en-US" altLang="ko-KR" sz="1600" dirty="0">
+                <a:solidFill>
+                  <a:srgbClr val="333333"/>
+                </a:solidFill>
+                <a:latin typeface="a가시고기L" panose="02020600000000000000" pitchFamily="18" charset="-127"/>
+                <a:ea typeface="a가시고기L" panose="02020600000000000000" pitchFamily="18" charset="-127"/>
+              </a:rPr>
+              <a:t>API</a:t>
+            </a:r>
+          </a:p>
+          <a:p>
+            <a:pPr>
+              <a:lnSpc>
+                <a:spcPct val="150000"/>
+              </a:lnSpc>
+              <a:buFont typeface="Arial" panose="020B0604020202020204" pitchFamily="34" charset="0"/>
+              <a:buChar char="•"/>
+            </a:pPr>
+            <a:r>
+              <a:rPr lang="ko-KR" altLang="en-US" sz="1600" dirty="0" err="1">
+                <a:solidFill>
+                  <a:srgbClr val="333333"/>
+                </a:solidFill>
+                <a:latin typeface="a가시고기L" panose="02020600000000000000" pitchFamily="18" charset="-127"/>
+                <a:ea typeface="a가시고기L" panose="02020600000000000000" pitchFamily="18" charset="-127"/>
+              </a:rPr>
+              <a:t>온보드</a:t>
+            </a:r>
+            <a:r>
+              <a:rPr lang="ko-KR" altLang="en-US" sz="1600" dirty="0">
+                <a:solidFill>
+                  <a:srgbClr val="333333"/>
+                </a:solidFill>
+                <a:latin typeface="a가시고기L" panose="02020600000000000000" pitchFamily="18" charset="-127"/>
+                <a:ea typeface="a가시고기L" panose="02020600000000000000" pitchFamily="18" charset="-127"/>
+              </a:rPr>
+              <a:t> 헤더를 통한 모든 </a:t>
+            </a:r>
+            <a:r>
+              <a:rPr lang="en-US" altLang="ko-KR" sz="1600" dirty="0">
+                <a:solidFill>
+                  <a:srgbClr val="333333"/>
+                </a:solidFill>
+                <a:latin typeface="a가시고기L" panose="02020600000000000000" pitchFamily="18" charset="-127"/>
+                <a:ea typeface="a가시고기L" panose="02020600000000000000" pitchFamily="18" charset="-127"/>
+              </a:rPr>
+              <a:t>DWM1001 GPIO </a:t>
+            </a:r>
+            <a:r>
+              <a:rPr lang="ko-KR" altLang="en-US" sz="1600" dirty="0">
+                <a:solidFill>
+                  <a:srgbClr val="333333"/>
+                </a:solidFill>
+                <a:latin typeface="a가시고기L" panose="02020600000000000000" pitchFamily="18" charset="-127"/>
+                <a:ea typeface="a가시고기L" panose="02020600000000000000" pitchFamily="18" charset="-127"/>
+              </a:rPr>
+              <a:t>및 인터페이스에 대한 액세스</a:t>
+            </a:r>
+          </a:p>
+          <a:p>
+            <a:pPr>
+              <a:lnSpc>
+                <a:spcPct val="150000"/>
+              </a:lnSpc>
+              <a:buFont typeface="Arial" panose="020B0604020202020204" pitchFamily="34" charset="0"/>
+              <a:buChar char="•"/>
+            </a:pPr>
+            <a:r>
+              <a:rPr lang="en-US" altLang="ko-KR" sz="1600" dirty="0">
+                <a:solidFill>
+                  <a:srgbClr val="333333"/>
+                </a:solidFill>
+                <a:latin typeface="a가시고기L" panose="02020600000000000000" pitchFamily="18" charset="-127"/>
+                <a:ea typeface="a가시고기L" panose="02020600000000000000" pitchFamily="18" charset="-127"/>
+              </a:rPr>
+              <a:t>26 </a:t>
+            </a:r>
+            <a:r>
+              <a:rPr lang="ko-KR" altLang="en-US" sz="1600" dirty="0">
+                <a:solidFill>
+                  <a:srgbClr val="333333"/>
+                </a:solidFill>
+                <a:latin typeface="a가시고기L" panose="02020600000000000000" pitchFamily="18" charset="-127"/>
+                <a:ea typeface="a가시고기L" panose="02020600000000000000" pitchFamily="18" charset="-127"/>
+              </a:rPr>
+              <a:t>핀 </a:t>
+            </a:r>
+            <a:r>
+              <a:rPr lang="en-US" altLang="ko-KR" sz="1600" dirty="0">
+                <a:solidFill>
+                  <a:srgbClr val="333333"/>
+                </a:solidFill>
+                <a:latin typeface="a가시고기L" panose="02020600000000000000" pitchFamily="18" charset="-127"/>
+                <a:ea typeface="a가시고기L" panose="02020600000000000000" pitchFamily="18" charset="-127"/>
+              </a:rPr>
+              <a:t>Raspberry PI </a:t>
+            </a:r>
+            <a:r>
+              <a:rPr lang="ko-KR" altLang="en-US" sz="1600" dirty="0">
+                <a:solidFill>
+                  <a:srgbClr val="333333"/>
+                </a:solidFill>
+                <a:latin typeface="a가시고기L" panose="02020600000000000000" pitchFamily="18" charset="-127"/>
+                <a:ea typeface="a가시고기L" panose="02020600000000000000" pitchFamily="18" charset="-127"/>
+              </a:rPr>
+              <a:t>호환 헤더 </a:t>
+            </a:r>
+            <a:r>
+              <a:rPr lang="en-US" altLang="ko-KR" sz="1600" dirty="0">
+                <a:solidFill>
+                  <a:srgbClr val="333333"/>
+                </a:solidFill>
+                <a:latin typeface="a가시고기L" panose="02020600000000000000" pitchFamily="18" charset="-127"/>
+                <a:ea typeface="a가시고기L" panose="02020600000000000000" pitchFamily="18" charset="-127"/>
+              </a:rPr>
+              <a:t>(</a:t>
+            </a:r>
+            <a:r>
+              <a:rPr lang="ko-KR" altLang="en-US" sz="1600" dirty="0">
+                <a:solidFill>
+                  <a:srgbClr val="333333"/>
+                </a:solidFill>
+                <a:latin typeface="a가시고기L" panose="02020600000000000000" pitchFamily="18" charset="-127"/>
+                <a:ea typeface="a가시고기L" panose="02020600000000000000" pitchFamily="18" charset="-127"/>
+              </a:rPr>
+              <a:t>헤더는 포함되지 않음</a:t>
+            </a:r>
+            <a:r>
+              <a:rPr lang="en-US" altLang="ko-KR" sz="1600" dirty="0">
+                <a:solidFill>
+                  <a:srgbClr val="333333"/>
+                </a:solidFill>
+                <a:latin typeface="a가시고기L" panose="02020600000000000000" pitchFamily="18" charset="-127"/>
+                <a:ea typeface="a가시고기L" panose="02020600000000000000" pitchFamily="18" charset="-127"/>
+              </a:rPr>
+              <a:t>)</a:t>
+            </a:r>
+          </a:p>
+          <a:p>
+            <a:pPr>
+              <a:lnSpc>
+                <a:spcPct val="150000"/>
+              </a:lnSpc>
+              <a:buFont typeface="Arial" panose="020B0604020202020204" pitchFamily="34" charset="0"/>
+              <a:buChar char="•"/>
+            </a:pPr>
+            <a:r>
+              <a:rPr lang="ko-KR" altLang="en-US" sz="1600" dirty="0">
+                <a:solidFill>
+                  <a:srgbClr val="333333"/>
+                </a:solidFill>
+                <a:latin typeface="a가시고기L" panose="02020600000000000000" pitchFamily="18" charset="-127"/>
+                <a:ea typeface="a가시고기L" panose="02020600000000000000" pitchFamily="18" charset="-127"/>
+              </a:rPr>
+              <a:t>재설정 및 사용자 정의 단추 및 </a:t>
+            </a:r>
+            <a:r>
+              <a:rPr lang="en-US" altLang="ko-KR" sz="1600" dirty="0">
+                <a:solidFill>
+                  <a:srgbClr val="333333"/>
+                </a:solidFill>
+                <a:latin typeface="a가시고기L" panose="02020600000000000000" pitchFamily="18" charset="-127"/>
+                <a:ea typeface="a가시고기L" panose="02020600000000000000" pitchFamily="18" charset="-127"/>
+              </a:rPr>
+              <a:t>LED</a:t>
+            </a:r>
+          </a:p>
+          <a:p>
+            <a:pPr>
+              <a:lnSpc>
+                <a:spcPct val="150000"/>
+              </a:lnSpc>
+              <a:buFont typeface="Arial" panose="020B0604020202020204" pitchFamily="34" charset="0"/>
+              <a:buChar char="•"/>
+            </a:pPr>
+            <a:r>
+              <a:rPr lang="ko-KR" altLang="en-US" sz="1600" dirty="0">
+                <a:solidFill>
+                  <a:srgbClr val="333333"/>
+                </a:solidFill>
+                <a:latin typeface="a가시고기L" panose="02020600000000000000" pitchFamily="18" charset="-127"/>
+                <a:ea typeface="a가시고기L" panose="02020600000000000000" pitchFamily="18" charset="-127"/>
+              </a:rPr>
+              <a:t>배터리 충전 회로</a:t>
+            </a:r>
+            <a:endParaRPr lang="ko-KR" altLang="en-US" sz="1600" b="0" i="0" dirty="0">
+              <a:solidFill>
+                <a:srgbClr val="333333"/>
+              </a:solidFill>
+              <a:effectLst/>
+              <a:latin typeface="a가시고기L" panose="02020600000000000000" pitchFamily="18" charset="-127"/>
+              <a:ea typeface="a가시고기L" panose="02020600000000000000" pitchFamily="18" charset="-127"/>
+            </a:endParaRPr>
+          </a:p>
+        </p:txBody>
+      </p:sp>
+      <p:sp>
+        <p:nvSpPr>
+          <p:cNvPr id="3" name="슬라이드 번호 개체 틀 2">
+            <a:extLst>
+              <a:ext uri="{FF2B5EF4-FFF2-40B4-BE49-F238E27FC236}">
+                <a16:creationId xmlns:a16="http://schemas.microsoft.com/office/drawing/2014/main" id="{495E099D-9CC4-4E7B-BAD5-630DA6A24033}"/>
+              </a:ext>
+            </a:extLst>
+          </p:cNvPr>
+          <p:cNvSpPr>
+            <a:spLocks noGrp="1"/>
+          </p:cNvSpPr>
+          <p:nvPr>
+            <p:ph type="sldNum" sz="quarter" idx="12"/>
+          </p:nvPr>
+        </p:nvSpPr>
+        <p:spPr/>
+        <p:txBody>
+          <a:bodyPr/>
+          <a:lstStyle/>
+          <a:p>
+            <a:fld id="{9E3BAC05-F6BA-4953-A19F-91E61AE236E7}" type="slidenum">
+              <a:rPr lang="ko-KR" altLang="en-US" smtClean="0"/>
+              <a:pPr/>
+              <a:t>12</a:t>
+            </a:fld>
+            <a:endParaRPr lang="ko-KR" altLang="en-US"/>
+          </a:p>
+        </p:txBody>
+      </p:sp>
+    </p:spTree>
+    <p:extLst>
+      <p:ext uri="{BB962C8B-B14F-4D97-AF65-F5344CB8AC3E}">
+        <p14:creationId xmlns:p14="http://schemas.microsoft.com/office/powerpoint/2010/main" val="1681088760"/>
+      </p:ext>
+    </p:extLst>
+  </p:cSld>
+  <p:clrMapOvr>
+    <a:masterClrMapping/>
+  </p:clrMapOvr>
+  <mc:AlternateContent xmlns:mc="http://schemas.openxmlformats.org/markup-compatibility/2006" xmlns:p14="http://schemas.microsoft.com/office/powerpoint/2010/main">
+    <mc:Choice Requires="p14">
+      <p:transition p14:dur="0" advTm="4000"/>
+    </mc:Choice>
+    <mc:Fallback xmlns="">
+      <p:transition advTm="4000"/>
+    </mc:Fallback>
+  </mc:AlternateContent>
+</p:sld>
+</file>
+
+<file path=ppt/slides/slide13.xml><?xml version="1.0" encoding="utf-8"?>
+<p:sld xmlns:a="http://schemas.openxmlformats.org/drawingml/2006/main" xmlns:r="http://schemas.openxmlformats.org/officeDocument/2006/relationships" xmlns:p="http://schemas.openxmlformats.org/presentationml/2006/main">
+  <p:cSld>
+    <p:spTree>
+      <p:nvGrpSpPr>
+        <p:cNvPr id="1" name=""/>
+        <p:cNvGrpSpPr/>
+        <p:nvPr/>
+      </p:nvGrpSpPr>
+      <p:grpSpPr>
+        <a:xfrm>
+          <a:off x="0" y="0"/>
+          <a:ext cx="0" cy="0"/>
+          <a:chOff x="0" y="0"/>
+          <a:chExt cx="0" cy="0"/>
+        </a:xfrm>
+      </p:grpSpPr>
+      <p:sp>
+        <p:nvSpPr>
+          <p:cNvPr id="8" name="TextBox 7">
+            <a:extLst>
+              <a:ext uri="{FF2B5EF4-FFF2-40B4-BE49-F238E27FC236}">
+                <a16:creationId xmlns:a16="http://schemas.microsoft.com/office/drawing/2014/main" id="{AB6C887D-AF47-4A31-8E27-D1777A8E8329}"/>
+              </a:ext>
+            </a:extLst>
+          </p:cNvPr>
+          <p:cNvSpPr txBox="1"/>
+          <p:nvPr/>
+        </p:nvSpPr>
+        <p:spPr>
+          <a:xfrm>
+            <a:off x="537797" y="284756"/>
+            <a:ext cx="4167065" cy="707886"/>
+          </a:xfrm>
+          <a:prstGeom prst="rect">
+            <a:avLst/>
+          </a:prstGeom>
+          <a:noFill/>
+        </p:spPr>
+        <p:txBody>
+          <a:bodyPr wrap="square" rtlCol="0">
+            <a:spAutoFit/>
+          </a:bodyPr>
+          <a:lstStyle/>
+          <a:p>
+            <a:r>
+              <a:rPr lang="ko-KR" altLang="en-US" sz="4000" dirty="0">
+                <a:latin typeface="a가시고기B" panose="02020600000000000000" pitchFamily="18" charset="-127"/>
+                <a:ea typeface="a가시고기B" panose="02020600000000000000" pitchFamily="18" charset="-127"/>
+              </a:rPr>
+              <a:t>업무 분담</a:t>
+            </a:r>
+          </a:p>
+        </p:txBody>
+      </p:sp>
+      <p:sp>
+        <p:nvSpPr>
+          <p:cNvPr id="9" name="직사각형 8">
+            <a:extLst>
+              <a:ext uri="{FF2B5EF4-FFF2-40B4-BE49-F238E27FC236}">
+                <a16:creationId xmlns:a16="http://schemas.microsoft.com/office/drawing/2014/main" id="{5A469B5B-16AA-4B72-83A8-C0A58B51BF07}"/>
+              </a:ext>
+            </a:extLst>
+          </p:cNvPr>
+          <p:cNvSpPr/>
+          <p:nvPr/>
+        </p:nvSpPr>
+        <p:spPr>
+          <a:xfrm>
+            <a:off x="453293" y="375138"/>
+            <a:ext cx="84504" cy="527123"/>
+          </a:xfrm>
+          <a:prstGeom prst="rect">
+            <a:avLst/>
+          </a:prstGeom>
+          <a:solidFill>
+            <a:schemeClr val="tx1"/>
+          </a:solidFill>
+          <a:ln>
+            <a:solidFill>
+              <a:schemeClr val="tx1"/>
+            </a:solidFill>
+          </a:ln>
+        </p:spPr>
+        <p:style>
+          <a:lnRef idx="2">
+            <a:schemeClr val="accent1">
+              <a:shade val="50000"/>
+            </a:schemeClr>
+          </a:lnRef>
+          <a:fillRef idx="1">
+            <a:schemeClr val="accent1"/>
+          </a:fillRef>
+          <a:effectRef idx="0">
+            <a:schemeClr val="accent1"/>
+          </a:effectRef>
+          <a:fontRef idx="minor">
+            <a:schemeClr val="lt1"/>
+          </a:fontRef>
+        </p:style>
+        <p:txBody>
+          <a:bodyPr rtlCol="0" anchor="ctr"/>
+          <a:lstStyle/>
+          <a:p>
+            <a:pPr algn="ctr"/>
+            <a:endParaRPr lang="ko-KR" altLang="en-US" dirty="0">
               <a:latin typeface="a가시고기B" panose="02020600000000000000" pitchFamily="18" charset="-127"/>
               <a:ea typeface="a가시고기B" panose="02020600000000000000" pitchFamily="18" charset="-127"/>
             </a:endParaRPr>
@@ -6312,7 +7185,7 @@
                         <a:tabLst/>
                       </a:pPr>
                       <a:r>
-                        <a:rPr lang="ko-KR" altLang="en-US" sz="1400" b="1" kern="1200">
+                        <a:rPr lang="ko-KR" altLang="en-US" sz="1400" b="1" kern="1200" dirty="0">
                           <a:solidFill>
                             <a:srgbClr val="000000"/>
                           </a:solidFill>
@@ -6322,14 +7195,6 @@
                         </a:rPr>
                         <a:t>김동민</a:t>
                       </a:r>
-                      <a:endParaRPr lang="ko-KR" altLang="en-US" sz="1400" b="1" kern="1200" dirty="0">
-                        <a:solidFill>
-                          <a:srgbClr val="000000"/>
-                        </a:solidFill>
-                        <a:latin typeface="a가시고기B" panose="02020600000000000000" pitchFamily="18" charset="-127"/>
-                        <a:ea typeface="a가시고기B" panose="02020600000000000000" pitchFamily="18" charset="-127"/>
-                        <a:cs typeface="+mn-cs"/>
-                      </a:endParaRPr>
                     </a:p>
                   </a:txBody>
                   <a:tcPr marL="94282" marR="94282" marT="49023" marB="49023" anchor="ctr" anchorCtr="1" horzOverflow="overflow">
@@ -7764,173 +8629,40 @@
           </a:graphicData>
         </a:graphic>
       </p:graphicFrame>
+      <p:sp>
+        <p:nvSpPr>
+          <p:cNvPr id="2" name="슬라이드 번호 개체 틀 1">
+            <a:extLst>
+              <a:ext uri="{FF2B5EF4-FFF2-40B4-BE49-F238E27FC236}">
+                <a16:creationId xmlns:a16="http://schemas.microsoft.com/office/drawing/2014/main" id="{9C17A32F-AC55-41DD-A013-07AE09E06789}"/>
+              </a:ext>
+            </a:extLst>
+          </p:cNvPr>
+          <p:cNvSpPr>
+            <a:spLocks noGrp="1"/>
+          </p:cNvSpPr>
+          <p:nvPr>
+            <p:ph type="sldNum" sz="quarter" idx="12"/>
+          </p:nvPr>
+        </p:nvSpPr>
+        <p:spPr/>
+        <p:txBody>
+          <a:bodyPr/>
+          <a:lstStyle/>
+          <a:p>
+            <a:fld id="{9E3BAC05-F6BA-4953-A19F-91E61AE236E7}" type="slidenum">
+              <a:rPr lang="ko-KR" altLang="en-US" smtClean="0"/>
+              <a:pPr/>
+              <a:t>13</a:t>
+            </a:fld>
+            <a:endParaRPr lang="ko-KR" altLang="en-US"/>
+          </a:p>
+        </p:txBody>
+      </p:sp>
     </p:spTree>
     <p:extLst>
       <p:ext uri="{BB962C8B-B14F-4D97-AF65-F5344CB8AC3E}">
         <p14:creationId xmlns:p14="http://schemas.microsoft.com/office/powerpoint/2010/main" val="1414157208"/>
-      </p:ext>
-    </p:extLst>
-  </p:cSld>
-  <p:clrMapOvr>
-    <a:masterClrMapping/>
-  </p:clrMapOvr>
-  <mc:AlternateContent xmlns:mc="http://schemas.openxmlformats.org/markup-compatibility/2006" xmlns:p14="http://schemas.microsoft.com/office/powerpoint/2010/main">
-    <mc:Choice Requires="p14">
-      <p:transition p14:dur="0" advTm="4000"/>
-    </mc:Choice>
-    <mc:Fallback xmlns="">
-      <p:transition advTm="4000"/>
-    </mc:Fallback>
-  </mc:AlternateContent>
-</p:sld>
-</file>
-
-<file path=ppt/slides/slide13.xml><?xml version="1.0" encoding="utf-8"?>
-<p:sld xmlns:a="http://schemas.openxmlformats.org/drawingml/2006/main" xmlns:r="http://schemas.openxmlformats.org/officeDocument/2006/relationships" xmlns:p="http://schemas.openxmlformats.org/presentationml/2006/main">
-  <p:cSld>
-    <p:spTree>
-      <p:nvGrpSpPr>
-        <p:cNvPr id="1" name=""/>
-        <p:cNvGrpSpPr/>
-        <p:nvPr/>
-      </p:nvGrpSpPr>
-      <p:grpSpPr>
-        <a:xfrm>
-          <a:off x="0" y="0"/>
-          <a:ext cx="0" cy="0"/>
-          <a:chOff x="0" y="0"/>
-          <a:chExt cx="0" cy="0"/>
-        </a:xfrm>
-      </p:grpSpPr>
-      <p:sp>
-        <p:nvSpPr>
-          <p:cNvPr id="13" name="직사각형 12">
-            <a:extLst>
-              <a:ext uri="{FF2B5EF4-FFF2-40B4-BE49-F238E27FC236}">
-                <a16:creationId xmlns:a16="http://schemas.microsoft.com/office/drawing/2014/main" id="{54DB8C53-3C8F-47F0-A6C9-7594697D5535}"/>
-              </a:ext>
-            </a:extLst>
-          </p:cNvPr>
-          <p:cNvSpPr/>
-          <p:nvPr/>
-        </p:nvSpPr>
-        <p:spPr>
-          <a:xfrm>
-            <a:off x="453293" y="375138"/>
-            <a:ext cx="84504" cy="527123"/>
-          </a:xfrm>
-          <a:prstGeom prst="rect">
-            <a:avLst/>
-          </a:prstGeom>
-          <a:solidFill>
-            <a:schemeClr val="tx1"/>
-          </a:solidFill>
-          <a:ln>
-            <a:solidFill>
-              <a:schemeClr val="tx1"/>
-            </a:solidFill>
-          </a:ln>
-        </p:spPr>
-        <p:style>
-          <a:lnRef idx="2">
-            <a:schemeClr val="accent1">
-              <a:shade val="50000"/>
-            </a:schemeClr>
-          </a:lnRef>
-          <a:fillRef idx="1">
-            <a:schemeClr val="accent1"/>
-          </a:fillRef>
-          <a:effectRef idx="0">
-            <a:schemeClr val="accent1"/>
-          </a:effectRef>
-          <a:fontRef idx="minor">
-            <a:schemeClr val="lt1"/>
-          </a:fontRef>
-        </p:style>
-        <p:txBody>
-          <a:bodyPr rtlCol="0" anchor="ctr"/>
-          <a:lstStyle/>
-          <a:p>
-            <a:pPr algn="ctr"/>
-            <a:endParaRPr lang="ko-KR" altLang="en-US">
-              <a:latin typeface="a가시고기L" panose="02020600000000000000" pitchFamily="18" charset="-127"/>
-              <a:ea typeface="a가시고기L" panose="02020600000000000000" pitchFamily="18" charset="-127"/>
-            </a:endParaRPr>
-          </a:p>
-        </p:txBody>
-      </p:sp>
-      <p:sp>
-        <p:nvSpPr>
-          <p:cNvPr id="28" name="TextBox 27">
-            <a:extLst>
-              <a:ext uri="{FF2B5EF4-FFF2-40B4-BE49-F238E27FC236}">
-                <a16:creationId xmlns:a16="http://schemas.microsoft.com/office/drawing/2014/main" id="{A4CB0D91-8689-4566-B822-BE69403746C6}"/>
-              </a:ext>
-            </a:extLst>
-          </p:cNvPr>
-          <p:cNvSpPr txBox="1"/>
-          <p:nvPr/>
-        </p:nvSpPr>
-        <p:spPr>
-          <a:xfrm>
-            <a:off x="537797" y="284756"/>
-            <a:ext cx="5010747" cy="707886"/>
-          </a:xfrm>
-          <a:prstGeom prst="rect">
-            <a:avLst/>
-          </a:prstGeom>
-          <a:noFill/>
-        </p:spPr>
-        <p:txBody>
-          <a:bodyPr wrap="square" rtlCol="0">
-            <a:spAutoFit/>
-          </a:bodyPr>
-          <a:lstStyle/>
-          <a:p>
-            <a:r>
-              <a:rPr lang="ko-KR" altLang="en-US" sz="4000" dirty="0">
-                <a:latin typeface="a가시고기B" panose="02020600000000000000" pitchFamily="18" charset="-127"/>
-                <a:ea typeface="a가시고기B" panose="02020600000000000000" pitchFamily="18" charset="-127"/>
-              </a:rPr>
-              <a:t>졸업연구 수행 일정</a:t>
-            </a:r>
-          </a:p>
-        </p:txBody>
-      </p:sp>
-      <p:pic>
-        <p:nvPicPr>
-          <p:cNvPr id="2" name="그림 1">
-            <a:extLst>
-              <a:ext uri="{FF2B5EF4-FFF2-40B4-BE49-F238E27FC236}">
-                <a16:creationId xmlns:a16="http://schemas.microsoft.com/office/drawing/2014/main" id="{7027A5CC-1732-4D20-A2BA-DBD9403CA453}"/>
-              </a:ext>
-            </a:extLst>
-          </p:cNvPr>
-          <p:cNvPicPr>
-            <a:picLocks noChangeAspect="1"/>
-          </p:cNvPicPr>
-          <p:nvPr/>
-        </p:nvPicPr>
-        <p:blipFill>
-          <a:blip r:embed="rId2"/>
-          <a:stretch>
-            <a:fillRect/>
-          </a:stretch>
-        </p:blipFill>
-        <p:spPr>
-          <a:xfrm>
-            <a:off x="1386210" y="1578329"/>
-            <a:ext cx="9419580" cy="3701341"/>
-          </a:xfrm>
-          <a:prstGeom prst="rect">
-            <a:avLst/>
-          </a:prstGeom>
-        </p:spPr>
-      </p:pic>
-    </p:spTree>
-    <p:extLst>
-      <p:ext uri="{BB962C8B-B14F-4D97-AF65-F5344CB8AC3E}">
-        <p14:creationId xmlns:p14="http://schemas.microsoft.com/office/powerpoint/2010/main" val="2516574931"/>
       </p:ext>
     </p:extLst>
   </p:cSld>
@@ -7967,48 +8699,10 @@
       </p:grpSpPr>
       <p:sp>
         <p:nvSpPr>
-          <p:cNvPr id="8" name="TextBox 7">
-            <a:extLst>
-              <a:ext uri="{FF2B5EF4-FFF2-40B4-BE49-F238E27FC236}">
-                <a16:creationId xmlns:a16="http://schemas.microsoft.com/office/drawing/2014/main" id="{A1B98550-860F-443A-A456-0E2EAE366D1D}"/>
-              </a:ext>
-            </a:extLst>
-          </p:cNvPr>
-          <p:cNvSpPr txBox="1"/>
-          <p:nvPr/>
-        </p:nvSpPr>
-        <p:spPr>
-          <a:xfrm>
-            <a:off x="537796" y="284756"/>
-            <a:ext cx="4167065" cy="707886"/>
-          </a:xfrm>
-          <a:prstGeom prst="rect">
-            <a:avLst/>
-          </a:prstGeom>
-          <a:noFill/>
-        </p:spPr>
-        <p:txBody>
-          <a:bodyPr wrap="square" rtlCol="0">
-            <a:spAutoFit/>
-          </a:bodyPr>
-          <a:lstStyle/>
-          <a:p>
-            <a:r>
-              <a:rPr lang="ko-KR" altLang="en-US" sz="4000" dirty="0">
-                <a:latin typeface="a가시고기B" panose="02020600000000000000" pitchFamily="18" charset="-127"/>
-                <a:ea typeface="a가시고기B" panose="02020600000000000000" pitchFamily="18" charset="-127"/>
-              </a:rPr>
-              <a:t>참고 문헌</a:t>
-            </a:r>
-          </a:p>
-        </p:txBody>
-      </p:sp>
-      <p:sp>
-        <p:nvSpPr>
-          <p:cNvPr id="9" name="직사각형 8">
-            <a:extLst>
-              <a:ext uri="{FF2B5EF4-FFF2-40B4-BE49-F238E27FC236}">
-                <a16:creationId xmlns:a16="http://schemas.microsoft.com/office/drawing/2014/main" id="{67968165-15C5-4C62-BFAE-104CC98506B6}"/>
+          <p:cNvPr id="13" name="직사각형 12">
+            <a:extLst>
+              <a:ext uri="{FF2B5EF4-FFF2-40B4-BE49-F238E27FC236}">
+                <a16:creationId xmlns:a16="http://schemas.microsoft.com/office/drawing/2014/main" id="{54DB8C53-3C8F-47F0-A6C9-7594697D5535}"/>
               </a:ext>
             </a:extLst>
           </p:cNvPr>
@@ -8054,18 +8748,18 @@
           <a:p>
             <a:pPr algn="ctr"/>
             <a:endParaRPr lang="ko-KR" altLang="en-US">
-              <a:latin typeface="a가시고기L" panose="02020600000000000000" pitchFamily="18" charset="-127"/>
-              <a:ea typeface="a가시고기L" panose="02020600000000000000" pitchFamily="18" charset="-127"/>
+              <a:latin typeface="a가시고기B" panose="02020600000000000000" pitchFamily="18" charset="-127"/>
+              <a:ea typeface="a가시고기B" panose="02020600000000000000" pitchFamily="18" charset="-127"/>
             </a:endParaRPr>
           </a:p>
         </p:txBody>
       </p:sp>
       <p:sp>
         <p:nvSpPr>
-          <p:cNvPr id="4" name="TextBox 3">
-            <a:extLst>
-              <a:ext uri="{FF2B5EF4-FFF2-40B4-BE49-F238E27FC236}">
-                <a16:creationId xmlns:a16="http://schemas.microsoft.com/office/drawing/2014/main" id="{C6A051D6-98B5-4312-824E-CDE8190BB974}"/>
+          <p:cNvPr id="28" name="TextBox 27">
+            <a:extLst>
+              <a:ext uri="{FF2B5EF4-FFF2-40B4-BE49-F238E27FC236}">
+                <a16:creationId xmlns:a16="http://schemas.microsoft.com/office/drawing/2014/main" id="{A4CB0D91-8689-4566-B822-BE69403746C6}"/>
               </a:ext>
             </a:extLst>
           </p:cNvPr>
@@ -8074,16 +8768,13 @@
         </p:nvSpPr>
         <p:spPr>
           <a:xfrm>
-            <a:off x="981499" y="1691281"/>
-            <a:ext cx="9300836" cy="3693319"/>
+            <a:off x="537797" y="284756"/>
+            <a:ext cx="5010747" cy="707886"/>
           </a:xfrm>
           <a:prstGeom prst="rect">
             <a:avLst/>
           </a:prstGeom>
           <a:noFill/>
-          <a:ln>
-            <a:noFill/>
-          </a:ln>
         </p:spPr>
         <p:txBody>
           <a:bodyPr wrap="square" rtlCol="0">
@@ -8091,175 +8782,80 @@
           </a:bodyPr>
           <a:lstStyle/>
           <a:p>
-            <a:pPr marL="285750" indent="-285750">
-              <a:buFontTx/>
-              <a:buChar char="-"/>
-            </a:pPr>
-            <a:r>
-              <a:rPr lang="en-US" altLang="ko-KR" b="1" dirty="0">
-                <a:latin typeface="HY견고딕" panose="02030600000101010101" pitchFamily="18" charset="-127"/>
-                <a:ea typeface="HY견고딕" panose="02030600000101010101" pitchFamily="18" charset="-127"/>
-              </a:rPr>
-              <a:t>UWB</a:t>
-            </a:r>
-            <a:r>
-              <a:rPr lang="ko-KR" altLang="en-US" b="1" dirty="0">
-                <a:latin typeface="HY견고딕" panose="02030600000101010101" pitchFamily="18" charset="-127"/>
-                <a:ea typeface="HY견고딕" panose="02030600000101010101" pitchFamily="18" charset="-127"/>
-              </a:rPr>
-              <a:t>의 매질 투과성 시험</a:t>
-            </a:r>
-            <a:r>
-              <a:rPr lang="en-US" altLang="ko-KR" dirty="0">
-                <a:latin typeface="a가시고기L" panose="02020600000000000000" pitchFamily="18" charset="-127"/>
-                <a:ea typeface="a가시고기L" panose="02020600000000000000" pitchFamily="18" charset="-127"/>
-                <a:hlinkClick r:id="rId2"/>
-              </a:rPr>
-              <a:t>https://m.blog.naver.com/PostView.nhn?blogId=espone1117&amp;logNo=220437282828&amp;isFromSearchAddView=true</a:t>
-            </a:r>
-            <a:endParaRPr lang="en-US" altLang="ko-KR" dirty="0">
-              <a:latin typeface="a가시고기L" panose="02020600000000000000" pitchFamily="18" charset="-127"/>
-              <a:ea typeface="a가시고기L" panose="02020600000000000000" pitchFamily="18" charset="-127"/>
-            </a:endParaRPr>
-          </a:p>
-          <a:p>
-            <a:pPr marL="285750" indent="-285750">
-              <a:buFontTx/>
-              <a:buChar char="-"/>
-            </a:pPr>
-            <a:r>
-              <a:rPr lang="en-US" altLang="ko-KR" dirty="0">
-                <a:latin typeface="a가시고기L" panose="02020600000000000000" pitchFamily="18" charset="-127"/>
-                <a:ea typeface="a가시고기L" panose="02020600000000000000" pitchFamily="18" charset="-127"/>
-                <a:hlinkClick r:id="rId3"/>
-              </a:rPr>
-              <a:t>https://m.blog.naver.com/PostView.nhn?blogId=espone1117&amp;logNo=220442660096&amp;proxyReferer=https%3A%2F%2Fm.search.naver.com%2Fsearch.na</a:t>
-            </a:r>
-            <a:endParaRPr lang="en-US" altLang="ko-KR" dirty="0">
-              <a:latin typeface="a가시고기L" panose="02020600000000000000" pitchFamily="18" charset="-127"/>
-              <a:ea typeface="a가시고기L" panose="02020600000000000000" pitchFamily="18" charset="-127"/>
-            </a:endParaRPr>
-          </a:p>
-          <a:p>
-            <a:endParaRPr lang="en-US" altLang="ko-KR" dirty="0">
-              <a:latin typeface="a가시고기L" panose="02020600000000000000" pitchFamily="18" charset="-127"/>
-              <a:ea typeface="a가시고기L" panose="02020600000000000000" pitchFamily="18" charset="-127"/>
-            </a:endParaRPr>
-          </a:p>
-          <a:p>
-            <a:pPr marL="285750" indent="-285750">
-              <a:buFontTx/>
-              <a:buChar char="-"/>
-            </a:pPr>
-            <a:r>
-              <a:rPr lang="ko-KR" altLang="en-US" b="1" dirty="0">
-                <a:latin typeface="HY견고딕" panose="02030600000101010101" pitchFamily="18" charset="-127"/>
-                <a:ea typeface="HY견고딕" panose="02030600000101010101" pitchFamily="18" charset="-127"/>
-              </a:rPr>
-              <a:t>거리 추정방법  논문</a:t>
-            </a:r>
-            <a:endParaRPr lang="en-US" altLang="ko-KR" b="1" dirty="0">
-              <a:latin typeface="HY견고딕" panose="02030600000101010101" pitchFamily="18" charset="-127"/>
-              <a:ea typeface="HY견고딕" panose="02030600000101010101" pitchFamily="18" charset="-127"/>
-            </a:endParaRPr>
-          </a:p>
-          <a:p>
-            <a:r>
-              <a:rPr lang="en-US" altLang="ko-KR" dirty="0">
-                <a:latin typeface="a가시고기L" panose="02020600000000000000" pitchFamily="18" charset="-127"/>
-                <a:ea typeface="a가시고기L" panose="02020600000000000000" pitchFamily="18" charset="-127"/>
-              </a:rPr>
-              <a:t>     http://jkais99.org/journal/Vol17No8/p05/bk/bk.pdf</a:t>
-            </a:r>
-          </a:p>
-          <a:p>
-            <a:endParaRPr lang="en-US" altLang="ko-KR" dirty="0">
-              <a:latin typeface="a가시고기L" panose="02020600000000000000" pitchFamily="18" charset="-127"/>
-              <a:ea typeface="a가시고기L" panose="02020600000000000000" pitchFamily="18" charset="-127"/>
-            </a:endParaRPr>
-          </a:p>
-          <a:p>
-            <a:pPr marL="285750" indent="-285750">
-              <a:buFontTx/>
-              <a:buChar char="-"/>
-            </a:pPr>
-            <a:r>
-              <a:rPr lang="en-US" altLang="ko-KR" dirty="0">
-                <a:latin typeface="HY견고딕" panose="02030600000101010101" pitchFamily="18" charset="-127"/>
-                <a:ea typeface="HY견고딕" panose="02030600000101010101" pitchFamily="18" charset="-127"/>
-              </a:rPr>
-              <a:t>UWB </a:t>
-            </a:r>
-            <a:r>
-              <a:rPr lang="ko-KR" altLang="en-US" dirty="0">
-                <a:latin typeface="HY견고딕" panose="02030600000101010101" pitchFamily="18" charset="-127"/>
-                <a:ea typeface="HY견고딕" panose="02030600000101010101" pitchFamily="18" charset="-127"/>
-              </a:rPr>
-              <a:t>초정밀 </a:t>
-            </a:r>
-            <a:r>
-              <a:rPr lang="ko-KR" altLang="en-US" dirty="0" err="1">
-                <a:latin typeface="HY견고딕" panose="02030600000101010101" pitchFamily="18" charset="-127"/>
-                <a:ea typeface="HY견고딕" panose="02030600000101010101" pitchFamily="18" charset="-127"/>
-              </a:rPr>
-              <a:t>측위</a:t>
-            </a:r>
-            <a:r>
-              <a:rPr lang="ko-KR" altLang="en-US" dirty="0">
-                <a:latin typeface="HY견고딕" panose="02030600000101010101" pitchFamily="18" charset="-127"/>
-                <a:ea typeface="HY견고딕" panose="02030600000101010101" pitchFamily="18" charset="-127"/>
-              </a:rPr>
-              <a:t> 시스템에서 효율적인 </a:t>
-            </a:r>
-            <a:r>
-              <a:rPr lang="en-US" altLang="ko-KR" dirty="0">
-                <a:latin typeface="HY견고딕" panose="02030600000101010101" pitchFamily="18" charset="-127"/>
-                <a:ea typeface="HY견고딕" panose="02030600000101010101" pitchFamily="18" charset="-127"/>
-              </a:rPr>
-              <a:t>Wireless Time Synchronization </a:t>
-            </a:r>
-            <a:r>
-              <a:rPr lang="ko-KR" altLang="en-US" dirty="0">
-                <a:latin typeface="HY견고딕" panose="02030600000101010101" pitchFamily="18" charset="-127"/>
-                <a:ea typeface="HY견고딕" panose="02030600000101010101" pitchFamily="18" charset="-127"/>
-              </a:rPr>
-              <a:t>기법</a:t>
-            </a:r>
-            <a:r>
-              <a:rPr lang="en-US" altLang="ko-KR" dirty="0">
-                <a:latin typeface="a가시고기L" panose="02020600000000000000" pitchFamily="18" charset="-127"/>
-                <a:ea typeface="a가시고기L" panose="02020600000000000000" pitchFamily="18" charset="-127"/>
-                <a:hlinkClick r:id="rId4"/>
-              </a:rPr>
-              <a:t>https://winter.kics.or.kr/storage/paper/event/2015_winter2014/publish/6D-2.pdf</a:t>
-            </a:r>
-            <a:endParaRPr lang="en-US" altLang="ko-KR" dirty="0">
-              <a:latin typeface="a가시고기L" panose="02020600000000000000" pitchFamily="18" charset="-127"/>
-              <a:ea typeface="a가시고기L" panose="02020600000000000000" pitchFamily="18" charset="-127"/>
-            </a:endParaRPr>
-          </a:p>
-          <a:p>
-            <a:pPr marL="285750" indent="-285750">
-              <a:buFontTx/>
-              <a:buChar char="-"/>
-            </a:pPr>
-            <a:endParaRPr lang="en-US" altLang="ko-KR" dirty="0">
-              <a:latin typeface="a가시고기L" panose="02020600000000000000" pitchFamily="18" charset="-127"/>
-              <a:ea typeface="a가시고기L" panose="02020600000000000000" pitchFamily="18" charset="-127"/>
-            </a:endParaRPr>
-          </a:p>
-          <a:p>
-            <a:endParaRPr lang="en-US" altLang="ko-KR" dirty="0">
-              <a:latin typeface="a가시고기L" panose="02020600000000000000" pitchFamily="18" charset="-127"/>
-              <a:ea typeface="a가시고기L" panose="02020600000000000000" pitchFamily="18" charset="-127"/>
-            </a:endParaRPr>
+            <a:r>
+              <a:rPr lang="ko-KR" altLang="en-US" sz="4000" dirty="0">
+                <a:latin typeface="a가시고기B" panose="02020600000000000000" pitchFamily="18" charset="-127"/>
+                <a:ea typeface="a가시고기B" panose="02020600000000000000" pitchFamily="18" charset="-127"/>
+              </a:rPr>
+              <a:t>졸업연구 수행 일정</a:t>
+            </a:r>
+          </a:p>
+        </p:txBody>
+      </p:sp>
+      <p:pic>
+        <p:nvPicPr>
+          <p:cNvPr id="2" name="그림 1">
+            <a:extLst>
+              <a:ext uri="{FF2B5EF4-FFF2-40B4-BE49-F238E27FC236}">
+                <a16:creationId xmlns:a16="http://schemas.microsoft.com/office/drawing/2014/main" id="{7027A5CC-1732-4D20-A2BA-DBD9403CA453}"/>
+              </a:ext>
+            </a:extLst>
+          </p:cNvPr>
+          <p:cNvPicPr>
+            <a:picLocks noChangeAspect="1"/>
+          </p:cNvPicPr>
+          <p:nvPr/>
+        </p:nvPicPr>
+        <p:blipFill>
+          <a:blip r:embed="rId2"/>
+          <a:stretch>
+            <a:fillRect/>
+          </a:stretch>
+        </p:blipFill>
+        <p:spPr>
+          <a:xfrm>
+            <a:off x="1386210" y="1578329"/>
+            <a:ext cx="9419580" cy="3701341"/>
+          </a:xfrm>
+          <a:prstGeom prst="rect">
+            <a:avLst/>
+          </a:prstGeom>
+        </p:spPr>
+      </p:pic>
+      <p:sp>
+        <p:nvSpPr>
+          <p:cNvPr id="3" name="슬라이드 번호 개체 틀 2">
+            <a:extLst>
+              <a:ext uri="{FF2B5EF4-FFF2-40B4-BE49-F238E27FC236}">
+                <a16:creationId xmlns:a16="http://schemas.microsoft.com/office/drawing/2014/main" id="{89DCD0DA-A8F9-4261-BC83-CCFB31CB7578}"/>
+              </a:ext>
+            </a:extLst>
+          </p:cNvPr>
+          <p:cNvSpPr>
+            <a:spLocks noGrp="1"/>
+          </p:cNvSpPr>
+          <p:nvPr>
+            <p:ph type="sldNum" sz="quarter" idx="12"/>
+          </p:nvPr>
+        </p:nvSpPr>
+        <p:spPr/>
+        <p:txBody>
+          <a:bodyPr/>
+          <a:lstStyle/>
+          <a:p>
+            <a:fld id="{9E3BAC05-F6BA-4953-A19F-91E61AE236E7}" type="slidenum">
+              <a:rPr lang="ko-KR" altLang="en-US" smtClean="0"/>
+              <a:pPr/>
+              <a:t>14</a:t>
+            </a:fld>
+            <a:endParaRPr lang="ko-KR" altLang="en-US"/>
           </a:p>
         </p:txBody>
       </p:sp>
     </p:spTree>
     <p:extLst>
       <p:ext uri="{BB962C8B-B14F-4D97-AF65-F5344CB8AC3E}">
-        <p14:creationId xmlns:p14="http://schemas.microsoft.com/office/powerpoint/2010/main" val="2931253198"/>
+        <p14:creationId xmlns:p14="http://schemas.microsoft.com/office/powerpoint/2010/main" val="2516574931"/>
       </p:ext>
     </p:extLst>
   </p:cSld>
@@ -8327,7 +8923,7 @@
                 <a:latin typeface="a가시고기B" panose="02020600000000000000" pitchFamily="18" charset="-127"/>
                 <a:ea typeface="a가시고기B" panose="02020600000000000000" pitchFamily="18" charset="-127"/>
               </a:rPr>
-              <a:t>이미지 출처</a:t>
+              <a:t>참고 문헌</a:t>
             </a:r>
           </a:p>
         </p:txBody>
@@ -8403,8 +8999,8 @@
         </p:nvSpPr>
         <p:spPr>
           <a:xfrm>
-            <a:off x="1052619" y="1213761"/>
-            <a:ext cx="9300836" cy="1705852"/>
+            <a:off x="981499" y="1691281"/>
+            <a:ext cx="9300836" cy="3970318"/>
           </a:xfrm>
           <a:prstGeom prst="rect">
             <a:avLst/>
@@ -8421,33 +9017,30 @@
           <a:lstStyle/>
           <a:p>
             <a:pPr marL="285750" indent="-285750">
-              <a:lnSpc>
-                <a:spcPct val="150000"/>
-              </a:lnSpc>
               <a:buFontTx/>
               <a:buChar char="-"/>
             </a:pPr>
             <a:r>
-              <a:rPr lang="ko-KR" altLang="en-US" dirty="0">
-                <a:latin typeface="a가시고기L" panose="02020600000000000000" pitchFamily="18" charset="-127"/>
-                <a:ea typeface="a가시고기L" panose="02020600000000000000" pitchFamily="18" charset="-127"/>
-              </a:rPr>
-              <a:t>워터파크 </a:t>
+              <a:rPr lang="en-US" altLang="ko-KR" b="1" dirty="0">
+                <a:latin typeface="a가시고기L" panose="02020600000000000000" pitchFamily="18" charset="-127"/>
+                <a:ea typeface="a가시고기L" panose="02020600000000000000" pitchFamily="18" charset="-127"/>
+              </a:rPr>
+              <a:t>UWB</a:t>
+            </a:r>
+            <a:r>
+              <a:rPr lang="ko-KR" altLang="en-US" b="1" dirty="0">
+                <a:latin typeface="a가시고기L" panose="02020600000000000000" pitchFamily="18" charset="-127"/>
+                <a:ea typeface="a가시고기L" panose="02020600000000000000" pitchFamily="18" charset="-127"/>
+              </a:rPr>
+              <a:t>의 매질 투과성 시험</a:t>
             </a:r>
             <a:r>
               <a:rPr lang="en-US" altLang="ko-KR" dirty="0">
                 <a:latin typeface="a가시고기L" panose="02020600000000000000" pitchFamily="18" charset="-127"/>
                 <a:ea typeface="a가시고기L" panose="02020600000000000000" pitchFamily="18" charset="-127"/>
-              </a:rPr>
-              <a:t>: </a:t>
-            </a:r>
-            <a:r>
-              <a:rPr lang="en-US" altLang="ko-KR" dirty="0">
-                <a:latin typeface="a가시고기L" panose="02020600000000000000" pitchFamily="18" charset="-127"/>
-                <a:ea typeface="a가시고기L" panose="02020600000000000000" pitchFamily="18" charset="-127"/>
                 <a:hlinkClick r:id="rId2"/>
               </a:rPr>
-              <a:t>http://enfant.designhouse.co.kr/magazine/type2view.php?num=52546</a:t>
+              <a:t>https://m.blog.naver.com/PostView.nhn?blogId=espone1117&amp;logNo=220437282828&amp;isFromSearchAddView=true</a:t>
             </a:r>
             <a:endParaRPr lang="en-US" altLang="ko-KR" dirty="0">
               <a:latin typeface="a가시고기L" panose="02020600000000000000" pitchFamily="18" charset="-127"/>
@@ -8456,33 +9049,16 @@
           </a:p>
           <a:p>
             <a:pPr marL="285750" indent="-285750">
-              <a:lnSpc>
-                <a:spcPct val="150000"/>
-              </a:lnSpc>
               <a:buFontTx/>
               <a:buChar char="-"/>
             </a:pPr>
             <a:r>
-              <a:rPr lang="ko-KR" altLang="en-US" dirty="0">
-                <a:latin typeface="a가시고기L" panose="02020600000000000000" pitchFamily="18" charset="-127"/>
-                <a:ea typeface="a가시고기L" panose="02020600000000000000" pitchFamily="18" charset="-127"/>
-              </a:rPr>
-              <a:t>스마트 밴드 </a:t>
-            </a:r>
-            <a:r>
               <a:rPr lang="en-US" altLang="ko-KR" dirty="0">
                 <a:latin typeface="a가시고기L" panose="02020600000000000000" pitchFamily="18" charset="-127"/>
                 <a:ea typeface="a가시고기L" panose="02020600000000000000" pitchFamily="18" charset="-127"/>
-              </a:rPr>
-              <a:t>: </a:t>
-            </a:r>
-            <a:r>
-              <a:rPr lang="en-US" altLang="ko-KR" dirty="0">
-                <a:latin typeface="a가시고기L" panose="02020600000000000000" pitchFamily="18" charset="-127"/>
-                <a:ea typeface="a가시고기L" panose="02020600000000000000" pitchFamily="18" charset="-127"/>
                 <a:hlinkClick r:id="rId3"/>
               </a:rPr>
-              <a:t>http://www.etnews.com/20140529000028</a:t>
+              <a:t>https://m.blog.naver.com/PostView.nhn?blogId=espone1117&amp;logNo=220442660096&amp;proxyReferer=https%3A%2F%2Fm.search.naver.com%2Fsearch.na</a:t>
             </a:r>
             <a:endParaRPr lang="en-US" altLang="ko-KR" dirty="0">
               <a:latin typeface="a가시고기L" panose="02020600000000000000" pitchFamily="18" charset="-127"/>
@@ -8490,35 +9066,6 @@
             </a:endParaRPr>
           </a:p>
           <a:p>
-            <a:pPr marL="285750" indent="-285750">
-              <a:lnSpc>
-                <a:spcPct val="150000"/>
-              </a:lnSpc>
-              <a:buFontTx/>
-              <a:buChar char="-"/>
-            </a:pPr>
-            <a:r>
-              <a:rPr lang="ko-KR" altLang="en-US" dirty="0">
-                <a:latin typeface="a가시고기L" panose="02020600000000000000" pitchFamily="18" charset="-127"/>
-                <a:ea typeface="a가시고기L" panose="02020600000000000000" pitchFamily="18" charset="-127"/>
-              </a:rPr>
-              <a:t>수영장 </a:t>
-            </a:r>
-            <a:r>
-              <a:rPr lang="en-US" altLang="ko-KR" dirty="0">
-                <a:latin typeface="a가시고기L" panose="02020600000000000000" pitchFamily="18" charset="-127"/>
-                <a:ea typeface="a가시고기L" panose="02020600000000000000" pitchFamily="18" charset="-127"/>
-              </a:rPr>
-              <a:t>: </a:t>
-            </a:r>
-            <a:r>
-              <a:rPr lang="en-US" altLang="ko-KR" dirty="0">
-                <a:latin typeface="a가시고기L" panose="02020600000000000000" pitchFamily="18" charset="-127"/>
-                <a:ea typeface="a가시고기L" panose="02020600000000000000" pitchFamily="18" charset="-127"/>
-                <a:hlinkClick r:id="rId4"/>
-              </a:rPr>
-              <a:t>http://normalog.com/2334</a:t>
-            </a:r>
             <a:endParaRPr lang="en-US" altLang="ko-KR" dirty="0">
               <a:latin typeface="a가시고기L" panose="02020600000000000000" pitchFamily="18" charset="-127"/>
               <a:ea typeface="a가시고기L" panose="02020600000000000000" pitchFamily="18" charset="-127"/>
@@ -8526,45 +9073,148 @@
           </a:p>
           <a:p>
             <a:pPr marL="285750" indent="-285750">
-              <a:lnSpc>
-                <a:spcPct val="150000"/>
-              </a:lnSpc>
               <a:buFontTx/>
               <a:buChar char="-"/>
             </a:pPr>
             <a:r>
-              <a:rPr lang="ko-KR" altLang="en-US" dirty="0">
-                <a:latin typeface="a가시고기L" panose="02020600000000000000" pitchFamily="18" charset="-127"/>
-                <a:ea typeface="a가시고기L" panose="02020600000000000000" pitchFamily="18" charset="-127"/>
-              </a:rPr>
-              <a:t>아이콘 </a:t>
-            </a:r>
+              <a:rPr lang="ko-KR" altLang="en-US" b="1" dirty="0">
+                <a:latin typeface="a가시고기L" panose="02020600000000000000" pitchFamily="18" charset="-127"/>
+                <a:ea typeface="a가시고기L" panose="02020600000000000000" pitchFamily="18" charset="-127"/>
+              </a:rPr>
+              <a:t>거리 추정방법  논문</a:t>
+            </a:r>
+            <a:endParaRPr lang="en-US" altLang="ko-KR" b="1" dirty="0">
+              <a:latin typeface="a가시고기L" panose="02020600000000000000" pitchFamily="18" charset="-127"/>
+              <a:ea typeface="a가시고기L" panose="02020600000000000000" pitchFamily="18" charset="-127"/>
+            </a:endParaRPr>
+          </a:p>
+          <a:p>
             <a:r>
               <a:rPr lang="en-US" altLang="ko-KR" dirty="0">
                 <a:latin typeface="a가시고기L" panose="02020600000000000000" pitchFamily="18" charset="-127"/>
                 <a:ea typeface="a가시고기L" panose="02020600000000000000" pitchFamily="18" charset="-127"/>
               </a:rPr>
-              <a:t>: </a:t>
-            </a:r>
-            <a:r>
-              <a:rPr lang="en-US" altLang="ko-KR" dirty="0">
-                <a:latin typeface="a가시고기L" panose="02020600000000000000" pitchFamily="18" charset="-127"/>
-                <a:ea typeface="a가시고기L" panose="02020600000000000000" pitchFamily="18" charset="-127"/>
-                <a:hlinkClick r:id="rId5"/>
-              </a:rPr>
-              <a:t>https://thenounproject.com/</a:t>
-            </a:r>
+              <a:t>     http://jkais99.org/journal/Vol17No8/p05/bk/bk.pdf</a:t>
+            </a:r>
+          </a:p>
+          <a:p>
             <a:endParaRPr lang="en-US" altLang="ko-KR" dirty="0">
               <a:latin typeface="a가시고기L" panose="02020600000000000000" pitchFamily="18" charset="-127"/>
               <a:ea typeface="a가시고기L" panose="02020600000000000000" pitchFamily="18" charset="-127"/>
             </a:endParaRPr>
           </a:p>
+          <a:p>
+            <a:pPr marL="285750" indent="-285750">
+              <a:buFontTx/>
+              <a:buChar char="-"/>
+            </a:pPr>
+            <a:r>
+              <a:rPr lang="en-US" altLang="ko-KR" dirty="0">
+                <a:latin typeface="a가시고기L" panose="02020600000000000000" pitchFamily="18" charset="-127"/>
+                <a:ea typeface="a가시고기L" panose="02020600000000000000" pitchFamily="18" charset="-127"/>
+              </a:rPr>
+              <a:t>UWB </a:t>
+            </a:r>
+            <a:r>
+              <a:rPr lang="ko-KR" altLang="en-US" dirty="0">
+                <a:latin typeface="a가시고기L" panose="02020600000000000000" pitchFamily="18" charset="-127"/>
+                <a:ea typeface="a가시고기L" panose="02020600000000000000" pitchFamily="18" charset="-127"/>
+              </a:rPr>
+              <a:t>초정밀 </a:t>
+            </a:r>
+            <a:r>
+              <a:rPr lang="ko-KR" altLang="en-US" dirty="0" err="1">
+                <a:latin typeface="a가시고기L" panose="02020600000000000000" pitchFamily="18" charset="-127"/>
+                <a:ea typeface="a가시고기L" panose="02020600000000000000" pitchFamily="18" charset="-127"/>
+              </a:rPr>
+              <a:t>측위</a:t>
+            </a:r>
+            <a:r>
+              <a:rPr lang="ko-KR" altLang="en-US" dirty="0">
+                <a:latin typeface="a가시고기L" panose="02020600000000000000" pitchFamily="18" charset="-127"/>
+                <a:ea typeface="a가시고기L" panose="02020600000000000000" pitchFamily="18" charset="-127"/>
+              </a:rPr>
+              <a:t> 시스템에서 효율적인 </a:t>
+            </a:r>
+            <a:r>
+              <a:rPr lang="en-US" altLang="ko-KR" dirty="0">
+                <a:latin typeface="a가시고기L" panose="02020600000000000000" pitchFamily="18" charset="-127"/>
+                <a:ea typeface="a가시고기L" panose="02020600000000000000" pitchFamily="18" charset="-127"/>
+              </a:rPr>
+              <a:t>Wireless Time Synchronization </a:t>
+            </a:r>
+            <a:r>
+              <a:rPr lang="ko-KR" altLang="en-US" dirty="0">
+                <a:latin typeface="a가시고기L" panose="02020600000000000000" pitchFamily="18" charset="-127"/>
+                <a:ea typeface="a가시고기L" panose="02020600000000000000" pitchFamily="18" charset="-127"/>
+              </a:rPr>
+              <a:t>기법</a:t>
+            </a:r>
+            <a:r>
+              <a:rPr lang="en-US" altLang="ko-KR" dirty="0">
+                <a:latin typeface="a가시고기L" panose="02020600000000000000" pitchFamily="18" charset="-127"/>
+                <a:ea typeface="a가시고기L" panose="02020600000000000000" pitchFamily="18" charset="-127"/>
+                <a:hlinkClick r:id="rId4"/>
+              </a:rPr>
+              <a:t>https://winter.kics.or.kr/storage/paper/event/2015_winter2014/publish/6D-2.pdf</a:t>
+            </a:r>
+            <a:endParaRPr lang="en-US" altLang="ko-KR" dirty="0">
+              <a:latin typeface="a가시고기L" panose="02020600000000000000" pitchFamily="18" charset="-127"/>
+              <a:ea typeface="a가시고기L" panose="02020600000000000000" pitchFamily="18" charset="-127"/>
+            </a:endParaRPr>
+          </a:p>
+          <a:p>
+            <a:pPr marL="285750" indent="-285750">
+              <a:buFontTx/>
+              <a:buChar char="-"/>
+            </a:pPr>
+            <a:endParaRPr lang="en-US" altLang="ko-KR" dirty="0">
+              <a:latin typeface="a가시고기L" panose="02020600000000000000" pitchFamily="18" charset="-127"/>
+              <a:ea typeface="a가시고기L" panose="02020600000000000000" pitchFamily="18" charset="-127"/>
+            </a:endParaRPr>
+          </a:p>
+          <a:p>
+            <a:endParaRPr lang="en-US" altLang="ko-KR" dirty="0">
+              <a:latin typeface="a가시고기L" panose="02020600000000000000" pitchFamily="18" charset="-127"/>
+              <a:ea typeface="a가시고기L" panose="02020600000000000000" pitchFamily="18" charset="-127"/>
+            </a:endParaRPr>
+          </a:p>
+        </p:txBody>
+      </p:sp>
+      <p:sp>
+        <p:nvSpPr>
+          <p:cNvPr id="2" name="슬라이드 번호 개체 틀 1">
+            <a:extLst>
+              <a:ext uri="{FF2B5EF4-FFF2-40B4-BE49-F238E27FC236}">
+                <a16:creationId xmlns:a16="http://schemas.microsoft.com/office/drawing/2014/main" id="{FAFE49F7-828E-40F3-B56E-70777D823149}"/>
+              </a:ext>
+            </a:extLst>
+          </p:cNvPr>
+          <p:cNvSpPr>
+            <a:spLocks noGrp="1"/>
+          </p:cNvSpPr>
+          <p:nvPr>
+            <p:ph type="sldNum" sz="quarter" idx="12"/>
+          </p:nvPr>
+        </p:nvSpPr>
+        <p:spPr/>
+        <p:txBody>
+          <a:bodyPr/>
+          <a:lstStyle/>
+          <a:p>
+            <a:fld id="{9E3BAC05-F6BA-4953-A19F-91E61AE236E7}" type="slidenum">
+              <a:rPr lang="ko-KR" altLang="en-US" smtClean="0"/>
+              <a:pPr/>
+              <a:t>15</a:t>
+            </a:fld>
+            <a:endParaRPr lang="ko-KR" altLang="en-US"/>
+          </a:p>
         </p:txBody>
       </p:sp>
     </p:spTree>
     <p:extLst>
       <p:ext uri="{BB962C8B-B14F-4D97-AF65-F5344CB8AC3E}">
-        <p14:creationId xmlns:p14="http://schemas.microsoft.com/office/powerpoint/2010/main" val="2089892625"/>
+        <p14:creationId xmlns:p14="http://schemas.microsoft.com/office/powerpoint/2010/main" val="2931253198"/>
       </p:ext>
     </p:extLst>
   </p:cSld>
@@ -8628,16 +9278,12 @@
           <a:lstStyle/>
           <a:p>
             <a:r>
-              <a:rPr lang="ko-KR" altLang="en-US" sz="4000" dirty="0" err="1">
+              <a:rPr lang="ko-KR" altLang="en-US" sz="4000" dirty="0">
                 <a:latin typeface="a가시고기B" panose="02020600000000000000" pitchFamily="18" charset="-127"/>
                 <a:ea typeface="a가시고기B" panose="02020600000000000000" pitchFamily="18" charset="-127"/>
               </a:rPr>
-              <a:t>깃허브</a:t>
-            </a:r>
-            <a:endParaRPr lang="ko-KR" altLang="en-US" sz="4000" dirty="0">
-              <a:latin typeface="a가시고기B" panose="02020600000000000000" pitchFamily="18" charset="-127"/>
-              <a:ea typeface="a가시고기B" panose="02020600000000000000" pitchFamily="18" charset="-127"/>
-            </a:endParaRPr>
+              <a:t>이미지 출처</a:t>
+            </a:r>
           </a:p>
         </p:txBody>
       </p:sp>
@@ -8713,7 +9359,7 @@
         <p:spPr>
           <a:xfrm>
             <a:off x="1052619" y="1213761"/>
-            <a:ext cx="9300836" cy="459357"/>
+            <a:ext cx="9300836" cy="1754326"/>
           </a:xfrm>
           <a:prstGeom prst="rect">
             <a:avLst/>
@@ -8737,24 +9383,173 @@
               <a:buChar char="-"/>
             </a:pPr>
             <a:r>
+              <a:rPr lang="ko-KR" altLang="en-US" dirty="0">
+                <a:latin typeface="a가시고기L" panose="02020600000000000000" pitchFamily="18" charset="-127"/>
+                <a:ea typeface="a가시고기L" panose="02020600000000000000" pitchFamily="18" charset="-127"/>
+              </a:rPr>
+              <a:t>워터파크 </a:t>
+            </a:r>
+            <a:r>
               <a:rPr lang="en-US" altLang="ko-KR" dirty="0">
                 <a:latin typeface="a가시고기L" panose="02020600000000000000" pitchFamily="18" charset="-127"/>
                 <a:ea typeface="a가시고기L" panose="02020600000000000000" pitchFamily="18" charset="-127"/>
+              </a:rPr>
+              <a:t>: </a:t>
+            </a:r>
+            <a:r>
+              <a:rPr lang="en-US" altLang="ko-KR" dirty="0">
+                <a:latin typeface="a가시고기L" panose="02020600000000000000" pitchFamily="18" charset="-127"/>
+                <a:ea typeface="a가시고기L" panose="02020600000000000000" pitchFamily="18" charset="-127"/>
                 <a:hlinkClick r:id="rId2"/>
               </a:rPr>
-              <a:t>https://github.com/Final-Project-KPU</a:t>
+              <a:t>http://enfant.designhouse.co.kr/magazine/type2view.php?num=52546</a:t>
             </a:r>
             <a:endParaRPr lang="en-US" altLang="ko-KR" dirty="0">
               <a:latin typeface="a가시고기L" panose="02020600000000000000" pitchFamily="18" charset="-127"/>
               <a:ea typeface="a가시고기L" panose="02020600000000000000" pitchFamily="18" charset="-127"/>
             </a:endParaRPr>
           </a:p>
+          <a:p>
+            <a:pPr marL="285750" indent="-285750">
+              <a:lnSpc>
+                <a:spcPct val="150000"/>
+              </a:lnSpc>
+              <a:buFontTx/>
+              <a:buChar char="-"/>
+            </a:pPr>
+            <a:r>
+              <a:rPr lang="ko-KR" altLang="en-US" dirty="0">
+                <a:latin typeface="a가시고기L" panose="02020600000000000000" pitchFamily="18" charset="-127"/>
+                <a:ea typeface="a가시고기L" panose="02020600000000000000" pitchFamily="18" charset="-127"/>
+              </a:rPr>
+              <a:t>스마트 밴드 </a:t>
+            </a:r>
+            <a:r>
+              <a:rPr lang="en-US" altLang="ko-KR" dirty="0">
+                <a:latin typeface="a가시고기L" panose="02020600000000000000" pitchFamily="18" charset="-127"/>
+                <a:ea typeface="a가시고기L" panose="02020600000000000000" pitchFamily="18" charset="-127"/>
+              </a:rPr>
+              <a:t>: </a:t>
+            </a:r>
+            <a:r>
+              <a:rPr lang="en-US" altLang="ko-KR" dirty="0">
+                <a:latin typeface="a가시고기L" panose="02020600000000000000" pitchFamily="18" charset="-127"/>
+                <a:ea typeface="a가시고기L" panose="02020600000000000000" pitchFamily="18" charset="-127"/>
+                <a:hlinkClick r:id="rId3"/>
+              </a:rPr>
+              <a:t>http://www.etnews.com/20140529000028</a:t>
+            </a:r>
+            <a:endParaRPr lang="en-US" altLang="ko-KR" dirty="0">
+              <a:latin typeface="a가시고기L" panose="02020600000000000000" pitchFamily="18" charset="-127"/>
+              <a:ea typeface="a가시고기L" panose="02020600000000000000" pitchFamily="18" charset="-127"/>
+            </a:endParaRPr>
+          </a:p>
+          <a:p>
+            <a:pPr marL="285750" indent="-285750">
+              <a:lnSpc>
+                <a:spcPct val="150000"/>
+              </a:lnSpc>
+              <a:buFontTx/>
+              <a:buChar char="-"/>
+            </a:pPr>
+            <a:r>
+              <a:rPr lang="ko-KR" altLang="en-US" dirty="0">
+                <a:latin typeface="a가시고기L" panose="02020600000000000000" pitchFamily="18" charset="-127"/>
+                <a:ea typeface="a가시고기L" panose="02020600000000000000" pitchFamily="18" charset="-127"/>
+              </a:rPr>
+              <a:t>수영장 </a:t>
+            </a:r>
+            <a:r>
+              <a:rPr lang="en-US" altLang="ko-KR" dirty="0">
+                <a:latin typeface="a가시고기L" panose="02020600000000000000" pitchFamily="18" charset="-127"/>
+                <a:ea typeface="a가시고기L" panose="02020600000000000000" pitchFamily="18" charset="-127"/>
+              </a:rPr>
+              <a:t>: </a:t>
+            </a:r>
+            <a:r>
+              <a:rPr lang="en-US" altLang="ko-KR" dirty="0">
+                <a:latin typeface="a가시고기L" panose="02020600000000000000" pitchFamily="18" charset="-127"/>
+                <a:ea typeface="a가시고기L" panose="02020600000000000000" pitchFamily="18" charset="-127"/>
+                <a:hlinkClick r:id="rId4"/>
+              </a:rPr>
+              <a:t>http://normalog.com/2334</a:t>
+            </a:r>
+            <a:endParaRPr lang="en-US" altLang="ko-KR" dirty="0">
+              <a:latin typeface="a가시고기L" panose="02020600000000000000" pitchFamily="18" charset="-127"/>
+              <a:ea typeface="a가시고기L" panose="02020600000000000000" pitchFamily="18" charset="-127"/>
+            </a:endParaRPr>
+          </a:p>
+          <a:p>
+            <a:pPr marL="285750" indent="-285750">
+              <a:lnSpc>
+                <a:spcPct val="150000"/>
+              </a:lnSpc>
+              <a:buFontTx/>
+              <a:buChar char="-"/>
+            </a:pPr>
+            <a:r>
+              <a:rPr lang="ko-KR" altLang="en-US" dirty="0">
+                <a:latin typeface="a가시고기L" panose="02020600000000000000" pitchFamily="18" charset="-127"/>
+                <a:ea typeface="a가시고기L" panose="02020600000000000000" pitchFamily="18" charset="-127"/>
+              </a:rPr>
+              <a:t>아이콘 </a:t>
+            </a:r>
+            <a:r>
+              <a:rPr lang="en-US" altLang="ko-KR" dirty="0">
+                <a:latin typeface="a가시고기L" panose="02020600000000000000" pitchFamily="18" charset="-127"/>
+                <a:ea typeface="a가시고기L" panose="02020600000000000000" pitchFamily="18" charset="-127"/>
+              </a:rPr>
+              <a:t>: </a:t>
+            </a:r>
+            <a:r>
+              <a:rPr lang="en-US" altLang="ko-KR" dirty="0">
+                <a:latin typeface="a가시고기L" panose="02020600000000000000" pitchFamily="18" charset="-127"/>
+                <a:ea typeface="a가시고기L" panose="02020600000000000000" pitchFamily="18" charset="-127"/>
+                <a:hlinkClick r:id="rId5"/>
+              </a:rPr>
+              <a:t>https://thenounproject.com/</a:t>
+            </a:r>
+            <a:endParaRPr lang="en-US" altLang="ko-KR" dirty="0">
+              <a:latin typeface="a가시고기L" panose="02020600000000000000" pitchFamily="18" charset="-127"/>
+              <a:ea typeface="a가시고기L" panose="02020600000000000000" pitchFamily="18" charset="-127"/>
+            </a:endParaRPr>
+          </a:p>
+        </p:txBody>
+      </p:sp>
+      <p:sp>
+        <p:nvSpPr>
+          <p:cNvPr id="2" name="슬라이드 번호 개체 틀 1">
+            <a:extLst>
+              <a:ext uri="{FF2B5EF4-FFF2-40B4-BE49-F238E27FC236}">
+                <a16:creationId xmlns:a16="http://schemas.microsoft.com/office/drawing/2014/main" id="{E3708FD3-6282-4693-B4A8-114ACEDD8DF5}"/>
+              </a:ext>
+            </a:extLst>
+          </p:cNvPr>
+          <p:cNvSpPr>
+            <a:spLocks noGrp="1"/>
+          </p:cNvSpPr>
+          <p:nvPr>
+            <p:ph type="sldNum" sz="quarter" idx="12"/>
+          </p:nvPr>
+        </p:nvSpPr>
+        <p:spPr/>
+        <p:txBody>
+          <a:bodyPr/>
+          <a:lstStyle/>
+          <a:p>
+            <a:fld id="{9E3BAC05-F6BA-4953-A19F-91E61AE236E7}" type="slidenum">
+              <a:rPr lang="ko-KR" altLang="en-US" smtClean="0"/>
+              <a:pPr/>
+              <a:t>16</a:t>
+            </a:fld>
+            <a:endParaRPr lang="ko-KR" altLang="en-US"/>
+          </a:p>
         </p:txBody>
       </p:sp>
     </p:spTree>
     <p:extLst>
       <p:ext uri="{BB962C8B-B14F-4D97-AF65-F5344CB8AC3E}">
-        <p14:creationId xmlns:p14="http://schemas.microsoft.com/office/powerpoint/2010/main" val="3422900876"/>
+        <p14:creationId xmlns:p14="http://schemas.microsoft.com/office/powerpoint/2010/main" val="2089892625"/>
       </p:ext>
     </p:extLst>
   </p:cSld>
@@ -8789,6 +9584,226 @@
           <a:chExt cx="0" cy="0"/>
         </a:xfrm>
       </p:grpSpPr>
+      <p:sp>
+        <p:nvSpPr>
+          <p:cNvPr id="8" name="TextBox 7">
+            <a:extLst>
+              <a:ext uri="{FF2B5EF4-FFF2-40B4-BE49-F238E27FC236}">
+                <a16:creationId xmlns:a16="http://schemas.microsoft.com/office/drawing/2014/main" id="{A1B98550-860F-443A-A456-0E2EAE366D1D}"/>
+              </a:ext>
+            </a:extLst>
+          </p:cNvPr>
+          <p:cNvSpPr txBox="1"/>
+          <p:nvPr/>
+        </p:nvSpPr>
+        <p:spPr>
+          <a:xfrm>
+            <a:off x="537796" y="284756"/>
+            <a:ext cx="4167065" cy="707886"/>
+          </a:xfrm>
+          <a:prstGeom prst="rect">
+            <a:avLst/>
+          </a:prstGeom>
+          <a:noFill/>
+        </p:spPr>
+        <p:txBody>
+          <a:bodyPr wrap="square" rtlCol="0">
+            <a:spAutoFit/>
+          </a:bodyPr>
+          <a:lstStyle/>
+          <a:p>
+            <a:r>
+              <a:rPr lang="ko-KR" altLang="en-US" sz="4000" dirty="0" err="1">
+                <a:latin typeface="a가시고기B" panose="02020600000000000000" pitchFamily="18" charset="-127"/>
+                <a:ea typeface="a가시고기B" panose="02020600000000000000" pitchFamily="18" charset="-127"/>
+              </a:rPr>
+              <a:t>깃허브</a:t>
+            </a:r>
+            <a:endParaRPr lang="ko-KR" altLang="en-US" sz="4000" dirty="0">
+              <a:latin typeface="a가시고기B" panose="02020600000000000000" pitchFamily="18" charset="-127"/>
+              <a:ea typeface="a가시고기B" panose="02020600000000000000" pitchFamily="18" charset="-127"/>
+            </a:endParaRPr>
+          </a:p>
+        </p:txBody>
+      </p:sp>
+      <p:sp>
+        <p:nvSpPr>
+          <p:cNvPr id="9" name="직사각형 8">
+            <a:extLst>
+              <a:ext uri="{FF2B5EF4-FFF2-40B4-BE49-F238E27FC236}">
+                <a16:creationId xmlns:a16="http://schemas.microsoft.com/office/drawing/2014/main" id="{67968165-15C5-4C62-BFAE-104CC98506B6}"/>
+              </a:ext>
+            </a:extLst>
+          </p:cNvPr>
+          <p:cNvSpPr/>
+          <p:nvPr/>
+        </p:nvSpPr>
+        <p:spPr>
+          <a:xfrm>
+            <a:off x="453293" y="375138"/>
+            <a:ext cx="84504" cy="527123"/>
+          </a:xfrm>
+          <a:prstGeom prst="rect">
+            <a:avLst/>
+          </a:prstGeom>
+          <a:solidFill>
+            <a:schemeClr val="tx1"/>
+          </a:solidFill>
+          <a:ln>
+            <a:solidFill>
+              <a:schemeClr val="tx1"/>
+            </a:solidFill>
+          </a:ln>
+        </p:spPr>
+        <p:style>
+          <a:lnRef idx="2">
+            <a:schemeClr val="accent1">
+              <a:shade val="50000"/>
+            </a:schemeClr>
+          </a:lnRef>
+          <a:fillRef idx="1">
+            <a:schemeClr val="accent1"/>
+          </a:fillRef>
+          <a:effectRef idx="0">
+            <a:schemeClr val="accent1"/>
+          </a:effectRef>
+          <a:fontRef idx="minor">
+            <a:schemeClr val="lt1"/>
+          </a:fontRef>
+        </p:style>
+        <p:txBody>
+          <a:bodyPr rtlCol="0" anchor="ctr"/>
+          <a:lstStyle/>
+          <a:p>
+            <a:pPr algn="ctr"/>
+            <a:endParaRPr lang="ko-KR" altLang="en-US">
+              <a:latin typeface="a가시고기L" panose="02020600000000000000" pitchFamily="18" charset="-127"/>
+              <a:ea typeface="a가시고기L" panose="02020600000000000000" pitchFamily="18" charset="-127"/>
+            </a:endParaRPr>
+          </a:p>
+        </p:txBody>
+      </p:sp>
+      <p:sp>
+        <p:nvSpPr>
+          <p:cNvPr id="4" name="TextBox 3">
+            <a:extLst>
+              <a:ext uri="{FF2B5EF4-FFF2-40B4-BE49-F238E27FC236}">
+                <a16:creationId xmlns:a16="http://schemas.microsoft.com/office/drawing/2014/main" id="{C6A051D6-98B5-4312-824E-CDE8190BB974}"/>
+              </a:ext>
+            </a:extLst>
+          </p:cNvPr>
+          <p:cNvSpPr txBox="1"/>
+          <p:nvPr/>
+        </p:nvSpPr>
+        <p:spPr>
+          <a:xfrm>
+            <a:off x="1052619" y="1213761"/>
+            <a:ext cx="9300836" cy="507831"/>
+          </a:xfrm>
+          <a:prstGeom prst="rect">
+            <a:avLst/>
+          </a:prstGeom>
+          <a:noFill/>
+          <a:ln>
+            <a:noFill/>
+          </a:ln>
+        </p:spPr>
+        <p:txBody>
+          <a:bodyPr wrap="square" rtlCol="0">
+            <a:spAutoFit/>
+          </a:bodyPr>
+          <a:lstStyle/>
+          <a:p>
+            <a:pPr marL="285750" indent="-285750">
+              <a:lnSpc>
+                <a:spcPct val="150000"/>
+              </a:lnSpc>
+              <a:buFontTx/>
+              <a:buChar char="-"/>
+            </a:pPr>
+            <a:r>
+              <a:rPr lang="en-US" altLang="ko-KR" dirty="0">
+                <a:latin typeface="a가시고기L" panose="02020600000000000000" pitchFamily="18" charset="-127"/>
+                <a:ea typeface="a가시고기L" panose="02020600000000000000" pitchFamily="18" charset="-127"/>
+                <a:hlinkClick r:id="rId2"/>
+              </a:rPr>
+              <a:t>https://github.com/Final-Project-KPU</a:t>
+            </a:r>
+            <a:endParaRPr lang="en-US" altLang="ko-KR" dirty="0">
+              <a:latin typeface="a가시고기L" panose="02020600000000000000" pitchFamily="18" charset="-127"/>
+              <a:ea typeface="a가시고기L" panose="02020600000000000000" pitchFamily="18" charset="-127"/>
+            </a:endParaRPr>
+          </a:p>
+        </p:txBody>
+      </p:sp>
+      <p:sp>
+        <p:nvSpPr>
+          <p:cNvPr id="2" name="슬라이드 번호 개체 틀 1">
+            <a:extLst>
+              <a:ext uri="{FF2B5EF4-FFF2-40B4-BE49-F238E27FC236}">
+                <a16:creationId xmlns:a16="http://schemas.microsoft.com/office/drawing/2014/main" id="{24D96FC5-3955-4413-9373-6BF11169A56D}"/>
+              </a:ext>
+            </a:extLst>
+          </p:cNvPr>
+          <p:cNvSpPr>
+            <a:spLocks noGrp="1"/>
+          </p:cNvSpPr>
+          <p:nvPr>
+            <p:ph type="sldNum" sz="quarter" idx="12"/>
+          </p:nvPr>
+        </p:nvSpPr>
+        <p:spPr/>
+        <p:txBody>
+          <a:bodyPr/>
+          <a:lstStyle/>
+          <a:p>
+            <a:fld id="{9E3BAC05-F6BA-4953-A19F-91E61AE236E7}" type="slidenum">
+              <a:rPr lang="ko-KR" altLang="en-US" smtClean="0"/>
+              <a:pPr/>
+              <a:t>17</a:t>
+            </a:fld>
+            <a:endParaRPr lang="ko-KR" altLang="en-US"/>
+          </a:p>
+        </p:txBody>
+      </p:sp>
+    </p:spTree>
+    <p:extLst>
+      <p:ext uri="{BB962C8B-B14F-4D97-AF65-F5344CB8AC3E}">
+        <p14:creationId xmlns:p14="http://schemas.microsoft.com/office/powerpoint/2010/main" val="3422900876"/>
+      </p:ext>
+    </p:extLst>
+  </p:cSld>
+  <p:clrMapOvr>
+    <a:masterClrMapping/>
+  </p:clrMapOvr>
+  <mc:AlternateContent xmlns:mc="http://schemas.openxmlformats.org/markup-compatibility/2006" xmlns:p14="http://schemas.microsoft.com/office/powerpoint/2010/main">
+    <mc:Choice Requires="p14">
+      <p:transition p14:dur="0" advTm="4000"/>
+    </mc:Choice>
+    <mc:Fallback xmlns="">
+      <p:transition advTm="4000"/>
+    </mc:Fallback>
+  </mc:AlternateContent>
+</p:sld>
+</file>
+
+<file path=ppt/slides/slide18.xml><?xml version="1.0" encoding="utf-8"?>
+<p:sld xmlns:a="http://schemas.openxmlformats.org/drawingml/2006/main" xmlns:r="http://schemas.openxmlformats.org/officeDocument/2006/relationships" xmlns:p="http://schemas.openxmlformats.org/presentationml/2006/main">
+  <p:cSld>
+    <p:spTree>
+      <p:nvGrpSpPr>
+        <p:cNvPr id="1" name=""/>
+        <p:cNvGrpSpPr/>
+        <p:nvPr/>
+      </p:nvGrpSpPr>
+      <p:grpSpPr>
+        <a:xfrm>
+          <a:off x="0" y="0"/>
+          <a:ext cx="0" cy="0"/>
+          <a:chOff x="0" y="0"/>
+          <a:chExt cx="0" cy="0"/>
+        </a:xfrm>
+      </p:grpSpPr>
       <p:pic>
         <p:nvPicPr>
           <p:cNvPr id="8" name="Picture 4" descr="[인터파크투어] #무더위 타파! #워터파크의 시즌이 돌아왔다!">
@@ -8880,7 +9895,10 @@
           <a:lstStyle/>
           <a:p>
             <a:pPr algn="ctr"/>
-            <a:endParaRPr lang="ko-KR" altLang="en-US"/>
+            <a:endParaRPr lang="ko-KR" altLang="en-US">
+              <a:latin typeface="a가시고기L" panose="02020600000000000000" pitchFamily="18" charset="-127"/>
+              <a:ea typeface="a가시고기L" panose="02020600000000000000" pitchFamily="18" charset="-127"/>
+            </a:endParaRPr>
           </a:p>
         </p:txBody>
       </p:sp>
@@ -8898,8 +9916,8 @@
         </p:nvSpPr>
         <p:spPr>
           <a:xfrm>
-            <a:off x="4257997" y="2508245"/>
-            <a:ext cx="3676006" cy="1446550"/>
+            <a:off x="4356581" y="2508245"/>
+            <a:ext cx="3478837" cy="1446550"/>
           </a:xfrm>
           <a:prstGeom prst="rect">
             <a:avLst/>
@@ -8926,8 +9944,8 @@
                 <a:solidFill>
                   <a:prstClr val="white"/>
                 </a:solidFill>
-                <a:latin typeface="a가위손B" panose="02020600000000000000" pitchFamily="18" charset="-127"/>
-                <a:ea typeface="a가위손B" panose="02020600000000000000" pitchFamily="18" charset="-127"/>
+                <a:latin typeface="a가시고기B" panose="02020600000000000000" pitchFamily="18" charset="-127"/>
+                <a:ea typeface="a가시고기B" panose="02020600000000000000" pitchFamily="18" charset="-127"/>
               </a:rPr>
               <a:t>Q &amp; A</a:t>
             </a:r>
@@ -8941,8 +9959,8 @@
                   </a:schemeClr>
                 </a:solidFill>
               </a:ln>
-              <a:latin typeface="a가위손B" panose="02020600000000000000" pitchFamily="18" charset="-127"/>
-              <a:ea typeface="a가위손B" panose="02020600000000000000" pitchFamily="18" charset="-127"/>
+              <a:latin typeface="a가시고기B" panose="02020600000000000000" pitchFamily="18" charset="-127"/>
+              <a:ea typeface="a가시고기B" panose="02020600000000000000" pitchFamily="18" charset="-127"/>
             </a:endParaRPr>
           </a:p>
         </p:txBody>
@@ -8988,6 +10006,36 @@
               </a:rPr>
               <a:t>감사합니다</a:t>
             </a:r>
+          </a:p>
+        </p:txBody>
+      </p:sp>
+      <p:sp>
+        <p:nvSpPr>
+          <p:cNvPr id="2" name="슬라이드 번호 개체 틀 1">
+            <a:extLst>
+              <a:ext uri="{FF2B5EF4-FFF2-40B4-BE49-F238E27FC236}">
+                <a16:creationId xmlns:a16="http://schemas.microsoft.com/office/drawing/2014/main" id="{99DA46D9-5AD3-448D-931C-F0D80614A4FC}"/>
+              </a:ext>
+            </a:extLst>
+          </p:cNvPr>
+          <p:cNvSpPr>
+            <a:spLocks noGrp="1"/>
+          </p:cNvSpPr>
+          <p:nvPr>
+            <p:ph type="sldNum" sz="quarter" idx="12"/>
+          </p:nvPr>
+        </p:nvSpPr>
+        <p:spPr/>
+        <p:txBody>
+          <a:bodyPr/>
+          <a:lstStyle/>
+          <a:p>
+            <a:fld id="{9E3BAC05-F6BA-4953-A19F-91E61AE236E7}" type="slidenum">
+              <a:rPr lang="ko-KR" altLang="en-US" smtClean="0"/>
+              <a:pPr/>
+              <a:t>18</a:t>
+            </a:fld>
+            <a:endParaRPr lang="ko-KR" altLang="en-US"/>
           </a:p>
         </p:txBody>
       </p:sp>
@@ -9004,7 +10052,7 @@
 </p:sld>
 </file>
 
-<file path=ppt/slides/slide18.xml><?xml version="1.0" encoding="utf-8"?>
+<file path=ppt/slides/slide19.xml><?xml version="1.0" encoding="utf-8"?>
 <p:sld xmlns:a="http://schemas.openxmlformats.org/drawingml/2006/main" xmlns:r="http://schemas.openxmlformats.org/officeDocument/2006/relationships" xmlns:p="http://schemas.openxmlformats.org/presentationml/2006/main">
   <p:cSld>
     <p:spTree>
@@ -9113,6 +10161,852 @@
               <a:latin typeface="a가시고기L" panose="02020600000000000000" pitchFamily="18" charset="-127"/>
               <a:ea typeface="a가시고기L" panose="02020600000000000000" pitchFamily="18" charset="-127"/>
             </a:endParaRPr>
+          </a:p>
+        </p:txBody>
+      </p:sp>
+      <p:sp>
+        <p:nvSpPr>
+          <p:cNvPr id="2" name="TextBox 1">
+            <a:extLst>
+              <a:ext uri="{FF2B5EF4-FFF2-40B4-BE49-F238E27FC236}">
+                <a16:creationId xmlns:a16="http://schemas.microsoft.com/office/drawing/2014/main" id="{BFEEBC35-B6E0-46C4-B7BD-93B88EF2B3EF}"/>
+              </a:ext>
+            </a:extLst>
+          </p:cNvPr>
+          <p:cNvSpPr txBox="1"/>
+          <p:nvPr/>
+        </p:nvSpPr>
+        <p:spPr>
+          <a:xfrm>
+            <a:off x="453293" y="1209368"/>
+            <a:ext cx="11355249" cy="2585323"/>
+          </a:xfrm>
+          <a:prstGeom prst="rect">
+            <a:avLst/>
+          </a:prstGeom>
+          <a:noFill/>
+        </p:spPr>
+        <p:txBody>
+          <a:bodyPr wrap="square" rtlCol="0">
+            <a:spAutoFit/>
+          </a:bodyPr>
+          <a:lstStyle/>
+          <a:p>
+            <a:pPr marL="342900" indent="-342900">
+              <a:buAutoNum type="arabicPeriod"/>
+            </a:pPr>
+            <a:r>
+              <a:rPr lang="ko-KR" altLang="ko-KR" b="1" dirty="0">
+                <a:solidFill>
+                  <a:srgbClr val="000000"/>
+                </a:solidFill>
+                <a:latin typeface="a가시고기L" panose="02020600000000000000" pitchFamily="18" charset="-127"/>
+                <a:ea typeface="a가시고기L" panose="02020600000000000000" pitchFamily="18" charset="-127"/>
+              </a:rPr>
+              <a:t>RSSI (</a:t>
+            </a:r>
+            <a:r>
+              <a:rPr lang="ko-KR" altLang="ko-KR" b="1" dirty="0" err="1">
+                <a:solidFill>
+                  <a:srgbClr val="000000"/>
+                </a:solidFill>
+                <a:latin typeface="a가시고기L" panose="02020600000000000000" pitchFamily="18" charset="-127"/>
+                <a:ea typeface="a가시고기L" panose="02020600000000000000" pitchFamily="18" charset="-127"/>
+              </a:rPr>
+              <a:t>Received</a:t>
+            </a:r>
+            <a:r>
+              <a:rPr lang="ko-KR" altLang="ko-KR" b="1" dirty="0">
+                <a:solidFill>
+                  <a:srgbClr val="000000"/>
+                </a:solidFill>
+                <a:latin typeface="a가시고기L" panose="02020600000000000000" pitchFamily="18" charset="-127"/>
+                <a:ea typeface="a가시고기L" panose="02020600000000000000" pitchFamily="18" charset="-127"/>
+              </a:rPr>
+              <a:t> </a:t>
+            </a:r>
+            <a:r>
+              <a:rPr lang="ko-KR" altLang="ko-KR" b="1" dirty="0" err="1">
+                <a:solidFill>
+                  <a:srgbClr val="000080"/>
+                </a:solidFill>
+                <a:latin typeface="a가시고기L" panose="02020600000000000000" pitchFamily="18" charset="-127"/>
+                <a:ea typeface="a가시고기L" panose="02020600000000000000" pitchFamily="18" charset="-127"/>
+                <a:hlinkClick r:id="rId2" tooltip=" 신호 (Signal) ㅇ 정보를 갖는 것은 모두 신호로 볼 수 있음   - 어떤 현상을 시간,공간에 따라 변화하는 물리량으로 표시한 `함수`    . 주로, `시간`과 관련된 물리량의 수학적 표현을 "/>
+              </a:rPr>
+              <a:t>Signal</a:t>
+            </a:r>
+            <a:r>
+              <a:rPr lang="ko-KR" altLang="ko-KR" b="1" dirty="0">
+                <a:solidFill>
+                  <a:srgbClr val="000000"/>
+                </a:solidFill>
+                <a:latin typeface="a가시고기L" panose="02020600000000000000" pitchFamily="18" charset="-127"/>
+                <a:ea typeface="a가시고기L" panose="02020600000000000000" pitchFamily="18" charset="-127"/>
+              </a:rPr>
+              <a:t> </a:t>
+            </a:r>
+            <a:r>
+              <a:rPr lang="ko-KR" altLang="ko-KR" b="1" dirty="0" err="1">
+                <a:solidFill>
+                  <a:srgbClr val="000000"/>
+                </a:solidFill>
+                <a:latin typeface="a가시고기L" panose="02020600000000000000" pitchFamily="18" charset="-127"/>
+                <a:ea typeface="a가시고기L" panose="02020600000000000000" pitchFamily="18" charset="-127"/>
+              </a:rPr>
+              <a:t>Strength</a:t>
+            </a:r>
+            <a:r>
+              <a:rPr lang="ko-KR" altLang="ko-KR" b="1" dirty="0">
+                <a:solidFill>
+                  <a:srgbClr val="000000"/>
+                </a:solidFill>
+                <a:latin typeface="a가시고기L" panose="02020600000000000000" pitchFamily="18" charset="-127"/>
+                <a:ea typeface="a가시고기L" panose="02020600000000000000" pitchFamily="18" charset="-127"/>
+              </a:rPr>
+              <a:t> </a:t>
+            </a:r>
+            <a:r>
+              <a:rPr lang="ko-KR" altLang="ko-KR" b="1" dirty="0" err="1">
+                <a:solidFill>
+                  <a:srgbClr val="000080"/>
+                </a:solidFill>
+                <a:latin typeface="a가시고기L" panose="02020600000000000000" pitchFamily="18" charset="-127"/>
+                <a:ea typeface="a가시고기L" panose="02020600000000000000" pitchFamily="18" charset="-127"/>
+                <a:hlinkClick r:id="rId3" tooltip=" [ 일반 ] 지표 (指標, Index,Indicator) ㅇ 어떤 현상에 대한 계량적, 수치적 표현 ㅇ 사용 목적    - 타 대상과의 비교, 어떤 현상에 대한 대표성 확보, 계량분석을 통한     장래 이용을 "/>
+              </a:rPr>
+              <a:t>Indicator</a:t>
+            </a:r>
+            <a:r>
+              <a:rPr lang="ko-KR" altLang="ko-KR" b="1" dirty="0">
+                <a:solidFill>
+                  <a:srgbClr val="000000"/>
+                </a:solidFill>
+                <a:latin typeface="a가시고기L" panose="02020600000000000000" pitchFamily="18" charset="-127"/>
+                <a:ea typeface="a가시고기L" panose="02020600000000000000" pitchFamily="18" charset="-127"/>
+              </a:rPr>
+              <a:t>)</a:t>
+            </a:r>
+            <a:r>
+              <a:rPr lang="ko-KR" altLang="ko-KR" dirty="0">
+                <a:solidFill>
+                  <a:srgbClr val="000000"/>
+                </a:solidFill>
+                <a:latin typeface="a가시고기L" panose="02020600000000000000" pitchFamily="18" charset="-127"/>
+                <a:ea typeface="a가시고기L" panose="02020600000000000000" pitchFamily="18" charset="-127"/>
+              </a:rPr>
+              <a:t> </a:t>
+            </a:r>
+            <a:endParaRPr lang="en-US" altLang="ko-KR" dirty="0">
+              <a:solidFill>
+                <a:srgbClr val="000000"/>
+              </a:solidFill>
+              <a:latin typeface="a가시고기L" panose="02020600000000000000" pitchFamily="18" charset="-127"/>
+              <a:ea typeface="a가시고기L" panose="02020600000000000000" pitchFamily="18" charset="-127"/>
+            </a:endParaRPr>
+          </a:p>
+          <a:p>
+            <a:endParaRPr lang="en-US" altLang="ko-KR" dirty="0">
+              <a:solidFill>
+                <a:srgbClr val="000000"/>
+              </a:solidFill>
+              <a:latin typeface="a가시고기L" panose="02020600000000000000" pitchFamily="18" charset="-127"/>
+              <a:ea typeface="a가시고기L" panose="02020600000000000000" pitchFamily="18" charset="-127"/>
+            </a:endParaRPr>
+          </a:p>
+          <a:p>
+            <a:r>
+              <a:rPr lang="en-US" altLang="ko-KR" dirty="0">
+                <a:solidFill>
+                  <a:srgbClr val="000000"/>
+                </a:solidFill>
+                <a:latin typeface="a가시고기L" panose="02020600000000000000" pitchFamily="18" charset="-127"/>
+                <a:ea typeface="a가시고기L" panose="02020600000000000000" pitchFamily="18" charset="-127"/>
+              </a:rPr>
+              <a:t>  </a:t>
+            </a:r>
+            <a:r>
+              <a:rPr lang="ko-KR" altLang="ko-KR" dirty="0" err="1">
+                <a:solidFill>
+                  <a:srgbClr val="000000"/>
+                </a:solidFill>
+                <a:latin typeface="a가시고기L" panose="02020600000000000000" pitchFamily="18" charset="-127"/>
+                <a:ea typeface="a가시고기L" panose="02020600000000000000" pitchFamily="18" charset="-127"/>
+              </a:rPr>
+              <a:t>ㅇ</a:t>
+            </a:r>
+            <a:r>
+              <a:rPr lang="ko-KR" altLang="ko-KR" dirty="0">
+                <a:solidFill>
+                  <a:srgbClr val="000000"/>
+                </a:solidFill>
+                <a:latin typeface="a가시고기L" panose="02020600000000000000" pitchFamily="18" charset="-127"/>
+                <a:ea typeface="a가시고기L" panose="02020600000000000000" pitchFamily="18" charset="-127"/>
+              </a:rPr>
+              <a:t> </a:t>
+            </a:r>
+            <a:r>
+              <a:rPr lang="ko-KR" altLang="ko-KR" dirty="0">
+                <a:solidFill>
+                  <a:srgbClr val="000080"/>
+                </a:solidFill>
+                <a:latin typeface="a가시고기L" panose="02020600000000000000" pitchFamily="18" charset="-127"/>
+                <a:ea typeface="a가시고기L" panose="02020600000000000000" pitchFamily="18" charset="-127"/>
+                <a:hlinkClick r:id="rId4" tooltip=" 잡음/소음 (Noise) ㅇ 원하는 신호의 전송 및 처리를 방해하는 `원치않는 파형/소리`   - 정보를 포함하고 있지 않는 신호   - 유용한 정보 신호에 더해져서(부가되어,additive) 나타남   - "/>
+              </a:rPr>
+              <a:t>잡음</a:t>
+            </a:r>
+            <a:r>
+              <a:rPr lang="ko-KR" altLang="ko-KR" dirty="0">
+                <a:solidFill>
+                  <a:srgbClr val="000000"/>
+                </a:solidFill>
+                <a:latin typeface="a가시고기L" panose="02020600000000000000" pitchFamily="18" charset="-127"/>
+                <a:ea typeface="a가시고기L" panose="02020600000000000000" pitchFamily="18" charset="-127"/>
+              </a:rPr>
+              <a:t>이 포함된 무선/</a:t>
+            </a:r>
+            <a:r>
+              <a:rPr lang="ko-KR" altLang="ko-KR" dirty="0">
+                <a:solidFill>
+                  <a:srgbClr val="000080"/>
+                </a:solidFill>
+                <a:latin typeface="a가시고기L" panose="02020600000000000000" pitchFamily="18" charset="-127"/>
+                <a:ea typeface="a가시고기L" panose="02020600000000000000" pitchFamily="18" charset="-127"/>
+                <a:hlinkClick r:id="rId5" tooltip=" 무선 주파수 ㅇ 전파(電波)에 의한 무선통신 응용에 사용하는 주파수대역 ㅇ 통상, 3 ㎑ ~ 3x10&lt;sup&gt;5&lt;/sup&gt; ㎒(300 ㎓)까지 사용하지만,   - 법규상 10 ㎑ ~ 3x10&lt;sup&gt;6&lt;/sup&gt; ㎒(3000 ㎓)로 되어있음 "/>
+              </a:rPr>
+              <a:t>RF</a:t>
+            </a:r>
+            <a:r>
+              <a:rPr lang="ko-KR" altLang="ko-KR" dirty="0">
+                <a:solidFill>
+                  <a:srgbClr val="000000"/>
+                </a:solidFill>
+                <a:latin typeface="a가시고기L" panose="02020600000000000000" pitchFamily="18" charset="-127"/>
+                <a:ea typeface="a가시고기L" panose="02020600000000000000" pitchFamily="18" charset="-127"/>
+              </a:rPr>
+              <a:t> `수신 </a:t>
+            </a:r>
+            <a:r>
+              <a:rPr lang="ko-KR" altLang="ko-KR" dirty="0">
+                <a:solidFill>
+                  <a:srgbClr val="000080"/>
+                </a:solidFill>
+                <a:latin typeface="a가시고기L" panose="02020600000000000000" pitchFamily="18" charset="-127"/>
+                <a:ea typeface="a가시고기L" panose="02020600000000000000" pitchFamily="18" charset="-127"/>
+                <a:hlinkClick r:id="rId2" tooltip=" 신호 (Signal) ㅇ 정보를 갖는 것은 모두 신호로 볼 수 있음   - 어떤 현상을 시간,공간에 따라 변화하는 물리량으로 표시한 `함수`    . 주로, `시간`과 관련된 물리량의 수학적 표현을 "/>
+              </a:rPr>
+              <a:t>신호</a:t>
+            </a:r>
+            <a:r>
+              <a:rPr lang="ko-KR" altLang="ko-KR" dirty="0">
+                <a:solidFill>
+                  <a:srgbClr val="000000"/>
+                </a:solidFill>
+                <a:latin typeface="a가시고기L" panose="02020600000000000000" pitchFamily="18" charset="-127"/>
+                <a:ea typeface="a가시고기L" panose="02020600000000000000" pitchFamily="18" charset="-127"/>
+              </a:rPr>
+              <a:t> </a:t>
+            </a:r>
+            <a:r>
+              <a:rPr lang="ko-KR" altLang="ko-KR" dirty="0" err="1">
+                <a:solidFill>
+                  <a:srgbClr val="000000"/>
+                </a:solidFill>
+                <a:latin typeface="a가시고기L" panose="02020600000000000000" pitchFamily="18" charset="-127"/>
+                <a:ea typeface="a가시고기L" panose="02020600000000000000" pitchFamily="18" charset="-127"/>
+              </a:rPr>
+              <a:t>세기`에</a:t>
+            </a:r>
+            <a:r>
+              <a:rPr lang="ko-KR" altLang="ko-KR" dirty="0">
+                <a:solidFill>
+                  <a:srgbClr val="000000"/>
+                </a:solidFill>
+                <a:latin typeface="a가시고기L" panose="02020600000000000000" pitchFamily="18" charset="-127"/>
+                <a:ea typeface="a가시고기L" panose="02020600000000000000" pitchFamily="18" charset="-127"/>
+              </a:rPr>
+              <a:t> 대한 매우 일반적인 명칭 - 간단하게 </a:t>
+            </a:r>
+            <a:r>
+              <a:rPr lang="ko-KR" altLang="ko-KR" dirty="0">
+                <a:solidFill>
+                  <a:srgbClr val="000080"/>
+                </a:solidFill>
+                <a:latin typeface="a가시고기L" panose="02020600000000000000" pitchFamily="18" charset="-127"/>
+                <a:ea typeface="a가시고기L" panose="02020600000000000000" pitchFamily="18" charset="-127"/>
+                <a:hlinkClick r:id="rId6" tooltip=" 측정 (Measurement) ※ 물리적 성질에 수(數)를 부여하는 행위 ㅇ 측정기 등과 같은 기구에 의해 사물/현상의 성질을 계량적으로 나타내는 행위   - 어떤 물리량(量)의 값을 결정하여 적절한 "/>
+              </a:rPr>
+              <a:t>측정</a:t>
+            </a:r>
+            <a:r>
+              <a:rPr lang="ko-KR" altLang="ko-KR" dirty="0">
+                <a:solidFill>
+                  <a:srgbClr val="000000"/>
+                </a:solidFill>
+                <a:latin typeface="a가시고기L" panose="02020600000000000000" pitchFamily="18" charset="-127"/>
+                <a:ea typeface="a가시고기L" panose="02020600000000000000" pitchFamily="18" charset="-127"/>
+              </a:rPr>
+              <a:t>하고 확인할 수 있는 </a:t>
+            </a:r>
+            <a:endParaRPr lang="en-US" altLang="ko-KR" dirty="0">
+              <a:solidFill>
+                <a:srgbClr val="000000"/>
+              </a:solidFill>
+              <a:latin typeface="a가시고기L" panose="02020600000000000000" pitchFamily="18" charset="-127"/>
+              <a:ea typeface="a가시고기L" panose="02020600000000000000" pitchFamily="18" charset="-127"/>
+            </a:endParaRPr>
+          </a:p>
+          <a:p>
+            <a:r>
+              <a:rPr lang="en-US" altLang="ko-KR" dirty="0">
+                <a:solidFill>
+                  <a:srgbClr val="000000"/>
+                </a:solidFill>
+                <a:latin typeface="a가시고기L" panose="02020600000000000000" pitchFamily="18" charset="-127"/>
+                <a:ea typeface="a가시고기L" panose="02020600000000000000" pitchFamily="18" charset="-127"/>
+              </a:rPr>
+              <a:t>       </a:t>
+            </a:r>
+            <a:r>
+              <a:rPr lang="ko-KR" altLang="ko-KR" dirty="0">
+                <a:solidFill>
+                  <a:srgbClr val="000000"/>
+                </a:solidFill>
+                <a:latin typeface="a가시고기L" panose="02020600000000000000" pitchFamily="18" charset="-127"/>
+                <a:ea typeface="a가시고기L" panose="02020600000000000000" pitchFamily="18" charset="-127"/>
+              </a:rPr>
+              <a:t>수신 전파 </a:t>
+            </a:r>
+            <a:r>
+              <a:rPr lang="ko-KR" altLang="ko-KR" dirty="0">
+                <a:solidFill>
+                  <a:srgbClr val="000080"/>
+                </a:solidFill>
+                <a:latin typeface="a가시고기L" panose="02020600000000000000" pitchFamily="18" charset="-127"/>
+                <a:ea typeface="a가시고기L" panose="02020600000000000000" pitchFamily="18" charset="-127"/>
+                <a:hlinkClick r:id="rId2" tooltip=" 신호 (Signal) ㅇ 정보를 갖는 것은 모두 신호로 볼 수 있음   - 어떤 현상을 시간,공간에 따라 변화하는 물리량으로 표시한 `함수`    . 주로, `시간`과 관련된 물리량의 수학적 표현을 "/>
+              </a:rPr>
+              <a:t>신호</a:t>
+            </a:r>
+            <a:r>
+              <a:rPr lang="ko-KR" altLang="ko-KR" dirty="0">
+                <a:solidFill>
+                  <a:srgbClr val="000000"/>
+                </a:solidFill>
+                <a:latin typeface="a가시고기L" panose="02020600000000000000" pitchFamily="18" charset="-127"/>
+                <a:ea typeface="a가시고기L" panose="02020600000000000000" pitchFamily="18" charset="-127"/>
+              </a:rPr>
+              <a:t>의 세기를 말함 .</a:t>
+            </a:r>
+            <a:endParaRPr lang="en-US" altLang="ko-KR" dirty="0">
+              <a:solidFill>
+                <a:srgbClr val="000000"/>
+              </a:solidFill>
+              <a:latin typeface="a가시고기L" panose="02020600000000000000" pitchFamily="18" charset="-127"/>
+              <a:ea typeface="a가시고기L" panose="02020600000000000000" pitchFamily="18" charset="-127"/>
+            </a:endParaRPr>
+          </a:p>
+          <a:p>
+            <a:r>
+              <a:rPr lang="en-US" altLang="ko-KR" dirty="0">
+                <a:solidFill>
+                  <a:srgbClr val="000000"/>
+                </a:solidFill>
+                <a:latin typeface="a가시고기L" panose="02020600000000000000" pitchFamily="18" charset="-127"/>
+                <a:ea typeface="a가시고기L" panose="02020600000000000000" pitchFamily="18" charset="-127"/>
+              </a:rPr>
+              <a:t>      </a:t>
+            </a:r>
+            <a:r>
+              <a:rPr lang="ko-KR" altLang="ko-KR" dirty="0">
+                <a:solidFill>
+                  <a:srgbClr val="000000"/>
+                </a:solidFill>
+                <a:latin typeface="a가시고기L" panose="02020600000000000000" pitchFamily="18" charset="-127"/>
+                <a:ea typeface="a가시고기L" panose="02020600000000000000" pitchFamily="18" charset="-127"/>
+              </a:rPr>
+              <a:t> 즉, 수신 </a:t>
+            </a:r>
+            <a:r>
+              <a:rPr lang="ko-KR" altLang="ko-KR" dirty="0">
+                <a:solidFill>
+                  <a:srgbClr val="000080"/>
+                </a:solidFill>
+                <a:latin typeface="a가시고기L" panose="02020600000000000000" pitchFamily="18" charset="-127"/>
+                <a:ea typeface="a가시고기L" panose="02020600000000000000" pitchFamily="18" charset="-127"/>
+                <a:hlinkClick r:id="rId7" tooltip=" 전력(Power) 또는 에너지율 또는 일률 이란? ※ `에너지`의 이동/흐름/전달,입출력 등 `시간`과 관련되어지는 개념이 `전력`인 셈   - 에너지(Energy) 관점의 전력    . 에너지의 "/>
+              </a:rPr>
+              <a:t>전력</a:t>
+            </a:r>
+            <a:r>
+              <a:rPr lang="ko-KR" altLang="ko-KR" dirty="0">
+                <a:solidFill>
+                  <a:srgbClr val="000000"/>
+                </a:solidFill>
+                <a:latin typeface="a가시고기L" panose="02020600000000000000" pitchFamily="18" charset="-127"/>
+                <a:ea typeface="a가시고기L" panose="02020600000000000000" pitchFamily="18" charset="-127"/>
+              </a:rPr>
+              <a:t>(</a:t>
+            </a:r>
+            <a:r>
+              <a:rPr lang="ko-KR" altLang="ko-KR" dirty="0">
+                <a:solidFill>
+                  <a:srgbClr val="000080"/>
+                </a:solidFill>
+                <a:latin typeface="a가시고기L" panose="02020600000000000000" pitchFamily="18" charset="-127"/>
+                <a:ea typeface="a가시고기L" panose="02020600000000000000" pitchFamily="18" charset="-127"/>
+                <a:hlinkClick r:id="rId8" tooltip=" 단위 (Unit) ㅇ 물리량 관측을 정량화/규정시킬 수 있도록 기준이 되는 척도   - 물리량 표현 량(量) = {수치} x {단위} "/>
+              </a:rPr>
+              <a:t>단위</a:t>
+            </a:r>
+            <a:r>
+              <a:rPr lang="ko-KR" altLang="ko-KR" dirty="0">
+                <a:solidFill>
+                  <a:srgbClr val="000000"/>
+                </a:solidFill>
+                <a:latin typeface="a가시고기L" panose="02020600000000000000" pitchFamily="18" charset="-127"/>
+                <a:ea typeface="a가시고기L" panose="02020600000000000000" pitchFamily="18" charset="-127"/>
+              </a:rPr>
+              <a:t> : [</a:t>
+            </a:r>
+            <a:r>
+              <a:rPr lang="ko-KR" altLang="ko-KR" dirty="0" err="1">
+                <a:solidFill>
+                  <a:srgbClr val="000080"/>
+                </a:solidFill>
+                <a:latin typeface="a가시고기L" panose="02020600000000000000" pitchFamily="18" charset="-127"/>
+                <a:ea typeface="a가시고기L" panose="02020600000000000000" pitchFamily="18" charset="-127"/>
+                <a:hlinkClick r:id="rId9" tooltip=" 절대레벨 ㅇ 상대레벨 dB와는 달리 dBm,dBv,dBw,dBu 등은 두 값의 상대적인 비를 나타내는 것은 같으나, ㅇ 두 값중 하나를 1 mW,1 Volt,1 Watt 등을 기준하여 그 값과의 절대적인 비를 나타냄 "/>
+              </a:rPr>
+              <a:t>dBm</a:t>
+            </a:r>
+            <a:r>
+              <a:rPr lang="ko-KR" altLang="ko-KR" dirty="0">
+                <a:solidFill>
+                  <a:srgbClr val="000000"/>
+                </a:solidFill>
+                <a:latin typeface="a가시고기L" panose="02020600000000000000" pitchFamily="18" charset="-127"/>
+                <a:ea typeface="a가시고기L" panose="02020600000000000000" pitchFamily="18" charset="-127"/>
+              </a:rPr>
+              <a:t>])을 나타냄 .. 통상적으로 </a:t>
+            </a:r>
+            <a:r>
+              <a:rPr lang="ko-KR" altLang="ko-KR" dirty="0">
+                <a:solidFill>
+                  <a:srgbClr val="000080"/>
+                </a:solidFill>
+                <a:latin typeface="a가시고기L" panose="02020600000000000000" pitchFamily="18" charset="-127"/>
+                <a:ea typeface="a가시고기L" panose="02020600000000000000" pitchFamily="18" charset="-127"/>
+                <a:hlinkClick r:id="rId10" tooltip=" 안테나 이란?  ㅇ 가역성 소자    : 송신 및 수신이 동일 특성를 갖음   - 도체에 전류를 흐르게 하면 그 주위에 전자파가 방사됨 (송신)   - 또한, 전자파가 전파되는 곳에 도체를 두면 그 "/>
+              </a:rPr>
+              <a:t>안테나</a:t>
+            </a:r>
+            <a:r>
+              <a:rPr lang="ko-KR" altLang="ko-KR" dirty="0">
+                <a:solidFill>
+                  <a:srgbClr val="000000"/>
+                </a:solidFill>
+                <a:latin typeface="a가시고기L" panose="02020600000000000000" pitchFamily="18" charset="-127"/>
+                <a:ea typeface="a가시고기L" panose="02020600000000000000" pitchFamily="18" charset="-127"/>
+              </a:rPr>
+              <a:t> 및 </a:t>
+            </a:r>
+            <a:r>
+              <a:rPr lang="ko-KR" altLang="ko-KR" dirty="0">
+                <a:solidFill>
+                  <a:srgbClr val="000080"/>
+                </a:solidFill>
+                <a:latin typeface="a가시고기L" panose="02020600000000000000" pitchFamily="18" charset="-127"/>
+                <a:ea typeface="a가시고기L" panose="02020600000000000000" pitchFamily="18" charset="-127"/>
+                <a:hlinkClick r:id="rId11" tooltip=" Netlist (넷리스트) ㅇ 회로 또는 네트워크 내 노드의 연결상태를 텍스트 형태로 표현한 것 "/>
+              </a:rPr>
+              <a:t>수신기</a:t>
+            </a:r>
+            <a:r>
+              <a:rPr lang="ko-KR" altLang="ko-KR" dirty="0">
+                <a:solidFill>
+                  <a:srgbClr val="000000"/>
+                </a:solidFill>
+                <a:latin typeface="a가시고기L" panose="02020600000000000000" pitchFamily="18" charset="-127"/>
+                <a:ea typeface="a가시고기L" panose="02020600000000000000" pitchFamily="18" charset="-127"/>
+              </a:rPr>
+              <a:t> </a:t>
+            </a:r>
+            <a:r>
+              <a:rPr lang="ko-KR" altLang="ko-KR" dirty="0">
+                <a:solidFill>
+                  <a:srgbClr val="000080"/>
+                </a:solidFill>
+                <a:latin typeface="a가시고기L" panose="02020600000000000000" pitchFamily="18" charset="-127"/>
+                <a:ea typeface="a가시고기L" panose="02020600000000000000" pitchFamily="18" charset="-127"/>
+                <a:hlinkClick r:id="rId12" tooltip=" 회로 이란? ㅇ 회로 (Circuit)   - 전기회로(Electric Circuit) : 전류가 흐르는 길    - 자기회로(Magnetic Circuit) : 자류(자속)이 흐르는 길 ㅇ 회로 소자 (Circuit Element)   - 회로를 구성하는 요소 "/>
+              </a:rPr>
+              <a:t>회로</a:t>
+            </a:r>
+            <a:r>
+              <a:rPr lang="en-US" altLang="ko-KR" dirty="0">
+                <a:solidFill>
+                  <a:srgbClr val="000000"/>
+                </a:solidFill>
+                <a:latin typeface="a가시고기L" panose="02020600000000000000" pitchFamily="18" charset="-127"/>
+                <a:ea typeface="a가시고기L" panose="02020600000000000000" pitchFamily="18" charset="-127"/>
+              </a:rPr>
+              <a:t> </a:t>
+            </a:r>
+            <a:r>
+              <a:rPr lang="ko-KR" altLang="ko-KR" dirty="0">
+                <a:solidFill>
+                  <a:srgbClr val="000000"/>
+                </a:solidFill>
+                <a:latin typeface="a가시고기L" panose="02020600000000000000" pitchFamily="18" charset="-127"/>
+                <a:ea typeface="a가시고기L" panose="02020600000000000000" pitchFamily="18" charset="-127"/>
+              </a:rPr>
+              <a:t>내부 </a:t>
+            </a:r>
+            <a:r>
+              <a:rPr lang="ko-KR" altLang="ko-KR" dirty="0">
+                <a:solidFill>
+                  <a:srgbClr val="000080"/>
+                </a:solidFill>
+                <a:latin typeface="a가시고기L" panose="02020600000000000000" pitchFamily="18" charset="-127"/>
+                <a:ea typeface="a가시고기L" panose="02020600000000000000" pitchFamily="18" charset="-127"/>
+                <a:hlinkClick r:id="rId13" tooltip=" 손실 및 이득 ㅇ 공학적으로,    - 주어진 여건에 따라 이득,손실이 바뀌어 표현될 수 있으며,   - 손실이 무조건 나쁜 것이 아니므로, 문맥을 잘 살피어야 함 ※ 손실,이득에 대한 "/>
+              </a:rPr>
+              <a:t>손실</a:t>
+            </a:r>
+            <a:r>
+              <a:rPr lang="ko-KR" altLang="ko-KR" dirty="0">
+                <a:solidFill>
+                  <a:srgbClr val="000000"/>
+                </a:solidFill>
+                <a:latin typeface="a가시고기L" panose="02020600000000000000" pitchFamily="18" charset="-127"/>
+                <a:ea typeface="a가시고기L" panose="02020600000000000000" pitchFamily="18" charset="-127"/>
+              </a:rPr>
+              <a:t>은 제외 </a:t>
+            </a:r>
+            <a:endParaRPr lang="en-US" altLang="ko-KR" dirty="0">
+              <a:solidFill>
+                <a:srgbClr val="000000"/>
+              </a:solidFill>
+              <a:latin typeface="a가시고기L" panose="02020600000000000000" pitchFamily="18" charset="-127"/>
+              <a:ea typeface="a가시고기L" panose="02020600000000000000" pitchFamily="18" charset="-127"/>
+            </a:endParaRPr>
+          </a:p>
+          <a:p>
+            <a:r>
+              <a:rPr lang="en-US" altLang="ko-KR" dirty="0">
+                <a:solidFill>
+                  <a:srgbClr val="000000"/>
+                </a:solidFill>
+                <a:latin typeface="a가시고기L" panose="02020600000000000000" pitchFamily="18" charset="-127"/>
+                <a:ea typeface="a가시고기L" panose="02020600000000000000" pitchFamily="18" charset="-127"/>
+              </a:rPr>
+              <a:t>  </a:t>
+            </a:r>
+          </a:p>
+          <a:p>
+            <a:r>
+              <a:rPr lang="en-US" altLang="ko-KR" dirty="0">
+                <a:solidFill>
+                  <a:srgbClr val="000000"/>
+                </a:solidFill>
+                <a:latin typeface="a가시고기L" panose="02020600000000000000" pitchFamily="18" charset="-127"/>
+                <a:ea typeface="a가시고기L" panose="02020600000000000000" pitchFamily="18" charset="-127"/>
+              </a:rPr>
+              <a:t>  </a:t>
+            </a:r>
+            <a:r>
+              <a:rPr lang="ko-KR" altLang="ko-KR" dirty="0" err="1">
+                <a:solidFill>
+                  <a:srgbClr val="000000"/>
+                </a:solidFill>
+                <a:latin typeface="a가시고기L" panose="02020600000000000000" pitchFamily="18" charset="-127"/>
+                <a:ea typeface="a가시고기L" panose="02020600000000000000" pitchFamily="18" charset="-127"/>
+              </a:rPr>
+              <a:t>ㅇ</a:t>
+            </a:r>
+            <a:r>
+              <a:rPr lang="ko-KR" altLang="ko-KR" dirty="0">
+                <a:solidFill>
+                  <a:srgbClr val="000000"/>
+                </a:solidFill>
+                <a:latin typeface="a가시고기L" panose="02020600000000000000" pitchFamily="18" charset="-127"/>
+                <a:ea typeface="a가시고기L" panose="02020600000000000000" pitchFamily="18" charset="-127"/>
+              </a:rPr>
+              <a:t> </a:t>
+            </a:r>
+            <a:r>
+              <a:rPr lang="ko-KR" altLang="ko-KR" dirty="0">
+                <a:solidFill>
+                  <a:srgbClr val="000080"/>
+                </a:solidFill>
+                <a:latin typeface="a가시고기L" panose="02020600000000000000" pitchFamily="18" charset="-127"/>
+                <a:ea typeface="a가시고기L" panose="02020600000000000000" pitchFamily="18" charset="-127"/>
+                <a:hlinkClick r:id="rId14" tooltip=" 이동통신 또는 이동전화, 모바일 통신 ㅇ 이동중에 원하는 통신을 할 수 있는 제반 무선 기술 또는 시스템 "/>
+              </a:rPr>
+              <a:t>이동통신</a:t>
+            </a:r>
+            <a:r>
+              <a:rPr lang="ko-KR" altLang="ko-KR" dirty="0">
+                <a:solidFill>
+                  <a:srgbClr val="000000"/>
+                </a:solidFill>
+                <a:latin typeface="a가시고기L" panose="02020600000000000000" pitchFamily="18" charset="-127"/>
+                <a:ea typeface="a가시고기L" panose="02020600000000000000" pitchFamily="18" charset="-127"/>
+              </a:rPr>
+              <a:t>/</a:t>
+            </a:r>
+            <a:r>
+              <a:rPr lang="ko-KR" altLang="ko-KR" dirty="0">
+                <a:solidFill>
+                  <a:srgbClr val="000080"/>
+                </a:solidFill>
+                <a:latin typeface="a가시고기L" panose="02020600000000000000" pitchFamily="18" charset="-127"/>
+                <a:ea typeface="a가시고기L" panose="02020600000000000000" pitchFamily="18" charset="-127"/>
+                <a:hlinkClick r:id="rId15" tooltip=" 무선 통신 (Wireless Communication, RF Communication) ㅇ 유선(전선)을 통하지 않고, 전파(RF 파)를 통해 정보를 전달하는 기술 ㅇ 이용 방법에 따른 분류   - 고정 통신 : 송수 위치 고정, M/W 대역 "/>
+              </a:rPr>
+              <a:t>무선통신</a:t>
+            </a:r>
+            <a:r>
+              <a:rPr lang="ko-KR" altLang="ko-KR" dirty="0">
+                <a:solidFill>
+                  <a:srgbClr val="000000"/>
+                </a:solidFill>
+                <a:latin typeface="a가시고기L" panose="02020600000000000000" pitchFamily="18" charset="-127"/>
+                <a:ea typeface="a가시고기L" panose="02020600000000000000" pitchFamily="18" charset="-127"/>
+              </a:rPr>
+              <a:t> 등 관련 </a:t>
+            </a:r>
+            <a:r>
+              <a:rPr lang="ko-KR" altLang="ko-KR" dirty="0" err="1">
+                <a:solidFill>
+                  <a:srgbClr val="000000"/>
+                </a:solidFill>
+                <a:latin typeface="a가시고기L" panose="02020600000000000000" pitchFamily="18" charset="-127"/>
+                <a:ea typeface="a가시고기L" panose="02020600000000000000" pitchFamily="18" charset="-127"/>
+              </a:rPr>
+              <a:t>표준들에서</a:t>
+            </a:r>
+            <a:r>
+              <a:rPr lang="ko-KR" altLang="ko-KR" dirty="0">
+                <a:solidFill>
+                  <a:srgbClr val="000000"/>
+                </a:solidFill>
+                <a:latin typeface="a가시고기L" panose="02020600000000000000" pitchFamily="18" charset="-127"/>
+                <a:ea typeface="a가시고기L" panose="02020600000000000000" pitchFamily="18" charset="-127"/>
+              </a:rPr>
+              <a:t> </a:t>
+            </a:r>
+            <a:r>
+              <a:rPr lang="ko-KR" altLang="ko-KR" dirty="0" err="1">
+                <a:solidFill>
+                  <a:srgbClr val="000000"/>
+                </a:solidFill>
+                <a:latin typeface="a가시고기L" panose="02020600000000000000" pitchFamily="18" charset="-127"/>
+                <a:ea typeface="a가시고기L" panose="02020600000000000000" pitchFamily="18" charset="-127"/>
+              </a:rPr>
+              <a:t>RSSI를</a:t>
+            </a:r>
+            <a:r>
+              <a:rPr lang="ko-KR" altLang="ko-KR" dirty="0">
+                <a:solidFill>
+                  <a:srgbClr val="000000"/>
+                </a:solidFill>
+                <a:latin typeface="a가시고기L" panose="02020600000000000000" pitchFamily="18" charset="-127"/>
+                <a:ea typeface="a가시고기L" panose="02020600000000000000" pitchFamily="18" charset="-127"/>
+              </a:rPr>
+              <a:t> 정의할 때는, - 복잡한 추가적 </a:t>
+            </a:r>
+            <a:r>
+              <a:rPr lang="ko-KR" altLang="ko-KR" dirty="0">
+                <a:solidFill>
+                  <a:srgbClr val="000080"/>
+                </a:solidFill>
+                <a:latin typeface="a가시고기L" panose="02020600000000000000" pitchFamily="18" charset="-127"/>
+                <a:ea typeface="a가시고기L" panose="02020600000000000000" pitchFamily="18" charset="-127"/>
+                <a:hlinkClick r:id="rId16" tooltip=" 변조 및 복조 ㅇ 변조 (Modulation)   - 신호 정보를 전송 매체의 채널 특성에 맞게끔 신호(정보)의 세기나 변위, 주파수,    위상등을 적절한 파형 형태로 변환하는 것 ㅇ 복조 "/>
+              </a:rPr>
+              <a:t>복조</a:t>
+            </a:r>
+            <a:r>
+              <a:rPr lang="ko-KR" altLang="ko-KR" dirty="0">
+                <a:solidFill>
+                  <a:srgbClr val="000000"/>
+                </a:solidFill>
+                <a:latin typeface="a가시고기L" panose="02020600000000000000" pitchFamily="18" charset="-127"/>
+                <a:ea typeface="a가시고기L" panose="02020600000000000000" pitchFamily="18" charset="-127"/>
+              </a:rPr>
+              <a:t> </a:t>
+            </a:r>
+            <a:r>
+              <a:rPr lang="ko-KR" altLang="ko-KR" dirty="0">
+                <a:solidFill>
+                  <a:srgbClr val="000080"/>
+                </a:solidFill>
+                <a:latin typeface="a가시고기L" panose="02020600000000000000" pitchFamily="18" charset="-127"/>
+                <a:ea typeface="a가시고기L" panose="02020600000000000000" pitchFamily="18" charset="-127"/>
+                <a:hlinkClick r:id="rId17" tooltip=" 연산 (Operation) ㅇ 어떤 집합 내 2개의 원소를 결합하여 1개의 새로운 원소를 만들어냄 ☞ 이항연산   - 연산의 例)    . 수에 대한 사칙 연산 : ＋,－,×,÷    . 집합 연산 : 교집합(∩), "/>
+              </a:rPr>
+              <a:t>연산</a:t>
+            </a:r>
+            <a:r>
+              <a:rPr lang="ko-KR" altLang="ko-KR" dirty="0">
+                <a:solidFill>
+                  <a:srgbClr val="000000"/>
+                </a:solidFill>
+                <a:latin typeface="a가시고기L" panose="02020600000000000000" pitchFamily="18" charset="-127"/>
+                <a:ea typeface="a가시고기L" panose="02020600000000000000" pitchFamily="18" charset="-127"/>
+              </a:rPr>
+              <a:t>과정을 포함하지 </a:t>
+            </a:r>
+            <a:endParaRPr lang="en-US" altLang="ko-KR" dirty="0">
+              <a:solidFill>
+                <a:srgbClr val="000000"/>
+              </a:solidFill>
+              <a:latin typeface="a가시고기L" panose="02020600000000000000" pitchFamily="18" charset="-127"/>
+              <a:ea typeface="a가시고기L" panose="02020600000000000000" pitchFamily="18" charset="-127"/>
+            </a:endParaRPr>
+          </a:p>
+          <a:p>
+            <a:r>
+              <a:rPr lang="en-US" altLang="ko-KR" dirty="0">
+                <a:solidFill>
+                  <a:srgbClr val="000000"/>
+                </a:solidFill>
+                <a:latin typeface="a가시고기L" panose="02020600000000000000" pitchFamily="18" charset="-127"/>
+                <a:ea typeface="a가시고기L" panose="02020600000000000000" pitchFamily="18" charset="-127"/>
+              </a:rPr>
+              <a:t>       </a:t>
+            </a:r>
+            <a:r>
+              <a:rPr lang="ko-KR" altLang="ko-KR" dirty="0" err="1">
+                <a:solidFill>
+                  <a:srgbClr val="000000"/>
+                </a:solidFill>
+                <a:latin typeface="a가시고기L" panose="02020600000000000000" pitchFamily="18" charset="-127"/>
+                <a:ea typeface="a가시고기L" panose="02020600000000000000" pitchFamily="18" charset="-127"/>
+              </a:rPr>
+              <a:t>않은채</a:t>
+            </a:r>
+            <a:r>
+              <a:rPr lang="ko-KR" altLang="ko-KR" dirty="0">
+                <a:solidFill>
+                  <a:srgbClr val="000000"/>
+                </a:solidFill>
+                <a:latin typeface="a가시고기L" panose="02020600000000000000" pitchFamily="18" charset="-127"/>
+                <a:ea typeface="a가시고기L" panose="02020600000000000000" pitchFamily="18" charset="-127"/>
+              </a:rPr>
+              <a:t>, - 단순히 </a:t>
+            </a:r>
+            <a:r>
+              <a:rPr lang="ko-KR" altLang="ko-KR" dirty="0" err="1">
+                <a:solidFill>
+                  <a:srgbClr val="000080"/>
+                </a:solidFill>
+                <a:latin typeface="a가시고기L" panose="02020600000000000000" pitchFamily="18" charset="-127"/>
+                <a:ea typeface="a가시고기L" panose="02020600000000000000" pitchFamily="18" charset="-127"/>
+                <a:hlinkClick r:id="rId18" tooltip=" 평균(Mean) ㅇ 데이터 집단에서 중심의 경향을 나타내는 수학적 척도   - 일반적으로 산술평균(단순평균)을 지칭하나,   - 이외에도 여러 다른 형태의 평균이 있음 ※ 데이터의 개별성은 "/>
+              </a:rPr>
+              <a:t>평균</a:t>
+            </a:r>
+            <a:r>
+              <a:rPr lang="ko-KR" altLang="ko-KR" dirty="0" err="1">
+                <a:solidFill>
+                  <a:srgbClr val="000000"/>
+                </a:solidFill>
+                <a:latin typeface="a가시고기L" panose="02020600000000000000" pitchFamily="18" charset="-127"/>
+                <a:ea typeface="a가시고기L" panose="02020600000000000000" pitchFamily="18" charset="-127"/>
+              </a:rPr>
+              <a:t>된</a:t>
+            </a:r>
+            <a:r>
+              <a:rPr lang="ko-KR" altLang="ko-KR" dirty="0">
+                <a:solidFill>
+                  <a:srgbClr val="000000"/>
+                </a:solidFill>
+                <a:latin typeface="a가시고기L" panose="02020600000000000000" pitchFamily="18" charset="-127"/>
+                <a:ea typeface="a가시고기L" panose="02020600000000000000" pitchFamily="18" charset="-127"/>
+              </a:rPr>
+              <a:t> RSSI 등 만을 요구하고 있는 편임</a:t>
+            </a:r>
+            <a:r>
+              <a:rPr lang="ko-KR" altLang="ko-KR" sz="1600" dirty="0">
+                <a:latin typeface="a가시고기L" panose="02020600000000000000" pitchFamily="18" charset="-127"/>
+                <a:ea typeface="a가시고기L" panose="02020600000000000000" pitchFamily="18" charset="-127"/>
+              </a:rPr>
+              <a:t> </a:t>
+            </a:r>
+            <a:endParaRPr lang="ko-KR" altLang="ko-KR" sz="4400" dirty="0">
+              <a:latin typeface="a가시고기L" panose="02020600000000000000" pitchFamily="18" charset="-127"/>
+              <a:ea typeface="a가시고기L" panose="02020600000000000000" pitchFamily="18" charset="-127"/>
+            </a:endParaRPr>
+          </a:p>
+          <a:p>
+            <a:endParaRPr lang="ko-KR" altLang="en-US" dirty="0">
+              <a:latin typeface="a가시고기L" panose="02020600000000000000" pitchFamily="18" charset="-127"/>
+              <a:ea typeface="a가시고기L" panose="02020600000000000000" pitchFamily="18" charset="-127"/>
+            </a:endParaRPr>
+          </a:p>
+        </p:txBody>
+      </p:sp>
+      <p:pic>
+        <p:nvPicPr>
+          <p:cNvPr id="6" name="그림 5">
+            <a:extLst>
+              <a:ext uri="{FF2B5EF4-FFF2-40B4-BE49-F238E27FC236}">
+                <a16:creationId xmlns:a16="http://schemas.microsoft.com/office/drawing/2014/main" id="{A4E0ED4D-7040-40E8-A380-FC8E80E6684A}"/>
+              </a:ext>
+            </a:extLst>
+          </p:cNvPr>
+          <p:cNvPicPr>
+            <a:picLocks noChangeAspect="1"/>
+          </p:cNvPicPr>
+          <p:nvPr/>
+        </p:nvPicPr>
+        <p:blipFill>
+          <a:blip r:embed="rId19"/>
+          <a:stretch>
+            <a:fillRect/>
+          </a:stretch>
+        </p:blipFill>
+        <p:spPr>
+          <a:xfrm>
+            <a:off x="688258" y="4237559"/>
+            <a:ext cx="11120284" cy="1290686"/>
+          </a:xfrm>
+          <a:prstGeom prst="rect">
+            <a:avLst/>
+          </a:prstGeom>
+        </p:spPr>
+      </p:pic>
+      <p:sp>
+        <p:nvSpPr>
+          <p:cNvPr id="7" name="슬라이드 번호 개체 틀 6">
+            <a:extLst>
+              <a:ext uri="{FF2B5EF4-FFF2-40B4-BE49-F238E27FC236}">
+                <a16:creationId xmlns:a16="http://schemas.microsoft.com/office/drawing/2014/main" id="{1775BB28-6FDB-4F60-B5F1-5D43F78A014B}"/>
+              </a:ext>
+            </a:extLst>
+          </p:cNvPr>
+          <p:cNvSpPr>
+            <a:spLocks noGrp="1"/>
+          </p:cNvSpPr>
+          <p:nvPr>
+            <p:ph type="sldNum" sz="quarter" idx="12"/>
+          </p:nvPr>
+        </p:nvSpPr>
+        <p:spPr/>
+        <p:txBody>
+          <a:bodyPr/>
+          <a:lstStyle/>
+          <a:p>
+            <a:fld id="{9E3BAC05-F6BA-4953-A19F-91E61AE236E7}" type="slidenum">
+              <a:rPr lang="ko-KR" altLang="en-US" smtClean="0"/>
+              <a:pPr/>
+              <a:t>19</a:t>
+            </a:fld>
+            <a:endParaRPr lang="ko-KR" altLang="en-US"/>
           </a:p>
         </p:txBody>
       </p:sp>
@@ -9251,9 +11145,9 @@
           <a:lstStyle/>
           <a:p>
             <a:pPr algn="ctr"/>
-            <a:endParaRPr lang="ko-KR" altLang="en-US">
-              <a:latin typeface="a가시고기B" panose="02020600000000000000" pitchFamily="18" charset="-127"/>
-              <a:ea typeface="a가시고기B" panose="02020600000000000000" pitchFamily="18" charset="-127"/>
+            <a:endParaRPr lang="ko-KR" altLang="en-US" dirty="0">
+              <a:latin typeface="a가시고기L" panose="02020600000000000000" pitchFamily="18" charset="-127"/>
+              <a:ea typeface="a가시고기L" panose="02020600000000000000" pitchFamily="18" charset="-127"/>
             </a:endParaRPr>
           </a:p>
         </p:txBody>
@@ -9284,8 +11178,8 @@
                 <a:solidFill>
                   <a:schemeClr val="bg1"/>
                 </a:solidFill>
-                <a:latin typeface="a가시고기B" panose="02020600000000000000" pitchFamily="18" charset="-127"/>
-                <a:ea typeface="a가시고기B" panose="02020600000000000000" pitchFamily="18" charset="-127"/>
+                <a:latin typeface="a가시고기L" panose="02020600000000000000" pitchFamily="18" charset="-127"/>
+                <a:ea typeface="a가시고기L" panose="02020600000000000000" pitchFamily="18" charset="-127"/>
               </a:rPr>
               <a:t>INDEX</a:t>
             </a:r>
@@ -9293,8 +11187,8 @@
               <a:solidFill>
                 <a:schemeClr val="bg1"/>
               </a:solidFill>
-              <a:latin typeface="a가시고기B" panose="02020600000000000000" pitchFamily="18" charset="-127"/>
-              <a:ea typeface="a가시고기B" panose="02020600000000000000" pitchFamily="18" charset="-127"/>
+              <a:latin typeface="a가시고기L" panose="02020600000000000000" pitchFamily="18" charset="-127"/>
+              <a:ea typeface="a가시고기L" panose="02020600000000000000" pitchFamily="18" charset="-127"/>
             </a:endParaRPr>
           </a:p>
         </p:txBody>
@@ -9341,9 +11235,9 @@
           <a:lstStyle/>
           <a:p>
             <a:pPr algn="ctr"/>
-            <a:endParaRPr lang="ko-KR" altLang="en-US">
-              <a:latin typeface="a가시고기B" panose="02020600000000000000" pitchFamily="18" charset="-127"/>
-              <a:ea typeface="a가시고기B" panose="02020600000000000000" pitchFamily="18" charset="-127"/>
+            <a:endParaRPr lang="ko-KR" altLang="en-US" dirty="0">
+              <a:latin typeface="a가시고기L" panose="02020600000000000000" pitchFamily="18" charset="-127"/>
+              <a:ea typeface="a가시고기L" panose="02020600000000000000" pitchFamily="18" charset="-127"/>
             </a:endParaRPr>
           </a:p>
         </p:txBody>
@@ -9380,28 +11274,28 @@
             <a:pPr eaLnBrk="0" hangingPunct="0"/>
             <a:r>
               <a:rPr lang="ko-KR" altLang="en-US" dirty="0">
-                <a:latin typeface="a가시고기B" panose="02020600000000000000" pitchFamily="18" charset="-127"/>
-                <a:ea typeface="a가시고기B" panose="02020600000000000000" pitchFamily="18" charset="-127"/>
+                <a:latin typeface="a가시고기L" panose="02020600000000000000" pitchFamily="18" charset="-127"/>
+                <a:ea typeface="a가시고기L" panose="02020600000000000000" pitchFamily="18" charset="-127"/>
               </a:rPr>
               <a:t>졸업 연구</a:t>
             </a:r>
             <a:r>
               <a:rPr lang="en-US" altLang="ko-KR" dirty="0">
-                <a:latin typeface="a가시고기B" panose="02020600000000000000" pitchFamily="18" charset="-127"/>
-                <a:ea typeface="a가시고기B" panose="02020600000000000000" pitchFamily="18" charset="-127"/>
+                <a:latin typeface="a가시고기L" panose="02020600000000000000" pitchFamily="18" charset="-127"/>
+                <a:ea typeface="a가시고기L" panose="02020600000000000000" pitchFamily="18" charset="-127"/>
               </a:rPr>
               <a:t> </a:t>
             </a:r>
             <a:r>
               <a:rPr lang="en-US" altLang="ko-KR" dirty="0" err="1">
-                <a:latin typeface="a가시고기B" panose="02020600000000000000" pitchFamily="18" charset="-127"/>
-                <a:ea typeface="a가시고기B" panose="02020600000000000000" pitchFamily="18" charset="-127"/>
+                <a:latin typeface="a가시고기L" panose="02020600000000000000" pitchFamily="18" charset="-127"/>
+                <a:ea typeface="a가시고기L" panose="02020600000000000000" pitchFamily="18" charset="-127"/>
               </a:rPr>
               <a:t>개요</a:t>
             </a:r>
             <a:endParaRPr lang="ko-KR" altLang="en-US" dirty="0">
-              <a:latin typeface="a가시고기B" panose="02020600000000000000" pitchFamily="18" charset="-127"/>
-              <a:ea typeface="a가시고기B" panose="02020600000000000000" pitchFamily="18" charset="-127"/>
+              <a:latin typeface="a가시고기L" panose="02020600000000000000" pitchFamily="18" charset="-127"/>
+              <a:ea typeface="a가시고기L" panose="02020600000000000000" pitchFamily="18" charset="-127"/>
             </a:endParaRPr>
           </a:p>
         </p:txBody>
@@ -9445,8 +11339,8 @@
             </a:pPr>
             <a:r>
               <a:rPr lang="ko-KR" altLang="en-US" dirty="0">
-                <a:latin typeface="a가시고기B" panose="02020600000000000000" pitchFamily="18" charset="-127"/>
-                <a:ea typeface="a가시고기B" panose="02020600000000000000" pitchFamily="18" charset="-127"/>
+                <a:latin typeface="a가시고기L" panose="02020600000000000000" pitchFamily="18" charset="-127"/>
+                <a:ea typeface="a가시고기L" panose="02020600000000000000" pitchFamily="18" charset="-127"/>
               </a:rPr>
               <a:t>시스템 구성도</a:t>
             </a:r>
@@ -9492,8 +11386,8 @@
             </a:pPr>
             <a:r>
               <a:rPr lang="ko-KR" altLang="en-US" dirty="0">
-                <a:latin typeface="a가시고기B" panose="02020600000000000000" pitchFamily="18" charset="-127"/>
-                <a:ea typeface="a가시고기B" panose="02020600000000000000" pitchFamily="18" charset="-127"/>
+                <a:latin typeface="a가시고기L" panose="02020600000000000000" pitchFamily="18" charset="-127"/>
+                <a:ea typeface="a가시고기L" panose="02020600000000000000" pitchFamily="18" charset="-127"/>
               </a:rPr>
               <a:t>관련 연구 및 사례</a:t>
             </a:r>
@@ -9539,8 +11433,8 @@
             </a:pPr>
             <a:r>
               <a:rPr lang="ko-KR" altLang="en-US" dirty="0">
-                <a:latin typeface="a가시고기B" panose="02020600000000000000" pitchFamily="18" charset="-127"/>
-                <a:ea typeface="a가시고기B" panose="02020600000000000000" pitchFamily="18" charset="-127"/>
+                <a:latin typeface="a가시고기L" panose="02020600000000000000" pitchFamily="18" charset="-127"/>
+                <a:ea typeface="a가시고기L" panose="02020600000000000000" pitchFamily="18" charset="-127"/>
               </a:rPr>
               <a:t>시스템 수행 시나리오</a:t>
             </a:r>
@@ -9586,8 +11480,8 @@
             </a:pPr>
             <a:r>
               <a:rPr lang="ko-KR" altLang="en-US" dirty="0">
-                <a:latin typeface="a가시고기B" panose="02020600000000000000" pitchFamily="18" charset="-127"/>
-                <a:ea typeface="a가시고기B" panose="02020600000000000000" pitchFamily="18" charset="-127"/>
+                <a:latin typeface="a가시고기L" panose="02020600000000000000" pitchFamily="18" charset="-127"/>
+                <a:ea typeface="a가시고기L" panose="02020600000000000000" pitchFamily="18" charset="-127"/>
               </a:rPr>
               <a:t>개발 환경 및 개발 방법</a:t>
             </a:r>
@@ -9633,8 +11527,8 @@
             </a:pPr>
             <a:r>
               <a:rPr lang="ko-KR" altLang="en-US" dirty="0">
-                <a:latin typeface="a가시고기B" panose="02020600000000000000" pitchFamily="18" charset="-127"/>
-                <a:ea typeface="a가시고기B" panose="02020600000000000000" pitchFamily="18" charset="-127"/>
+                <a:latin typeface="a가시고기L" panose="02020600000000000000" pitchFamily="18" charset="-127"/>
+                <a:ea typeface="a가시고기L" panose="02020600000000000000" pitchFamily="18" charset="-127"/>
               </a:rPr>
               <a:t>업무 분담</a:t>
             </a:r>
@@ -9680,8 +11574,8 @@
             </a:pPr>
             <a:r>
               <a:rPr lang="ko-KR" altLang="en-US" dirty="0">
-                <a:latin typeface="a가시고기B" panose="02020600000000000000" pitchFamily="18" charset="-127"/>
-                <a:ea typeface="a가시고기B" panose="02020600000000000000" pitchFamily="18" charset="-127"/>
+                <a:latin typeface="a가시고기L" panose="02020600000000000000" pitchFamily="18" charset="-127"/>
+                <a:ea typeface="a가시고기L" panose="02020600000000000000" pitchFamily="18" charset="-127"/>
               </a:rPr>
               <a:t>졸업 연구 수행일정</a:t>
             </a:r>
@@ -9738,9 +11632,9 @@
           <a:lstStyle/>
           <a:p>
             <a:pPr algn="ctr"/>
-            <a:endParaRPr lang="ko-KR" altLang="en-US">
-              <a:latin typeface="a가시고기B" panose="02020600000000000000" pitchFamily="18" charset="-127"/>
-              <a:ea typeface="a가시고기B" panose="02020600000000000000" pitchFamily="18" charset="-127"/>
+            <a:endParaRPr lang="ko-KR" altLang="en-US" dirty="0">
+              <a:latin typeface="a가시고기L" panose="02020600000000000000" pitchFamily="18" charset="-127"/>
+              <a:ea typeface="a가시고기L" panose="02020600000000000000" pitchFamily="18" charset="-127"/>
             </a:endParaRPr>
           </a:p>
         </p:txBody>
@@ -9821,14 +11715,14 @@
           <a:p>
             <a:r>
               <a:rPr lang="en-US" altLang="ko-KR" sz="3600" dirty="0">
-                <a:latin typeface="+mj-ea"/>
-                <a:ea typeface="+mj-ea"/>
+                <a:latin typeface="a가시고기L" panose="02020600000000000000" pitchFamily="18" charset="-127"/>
+                <a:ea typeface="a가시고기L" panose="02020600000000000000" pitchFamily="18" charset="-127"/>
               </a:rPr>
               <a:t>01</a:t>
             </a:r>
             <a:endParaRPr lang="ko-KR" altLang="en-US" sz="3600" dirty="0">
-              <a:latin typeface="+mj-ea"/>
-              <a:ea typeface="+mj-ea"/>
+              <a:latin typeface="a가시고기L" panose="02020600000000000000" pitchFamily="18" charset="-127"/>
+              <a:ea typeface="a가시고기L" panose="02020600000000000000" pitchFamily="18" charset="-127"/>
             </a:endParaRPr>
           </a:p>
         </p:txBody>
@@ -9863,14 +11757,14 @@
           <a:p>
             <a:r>
               <a:rPr lang="en-US" altLang="ko-KR" sz="3600" dirty="0">
-                <a:latin typeface="+mj-ea"/>
-                <a:ea typeface="+mj-ea"/>
+                <a:latin typeface="a가시고기L" panose="02020600000000000000" pitchFamily="18" charset="-127"/>
+                <a:ea typeface="a가시고기L" panose="02020600000000000000" pitchFamily="18" charset="-127"/>
               </a:rPr>
               <a:t>02</a:t>
             </a:r>
             <a:endParaRPr lang="ko-KR" altLang="en-US" sz="3600" dirty="0">
-              <a:latin typeface="+mj-ea"/>
-              <a:ea typeface="+mj-ea"/>
+              <a:latin typeface="a가시고기L" panose="02020600000000000000" pitchFamily="18" charset="-127"/>
+              <a:ea typeface="a가시고기L" panose="02020600000000000000" pitchFamily="18" charset="-127"/>
             </a:endParaRPr>
           </a:p>
         </p:txBody>
@@ -9905,14 +11799,14 @@
           <a:p>
             <a:r>
               <a:rPr lang="en-US" altLang="ko-KR" sz="3600" dirty="0">
-                <a:latin typeface="+mj-ea"/>
-                <a:ea typeface="+mj-ea"/>
+                <a:latin typeface="a가시고기L" panose="02020600000000000000" pitchFamily="18" charset="-127"/>
+                <a:ea typeface="a가시고기L" panose="02020600000000000000" pitchFamily="18" charset="-127"/>
               </a:rPr>
               <a:t>03</a:t>
             </a:r>
             <a:endParaRPr lang="ko-KR" altLang="en-US" sz="3600" dirty="0">
-              <a:latin typeface="+mj-ea"/>
-              <a:ea typeface="+mj-ea"/>
+              <a:latin typeface="a가시고기L" panose="02020600000000000000" pitchFamily="18" charset="-127"/>
+              <a:ea typeface="a가시고기L" panose="02020600000000000000" pitchFamily="18" charset="-127"/>
             </a:endParaRPr>
           </a:p>
         </p:txBody>
@@ -9947,14 +11841,14 @@
           <a:p>
             <a:r>
               <a:rPr lang="en-US" altLang="ko-KR" sz="3600" dirty="0">
-                <a:latin typeface="+mj-ea"/>
-                <a:ea typeface="+mj-ea"/>
+                <a:latin typeface="a가시고기L" panose="02020600000000000000" pitchFamily="18" charset="-127"/>
+                <a:ea typeface="a가시고기L" panose="02020600000000000000" pitchFamily="18" charset="-127"/>
               </a:rPr>
               <a:t>04</a:t>
             </a:r>
             <a:endParaRPr lang="ko-KR" altLang="en-US" sz="3600" dirty="0">
-              <a:latin typeface="+mj-ea"/>
-              <a:ea typeface="+mj-ea"/>
+              <a:latin typeface="a가시고기L" panose="02020600000000000000" pitchFamily="18" charset="-127"/>
+              <a:ea typeface="a가시고기L" panose="02020600000000000000" pitchFamily="18" charset="-127"/>
             </a:endParaRPr>
           </a:p>
         </p:txBody>
@@ -9989,14 +11883,14 @@
           <a:p>
             <a:r>
               <a:rPr lang="en-US" altLang="ko-KR" sz="3600" dirty="0">
-                <a:latin typeface="+mj-ea"/>
-                <a:ea typeface="+mj-ea"/>
+                <a:latin typeface="a가시고기L" panose="02020600000000000000" pitchFamily="18" charset="-127"/>
+                <a:ea typeface="a가시고기L" panose="02020600000000000000" pitchFamily="18" charset="-127"/>
               </a:rPr>
               <a:t>05</a:t>
             </a:r>
             <a:endParaRPr lang="ko-KR" altLang="en-US" sz="3600" dirty="0">
-              <a:latin typeface="+mj-ea"/>
-              <a:ea typeface="+mj-ea"/>
+              <a:latin typeface="a가시고기L" panose="02020600000000000000" pitchFamily="18" charset="-127"/>
+              <a:ea typeface="a가시고기L" panose="02020600000000000000" pitchFamily="18" charset="-127"/>
             </a:endParaRPr>
           </a:p>
         </p:txBody>
@@ -10031,14 +11925,14 @@
           <a:p>
             <a:r>
               <a:rPr lang="en-US" altLang="ko-KR" sz="3600" dirty="0">
-                <a:latin typeface="+mj-ea"/>
-                <a:ea typeface="+mj-ea"/>
+                <a:latin typeface="a가시고기L" panose="02020600000000000000" pitchFamily="18" charset="-127"/>
+                <a:ea typeface="a가시고기L" panose="02020600000000000000" pitchFamily="18" charset="-127"/>
               </a:rPr>
               <a:t>06</a:t>
             </a:r>
             <a:endParaRPr lang="ko-KR" altLang="en-US" sz="3600" dirty="0">
-              <a:latin typeface="+mj-ea"/>
-              <a:ea typeface="+mj-ea"/>
+              <a:latin typeface="a가시고기L" panose="02020600000000000000" pitchFamily="18" charset="-127"/>
+              <a:ea typeface="a가시고기L" panose="02020600000000000000" pitchFamily="18" charset="-127"/>
             </a:endParaRPr>
           </a:p>
         </p:txBody>
@@ -10073,14 +11967,14 @@
           <a:p>
             <a:r>
               <a:rPr lang="en-US" altLang="ko-KR" sz="3600" dirty="0">
-                <a:latin typeface="+mj-ea"/>
-                <a:ea typeface="+mj-ea"/>
+                <a:latin typeface="a가시고기L" panose="02020600000000000000" pitchFamily="18" charset="-127"/>
+                <a:ea typeface="a가시고기L" panose="02020600000000000000" pitchFamily="18" charset="-127"/>
               </a:rPr>
               <a:t>07</a:t>
             </a:r>
             <a:endParaRPr lang="ko-KR" altLang="en-US" sz="3600" dirty="0">
-              <a:latin typeface="+mj-ea"/>
-              <a:ea typeface="+mj-ea"/>
+              <a:latin typeface="a가시고기L" panose="02020600000000000000" pitchFamily="18" charset="-127"/>
+              <a:ea typeface="a가시고기L" panose="02020600000000000000" pitchFamily="18" charset="-127"/>
             </a:endParaRPr>
           </a:p>
         </p:txBody>
@@ -10130,8 +12024,8 @@
             </a:pPr>
             <a:r>
               <a:rPr lang="ko-KR" altLang="en-US" dirty="0">
-                <a:latin typeface="a가시고기B" panose="02020600000000000000" pitchFamily="18" charset="-127"/>
-                <a:ea typeface="a가시고기B" panose="02020600000000000000" pitchFamily="18" charset="-127"/>
+                <a:latin typeface="a가시고기L" panose="02020600000000000000" pitchFamily="18" charset="-127"/>
+                <a:ea typeface="a가시고기L" panose="02020600000000000000" pitchFamily="18" charset="-127"/>
               </a:rPr>
               <a:t>필요기술 및 참고문헌</a:t>
             </a:r>
@@ -10168,15 +12062,45 @@
           <a:p>
             <a:r>
               <a:rPr lang="en-US" altLang="ko-KR" sz="3600" dirty="0">
-                <a:latin typeface="+mj-ea"/>
-                <a:ea typeface="+mj-ea"/>
+                <a:latin typeface="a가시고기L" panose="02020600000000000000" pitchFamily="18" charset="-127"/>
+                <a:ea typeface="a가시고기L" panose="02020600000000000000" pitchFamily="18" charset="-127"/>
               </a:rPr>
               <a:t>08</a:t>
             </a:r>
             <a:endParaRPr lang="ko-KR" altLang="en-US" sz="3600" dirty="0">
-              <a:latin typeface="+mj-ea"/>
-              <a:ea typeface="+mj-ea"/>
+              <a:latin typeface="a가시고기L" panose="02020600000000000000" pitchFamily="18" charset="-127"/>
+              <a:ea typeface="a가시고기L" panose="02020600000000000000" pitchFamily="18" charset="-127"/>
             </a:endParaRPr>
+          </a:p>
+        </p:txBody>
+      </p:sp>
+      <p:sp>
+        <p:nvSpPr>
+          <p:cNvPr id="2" name="슬라이드 번호 개체 틀 1">
+            <a:extLst>
+              <a:ext uri="{FF2B5EF4-FFF2-40B4-BE49-F238E27FC236}">
+                <a16:creationId xmlns:a16="http://schemas.microsoft.com/office/drawing/2014/main" id="{66430AC3-2A93-444A-AE38-F51A612D6C54}"/>
+              </a:ext>
+            </a:extLst>
+          </p:cNvPr>
+          <p:cNvSpPr>
+            <a:spLocks noGrp="1"/>
+          </p:cNvSpPr>
+          <p:nvPr>
+            <p:ph type="sldNum" sz="quarter" idx="12"/>
+          </p:nvPr>
+        </p:nvSpPr>
+        <p:spPr/>
+        <p:txBody>
+          <a:bodyPr/>
+          <a:lstStyle/>
+          <a:p>
+            <a:fld id="{9E3BAC05-F6BA-4953-A19F-91E61AE236E7}" type="slidenum">
+              <a:rPr lang="ko-KR" altLang="en-US" smtClean="0"/>
+              <a:pPr/>
+              <a:t>2</a:t>
+            </a:fld>
+            <a:endParaRPr lang="ko-KR" altLang="en-US"/>
           </a:p>
         </p:txBody>
       </p:sp>
@@ -10243,7 +12167,21 @@
                 <a:latin typeface="a가시고기B" panose="02020600000000000000" pitchFamily="18" charset="-127"/>
                 <a:ea typeface="a가시고기B" panose="02020600000000000000" pitchFamily="18" charset="-127"/>
               </a:rPr>
-              <a:t>졸업 연구 개요</a:t>
+              <a:t>지적사항 </a:t>
+            </a:r>
+            <a:r>
+              <a:rPr lang="en-US" altLang="ko-KR" sz="4000" dirty="0">
+                <a:latin typeface="a가시고기B" panose="02020600000000000000" pitchFamily="18" charset="-127"/>
+                <a:ea typeface="a가시고기B" panose="02020600000000000000" pitchFamily="18" charset="-127"/>
+              </a:rPr>
+              <a:t>&amp; </a:t>
+            </a:r>
+            <a:r>
+              <a:rPr lang="ko-KR" altLang="en-US" sz="4000" dirty="0">
+                <a:latin typeface="a가시고기B" panose="02020600000000000000" pitchFamily="18" charset="-127"/>
+                <a:ea typeface="a가시고기B" panose="02020600000000000000" pitchFamily="18" charset="-127"/>
+              </a:rPr>
+              <a:t>답변</a:t>
             </a:r>
           </a:p>
         </p:txBody>
@@ -10310,10 +12248,40 @@
       </p:sp>
       <p:sp>
         <p:nvSpPr>
-          <p:cNvPr id="9" name="TextBox 8">
-            <a:extLst>
-              <a:ext uri="{FF2B5EF4-FFF2-40B4-BE49-F238E27FC236}">
-                <a16:creationId xmlns:a16="http://schemas.microsoft.com/office/drawing/2014/main" id="{DE9C0DC2-FFFB-44C1-B352-28D4A78AF636}"/>
+          <p:cNvPr id="2" name="슬라이드 번호 개체 틀 1">
+            <a:extLst>
+              <a:ext uri="{FF2B5EF4-FFF2-40B4-BE49-F238E27FC236}">
+                <a16:creationId xmlns:a16="http://schemas.microsoft.com/office/drawing/2014/main" id="{0E8D9A04-C3E2-4EAB-B9C9-473299DE8DE8}"/>
+              </a:ext>
+            </a:extLst>
+          </p:cNvPr>
+          <p:cNvSpPr>
+            <a:spLocks noGrp="1"/>
+          </p:cNvSpPr>
+          <p:nvPr>
+            <p:ph type="sldNum" sz="quarter" idx="12"/>
+          </p:nvPr>
+        </p:nvSpPr>
+        <p:spPr/>
+        <p:txBody>
+          <a:bodyPr/>
+          <a:lstStyle/>
+          <a:p>
+            <a:fld id="{9E3BAC05-F6BA-4953-A19F-91E61AE236E7}" type="slidenum">
+              <a:rPr lang="ko-KR" altLang="en-US" smtClean="0"/>
+              <a:pPr/>
+              <a:t>3</a:t>
+            </a:fld>
+            <a:endParaRPr lang="ko-KR" altLang="en-US"/>
+          </a:p>
+        </p:txBody>
+      </p:sp>
+      <p:sp>
+        <p:nvSpPr>
+          <p:cNvPr id="17" name="TextBox 16">
+            <a:extLst>
+              <a:ext uri="{FF2B5EF4-FFF2-40B4-BE49-F238E27FC236}">
+                <a16:creationId xmlns:a16="http://schemas.microsoft.com/office/drawing/2014/main" id="{7DB6ED7C-6A7A-49CC-9204-C53A8D87FF83}"/>
               </a:ext>
             </a:extLst>
           </p:cNvPr>
@@ -10322,8 +12290,8 @@
         </p:nvSpPr>
         <p:spPr>
           <a:xfrm>
-            <a:off x="325763" y="1504249"/>
-            <a:ext cx="3201689" cy="461665"/>
+            <a:off x="559160" y="1336119"/>
+            <a:ext cx="11073679" cy="5262979"/>
           </a:xfrm>
           <a:prstGeom prst="rect">
             <a:avLst/>
@@ -10340,373 +12308,219 @@
           <a:lstStyle/>
           <a:p>
             <a:pPr marL="457200" indent="-457200">
+              <a:lnSpc>
+                <a:spcPct val="200000"/>
+              </a:lnSpc>
               <a:buFont typeface="Wingdings" panose="05000000000000000000" pitchFamily="2" charset="2"/>
               <a:buChar char="l"/>
             </a:pPr>
             <a:r>
-              <a:rPr lang="ko-KR" altLang="en-US" sz="2400" dirty="0">
-                <a:latin typeface="a가시고기L" panose="02020600000000000000" pitchFamily="18" charset="-127"/>
-                <a:ea typeface="a가시고기L" panose="02020600000000000000" pitchFamily="18" charset="-127"/>
-              </a:rPr>
-              <a:t>연구 개발 배경</a:t>
-            </a:r>
-          </a:p>
-        </p:txBody>
-      </p:sp>
-      <p:sp>
-        <p:nvSpPr>
-          <p:cNvPr id="10" name="TextBox 9">
-            <a:extLst>
-              <a:ext uri="{FF2B5EF4-FFF2-40B4-BE49-F238E27FC236}">
-                <a16:creationId xmlns:a16="http://schemas.microsoft.com/office/drawing/2014/main" id="{A4EAB103-CFA4-475A-B22E-DBFC277B626D}"/>
-              </a:ext>
-            </a:extLst>
-          </p:cNvPr>
-          <p:cNvSpPr txBox="1"/>
-          <p:nvPr/>
-        </p:nvSpPr>
-        <p:spPr>
-          <a:xfrm>
-            <a:off x="738092" y="2168344"/>
-            <a:ext cx="4920590" cy="369332"/>
-          </a:xfrm>
-          <a:prstGeom prst="rect">
-            <a:avLst/>
-          </a:prstGeom>
-          <a:noFill/>
-          <a:ln>
-            <a:noFill/>
-          </a:ln>
-        </p:spPr>
-        <p:txBody>
-          <a:bodyPr wrap="square" rtlCol="0">
-            <a:spAutoFit/>
-          </a:bodyPr>
-          <a:lstStyle/>
-          <a:p>
-            <a:pPr marL="342900" indent="-342900">
-              <a:buFontTx/>
-              <a:buChar char="-"/>
-            </a:pPr>
-            <a:r>
-              <a:rPr lang="ko-KR" altLang="en-US" dirty="0">
-                <a:latin typeface="a가시고기L" panose="02020600000000000000" pitchFamily="18" charset="-127"/>
-                <a:ea typeface="a가시고기L" panose="02020600000000000000" pitchFamily="18" charset="-127"/>
-              </a:rPr>
-              <a:t>안전요원의 사각 지역으로 </a:t>
-            </a:r>
-            <a:r>
-              <a:rPr lang="ko-KR" altLang="en-US" b="1" dirty="0">
-                <a:solidFill>
-                  <a:srgbClr val="FF0000"/>
-                </a:solidFill>
-                <a:latin typeface="a가시고기L" panose="02020600000000000000" pitchFamily="18" charset="-127"/>
-                <a:ea typeface="a가시고기L" panose="02020600000000000000" pitchFamily="18" charset="-127"/>
-              </a:rPr>
-              <a:t>인명사고 발생</a:t>
-            </a:r>
-            <a:endParaRPr lang="en-US" altLang="ko-KR" b="1" dirty="0">
-              <a:solidFill>
-                <a:srgbClr val="FF0000"/>
-              </a:solidFill>
+              <a:rPr lang="ko-KR" altLang="en-US" sz="2800" dirty="0">
+                <a:latin typeface="a가시고기L" panose="02020600000000000000" pitchFamily="18" charset="-127"/>
+                <a:ea typeface="a가시고기L" panose="02020600000000000000" pitchFamily="18" charset="-127"/>
+              </a:rPr>
+              <a:t>수영장 내 위치를 파악하기 위한 알고리즘을 어떻게 구현할지 방법 모색</a:t>
+            </a:r>
+            <a:endParaRPr lang="en-US" altLang="ko-KR" sz="2800" dirty="0">
               <a:latin typeface="a가시고기L" panose="02020600000000000000" pitchFamily="18" charset="-127"/>
               <a:ea typeface="a가시고기L" panose="02020600000000000000" pitchFamily="18" charset="-127"/>
             </a:endParaRPr>
           </a:p>
-        </p:txBody>
-      </p:sp>
-      <p:sp>
-        <p:nvSpPr>
-          <p:cNvPr id="11" name="TextBox 10">
-            <a:extLst>
-              <a:ext uri="{FF2B5EF4-FFF2-40B4-BE49-F238E27FC236}">
-                <a16:creationId xmlns:a16="http://schemas.microsoft.com/office/drawing/2014/main" id="{FCAA4D02-73C0-4419-BC43-F6D54E45876A}"/>
-              </a:ext>
-            </a:extLst>
-          </p:cNvPr>
-          <p:cNvSpPr txBox="1"/>
-          <p:nvPr/>
-        </p:nvSpPr>
-        <p:spPr>
-          <a:xfrm>
-            <a:off x="738092" y="2670638"/>
-            <a:ext cx="5172381" cy="369332"/>
-          </a:xfrm>
-          <a:prstGeom prst="rect">
-            <a:avLst/>
-          </a:prstGeom>
-          <a:noFill/>
-          <a:ln>
-            <a:noFill/>
-          </a:ln>
-        </p:spPr>
-        <p:txBody>
-          <a:bodyPr wrap="square" rtlCol="0">
-            <a:spAutoFit/>
-          </a:bodyPr>
-          <a:lstStyle/>
-          <a:p>
-            <a:pPr marL="342900" indent="-342900">
-              <a:buFontTx/>
-              <a:buChar char="-"/>
+          <a:p>
+            <a:pPr marL="914400" lvl="1" indent="-457200">
+              <a:lnSpc>
+                <a:spcPct val="200000"/>
+              </a:lnSpc>
+              <a:buFont typeface="Wingdings" panose="05000000000000000000" pitchFamily="2" charset="2"/>
+              <a:buChar char="ü"/>
             </a:pPr>
             <a:r>
-              <a:rPr lang="ko-KR" altLang="en-US" dirty="0">
-                <a:latin typeface="a가시고기L" panose="02020600000000000000" pitchFamily="18" charset="-127"/>
-                <a:ea typeface="a가시고기L" panose="02020600000000000000" pitchFamily="18" charset="-127"/>
-              </a:rPr>
-              <a:t>다수의 수영장 이용으로 인해 사고 </a:t>
-            </a:r>
-            <a:r>
-              <a:rPr lang="ko-KR" altLang="en-US" b="1" dirty="0">
-                <a:solidFill>
-                  <a:srgbClr val="FF0000"/>
-                </a:solidFill>
-                <a:latin typeface="a가시고기L" panose="02020600000000000000" pitchFamily="18" charset="-127"/>
-                <a:ea typeface="a가시고기L" panose="02020600000000000000" pitchFamily="18" charset="-127"/>
-              </a:rPr>
-              <a:t>식별 불가</a:t>
-            </a:r>
-            <a:endParaRPr lang="en-US" altLang="ko-KR" b="1" dirty="0">
-              <a:solidFill>
-                <a:srgbClr val="FF0000"/>
-              </a:solidFill>
+              <a:rPr lang="en-US" altLang="ko-KR" sz="2000" dirty="0">
+                <a:latin typeface="a가시고기L" panose="02020600000000000000" pitchFamily="18" charset="-127"/>
+                <a:ea typeface="a가시고기L" panose="02020600000000000000" pitchFamily="18" charset="-127"/>
+              </a:rPr>
+              <a:t>RSSI</a:t>
+            </a:r>
+            <a:r>
+              <a:rPr lang="ko-KR" altLang="en-US" sz="2000" dirty="0">
+                <a:latin typeface="a가시고기L" panose="02020600000000000000" pitchFamily="18" charset="-127"/>
+                <a:ea typeface="a가시고기L" panose="02020600000000000000" pitchFamily="18" charset="-127"/>
+              </a:rPr>
+              <a:t>를 기반으로 위치를 인식</a:t>
+            </a:r>
+            <a:endParaRPr lang="en-US" altLang="ko-KR" sz="2000" dirty="0">
               <a:latin typeface="a가시고기L" panose="02020600000000000000" pitchFamily="18" charset="-127"/>
               <a:ea typeface="a가시고기L" panose="02020600000000000000" pitchFamily="18" charset="-127"/>
             </a:endParaRPr>
           </a:p>
-        </p:txBody>
-      </p:sp>
-      <p:sp>
-        <p:nvSpPr>
-          <p:cNvPr id="14" name="TextBox 13">
-            <a:extLst>
-              <a:ext uri="{FF2B5EF4-FFF2-40B4-BE49-F238E27FC236}">
-                <a16:creationId xmlns:a16="http://schemas.microsoft.com/office/drawing/2014/main" id="{6EA8EC26-0706-4A2F-BF57-186F566E72F0}"/>
-              </a:ext>
-            </a:extLst>
-          </p:cNvPr>
-          <p:cNvSpPr txBox="1"/>
-          <p:nvPr/>
-        </p:nvSpPr>
-        <p:spPr>
-          <a:xfrm>
-            <a:off x="738092" y="3242400"/>
-            <a:ext cx="4721807" cy="369332"/>
-          </a:xfrm>
-          <a:prstGeom prst="rect">
-            <a:avLst/>
-          </a:prstGeom>
-          <a:noFill/>
-          <a:ln>
-            <a:noFill/>
-          </a:ln>
-        </p:spPr>
-        <p:txBody>
-          <a:bodyPr wrap="square" rtlCol="0">
-            <a:spAutoFit/>
-          </a:bodyPr>
-          <a:lstStyle/>
-          <a:p>
-            <a:pPr marL="342900" indent="-342900">
-              <a:buFontTx/>
-              <a:buChar char="-"/>
+          <a:p>
+            <a:pPr marL="914400" lvl="1" indent="-457200">
+              <a:lnSpc>
+                <a:spcPct val="200000"/>
+              </a:lnSpc>
+              <a:buFont typeface="Wingdings" panose="05000000000000000000" pitchFamily="2" charset="2"/>
+              <a:buChar char="ü"/>
             </a:pPr>
             <a:r>
-              <a:rPr lang="ko-KR" altLang="en-US" dirty="0">
-                <a:latin typeface="a가시고기L" panose="02020600000000000000" pitchFamily="18" charset="-127"/>
-                <a:ea typeface="a가시고기L" panose="02020600000000000000" pitchFamily="18" charset="-127"/>
-              </a:rPr>
-              <a:t>향후 </a:t>
-            </a:r>
-            <a:r>
-              <a:rPr lang="ko-KR" altLang="en-US" b="1" dirty="0">
-                <a:solidFill>
-                  <a:srgbClr val="FF0000"/>
-                </a:solidFill>
-                <a:latin typeface="a가시고기L" panose="02020600000000000000" pitchFamily="18" charset="-127"/>
-                <a:ea typeface="a가시고기L" panose="02020600000000000000" pitchFamily="18" charset="-127"/>
-              </a:rPr>
-              <a:t>안전 대책의 부재</a:t>
-            </a:r>
-            <a:endParaRPr lang="en-US" altLang="ko-KR" b="1" dirty="0">
-              <a:solidFill>
-                <a:srgbClr val="FF0000"/>
-              </a:solidFill>
+              <a:rPr lang="en-US" altLang="ko-KR" sz="2000" dirty="0">
+                <a:latin typeface="a가시고기L" panose="02020600000000000000" pitchFamily="18" charset="-127"/>
+                <a:ea typeface="a가시고기L" panose="02020600000000000000" pitchFamily="18" charset="-127"/>
+              </a:rPr>
+              <a:t>RSSI</a:t>
+            </a:r>
+            <a:r>
+              <a:rPr lang="ko-KR" altLang="en-US" sz="2000" dirty="0">
+                <a:latin typeface="a가시고기L" panose="02020600000000000000" pitchFamily="18" charset="-127"/>
+                <a:ea typeface="a가시고기L" panose="02020600000000000000" pitchFamily="18" charset="-127"/>
+              </a:rPr>
+              <a:t>는 외부환경의 간섭에 영향을 많이 받음</a:t>
+            </a:r>
+            <a:endParaRPr lang="en-US" altLang="ko-KR" sz="2000" dirty="0">
               <a:latin typeface="a가시고기L" panose="02020600000000000000" pitchFamily="18" charset="-127"/>
               <a:ea typeface="a가시고기L" panose="02020600000000000000" pitchFamily="18" charset="-127"/>
             </a:endParaRPr>
           </a:p>
-        </p:txBody>
-      </p:sp>
-      <p:pic>
-        <p:nvPicPr>
-          <p:cNvPr id="16" name="그림 15" descr="기사2번.png"/>
-          <p:cNvPicPr>
-            <a:picLocks noChangeAspect="1"/>
-          </p:cNvPicPr>
-          <p:nvPr/>
-        </p:nvPicPr>
-        <p:blipFill>
-          <a:blip r:embed="rId2"/>
-          <a:stretch>
-            <a:fillRect/>
-          </a:stretch>
-        </p:blipFill>
-        <p:spPr>
-          <a:xfrm>
-            <a:off x="5883966" y="3978593"/>
-            <a:ext cx="5920179" cy="2667372"/>
-          </a:xfrm>
-          <a:prstGeom prst="rect">
-            <a:avLst/>
-          </a:prstGeom>
-        </p:spPr>
-      </p:pic>
-      <p:sp>
-        <p:nvSpPr>
-          <p:cNvPr id="20" name="직사각형 19">
-            <a:extLst>
-              <a:ext uri="{FF2B5EF4-FFF2-40B4-BE49-F238E27FC236}">
-                <a16:creationId xmlns:a16="http://schemas.microsoft.com/office/drawing/2014/main" id="{6396FB31-1E03-4650-A730-1E5EF072CBA7}"/>
-              </a:ext>
-            </a:extLst>
-          </p:cNvPr>
-          <p:cNvSpPr/>
-          <p:nvPr/>
-        </p:nvSpPr>
-        <p:spPr>
-          <a:xfrm>
-            <a:off x="7017026" y="6042991"/>
-            <a:ext cx="1848678" cy="251792"/>
-          </a:xfrm>
-          <a:prstGeom prst="rect">
-            <a:avLst/>
-          </a:prstGeom>
-          <a:noFill/>
-          <a:ln w="28575">
-            <a:solidFill>
-              <a:srgbClr val="FF0000"/>
-            </a:solidFill>
-          </a:ln>
-        </p:spPr>
-        <p:style>
-          <a:lnRef idx="2">
-            <a:schemeClr val="accent1">
-              <a:shade val="50000"/>
-            </a:schemeClr>
-          </a:lnRef>
-          <a:fillRef idx="1">
-            <a:schemeClr val="accent1"/>
-          </a:fillRef>
-          <a:effectRef idx="0">
-            <a:schemeClr val="accent1"/>
-          </a:effectRef>
-          <a:fontRef idx="minor">
-            <a:schemeClr val="lt1"/>
-          </a:fontRef>
-        </p:style>
-        <p:txBody>
-          <a:bodyPr rtlCol="0" anchor="ctr"/>
-          <a:lstStyle/>
-          <a:p>
-            <a:pPr algn="ctr"/>
-            <a:endParaRPr lang="ko-KR" altLang="en-US"/>
-          </a:p>
-        </p:txBody>
-      </p:sp>
-      <p:pic>
-        <p:nvPicPr>
-          <p:cNvPr id="5" name="그림 4">
-            <a:extLst>
-              <a:ext uri="{FF2B5EF4-FFF2-40B4-BE49-F238E27FC236}">
-                <a16:creationId xmlns:a16="http://schemas.microsoft.com/office/drawing/2014/main" id="{A216BE99-8031-4141-A3AD-1C4F0BCFC1AA}"/>
-              </a:ext>
-            </a:extLst>
-          </p:cNvPr>
-          <p:cNvPicPr>
-            <a:picLocks noChangeAspect="1"/>
-          </p:cNvPicPr>
-          <p:nvPr/>
-        </p:nvPicPr>
-        <p:blipFill>
-          <a:blip r:embed="rId3">
-            <a:extLst>
-              <a:ext uri="{28A0092B-C50C-407E-A947-70E740481C1C}">
-                <a14:useLocalDpi xmlns:a14="http://schemas.microsoft.com/office/drawing/2010/main" val="0"/>
-              </a:ext>
-            </a:extLst>
-          </a:blip>
-          <a:stretch>
-            <a:fillRect/>
-          </a:stretch>
-        </p:blipFill>
-        <p:spPr>
-          <a:xfrm>
-            <a:off x="5883966" y="449885"/>
-            <a:ext cx="5928874" cy="3436918"/>
-          </a:xfrm>
-          <a:prstGeom prst="rect">
-            <a:avLst/>
-          </a:prstGeom>
-        </p:spPr>
-      </p:pic>
-      <p:sp>
-        <p:nvSpPr>
-          <p:cNvPr id="18" name="직사각형 17">
-            <a:extLst>
-              <a:ext uri="{FF2B5EF4-FFF2-40B4-BE49-F238E27FC236}">
-                <a16:creationId xmlns:a16="http://schemas.microsoft.com/office/drawing/2014/main" id="{6B42E5F0-199C-4959-9157-440D321EC28F}"/>
-              </a:ext>
-            </a:extLst>
-          </p:cNvPr>
-          <p:cNvSpPr/>
-          <p:nvPr/>
-        </p:nvSpPr>
-        <p:spPr>
-          <a:xfrm>
-            <a:off x="7213813" y="3039970"/>
-            <a:ext cx="3842533" cy="202430"/>
-          </a:xfrm>
-          <a:prstGeom prst="rect">
-            <a:avLst/>
-          </a:prstGeom>
-          <a:noFill/>
-          <a:ln w="28575">
-            <a:solidFill>
-              <a:srgbClr val="FF0000"/>
-            </a:solidFill>
-          </a:ln>
-        </p:spPr>
-        <p:style>
-          <a:lnRef idx="2">
-            <a:schemeClr val="accent1">
-              <a:shade val="50000"/>
-            </a:schemeClr>
-          </a:lnRef>
-          <a:fillRef idx="1">
-            <a:schemeClr val="accent1"/>
-          </a:fillRef>
-          <a:effectRef idx="0">
-            <a:schemeClr val="accent1"/>
-          </a:effectRef>
-          <a:fontRef idx="minor">
-            <a:schemeClr val="lt1"/>
-          </a:fontRef>
-        </p:style>
-        <p:txBody>
-          <a:bodyPr rtlCol="0" anchor="ctr"/>
-          <a:lstStyle/>
-          <a:p>
-            <a:pPr algn="ctr"/>
-            <a:endParaRPr lang="ko-KR" altLang="en-US"/>
+          <a:p>
+            <a:pPr marL="914400" lvl="1" indent="-457200">
+              <a:lnSpc>
+                <a:spcPct val="200000"/>
+              </a:lnSpc>
+              <a:buFont typeface="Wingdings" panose="05000000000000000000" pitchFamily="2" charset="2"/>
+              <a:buChar char="ü"/>
+            </a:pPr>
+            <a:r>
+              <a:rPr lang="en-US" altLang="ko-KR" sz="2000" dirty="0">
+                <a:latin typeface="a가시고기L" panose="02020600000000000000" pitchFamily="18" charset="-127"/>
+                <a:ea typeface="a가시고기L" panose="02020600000000000000" pitchFamily="18" charset="-127"/>
+              </a:rPr>
+              <a:t>UWB</a:t>
+            </a:r>
+            <a:r>
+              <a:rPr lang="ko-KR" altLang="en-US" sz="2000" dirty="0">
+                <a:latin typeface="a가시고기L" panose="02020600000000000000" pitchFamily="18" charset="-127"/>
+                <a:ea typeface="a가시고기L" panose="02020600000000000000" pitchFamily="18" charset="-127"/>
+              </a:rPr>
+              <a:t>통신을 이용해 외부환경의 간섭에 적은 영향을 받음</a:t>
+            </a:r>
+            <a:endParaRPr lang="en-US" altLang="ko-KR" sz="2000" dirty="0">
+              <a:latin typeface="a가시고기L" panose="02020600000000000000" pitchFamily="18" charset="-127"/>
+              <a:ea typeface="a가시고기L" panose="02020600000000000000" pitchFamily="18" charset="-127"/>
+            </a:endParaRPr>
+          </a:p>
+          <a:p>
+            <a:pPr marL="914400" lvl="1" indent="-457200">
+              <a:lnSpc>
+                <a:spcPct val="200000"/>
+              </a:lnSpc>
+              <a:buFont typeface="Wingdings" panose="05000000000000000000" pitchFamily="2" charset="2"/>
+              <a:buChar char="ü"/>
+            </a:pPr>
+            <a:r>
+              <a:rPr lang="ko-KR" altLang="en-US" sz="2000" dirty="0">
+                <a:latin typeface="a가시고기L" panose="02020600000000000000" pitchFamily="18" charset="-127"/>
+                <a:ea typeface="a가시고기L" panose="02020600000000000000" pitchFamily="18" charset="-127"/>
+              </a:rPr>
+              <a:t>삼각측량을 통해서 위치를 </a:t>
+            </a:r>
+            <a:r>
+              <a:rPr lang="ko-KR" altLang="en-US" sz="2000" dirty="0" err="1">
+                <a:latin typeface="a가시고기L" panose="02020600000000000000" pitchFamily="18" charset="-127"/>
+                <a:ea typeface="a가시고기L" panose="02020600000000000000" pitchFamily="18" charset="-127"/>
+              </a:rPr>
+              <a:t>측위</a:t>
+            </a:r>
+            <a:endParaRPr lang="en-US" altLang="ko-KR" sz="2000" dirty="0">
+              <a:latin typeface="a가시고기L" panose="02020600000000000000" pitchFamily="18" charset="-127"/>
+              <a:ea typeface="a가시고기L" panose="02020600000000000000" pitchFamily="18" charset="-127"/>
+            </a:endParaRPr>
+          </a:p>
+          <a:p>
+            <a:pPr marL="914400" lvl="1" indent="-457200">
+              <a:lnSpc>
+                <a:spcPct val="200000"/>
+              </a:lnSpc>
+              <a:buFont typeface="Wingdings" panose="05000000000000000000" pitchFamily="2" charset="2"/>
+              <a:buChar char="ü"/>
+            </a:pPr>
+            <a:r>
+              <a:rPr lang="ko-KR" altLang="en-US" sz="2000" dirty="0">
+                <a:latin typeface="a가시고기L" panose="02020600000000000000" pitchFamily="18" charset="-127"/>
+                <a:ea typeface="a가시고기L" panose="02020600000000000000" pitchFamily="18" charset="-127"/>
+              </a:rPr>
+              <a:t>위치를 </a:t>
+            </a:r>
+            <a:r>
+              <a:rPr lang="en-US" altLang="ko-KR" sz="2000" dirty="0">
+                <a:latin typeface="a가시고기L" panose="02020600000000000000" pitchFamily="18" charset="-127"/>
+                <a:ea typeface="a가시고기L" panose="02020600000000000000" pitchFamily="18" charset="-127"/>
+              </a:rPr>
+              <a:t>1M </a:t>
+            </a:r>
+            <a:r>
+              <a:rPr lang="ko-KR" altLang="en-US" sz="2000" dirty="0">
+                <a:latin typeface="a가시고기L" panose="02020600000000000000" pitchFamily="18" charset="-127"/>
+                <a:ea typeface="a가시고기L" panose="02020600000000000000" pitchFamily="18" charset="-127"/>
+              </a:rPr>
+              <a:t>단위로 나누고 </a:t>
+            </a:r>
+            <a:r>
+              <a:rPr lang="ko-KR" altLang="en-US" sz="2000" dirty="0" err="1">
+                <a:latin typeface="a가시고기L" panose="02020600000000000000" pitchFamily="18" charset="-127"/>
+                <a:ea typeface="a가시고기L" panose="02020600000000000000" pitchFamily="18" charset="-127"/>
+              </a:rPr>
+              <a:t>핑거프린팅</a:t>
+            </a:r>
+            <a:r>
+              <a:rPr lang="ko-KR" altLang="en-US" sz="2000" dirty="0">
+                <a:latin typeface="a가시고기L" panose="02020600000000000000" pitchFamily="18" charset="-127"/>
+                <a:ea typeface="a가시고기L" panose="02020600000000000000" pitchFamily="18" charset="-127"/>
+              </a:rPr>
+              <a:t> 방법을 사용</a:t>
+            </a:r>
+            <a:endParaRPr lang="en-US" altLang="ko-KR" sz="2000" dirty="0">
+              <a:latin typeface="a가시고기L" panose="02020600000000000000" pitchFamily="18" charset="-127"/>
+              <a:ea typeface="a가시고기L" panose="02020600000000000000" pitchFamily="18" charset="-127"/>
+            </a:endParaRPr>
+          </a:p>
+          <a:p>
+            <a:pPr marL="914400" lvl="1" indent="-457200">
+              <a:lnSpc>
+                <a:spcPct val="200000"/>
+              </a:lnSpc>
+              <a:buFont typeface="Wingdings" panose="05000000000000000000" pitchFamily="2" charset="2"/>
+              <a:buChar char="ü"/>
+            </a:pPr>
+            <a:r>
+              <a:rPr lang="ko-KR" altLang="en-US" sz="2000" dirty="0">
+                <a:latin typeface="a가시고기L" panose="02020600000000000000" pitchFamily="18" charset="-127"/>
+                <a:ea typeface="a가시고기L" panose="02020600000000000000" pitchFamily="18" charset="-127"/>
+              </a:rPr>
+              <a:t>신호를 받아 위치를 매핑</a:t>
+            </a:r>
+            <a:endParaRPr lang="en-US" altLang="ko-KR" sz="2000" dirty="0">
+              <a:latin typeface="a가시고기L" panose="02020600000000000000" pitchFamily="18" charset="-127"/>
+              <a:ea typeface="a가시고기L" panose="02020600000000000000" pitchFamily="18" charset="-127"/>
+            </a:endParaRPr>
+          </a:p>
+          <a:p>
+            <a:pPr marL="914400" lvl="1" indent="-457200">
+              <a:lnSpc>
+                <a:spcPct val="200000"/>
+              </a:lnSpc>
+              <a:buFont typeface="Wingdings" panose="05000000000000000000" pitchFamily="2" charset="2"/>
+              <a:buChar char="ü"/>
+            </a:pPr>
+            <a:endParaRPr lang="ko-KR" altLang="en-US" sz="2000" dirty="0">
+              <a:latin typeface="a가시고기L" panose="02020600000000000000" pitchFamily="18" charset="-127"/>
+              <a:ea typeface="a가시고기L" panose="02020600000000000000" pitchFamily="18" charset="-127"/>
+            </a:endParaRPr>
           </a:p>
         </p:txBody>
       </p:sp>
     </p:spTree>
     <p:extLst>
       <p:ext uri="{BB962C8B-B14F-4D97-AF65-F5344CB8AC3E}">
-        <p14:creationId xmlns:p14="http://schemas.microsoft.com/office/powerpoint/2010/main" val="388362383"/>
+        <p14:creationId xmlns:p14="http://schemas.microsoft.com/office/powerpoint/2010/main" val="974694822"/>
       </p:ext>
     </p:extLst>
   </p:cSld>
@@ -10853,7 +12667,7 @@
         </p:nvSpPr>
         <p:spPr>
           <a:xfrm>
-            <a:off x="325765" y="1499723"/>
+            <a:off x="325763" y="1504249"/>
             <a:ext cx="3201689" cy="461665"/>
           </a:xfrm>
           <a:prstGeom prst="rect">
@@ -10879,17 +12693,17 @@
                 <a:latin typeface="a가시고기L" panose="02020600000000000000" pitchFamily="18" charset="-127"/>
                 <a:ea typeface="a가시고기L" panose="02020600000000000000" pitchFamily="18" charset="-127"/>
               </a:rPr>
-              <a:t>수영장 사고</a:t>
-            </a:r>
-          </a:p>
-        </p:txBody>
-      </p:sp>
-      <p:sp>
-        <p:nvSpPr>
-          <p:cNvPr id="16" name="TextBox 15">
-            <a:extLst>
-              <a:ext uri="{FF2B5EF4-FFF2-40B4-BE49-F238E27FC236}">
-                <a16:creationId xmlns:a16="http://schemas.microsoft.com/office/drawing/2014/main" id="{88749EAF-93C7-45BC-8C30-51C0C8267959}"/>
+              <a:t>연구 개발 배경</a:t>
+            </a:r>
+          </a:p>
+        </p:txBody>
+      </p:sp>
+      <p:sp>
+        <p:nvSpPr>
+          <p:cNvPr id="10" name="TextBox 9">
+            <a:extLst>
+              <a:ext uri="{FF2B5EF4-FFF2-40B4-BE49-F238E27FC236}">
+                <a16:creationId xmlns:a16="http://schemas.microsoft.com/office/drawing/2014/main" id="{A4EAB103-CFA4-475A-B22E-DBFC277B626D}"/>
               </a:ext>
             </a:extLst>
           </p:cNvPr>
@@ -10898,8 +12712,8 @@
         </p:nvSpPr>
         <p:spPr>
           <a:xfrm>
-            <a:off x="768885" y="2137169"/>
-            <a:ext cx="4697353" cy="1290353"/>
+            <a:off x="738092" y="2168344"/>
+            <a:ext cx="4920590" cy="369332"/>
           </a:xfrm>
           <a:prstGeom prst="rect">
             <a:avLst/>
@@ -10916,25 +12730,15 @@
           <a:lstStyle/>
           <a:p>
             <a:pPr marL="342900" indent="-342900">
-              <a:lnSpc>
-                <a:spcPct val="150000"/>
-              </a:lnSpc>
               <a:buFontTx/>
               <a:buChar char="-"/>
             </a:pPr>
             <a:r>
-              <a:rPr lang="en-US" altLang="ko-KR" dirty="0">
-                <a:latin typeface="a가시고기L" panose="02020600000000000000" pitchFamily="18" charset="-127"/>
-                <a:ea typeface="a가시고기L" panose="02020600000000000000" pitchFamily="18" charset="-127"/>
-              </a:rPr>
-              <a:t>OECD</a:t>
-            </a:r>
-            <a:r>
               <a:rPr lang="ko-KR" altLang="en-US" dirty="0">
                 <a:latin typeface="a가시고기L" panose="02020600000000000000" pitchFamily="18" charset="-127"/>
                 <a:ea typeface="a가시고기L" panose="02020600000000000000" pitchFamily="18" charset="-127"/>
               </a:rPr>
-              <a:t> 국가중 </a:t>
+              <a:t>안전요원의 사각 지역으로 </a:t>
             </a:r>
             <a:r>
               <a:rPr lang="ko-KR" altLang="en-US" b="1" dirty="0">
@@ -10944,59 +12748,136 @@
                 <a:latin typeface="a가시고기L" panose="02020600000000000000" pitchFamily="18" charset="-127"/>
                 <a:ea typeface="a가시고기L" panose="02020600000000000000" pitchFamily="18" charset="-127"/>
               </a:rPr>
-              <a:t>가장 높은 사망률</a:t>
-            </a:r>
-            <a:r>
-              <a:rPr lang="ko-KR" altLang="en-US" dirty="0">
-                <a:latin typeface="a가시고기L" panose="02020600000000000000" pitchFamily="18" charset="-127"/>
-                <a:ea typeface="a가시고기L" panose="02020600000000000000" pitchFamily="18" charset="-127"/>
-              </a:rPr>
-              <a:t>을</a:t>
-            </a:r>
-            <a:endParaRPr lang="en-US" altLang="ko-KR" dirty="0">
+              <a:t>인명사고 발생</a:t>
+            </a:r>
+            <a:endParaRPr lang="en-US" altLang="ko-KR" b="1" dirty="0">
+              <a:solidFill>
+                <a:srgbClr val="FF0000"/>
+              </a:solidFill>
               <a:latin typeface="a가시고기L" panose="02020600000000000000" pitchFamily="18" charset="-127"/>
               <a:ea typeface="a가시고기L" panose="02020600000000000000" pitchFamily="18" charset="-127"/>
             </a:endParaRPr>
           </a:p>
-          <a:p>
-            <a:pPr>
-              <a:lnSpc>
-                <a:spcPct val="150000"/>
-              </a:lnSpc>
+        </p:txBody>
+      </p:sp>
+      <p:sp>
+        <p:nvSpPr>
+          <p:cNvPr id="11" name="TextBox 10">
+            <a:extLst>
+              <a:ext uri="{FF2B5EF4-FFF2-40B4-BE49-F238E27FC236}">
+                <a16:creationId xmlns:a16="http://schemas.microsoft.com/office/drawing/2014/main" id="{FCAA4D02-73C0-4419-BC43-F6D54E45876A}"/>
+              </a:ext>
+            </a:extLst>
+          </p:cNvPr>
+          <p:cNvSpPr txBox="1"/>
+          <p:nvPr/>
+        </p:nvSpPr>
+        <p:spPr>
+          <a:xfrm>
+            <a:off x="738092" y="2670638"/>
+            <a:ext cx="5172381" cy="369332"/>
+          </a:xfrm>
+          <a:prstGeom prst="rect">
+            <a:avLst/>
+          </a:prstGeom>
+          <a:noFill/>
+          <a:ln>
+            <a:noFill/>
+          </a:ln>
+        </p:spPr>
+        <p:txBody>
+          <a:bodyPr wrap="square" rtlCol="0">
+            <a:spAutoFit/>
+          </a:bodyPr>
+          <a:lstStyle/>
+          <a:p>
+            <a:pPr marL="342900" indent="-342900">
+              <a:buFontTx/>
+              <a:buChar char="-"/>
             </a:pPr>
             <a:r>
               <a:rPr lang="ko-KR" altLang="en-US" dirty="0">
                 <a:latin typeface="a가시고기L" panose="02020600000000000000" pitchFamily="18" charset="-127"/>
                 <a:ea typeface="a가시고기L" panose="02020600000000000000" pitchFamily="18" charset="-127"/>
               </a:rPr>
-              <a:t>    기록하고 있음</a:t>
-            </a:r>
-            <a:endParaRPr lang="en-US" altLang="ko-KR" dirty="0">
+              <a:t>다수의 수영장 이용으로 인해 사고 </a:t>
+            </a:r>
+            <a:r>
+              <a:rPr lang="ko-KR" altLang="en-US" b="1" dirty="0">
+                <a:solidFill>
+                  <a:srgbClr val="FF0000"/>
+                </a:solidFill>
+                <a:latin typeface="a가시고기L" panose="02020600000000000000" pitchFamily="18" charset="-127"/>
+                <a:ea typeface="a가시고기L" panose="02020600000000000000" pitchFamily="18" charset="-127"/>
+              </a:rPr>
+              <a:t>식별 불가</a:t>
+            </a:r>
+            <a:endParaRPr lang="en-US" altLang="ko-KR" b="1" dirty="0">
+              <a:solidFill>
+                <a:srgbClr val="FF0000"/>
+              </a:solidFill>
               <a:latin typeface="a가시고기L" panose="02020600000000000000" pitchFamily="18" charset="-127"/>
               <a:ea typeface="a가시고기L" panose="02020600000000000000" pitchFamily="18" charset="-127"/>
             </a:endParaRPr>
           </a:p>
-          <a:p>
-            <a:pPr>
-              <a:lnSpc>
-                <a:spcPct val="150000"/>
-              </a:lnSpc>
+        </p:txBody>
+      </p:sp>
+      <p:sp>
+        <p:nvSpPr>
+          <p:cNvPr id="14" name="TextBox 13">
+            <a:extLst>
+              <a:ext uri="{FF2B5EF4-FFF2-40B4-BE49-F238E27FC236}">
+                <a16:creationId xmlns:a16="http://schemas.microsoft.com/office/drawing/2014/main" id="{6EA8EC26-0706-4A2F-BF57-186F566E72F0}"/>
+              </a:ext>
+            </a:extLst>
+          </p:cNvPr>
+          <p:cNvSpPr txBox="1"/>
+          <p:nvPr/>
+        </p:nvSpPr>
+        <p:spPr>
+          <a:xfrm>
+            <a:off x="738092" y="3242400"/>
+            <a:ext cx="4721807" cy="369332"/>
+          </a:xfrm>
+          <a:prstGeom prst="rect">
+            <a:avLst/>
+          </a:prstGeom>
+          <a:noFill/>
+          <a:ln>
+            <a:noFill/>
+          </a:ln>
+        </p:spPr>
+        <p:txBody>
+          <a:bodyPr wrap="square" rtlCol="0">
+            <a:spAutoFit/>
+          </a:bodyPr>
+          <a:lstStyle/>
+          <a:p>
+            <a:pPr marL="342900" indent="-342900">
+              <a:buFontTx/>
+              <a:buChar char="-"/>
             </a:pPr>
             <a:r>
-              <a:rPr lang="en-US" altLang="ko-KR" dirty="0">
-                <a:latin typeface="a가시고기L" panose="02020600000000000000" pitchFamily="18" charset="-127"/>
-                <a:ea typeface="a가시고기L" panose="02020600000000000000" pitchFamily="18" charset="-127"/>
-              </a:rPr>
-              <a:t>-   </a:t>
-            </a:r>
-            <a:r>
               <a:rPr lang="ko-KR" altLang="en-US" dirty="0">
                 <a:latin typeface="a가시고기L" panose="02020600000000000000" pitchFamily="18" charset="-127"/>
                 <a:ea typeface="a가시고기L" panose="02020600000000000000" pitchFamily="18" charset="-127"/>
               </a:rPr>
-              <a:t>적절한 인원수가 배치되지 않고 있음</a:t>
-            </a:r>
-            <a:endParaRPr lang="en-US" altLang="ko-KR" dirty="0">
+              <a:t>향후 </a:t>
+            </a:r>
+            <a:r>
+              <a:rPr lang="ko-KR" altLang="en-US" b="1" dirty="0">
+                <a:solidFill>
+                  <a:srgbClr val="FF0000"/>
+                </a:solidFill>
+                <a:latin typeface="a가시고기L" panose="02020600000000000000" pitchFamily="18" charset="-127"/>
+                <a:ea typeface="a가시고기L" panose="02020600000000000000" pitchFamily="18" charset="-127"/>
+              </a:rPr>
+              <a:t>안전 대책의 부재</a:t>
+            </a:r>
+            <a:endParaRPr lang="en-US" altLang="ko-KR" b="1" dirty="0">
+              <a:solidFill>
+                <a:srgbClr val="FF0000"/>
+              </a:solidFill>
               <a:latin typeface="a가시고기L" panose="02020600000000000000" pitchFamily="18" charset="-127"/>
               <a:ea typeface="a가시고기L" panose="02020600000000000000" pitchFamily="18" charset="-127"/>
             </a:endParaRPr>
@@ -11005,13 +12886,7 @@
       </p:sp>
       <p:pic>
         <p:nvPicPr>
-          <p:cNvPr id="2" name="그림 1">
-            <a:extLst>
-              <a:ext uri="{FF2B5EF4-FFF2-40B4-BE49-F238E27FC236}">
-                <a16:creationId xmlns:a16="http://schemas.microsoft.com/office/drawing/2014/main" id="{EAD9961A-8FBF-4833-AEDB-1E3D9065CDEB}"/>
-              </a:ext>
-            </a:extLst>
-          </p:cNvPr>
+          <p:cNvPr id="16" name="그림 15" descr="기사2번.png"/>
           <p:cNvPicPr>
             <a:picLocks noChangeAspect="1"/>
           </p:cNvPicPr>
@@ -11025,18 +12900,194 @@
         </p:blipFill>
         <p:spPr>
           <a:xfrm>
-            <a:off x="4635668" y="955784"/>
-            <a:ext cx="7372350" cy="4943475"/>
+            <a:off x="5883966" y="3978593"/>
+            <a:ext cx="5920179" cy="2667372"/>
           </a:xfrm>
           <a:prstGeom prst="rect">
             <a:avLst/>
           </a:prstGeom>
         </p:spPr>
       </p:pic>
+      <p:sp>
+        <p:nvSpPr>
+          <p:cNvPr id="20" name="직사각형 19">
+            <a:extLst>
+              <a:ext uri="{FF2B5EF4-FFF2-40B4-BE49-F238E27FC236}">
+                <a16:creationId xmlns:a16="http://schemas.microsoft.com/office/drawing/2014/main" id="{6396FB31-1E03-4650-A730-1E5EF072CBA7}"/>
+              </a:ext>
+            </a:extLst>
+          </p:cNvPr>
+          <p:cNvSpPr/>
+          <p:nvPr/>
+        </p:nvSpPr>
+        <p:spPr>
+          <a:xfrm>
+            <a:off x="7017026" y="6042991"/>
+            <a:ext cx="1848678" cy="251792"/>
+          </a:xfrm>
+          <a:prstGeom prst="rect">
+            <a:avLst/>
+          </a:prstGeom>
+          <a:noFill/>
+          <a:ln w="28575">
+            <a:solidFill>
+              <a:srgbClr val="FF0000"/>
+            </a:solidFill>
+          </a:ln>
+        </p:spPr>
+        <p:style>
+          <a:lnRef idx="2">
+            <a:schemeClr val="accent1">
+              <a:shade val="50000"/>
+            </a:schemeClr>
+          </a:lnRef>
+          <a:fillRef idx="1">
+            <a:schemeClr val="accent1"/>
+          </a:fillRef>
+          <a:effectRef idx="0">
+            <a:schemeClr val="accent1"/>
+          </a:effectRef>
+          <a:fontRef idx="minor">
+            <a:schemeClr val="lt1"/>
+          </a:fontRef>
+        </p:style>
+        <p:txBody>
+          <a:bodyPr rtlCol="0" anchor="ctr"/>
+          <a:lstStyle/>
+          <a:p>
+            <a:pPr algn="ctr"/>
+            <a:endParaRPr lang="ko-KR" altLang="en-US">
+              <a:latin typeface="a가시고기L" panose="02020600000000000000" pitchFamily="18" charset="-127"/>
+              <a:ea typeface="a가시고기L" panose="02020600000000000000" pitchFamily="18" charset="-127"/>
+            </a:endParaRPr>
+          </a:p>
+        </p:txBody>
+      </p:sp>
+      <p:pic>
+        <p:nvPicPr>
+          <p:cNvPr id="5" name="그림 4">
+            <a:extLst>
+              <a:ext uri="{FF2B5EF4-FFF2-40B4-BE49-F238E27FC236}">
+                <a16:creationId xmlns:a16="http://schemas.microsoft.com/office/drawing/2014/main" id="{A216BE99-8031-4141-A3AD-1C4F0BCFC1AA}"/>
+              </a:ext>
+            </a:extLst>
+          </p:cNvPr>
+          <p:cNvPicPr>
+            <a:picLocks noChangeAspect="1"/>
+          </p:cNvPicPr>
+          <p:nvPr/>
+        </p:nvPicPr>
+        <p:blipFill>
+          <a:blip r:embed="rId3">
+            <a:extLst>
+              <a:ext uri="{28A0092B-C50C-407E-A947-70E740481C1C}">
+                <a14:useLocalDpi xmlns:a14="http://schemas.microsoft.com/office/drawing/2010/main" val="0"/>
+              </a:ext>
+            </a:extLst>
+          </a:blip>
+          <a:stretch>
+            <a:fillRect/>
+          </a:stretch>
+        </p:blipFill>
+        <p:spPr>
+          <a:xfrm>
+            <a:off x="5883966" y="449885"/>
+            <a:ext cx="5928874" cy="3436918"/>
+          </a:xfrm>
+          <a:prstGeom prst="rect">
+            <a:avLst/>
+          </a:prstGeom>
+        </p:spPr>
+      </p:pic>
+      <p:sp>
+        <p:nvSpPr>
+          <p:cNvPr id="18" name="직사각형 17">
+            <a:extLst>
+              <a:ext uri="{FF2B5EF4-FFF2-40B4-BE49-F238E27FC236}">
+                <a16:creationId xmlns:a16="http://schemas.microsoft.com/office/drawing/2014/main" id="{6B42E5F0-199C-4959-9157-440D321EC28F}"/>
+              </a:ext>
+            </a:extLst>
+          </p:cNvPr>
+          <p:cNvSpPr/>
+          <p:nvPr/>
+        </p:nvSpPr>
+        <p:spPr>
+          <a:xfrm>
+            <a:off x="7213813" y="3039970"/>
+            <a:ext cx="3842533" cy="202430"/>
+          </a:xfrm>
+          <a:prstGeom prst="rect">
+            <a:avLst/>
+          </a:prstGeom>
+          <a:noFill/>
+          <a:ln w="28575">
+            <a:solidFill>
+              <a:srgbClr val="FF0000"/>
+            </a:solidFill>
+          </a:ln>
+        </p:spPr>
+        <p:style>
+          <a:lnRef idx="2">
+            <a:schemeClr val="accent1">
+              <a:shade val="50000"/>
+            </a:schemeClr>
+          </a:lnRef>
+          <a:fillRef idx="1">
+            <a:schemeClr val="accent1"/>
+          </a:fillRef>
+          <a:effectRef idx="0">
+            <a:schemeClr val="accent1"/>
+          </a:effectRef>
+          <a:fontRef idx="minor">
+            <a:schemeClr val="lt1"/>
+          </a:fontRef>
+        </p:style>
+        <p:txBody>
+          <a:bodyPr rtlCol="0" anchor="ctr"/>
+          <a:lstStyle/>
+          <a:p>
+            <a:pPr algn="ctr"/>
+            <a:endParaRPr lang="ko-KR" altLang="en-US">
+              <a:latin typeface="a가시고기L" panose="02020600000000000000" pitchFamily="18" charset="-127"/>
+              <a:ea typeface="a가시고기L" panose="02020600000000000000" pitchFamily="18" charset="-127"/>
+            </a:endParaRPr>
+          </a:p>
+        </p:txBody>
+      </p:sp>
+      <p:sp>
+        <p:nvSpPr>
+          <p:cNvPr id="2" name="슬라이드 번호 개체 틀 1">
+            <a:extLst>
+              <a:ext uri="{FF2B5EF4-FFF2-40B4-BE49-F238E27FC236}">
+                <a16:creationId xmlns:a16="http://schemas.microsoft.com/office/drawing/2014/main" id="{0E8D9A04-C3E2-4EAB-B9C9-473299DE8DE8}"/>
+              </a:ext>
+            </a:extLst>
+          </p:cNvPr>
+          <p:cNvSpPr>
+            <a:spLocks noGrp="1"/>
+          </p:cNvSpPr>
+          <p:nvPr>
+            <p:ph type="sldNum" sz="quarter" idx="12"/>
+          </p:nvPr>
+        </p:nvSpPr>
+        <p:spPr/>
+        <p:txBody>
+          <a:bodyPr/>
+          <a:lstStyle/>
+          <a:p>
+            <a:fld id="{9E3BAC05-F6BA-4953-A19F-91E61AE236E7}" type="slidenum">
+              <a:rPr lang="ko-KR" altLang="en-US" smtClean="0"/>
+              <a:pPr/>
+              <a:t>4</a:t>
+            </a:fld>
+            <a:endParaRPr lang="ko-KR" altLang="en-US"/>
+          </a:p>
+        </p:txBody>
+      </p:sp>
     </p:spTree>
     <p:extLst>
       <p:ext uri="{BB962C8B-B14F-4D97-AF65-F5344CB8AC3E}">
-        <p14:creationId xmlns:p14="http://schemas.microsoft.com/office/powerpoint/2010/main" val="799879475"/>
+        <p14:creationId xmlns:p14="http://schemas.microsoft.com/office/powerpoint/2010/main" val="388362383"/>
       </p:ext>
     </p:extLst>
   </p:cSld>
@@ -11160,6 +13211,9 @@
           <a:p>
             <a:pPr algn="ctr"/>
             <a:endParaRPr lang="ko-KR" altLang="en-US">
+              <a:solidFill>
+                <a:schemeClr val="tx1"/>
+              </a:solidFill>
               <a:latin typeface="a가시고기L" panose="02020600000000000000" pitchFamily="18" charset="-127"/>
               <a:ea typeface="a가시고기L" panose="02020600000000000000" pitchFamily="18" charset="-127"/>
             </a:endParaRPr>
@@ -11168,10 +13222,10 @@
       </p:sp>
       <p:sp>
         <p:nvSpPr>
-          <p:cNvPr id="14" name="TextBox 13">
-            <a:extLst>
-              <a:ext uri="{FF2B5EF4-FFF2-40B4-BE49-F238E27FC236}">
-                <a16:creationId xmlns:a16="http://schemas.microsoft.com/office/drawing/2014/main" id="{5C500C6A-9BE6-4B43-8B47-A5A8DA382C4B}"/>
+          <p:cNvPr id="9" name="TextBox 8">
+            <a:extLst>
+              <a:ext uri="{FF2B5EF4-FFF2-40B4-BE49-F238E27FC236}">
+                <a16:creationId xmlns:a16="http://schemas.microsoft.com/office/drawing/2014/main" id="{DE9C0DC2-FFFB-44C1-B352-28D4A78AF636}"/>
               </a:ext>
             </a:extLst>
           </p:cNvPr>
@@ -11180,8 +13234,8 @@
         </p:nvSpPr>
         <p:spPr>
           <a:xfrm>
-            <a:off x="1011214" y="1298310"/>
-            <a:ext cx="4832538" cy="584775"/>
+            <a:off x="325765" y="1499723"/>
+            <a:ext cx="3201689" cy="461665"/>
           </a:xfrm>
           <a:prstGeom prst="rect">
             <a:avLst/>
@@ -11202,34 +13256,21 @@
               <a:buChar char="l"/>
             </a:pPr>
             <a:r>
-              <a:rPr lang="ko-KR" altLang="en-US" sz="3200" dirty="0">
-                <a:solidFill>
-                  <a:schemeClr val="tx1">
-                    <a:lumMod val="75000"/>
-                    <a:lumOff val="25000"/>
-                  </a:schemeClr>
-                </a:solidFill>
-                <a:latin typeface="a가시고기L" panose="02020600000000000000" pitchFamily="18" charset="-127"/>
-                <a:ea typeface="a가시고기L" panose="02020600000000000000" pitchFamily="18" charset="-127"/>
-              </a:rPr>
-              <a:t>연구 개발 </a:t>
-            </a:r>
-            <a:r>
-              <a:rPr lang="ko-KR" altLang="en-US" sz="3200" dirty="0">
-                <a:latin typeface="a가시고기L" panose="02020600000000000000" pitchFamily="18" charset="-127"/>
-                <a:ea typeface="a가시고기L" panose="02020600000000000000" pitchFamily="18" charset="-127"/>
-              </a:rPr>
-              <a:t>목표</a:t>
-            </a:r>
-          </a:p>
-        </p:txBody>
-      </p:sp>
-      <p:sp>
-        <p:nvSpPr>
-          <p:cNvPr id="10" name="TextBox 9">
-            <a:extLst>
-              <a:ext uri="{FF2B5EF4-FFF2-40B4-BE49-F238E27FC236}">
-                <a16:creationId xmlns:a16="http://schemas.microsoft.com/office/drawing/2014/main" id="{42520AE3-BD24-45A2-BCA0-07A9410E28C5}"/>
+              <a:rPr lang="ko-KR" altLang="en-US" sz="2400" dirty="0">
+                <a:latin typeface="a가시고기L" panose="02020600000000000000" pitchFamily="18" charset="-127"/>
+                <a:ea typeface="a가시고기L" panose="02020600000000000000" pitchFamily="18" charset="-127"/>
+              </a:rPr>
+              <a:t>수영장 사고</a:t>
+            </a:r>
+          </a:p>
+        </p:txBody>
+      </p:sp>
+      <p:sp>
+        <p:nvSpPr>
+          <p:cNvPr id="16" name="TextBox 15">
+            <a:extLst>
+              <a:ext uri="{FF2B5EF4-FFF2-40B4-BE49-F238E27FC236}">
+                <a16:creationId xmlns:a16="http://schemas.microsoft.com/office/drawing/2014/main" id="{88749EAF-93C7-45BC-8C30-51C0C8267959}"/>
               </a:ext>
             </a:extLst>
           </p:cNvPr>
@@ -11238,8 +13279,8 @@
         </p:nvSpPr>
         <p:spPr>
           <a:xfrm>
-            <a:off x="1639950" y="2177801"/>
-            <a:ext cx="8912100" cy="461665"/>
+            <a:off x="768885" y="2137169"/>
+            <a:ext cx="4697353" cy="1338828"/>
           </a:xfrm>
           <a:prstGeom prst="rect">
             <a:avLst/>
@@ -11256,134 +13297,99 @@
           <a:lstStyle/>
           <a:p>
             <a:pPr marL="342900" indent="-342900">
+              <a:lnSpc>
+                <a:spcPct val="150000"/>
+              </a:lnSpc>
               <a:buFontTx/>
               <a:buChar char="-"/>
             </a:pPr>
             <a:r>
-              <a:rPr lang="ko-KR" altLang="en-US" sz="2400" dirty="0">
-                <a:latin typeface="a가시고기L" panose="02020600000000000000" pitchFamily="18" charset="-127"/>
-                <a:ea typeface="a가시고기L" panose="02020600000000000000" pitchFamily="18" charset="-127"/>
-              </a:rPr>
-              <a:t>사용자</a:t>
-            </a:r>
-            <a:r>
-              <a:rPr lang="en-US" altLang="ko-KR" sz="2400" dirty="0">
-                <a:latin typeface="a가시고기L" panose="02020600000000000000" pitchFamily="18" charset="-127"/>
-                <a:ea typeface="a가시고기L" panose="02020600000000000000" pitchFamily="18" charset="-127"/>
-              </a:rPr>
-              <a:t>(</a:t>
-            </a:r>
-            <a:r>
-              <a:rPr lang="ko-KR" altLang="en-US" sz="2400" dirty="0">
-                <a:latin typeface="a가시고기L" panose="02020600000000000000" pitchFamily="18" charset="-127"/>
-                <a:ea typeface="a가시고기L" panose="02020600000000000000" pitchFamily="18" charset="-127"/>
-              </a:rPr>
-              <a:t>유아</a:t>
-            </a:r>
-            <a:r>
-              <a:rPr lang="en-US" altLang="ko-KR" sz="2400" dirty="0">
-                <a:latin typeface="a가시고기L" panose="02020600000000000000" pitchFamily="18" charset="-127"/>
-                <a:ea typeface="a가시고기L" panose="02020600000000000000" pitchFamily="18" charset="-127"/>
-              </a:rPr>
-              <a:t>)</a:t>
-            </a:r>
-            <a:r>
-              <a:rPr lang="ko-KR" altLang="en-US" sz="2400" dirty="0">
-                <a:latin typeface="a가시고기L" panose="02020600000000000000" pitchFamily="18" charset="-127"/>
-                <a:ea typeface="a가시고기L" panose="02020600000000000000" pitchFamily="18" charset="-127"/>
-              </a:rPr>
-              <a:t>가</a:t>
-            </a:r>
-            <a:r>
-              <a:rPr lang="en-US" altLang="ko-KR" sz="2400" dirty="0">
-                <a:latin typeface="a가시고기L" panose="02020600000000000000" pitchFamily="18" charset="-127"/>
-                <a:ea typeface="a가시고기L" panose="02020600000000000000" pitchFamily="18" charset="-127"/>
-              </a:rPr>
-              <a:t> </a:t>
-            </a:r>
-            <a:r>
-              <a:rPr lang="ko-KR" altLang="en-US" sz="2400" dirty="0">
-                <a:latin typeface="a가시고기L" panose="02020600000000000000" pitchFamily="18" charset="-127"/>
-                <a:ea typeface="a가시고기L" panose="02020600000000000000" pitchFamily="18" charset="-127"/>
-              </a:rPr>
-              <a:t>착용하기 쉬운 </a:t>
-            </a:r>
-            <a:r>
-              <a:rPr lang="en-US" altLang="ko-KR" sz="2400" dirty="0">
-                <a:latin typeface="a가시고기L" panose="02020600000000000000" pitchFamily="18" charset="-127"/>
-                <a:ea typeface="a가시고기L" panose="02020600000000000000" pitchFamily="18" charset="-127"/>
-              </a:rPr>
-              <a:t>Band </a:t>
-            </a:r>
-            <a:r>
-              <a:rPr lang="ko-KR" altLang="en-US" sz="2400" dirty="0">
-                <a:latin typeface="a가시고기L" panose="02020600000000000000" pitchFamily="18" charset="-127"/>
-                <a:ea typeface="a가시고기L" panose="02020600000000000000" pitchFamily="18" charset="-127"/>
-              </a:rPr>
-              <a:t>형태를 제공</a:t>
-            </a:r>
-            <a:endParaRPr lang="en-US" altLang="ko-KR" sz="2400" dirty="0">
+              <a:rPr lang="en-US" altLang="ko-KR" dirty="0">
+                <a:latin typeface="a가시고기L" panose="02020600000000000000" pitchFamily="18" charset="-127"/>
+                <a:ea typeface="a가시고기L" panose="02020600000000000000" pitchFamily="18" charset="-127"/>
+              </a:rPr>
+              <a:t>OECD</a:t>
+            </a:r>
+            <a:r>
+              <a:rPr lang="ko-KR" altLang="en-US" dirty="0">
+                <a:latin typeface="a가시고기L" panose="02020600000000000000" pitchFamily="18" charset="-127"/>
+                <a:ea typeface="a가시고기L" panose="02020600000000000000" pitchFamily="18" charset="-127"/>
+              </a:rPr>
+              <a:t> 국가중 </a:t>
+            </a:r>
+            <a:r>
+              <a:rPr lang="ko-KR" altLang="en-US" b="1" dirty="0">
+                <a:solidFill>
+                  <a:srgbClr val="FF0000"/>
+                </a:solidFill>
+                <a:latin typeface="a가시고기L" panose="02020600000000000000" pitchFamily="18" charset="-127"/>
+                <a:ea typeface="a가시고기L" panose="02020600000000000000" pitchFamily="18" charset="-127"/>
+              </a:rPr>
+              <a:t>가장 높은 사망률</a:t>
+            </a:r>
+            <a:r>
+              <a:rPr lang="ko-KR" altLang="en-US" dirty="0">
+                <a:latin typeface="a가시고기L" panose="02020600000000000000" pitchFamily="18" charset="-127"/>
+                <a:ea typeface="a가시고기L" panose="02020600000000000000" pitchFamily="18" charset="-127"/>
+              </a:rPr>
+              <a:t>을</a:t>
+            </a:r>
+            <a:endParaRPr lang="en-US" altLang="ko-KR" dirty="0">
               <a:latin typeface="a가시고기L" panose="02020600000000000000" pitchFamily="18" charset="-127"/>
               <a:ea typeface="a가시고기L" panose="02020600000000000000" pitchFamily="18" charset="-127"/>
             </a:endParaRPr>
           </a:p>
-        </p:txBody>
-      </p:sp>
-      <p:sp>
-        <p:nvSpPr>
-          <p:cNvPr id="11" name="TextBox 10">
-            <a:extLst>
-              <a:ext uri="{FF2B5EF4-FFF2-40B4-BE49-F238E27FC236}">
-                <a16:creationId xmlns:a16="http://schemas.microsoft.com/office/drawing/2014/main" id="{32FFA82E-B845-4D40-93EA-AB261E7FDBAE}"/>
-              </a:ext>
-            </a:extLst>
-          </p:cNvPr>
-          <p:cNvSpPr txBox="1"/>
-          <p:nvPr/>
-        </p:nvSpPr>
-        <p:spPr>
-          <a:xfrm>
-            <a:off x="1639950" y="2939658"/>
-            <a:ext cx="9518380" cy="461665"/>
-          </a:xfrm>
-          <a:prstGeom prst="rect">
-            <a:avLst/>
-          </a:prstGeom>
-          <a:noFill/>
-          <a:ln>
-            <a:noFill/>
-          </a:ln>
-        </p:spPr>
-        <p:txBody>
-          <a:bodyPr wrap="square" rtlCol="0">
-            <a:spAutoFit/>
-          </a:bodyPr>
-          <a:lstStyle/>
-          <a:p>
-            <a:pPr marL="342900" indent="-342900">
-              <a:buFontTx/>
-              <a:buChar char="-"/>
+          <a:p>
+            <a:pPr>
+              <a:lnSpc>
+                <a:spcPct val="150000"/>
+              </a:lnSpc>
             </a:pPr>
             <a:r>
-              <a:rPr lang="ko-KR" altLang="en-US" sz="2400" dirty="0">
-                <a:latin typeface="a가시고기L" panose="02020600000000000000" pitchFamily="18" charset="-127"/>
-                <a:ea typeface="a가시고기L" panose="02020600000000000000" pitchFamily="18" charset="-127"/>
-              </a:rPr>
-              <a:t>안전요원의 근무태만으로 인명사고 발생 시 즉각적인 대응 유도</a:t>
-            </a:r>
-            <a:endParaRPr lang="en-US" altLang="ko-KR" sz="2400" dirty="0">
+              <a:rPr lang="ko-KR" altLang="en-US" dirty="0">
+                <a:latin typeface="a가시고기L" panose="02020600000000000000" pitchFamily="18" charset="-127"/>
+                <a:ea typeface="a가시고기L" panose="02020600000000000000" pitchFamily="18" charset="-127"/>
+              </a:rPr>
+              <a:t>    기록하고 있음</a:t>
+            </a:r>
+            <a:endParaRPr lang="en-US" altLang="ko-KR" dirty="0">
               <a:latin typeface="a가시고기L" panose="02020600000000000000" pitchFamily="18" charset="-127"/>
               <a:ea typeface="a가시고기L" panose="02020600000000000000" pitchFamily="18" charset="-127"/>
             </a:endParaRPr>
           </a:p>
+          <a:p>
+            <a:pPr>
+              <a:lnSpc>
+                <a:spcPct val="150000"/>
+              </a:lnSpc>
+            </a:pPr>
+            <a:r>
+              <a:rPr lang="en-US" altLang="ko-KR" dirty="0">
+                <a:latin typeface="a가시고기L" panose="02020600000000000000" pitchFamily="18" charset="-127"/>
+                <a:ea typeface="a가시고기L" panose="02020600000000000000" pitchFamily="18" charset="-127"/>
+              </a:rPr>
+              <a:t>-   </a:t>
+            </a:r>
+            <a:r>
+              <a:rPr lang="ko-KR" altLang="en-US" dirty="0">
+                <a:latin typeface="a가시고기L" panose="02020600000000000000" pitchFamily="18" charset="-127"/>
+                <a:ea typeface="a가시고기L" panose="02020600000000000000" pitchFamily="18" charset="-127"/>
+              </a:rPr>
+              <a:t>적절한 인원수가 배치되지 않고 있음</a:t>
+            </a:r>
+            <a:endParaRPr lang="en-US" altLang="ko-KR" dirty="0">
+              <a:latin typeface="a가시고기L" panose="02020600000000000000" pitchFamily="18" charset="-127"/>
+              <a:ea typeface="a가시고기L" panose="02020600000000000000" pitchFamily="18" charset="-127"/>
+            </a:endParaRPr>
+          </a:p>
         </p:txBody>
       </p:sp>
       <p:pic>
         <p:nvPicPr>
-          <p:cNvPr id="12" name="그림 11">
-            <a:extLst>
-              <a:ext uri="{FF2B5EF4-FFF2-40B4-BE49-F238E27FC236}">
-                <a16:creationId xmlns:a16="http://schemas.microsoft.com/office/drawing/2014/main" id="{20275681-2A1A-4982-8ABB-3D9E0C0E54E2}"/>
+          <p:cNvPr id="2" name="그림 1">
+            <a:extLst>
+              <a:ext uri="{FF2B5EF4-FFF2-40B4-BE49-F238E27FC236}">
+                <a16:creationId xmlns:a16="http://schemas.microsoft.com/office/drawing/2014/main" id="{EAD9961A-8FBF-4833-AEDB-1E3D9065CDEB}"/>
               </a:ext>
             </a:extLst>
           </p:cNvPr>
@@ -11393,31 +13399,55 @@
           <p:nvPr/>
         </p:nvPicPr>
         <p:blipFill>
-          <a:blip r:embed="rId2">
-            <a:extLst>
-              <a:ext uri="{28A0092B-C50C-407E-A947-70E740481C1C}">
-                <a14:useLocalDpi xmlns:a14="http://schemas.microsoft.com/office/drawing/2010/main" val="0"/>
-              </a:ext>
-            </a:extLst>
-          </a:blip>
+          <a:blip r:embed="rId2"/>
           <a:stretch>
             <a:fillRect/>
           </a:stretch>
         </p:blipFill>
         <p:spPr>
           <a:xfrm>
-            <a:off x="3322990" y="3701515"/>
-            <a:ext cx="5546020" cy="3043084"/>
+            <a:off x="4635668" y="955784"/>
+            <a:ext cx="7372350" cy="4943475"/>
           </a:xfrm>
           <a:prstGeom prst="rect">
             <a:avLst/>
           </a:prstGeom>
         </p:spPr>
       </p:pic>
+      <p:sp>
+        <p:nvSpPr>
+          <p:cNvPr id="3" name="슬라이드 번호 개체 틀 2">
+            <a:extLst>
+              <a:ext uri="{FF2B5EF4-FFF2-40B4-BE49-F238E27FC236}">
+                <a16:creationId xmlns:a16="http://schemas.microsoft.com/office/drawing/2014/main" id="{8647187E-F2CE-43A8-8AD9-8C59C4AC9A53}"/>
+              </a:ext>
+            </a:extLst>
+          </p:cNvPr>
+          <p:cNvSpPr>
+            <a:spLocks noGrp="1"/>
+          </p:cNvSpPr>
+          <p:nvPr>
+            <p:ph type="sldNum" sz="quarter" idx="12"/>
+          </p:nvPr>
+        </p:nvSpPr>
+        <p:spPr/>
+        <p:txBody>
+          <a:bodyPr/>
+          <a:lstStyle/>
+          <a:p>
+            <a:fld id="{9E3BAC05-F6BA-4953-A19F-91E61AE236E7}" type="slidenum">
+              <a:rPr lang="ko-KR" altLang="en-US" smtClean="0"/>
+              <a:pPr/>
+              <a:t>5</a:t>
+            </a:fld>
+            <a:endParaRPr lang="ko-KR" altLang="en-US"/>
+          </a:p>
+        </p:txBody>
+      </p:sp>
     </p:spTree>
     <p:extLst>
       <p:ext uri="{BB962C8B-B14F-4D97-AF65-F5344CB8AC3E}">
-        <p14:creationId xmlns:p14="http://schemas.microsoft.com/office/powerpoint/2010/main" val="1062469094"/>
+        <p14:creationId xmlns:p14="http://schemas.microsoft.com/office/powerpoint/2010/main" val="799879475"/>
       </p:ext>
     </p:extLst>
   </p:cSld>
@@ -11549,10 +13579,10 @@
       </p:sp>
       <p:sp>
         <p:nvSpPr>
-          <p:cNvPr id="21" name="TextBox 20">
-            <a:extLst>
-              <a:ext uri="{FF2B5EF4-FFF2-40B4-BE49-F238E27FC236}">
-                <a16:creationId xmlns:a16="http://schemas.microsoft.com/office/drawing/2014/main" id="{A8972AAC-A7CA-44EB-89DE-8BD6D45B7619}"/>
+          <p:cNvPr id="14" name="TextBox 13">
+            <a:extLst>
+              <a:ext uri="{FF2B5EF4-FFF2-40B4-BE49-F238E27FC236}">
+                <a16:creationId xmlns:a16="http://schemas.microsoft.com/office/drawing/2014/main" id="{5C500C6A-9BE6-4B43-8B47-A5A8DA382C4B}"/>
               </a:ext>
             </a:extLst>
           </p:cNvPr>
@@ -11561,8 +13591,8 @@
         </p:nvSpPr>
         <p:spPr>
           <a:xfrm>
-            <a:off x="1002337" y="1292834"/>
-            <a:ext cx="5093663" cy="584775"/>
+            <a:off x="1011214" y="1298310"/>
+            <a:ext cx="4832538" cy="584775"/>
           </a:xfrm>
           <a:prstGeom prst="rect">
             <a:avLst/>
@@ -11600,17 +13630,17 @@
                 <a:latin typeface="a가시고기L" panose="02020600000000000000" pitchFamily="18" charset="-127"/>
                 <a:ea typeface="a가시고기L" panose="02020600000000000000" pitchFamily="18" charset="-127"/>
               </a:rPr>
-              <a:t>효과</a:t>
-            </a:r>
-          </a:p>
-        </p:txBody>
-      </p:sp>
-      <p:sp>
-        <p:nvSpPr>
-          <p:cNvPr id="28" name="TextBox 27">
-            <a:extLst>
-              <a:ext uri="{FF2B5EF4-FFF2-40B4-BE49-F238E27FC236}">
-                <a16:creationId xmlns:a16="http://schemas.microsoft.com/office/drawing/2014/main" id="{0FC67F69-B7C2-4663-AD88-E90860B6BD65}"/>
+              <a:t>목표</a:t>
+            </a:r>
+          </a:p>
+        </p:txBody>
+      </p:sp>
+      <p:sp>
+        <p:nvSpPr>
+          <p:cNvPr id="10" name="TextBox 9">
+            <a:extLst>
+              <a:ext uri="{FF2B5EF4-FFF2-40B4-BE49-F238E27FC236}">
+                <a16:creationId xmlns:a16="http://schemas.microsoft.com/office/drawing/2014/main" id="{42520AE3-BD24-45A2-BCA0-07A9410E28C5}"/>
               </a:ext>
             </a:extLst>
           </p:cNvPr>
@@ -11642,44 +13672,68 @@
             </a:pPr>
             <a:r>
               <a:rPr lang="ko-KR" altLang="en-US" sz="2400" dirty="0">
-                <a:solidFill>
-                  <a:schemeClr val="tx1">
-                    <a:lumMod val="75000"/>
-                    <a:lumOff val="25000"/>
-                  </a:schemeClr>
-                </a:solidFill>
-                <a:latin typeface="a가시고기L" panose="02020600000000000000" pitchFamily="18" charset="-127"/>
-                <a:ea typeface="a가시고기L" panose="02020600000000000000" pitchFamily="18" charset="-127"/>
-              </a:rPr>
-              <a:t>유아들에게 더 </a:t>
-            </a:r>
-            <a:r>
-              <a:rPr lang="ko-KR" altLang="en-US" sz="2400" b="1" dirty="0">
-                <a:solidFill>
-                  <a:srgbClr val="FF0000"/>
-                </a:solidFill>
-                <a:latin typeface="a가시고기L" panose="02020600000000000000" pitchFamily="18" charset="-127"/>
-                <a:ea typeface="a가시고기L" panose="02020600000000000000" pitchFamily="18" charset="-127"/>
-              </a:rPr>
-              <a:t>안전한</a:t>
+                <a:latin typeface="a가시고기L" panose="02020600000000000000" pitchFamily="18" charset="-127"/>
+                <a:ea typeface="a가시고기L" panose="02020600000000000000" pitchFamily="18" charset="-127"/>
+              </a:rPr>
+              <a:t>사용자</a:t>
+            </a:r>
+            <a:r>
+              <a:rPr lang="en-US" altLang="ko-KR" sz="2400" dirty="0">
+                <a:latin typeface="a가시고기L" panose="02020600000000000000" pitchFamily="18" charset="-127"/>
+                <a:ea typeface="a가시고기L" panose="02020600000000000000" pitchFamily="18" charset="-127"/>
+              </a:rPr>
+              <a:t>(</a:t>
             </a:r>
             <a:r>
               <a:rPr lang="ko-KR" altLang="en-US" sz="2400" dirty="0">
-                <a:solidFill>
-                  <a:schemeClr val="tx1">
-                    <a:lumMod val="75000"/>
-                    <a:lumOff val="25000"/>
-                  </a:schemeClr>
-                </a:solidFill>
-                <a:latin typeface="a가시고기L" panose="02020600000000000000" pitchFamily="18" charset="-127"/>
-                <a:ea typeface="a가시고기L" panose="02020600000000000000" pitchFamily="18" charset="-127"/>
-              </a:rPr>
-              <a:t> 수영장 환경 제공</a:t>
+                <a:latin typeface="a가시고기L" panose="02020600000000000000" pitchFamily="18" charset="-127"/>
+                <a:ea typeface="a가시고기L" panose="02020600000000000000" pitchFamily="18" charset="-127"/>
+              </a:rPr>
+              <a:t>유아</a:t>
+            </a:r>
+            <a:r>
+              <a:rPr lang="en-US" altLang="ko-KR" sz="2400" dirty="0">
+                <a:latin typeface="a가시고기L" panose="02020600000000000000" pitchFamily="18" charset="-127"/>
+                <a:ea typeface="a가시고기L" panose="02020600000000000000" pitchFamily="18" charset="-127"/>
+              </a:rPr>
+              <a:t>)</a:t>
+            </a:r>
+            <a:r>
+              <a:rPr lang="ko-KR" altLang="en-US" sz="2400" dirty="0">
+                <a:latin typeface="a가시고기L" panose="02020600000000000000" pitchFamily="18" charset="-127"/>
+                <a:ea typeface="a가시고기L" panose="02020600000000000000" pitchFamily="18" charset="-127"/>
+              </a:rPr>
+              <a:t>가</a:t>
+            </a:r>
+            <a:r>
+              <a:rPr lang="en-US" altLang="ko-KR" sz="2400" dirty="0">
+                <a:latin typeface="a가시고기L" panose="02020600000000000000" pitchFamily="18" charset="-127"/>
+                <a:ea typeface="a가시고기L" panose="02020600000000000000" pitchFamily="18" charset="-127"/>
+              </a:rPr>
+              <a:t> </a:t>
+            </a:r>
+            <a:r>
+              <a:rPr lang="ko-KR" altLang="en-US" sz="2400" dirty="0">
+                <a:latin typeface="a가시고기L" panose="02020600000000000000" pitchFamily="18" charset="-127"/>
+                <a:ea typeface="a가시고기L" panose="02020600000000000000" pitchFamily="18" charset="-127"/>
+              </a:rPr>
+              <a:t>착용하기 쉬운 </a:t>
+            </a:r>
+            <a:r>
+              <a:rPr lang="en-US" altLang="ko-KR" sz="2400" dirty="0">
+                <a:latin typeface="a가시고기L" panose="02020600000000000000" pitchFamily="18" charset="-127"/>
+                <a:ea typeface="a가시고기L" panose="02020600000000000000" pitchFamily="18" charset="-127"/>
+              </a:rPr>
+              <a:t>Band </a:t>
+            </a:r>
+            <a:r>
+              <a:rPr lang="ko-KR" altLang="en-US" sz="2400" dirty="0">
+                <a:latin typeface="a가시고기L" panose="02020600000000000000" pitchFamily="18" charset="-127"/>
+                <a:ea typeface="a가시고기L" panose="02020600000000000000" pitchFamily="18" charset="-127"/>
+              </a:rPr>
+              <a:t>형태를 제공</a:t>
             </a:r>
             <a:endParaRPr lang="en-US" altLang="ko-KR" sz="2400" dirty="0">
-              <a:solidFill>
-                <a:srgbClr val="FF0000"/>
-              </a:solidFill>
               <a:latin typeface="a가시고기L" panose="02020600000000000000" pitchFamily="18" charset="-127"/>
               <a:ea typeface="a가시고기L" panose="02020600000000000000" pitchFamily="18" charset="-127"/>
             </a:endParaRPr>
@@ -11688,10 +13742,10 @@
       </p:sp>
       <p:sp>
         <p:nvSpPr>
-          <p:cNvPr id="16" name="TextBox 15">
-            <a:extLst>
-              <a:ext uri="{FF2B5EF4-FFF2-40B4-BE49-F238E27FC236}">
-                <a16:creationId xmlns:a16="http://schemas.microsoft.com/office/drawing/2014/main" id="{846E99F5-B0CA-4C1B-B868-11B47CE403DD}"/>
+          <p:cNvPr id="11" name="TextBox 10">
+            <a:extLst>
+              <a:ext uri="{FF2B5EF4-FFF2-40B4-BE49-F238E27FC236}">
+                <a16:creationId xmlns:a16="http://schemas.microsoft.com/office/drawing/2014/main" id="{32FFA82E-B845-4D40-93EA-AB261E7FDBAE}"/>
               </a:ext>
             </a:extLst>
           </p:cNvPr>
@@ -11701,7 +13755,7 @@
         <p:spPr>
           <a:xfrm>
             <a:off x="1639950" y="2939658"/>
-            <a:ext cx="8912100" cy="461665"/>
+            <a:ext cx="9518380" cy="461665"/>
           </a:xfrm>
           <a:prstGeom prst="rect">
             <a:avLst/>
@@ -11723,136 +13777,88 @@
             </a:pPr>
             <a:r>
               <a:rPr lang="ko-KR" altLang="en-US" sz="2400" dirty="0">
-                <a:solidFill>
-                  <a:schemeClr val="tx1">
-                    <a:lumMod val="75000"/>
-                    <a:lumOff val="25000"/>
-                  </a:schemeClr>
-                </a:solidFill>
-                <a:latin typeface="a가시고기L" panose="02020600000000000000" pitchFamily="18" charset="-127"/>
-                <a:ea typeface="a가시고기L" panose="02020600000000000000" pitchFamily="18" charset="-127"/>
-              </a:rPr>
-              <a:t>안전요원들의 </a:t>
-            </a:r>
-            <a:r>
-              <a:rPr lang="ko-KR" altLang="en-US" sz="2400" b="1" dirty="0">
-                <a:solidFill>
-                  <a:srgbClr val="FF0000"/>
-                </a:solidFill>
-                <a:latin typeface="a가시고기L" panose="02020600000000000000" pitchFamily="18" charset="-127"/>
-                <a:ea typeface="a가시고기L" panose="02020600000000000000" pitchFamily="18" charset="-127"/>
-              </a:rPr>
-              <a:t>원활한</a:t>
-            </a:r>
-            <a:r>
-              <a:rPr lang="ko-KR" altLang="en-US" sz="2400" dirty="0">
-                <a:solidFill>
-                  <a:schemeClr val="tx1">
-                    <a:lumMod val="75000"/>
-                    <a:lumOff val="25000"/>
-                  </a:schemeClr>
-                </a:solidFill>
-                <a:latin typeface="a가시고기L" panose="02020600000000000000" pitchFamily="18" charset="-127"/>
-                <a:ea typeface="a가시고기L" panose="02020600000000000000" pitchFamily="18" charset="-127"/>
-              </a:rPr>
-              <a:t> 구조활동 지원</a:t>
+                <a:latin typeface="a가시고기L" panose="02020600000000000000" pitchFamily="18" charset="-127"/>
+                <a:ea typeface="a가시고기L" panose="02020600000000000000" pitchFamily="18" charset="-127"/>
+              </a:rPr>
+              <a:t>안전요원의 근무태만으로 인명사고 발생 시 즉각적인 대응 유도</a:t>
             </a:r>
             <a:endParaRPr lang="en-US" altLang="ko-KR" sz="2400" dirty="0">
-              <a:solidFill>
-                <a:srgbClr val="FF0000"/>
-              </a:solidFill>
               <a:latin typeface="a가시고기L" panose="02020600000000000000" pitchFamily="18" charset="-127"/>
               <a:ea typeface="a가시고기L" panose="02020600000000000000" pitchFamily="18" charset="-127"/>
             </a:endParaRPr>
           </a:p>
         </p:txBody>
       </p:sp>
-      <p:sp>
-        <p:nvSpPr>
-          <p:cNvPr id="18" name="TextBox 17">
-            <a:extLst>
-              <a:ext uri="{FF2B5EF4-FFF2-40B4-BE49-F238E27FC236}">
-                <a16:creationId xmlns:a16="http://schemas.microsoft.com/office/drawing/2014/main" id="{0A14C626-4573-4F7F-969C-E9C36CE53E39}"/>
-              </a:ext>
-            </a:extLst>
-          </p:cNvPr>
-          <p:cNvSpPr txBox="1"/>
+      <p:pic>
+        <p:nvPicPr>
+          <p:cNvPr id="12" name="그림 11">
+            <a:extLst>
+              <a:ext uri="{FF2B5EF4-FFF2-40B4-BE49-F238E27FC236}">
+                <a16:creationId xmlns:a16="http://schemas.microsoft.com/office/drawing/2014/main" id="{20275681-2A1A-4982-8ABB-3D9E0C0E54E2}"/>
+              </a:ext>
+            </a:extLst>
+          </p:cNvPr>
+          <p:cNvPicPr>
+            <a:picLocks noChangeAspect="1"/>
+          </p:cNvPicPr>
           <p:nvPr/>
-        </p:nvSpPr>
+        </p:nvPicPr>
+        <p:blipFill>
+          <a:blip r:embed="rId2">
+            <a:extLst>
+              <a:ext uri="{28A0092B-C50C-407E-A947-70E740481C1C}">
+                <a14:useLocalDpi xmlns:a14="http://schemas.microsoft.com/office/drawing/2010/main" val="0"/>
+              </a:ext>
+            </a:extLst>
+          </a:blip>
+          <a:stretch>
+            <a:fillRect/>
+          </a:stretch>
+        </p:blipFill>
         <p:spPr>
           <a:xfrm>
-            <a:off x="1639950" y="3701515"/>
-            <a:ext cx="8912100" cy="461665"/>
+            <a:off x="3322990" y="3701515"/>
+            <a:ext cx="5546020" cy="3043084"/>
           </a:xfrm>
           <a:prstGeom prst="rect">
             <a:avLst/>
           </a:prstGeom>
-          <a:noFill/>
-          <a:ln>
-            <a:noFill/>
-          </a:ln>
         </p:spPr>
-        <p:txBody>
-          <a:bodyPr wrap="square" rtlCol="0">
-            <a:spAutoFit/>
-          </a:bodyPr>
-          <a:lstStyle/>
-          <a:p>
-            <a:pPr marL="342900" indent="-342900">
-              <a:buFontTx/>
-              <a:buChar char="-"/>
-            </a:pPr>
-            <a:r>
-              <a:rPr lang="ko-KR" altLang="en-US" sz="2400" dirty="0">
-                <a:latin typeface="a가시고기L" panose="02020600000000000000" pitchFamily="18" charset="-127"/>
-                <a:ea typeface="a가시고기L" panose="02020600000000000000" pitchFamily="18" charset="-127"/>
-              </a:rPr>
-              <a:t>수영장의 안전 시설 및 방침에 대한 부모들의 </a:t>
-            </a:r>
-            <a:r>
-              <a:rPr lang="ko-KR" altLang="en-US" sz="2400" b="1" dirty="0">
-                <a:solidFill>
-                  <a:srgbClr val="FF0000"/>
-                </a:solidFill>
-                <a:latin typeface="a가시고기L" panose="02020600000000000000" pitchFamily="18" charset="-127"/>
-                <a:ea typeface="a가시고기L" panose="02020600000000000000" pitchFamily="18" charset="-127"/>
-              </a:rPr>
-              <a:t>신뢰성</a:t>
-            </a:r>
-            <a:r>
-              <a:rPr lang="ko-KR" altLang="en-US" sz="2400" dirty="0">
-                <a:solidFill>
-                  <a:srgbClr val="FF0000"/>
-                </a:solidFill>
-                <a:latin typeface="a가시고기L" panose="02020600000000000000" pitchFamily="18" charset="-127"/>
-                <a:ea typeface="a가시고기L" panose="02020600000000000000" pitchFamily="18" charset="-127"/>
-              </a:rPr>
-              <a:t> </a:t>
-            </a:r>
-            <a:r>
-              <a:rPr lang="ko-KR" altLang="en-US" sz="2400" b="1" dirty="0">
-                <a:solidFill>
-                  <a:srgbClr val="FF0000"/>
-                </a:solidFill>
-                <a:latin typeface="a가시고기L" panose="02020600000000000000" pitchFamily="18" charset="-127"/>
-                <a:ea typeface="a가시고기L" panose="02020600000000000000" pitchFamily="18" charset="-127"/>
-              </a:rPr>
-              <a:t>증가</a:t>
-            </a:r>
-            <a:endParaRPr lang="en-US" altLang="ko-KR" sz="2400" b="1" dirty="0">
-              <a:solidFill>
-                <a:srgbClr val="FF0000"/>
-              </a:solidFill>
-              <a:latin typeface="a가시고기L" panose="02020600000000000000" pitchFamily="18" charset="-127"/>
-              <a:ea typeface="a가시고기L" panose="02020600000000000000" pitchFamily="18" charset="-127"/>
-            </a:endParaRPr>
+      </p:pic>
+      <p:sp>
+        <p:nvSpPr>
+          <p:cNvPr id="2" name="슬라이드 번호 개체 틀 1">
+            <a:extLst>
+              <a:ext uri="{FF2B5EF4-FFF2-40B4-BE49-F238E27FC236}">
+                <a16:creationId xmlns:a16="http://schemas.microsoft.com/office/drawing/2014/main" id="{EEAFA071-12B2-46CA-96E3-C870550ADB28}"/>
+              </a:ext>
+            </a:extLst>
+          </p:cNvPr>
+          <p:cNvSpPr>
+            <a:spLocks noGrp="1"/>
+          </p:cNvSpPr>
+          <p:nvPr>
+            <p:ph type="sldNum" sz="quarter" idx="12"/>
+          </p:nvPr>
+        </p:nvSpPr>
+        <p:spPr/>
+        <p:txBody>
+          <a:bodyPr/>
+          <a:lstStyle/>
+          <a:p>
+            <a:fld id="{9E3BAC05-F6BA-4953-A19F-91E61AE236E7}" type="slidenum">
+              <a:rPr lang="ko-KR" altLang="en-US" smtClean="0"/>
+              <a:pPr/>
+              <a:t>6</a:t>
+            </a:fld>
+            <a:endParaRPr lang="ko-KR" altLang="en-US"/>
           </a:p>
         </p:txBody>
       </p:sp>
     </p:spTree>
     <p:extLst>
       <p:ext uri="{BB962C8B-B14F-4D97-AF65-F5344CB8AC3E}">
-        <p14:creationId xmlns:p14="http://schemas.microsoft.com/office/powerpoint/2010/main" val="2976072533"/>
+        <p14:creationId xmlns:p14="http://schemas.microsoft.com/office/powerpoint/2010/main" val="1062469094"/>
       </p:ext>
     </p:extLst>
   </p:cSld>
@@ -11892,7 +13898,7 @@
           <p:cNvPr id="13" name="TextBox 12">
             <a:extLst>
               <a:ext uri="{FF2B5EF4-FFF2-40B4-BE49-F238E27FC236}">
-                <a16:creationId xmlns:a16="http://schemas.microsoft.com/office/drawing/2014/main" id="{028E2D01-160A-411E-ABE7-0E5E782E538F}"/>
+                <a16:creationId xmlns:a16="http://schemas.microsoft.com/office/drawing/2014/main" id="{4AF365FC-A95D-4751-BB1E-970B017D368D}"/>
               </a:ext>
             </a:extLst>
           </p:cNvPr>
@@ -11901,8 +13907,8 @@
         </p:nvSpPr>
         <p:spPr>
           <a:xfrm>
-            <a:off x="537798" y="284755"/>
-            <a:ext cx="5312496" cy="719585"/>
+            <a:off x="556847" y="284756"/>
+            <a:ext cx="3647180" cy="707886"/>
           </a:xfrm>
           <a:prstGeom prst="rect">
             <a:avLst/>
@@ -11920,17 +13926,17 @@
                 <a:latin typeface="a가시고기B" panose="02020600000000000000" pitchFamily="18" charset="-127"/>
                 <a:ea typeface="a가시고기B" panose="02020600000000000000" pitchFamily="18" charset="-127"/>
               </a:rPr>
-              <a:t>시스템 수행 시나리오</a:t>
-            </a:r>
-          </a:p>
-        </p:txBody>
-      </p:sp>
-      <p:sp>
-        <p:nvSpPr>
-          <p:cNvPr id="18" name="직사각형 17">
-            <a:extLst>
-              <a:ext uri="{FF2B5EF4-FFF2-40B4-BE49-F238E27FC236}">
-                <a16:creationId xmlns:a16="http://schemas.microsoft.com/office/drawing/2014/main" id="{D7A2D4C2-7D2C-4241-9C26-4821AB67AD74}"/>
+              <a:t>졸업 연구 개요</a:t>
+            </a:r>
+          </a:p>
+        </p:txBody>
+      </p:sp>
+      <p:sp>
+        <p:nvSpPr>
+          <p:cNvPr id="15" name="직사각형 14">
+            <a:extLst>
+              <a:ext uri="{FF2B5EF4-FFF2-40B4-BE49-F238E27FC236}">
+                <a16:creationId xmlns:a16="http://schemas.microsoft.com/office/drawing/2014/main" id="{E6CCA1D3-965F-4061-A068-E41E804E1253}"/>
               </a:ext>
             </a:extLst>
           </p:cNvPr>
@@ -11982,46 +13988,342 @@
           </a:p>
         </p:txBody>
       </p:sp>
-      <p:pic>
-        <p:nvPicPr>
-          <p:cNvPr id="19" name="그림 18">
-            <a:extLst>
-              <a:ext uri="{FF2B5EF4-FFF2-40B4-BE49-F238E27FC236}">
-                <a16:creationId xmlns:a16="http://schemas.microsoft.com/office/drawing/2014/main" id="{1A54B48F-814D-4402-A08A-1E7AEF4A484A}"/>
-              </a:ext>
-            </a:extLst>
-          </p:cNvPr>
-          <p:cNvPicPr>
-            <a:picLocks noChangeAspect="1"/>
-          </p:cNvPicPr>
+      <p:sp>
+        <p:nvSpPr>
+          <p:cNvPr id="21" name="TextBox 20">
+            <a:extLst>
+              <a:ext uri="{FF2B5EF4-FFF2-40B4-BE49-F238E27FC236}">
+                <a16:creationId xmlns:a16="http://schemas.microsoft.com/office/drawing/2014/main" id="{A8972AAC-A7CA-44EB-89DE-8BD6D45B7619}"/>
+              </a:ext>
+            </a:extLst>
+          </p:cNvPr>
+          <p:cNvSpPr txBox="1"/>
           <p:nvPr/>
-        </p:nvPicPr>
-        <p:blipFill>
-          <a:blip r:embed="rId3">
-            <a:extLst>
-              <a:ext uri="{28A0092B-C50C-407E-A947-70E740481C1C}">
-                <a14:useLocalDpi xmlns:a14="http://schemas.microsoft.com/office/drawing/2010/main" val="0"/>
-              </a:ext>
-            </a:extLst>
-          </a:blip>
-          <a:stretch>
-            <a:fillRect/>
-          </a:stretch>
-        </p:blipFill>
+        </p:nvSpPr>
         <p:spPr>
           <a:xfrm>
-            <a:off x="1489635" y="1004340"/>
-            <a:ext cx="9212729" cy="5568905"/>
+            <a:off x="1002337" y="1292834"/>
+            <a:ext cx="5093663" cy="584775"/>
           </a:xfrm>
           <a:prstGeom prst="rect">
             <a:avLst/>
           </a:prstGeom>
+          <a:noFill/>
+          <a:ln>
+            <a:noFill/>
+          </a:ln>
         </p:spPr>
-      </p:pic>
+        <p:txBody>
+          <a:bodyPr wrap="square" rtlCol="0">
+            <a:spAutoFit/>
+          </a:bodyPr>
+          <a:lstStyle/>
+          <a:p>
+            <a:pPr marL="457200" indent="-457200">
+              <a:buFont typeface="Wingdings" panose="05000000000000000000" pitchFamily="2" charset="2"/>
+              <a:buChar char="l"/>
+            </a:pPr>
+            <a:r>
+              <a:rPr lang="ko-KR" altLang="en-US" sz="3200" dirty="0">
+                <a:solidFill>
+                  <a:schemeClr val="tx1">
+                    <a:lumMod val="75000"/>
+                    <a:lumOff val="25000"/>
+                  </a:schemeClr>
+                </a:solidFill>
+                <a:latin typeface="a가시고기L" panose="02020600000000000000" pitchFamily="18" charset="-127"/>
+                <a:ea typeface="a가시고기L" panose="02020600000000000000" pitchFamily="18" charset="-127"/>
+              </a:rPr>
+              <a:t>연구 개발 </a:t>
+            </a:r>
+            <a:r>
+              <a:rPr lang="ko-KR" altLang="en-US" sz="3200" dirty="0">
+                <a:latin typeface="a가시고기L" panose="02020600000000000000" pitchFamily="18" charset="-127"/>
+                <a:ea typeface="a가시고기L" panose="02020600000000000000" pitchFamily="18" charset="-127"/>
+              </a:rPr>
+              <a:t>효과</a:t>
+            </a:r>
+          </a:p>
+        </p:txBody>
+      </p:sp>
+      <p:sp>
+        <p:nvSpPr>
+          <p:cNvPr id="28" name="TextBox 27">
+            <a:extLst>
+              <a:ext uri="{FF2B5EF4-FFF2-40B4-BE49-F238E27FC236}">
+                <a16:creationId xmlns:a16="http://schemas.microsoft.com/office/drawing/2014/main" id="{0FC67F69-B7C2-4663-AD88-E90860B6BD65}"/>
+              </a:ext>
+            </a:extLst>
+          </p:cNvPr>
+          <p:cNvSpPr txBox="1"/>
+          <p:nvPr/>
+        </p:nvSpPr>
+        <p:spPr>
+          <a:xfrm>
+            <a:off x="1639950" y="2177801"/>
+            <a:ext cx="8912100" cy="461665"/>
+          </a:xfrm>
+          <a:prstGeom prst="rect">
+            <a:avLst/>
+          </a:prstGeom>
+          <a:noFill/>
+          <a:ln>
+            <a:noFill/>
+          </a:ln>
+        </p:spPr>
+        <p:txBody>
+          <a:bodyPr wrap="square" rtlCol="0">
+            <a:spAutoFit/>
+          </a:bodyPr>
+          <a:lstStyle/>
+          <a:p>
+            <a:pPr marL="342900" indent="-342900">
+              <a:buFontTx/>
+              <a:buChar char="-"/>
+            </a:pPr>
+            <a:r>
+              <a:rPr lang="ko-KR" altLang="en-US" sz="2400" dirty="0">
+                <a:solidFill>
+                  <a:schemeClr val="tx1">
+                    <a:lumMod val="75000"/>
+                    <a:lumOff val="25000"/>
+                  </a:schemeClr>
+                </a:solidFill>
+                <a:latin typeface="a가시고기L" panose="02020600000000000000" pitchFamily="18" charset="-127"/>
+                <a:ea typeface="a가시고기L" panose="02020600000000000000" pitchFamily="18" charset="-127"/>
+              </a:rPr>
+              <a:t>유아들에게 더 </a:t>
+            </a:r>
+            <a:r>
+              <a:rPr lang="ko-KR" altLang="en-US" sz="2400" b="1" dirty="0">
+                <a:solidFill>
+                  <a:srgbClr val="FF0000"/>
+                </a:solidFill>
+                <a:latin typeface="a가시고기L" panose="02020600000000000000" pitchFamily="18" charset="-127"/>
+                <a:ea typeface="a가시고기L" panose="02020600000000000000" pitchFamily="18" charset="-127"/>
+              </a:rPr>
+              <a:t>안전한</a:t>
+            </a:r>
+            <a:r>
+              <a:rPr lang="ko-KR" altLang="en-US" sz="2400" dirty="0">
+                <a:solidFill>
+                  <a:schemeClr val="tx1">
+                    <a:lumMod val="75000"/>
+                    <a:lumOff val="25000"/>
+                  </a:schemeClr>
+                </a:solidFill>
+                <a:latin typeface="a가시고기L" panose="02020600000000000000" pitchFamily="18" charset="-127"/>
+                <a:ea typeface="a가시고기L" panose="02020600000000000000" pitchFamily="18" charset="-127"/>
+              </a:rPr>
+              <a:t> 수영장 환경 제공</a:t>
+            </a:r>
+            <a:endParaRPr lang="en-US" altLang="ko-KR" sz="2400" dirty="0">
+              <a:solidFill>
+                <a:srgbClr val="FF0000"/>
+              </a:solidFill>
+              <a:latin typeface="a가시고기L" panose="02020600000000000000" pitchFamily="18" charset="-127"/>
+              <a:ea typeface="a가시고기L" panose="02020600000000000000" pitchFamily="18" charset="-127"/>
+            </a:endParaRPr>
+          </a:p>
+        </p:txBody>
+      </p:sp>
+      <p:sp>
+        <p:nvSpPr>
+          <p:cNvPr id="16" name="TextBox 15">
+            <a:extLst>
+              <a:ext uri="{FF2B5EF4-FFF2-40B4-BE49-F238E27FC236}">
+                <a16:creationId xmlns:a16="http://schemas.microsoft.com/office/drawing/2014/main" id="{846E99F5-B0CA-4C1B-B868-11B47CE403DD}"/>
+              </a:ext>
+            </a:extLst>
+          </p:cNvPr>
+          <p:cNvSpPr txBox="1"/>
+          <p:nvPr/>
+        </p:nvSpPr>
+        <p:spPr>
+          <a:xfrm>
+            <a:off x="1639950" y="2939658"/>
+            <a:ext cx="8912100" cy="461665"/>
+          </a:xfrm>
+          <a:prstGeom prst="rect">
+            <a:avLst/>
+          </a:prstGeom>
+          <a:noFill/>
+          <a:ln>
+            <a:noFill/>
+          </a:ln>
+        </p:spPr>
+        <p:txBody>
+          <a:bodyPr wrap="square" rtlCol="0">
+            <a:spAutoFit/>
+          </a:bodyPr>
+          <a:lstStyle/>
+          <a:p>
+            <a:pPr marL="342900" indent="-342900">
+              <a:buFontTx/>
+              <a:buChar char="-"/>
+            </a:pPr>
+            <a:r>
+              <a:rPr lang="ko-KR" altLang="en-US" sz="2400" dirty="0">
+                <a:solidFill>
+                  <a:schemeClr val="tx1">
+                    <a:lumMod val="75000"/>
+                    <a:lumOff val="25000"/>
+                  </a:schemeClr>
+                </a:solidFill>
+                <a:latin typeface="a가시고기L" panose="02020600000000000000" pitchFamily="18" charset="-127"/>
+                <a:ea typeface="a가시고기L" panose="02020600000000000000" pitchFamily="18" charset="-127"/>
+              </a:rPr>
+              <a:t>안전요원들의 </a:t>
+            </a:r>
+            <a:r>
+              <a:rPr lang="ko-KR" altLang="en-US" sz="2400" b="1" dirty="0">
+                <a:solidFill>
+                  <a:srgbClr val="FF0000"/>
+                </a:solidFill>
+                <a:latin typeface="a가시고기L" panose="02020600000000000000" pitchFamily="18" charset="-127"/>
+                <a:ea typeface="a가시고기L" panose="02020600000000000000" pitchFamily="18" charset="-127"/>
+              </a:rPr>
+              <a:t>원활한</a:t>
+            </a:r>
+            <a:r>
+              <a:rPr lang="ko-KR" altLang="en-US" sz="2400" dirty="0">
+                <a:solidFill>
+                  <a:schemeClr val="tx1">
+                    <a:lumMod val="75000"/>
+                    <a:lumOff val="25000"/>
+                  </a:schemeClr>
+                </a:solidFill>
+                <a:latin typeface="a가시고기L" panose="02020600000000000000" pitchFamily="18" charset="-127"/>
+                <a:ea typeface="a가시고기L" panose="02020600000000000000" pitchFamily="18" charset="-127"/>
+              </a:rPr>
+              <a:t> 구조활동 지원</a:t>
+            </a:r>
+            <a:endParaRPr lang="en-US" altLang="ko-KR" sz="2400" dirty="0">
+              <a:solidFill>
+                <a:srgbClr val="FF0000"/>
+              </a:solidFill>
+              <a:latin typeface="a가시고기L" panose="02020600000000000000" pitchFamily="18" charset="-127"/>
+              <a:ea typeface="a가시고기L" panose="02020600000000000000" pitchFamily="18" charset="-127"/>
+            </a:endParaRPr>
+          </a:p>
+        </p:txBody>
+      </p:sp>
+      <p:sp>
+        <p:nvSpPr>
+          <p:cNvPr id="18" name="TextBox 17">
+            <a:extLst>
+              <a:ext uri="{FF2B5EF4-FFF2-40B4-BE49-F238E27FC236}">
+                <a16:creationId xmlns:a16="http://schemas.microsoft.com/office/drawing/2014/main" id="{0A14C626-4573-4F7F-969C-E9C36CE53E39}"/>
+              </a:ext>
+            </a:extLst>
+          </p:cNvPr>
+          <p:cNvSpPr txBox="1"/>
+          <p:nvPr/>
+        </p:nvSpPr>
+        <p:spPr>
+          <a:xfrm>
+            <a:off x="1639950" y="3701515"/>
+            <a:ext cx="8912100" cy="461665"/>
+          </a:xfrm>
+          <a:prstGeom prst="rect">
+            <a:avLst/>
+          </a:prstGeom>
+          <a:noFill/>
+          <a:ln>
+            <a:noFill/>
+          </a:ln>
+        </p:spPr>
+        <p:txBody>
+          <a:bodyPr wrap="square" rtlCol="0">
+            <a:spAutoFit/>
+          </a:bodyPr>
+          <a:lstStyle/>
+          <a:p>
+            <a:pPr marL="342900" indent="-342900">
+              <a:buFontTx/>
+              <a:buChar char="-"/>
+            </a:pPr>
+            <a:r>
+              <a:rPr lang="ko-KR" altLang="en-US" sz="2400" dirty="0">
+                <a:latin typeface="a가시고기L" panose="02020600000000000000" pitchFamily="18" charset="-127"/>
+                <a:ea typeface="a가시고기L" panose="02020600000000000000" pitchFamily="18" charset="-127"/>
+              </a:rPr>
+              <a:t>수영장의 안전 시설 및 방침에 대한 부모들의 </a:t>
+            </a:r>
+            <a:r>
+              <a:rPr lang="ko-KR" altLang="en-US" sz="2400" b="1" dirty="0">
+                <a:solidFill>
+                  <a:srgbClr val="FF0000"/>
+                </a:solidFill>
+                <a:latin typeface="a가시고기L" panose="02020600000000000000" pitchFamily="18" charset="-127"/>
+                <a:ea typeface="a가시고기L" panose="02020600000000000000" pitchFamily="18" charset="-127"/>
+              </a:rPr>
+              <a:t>신뢰성</a:t>
+            </a:r>
+            <a:r>
+              <a:rPr lang="ko-KR" altLang="en-US" sz="2400" dirty="0">
+                <a:solidFill>
+                  <a:srgbClr val="FF0000"/>
+                </a:solidFill>
+                <a:latin typeface="a가시고기L" panose="02020600000000000000" pitchFamily="18" charset="-127"/>
+                <a:ea typeface="a가시고기L" panose="02020600000000000000" pitchFamily="18" charset="-127"/>
+              </a:rPr>
+              <a:t> </a:t>
+            </a:r>
+            <a:r>
+              <a:rPr lang="ko-KR" altLang="en-US" sz="2400" b="1" dirty="0">
+                <a:solidFill>
+                  <a:srgbClr val="FF0000"/>
+                </a:solidFill>
+                <a:latin typeface="a가시고기L" panose="02020600000000000000" pitchFamily="18" charset="-127"/>
+                <a:ea typeface="a가시고기L" panose="02020600000000000000" pitchFamily="18" charset="-127"/>
+              </a:rPr>
+              <a:t>증가</a:t>
+            </a:r>
+            <a:endParaRPr lang="en-US" altLang="ko-KR" sz="2400" b="1" dirty="0">
+              <a:solidFill>
+                <a:srgbClr val="FF0000"/>
+              </a:solidFill>
+              <a:latin typeface="a가시고기L" panose="02020600000000000000" pitchFamily="18" charset="-127"/>
+              <a:ea typeface="a가시고기L" panose="02020600000000000000" pitchFamily="18" charset="-127"/>
+            </a:endParaRPr>
+          </a:p>
+        </p:txBody>
+      </p:sp>
+      <p:sp>
+        <p:nvSpPr>
+          <p:cNvPr id="2" name="슬라이드 번호 개체 틀 1">
+            <a:extLst>
+              <a:ext uri="{FF2B5EF4-FFF2-40B4-BE49-F238E27FC236}">
+                <a16:creationId xmlns:a16="http://schemas.microsoft.com/office/drawing/2014/main" id="{29A0508C-9A6F-4186-A6AB-E52A60297A9D}"/>
+              </a:ext>
+            </a:extLst>
+          </p:cNvPr>
+          <p:cNvSpPr>
+            <a:spLocks noGrp="1"/>
+          </p:cNvSpPr>
+          <p:nvPr>
+            <p:ph type="sldNum" sz="quarter" idx="12"/>
+          </p:nvPr>
+        </p:nvSpPr>
+        <p:spPr/>
+        <p:txBody>
+          <a:bodyPr/>
+          <a:lstStyle/>
+          <a:p>
+            <a:fld id="{9E3BAC05-F6BA-4953-A19F-91E61AE236E7}" type="slidenum">
+              <a:rPr lang="ko-KR" altLang="en-US" smtClean="0"/>
+              <a:pPr/>
+              <a:t>7</a:t>
+            </a:fld>
+            <a:endParaRPr lang="ko-KR" altLang="en-US"/>
+          </a:p>
+        </p:txBody>
+      </p:sp>
     </p:spTree>
     <p:extLst>
       <p:ext uri="{BB962C8B-B14F-4D97-AF65-F5344CB8AC3E}">
-        <p14:creationId xmlns:p14="http://schemas.microsoft.com/office/powerpoint/2010/main" val="3957878154"/>
+        <p14:creationId xmlns:p14="http://schemas.microsoft.com/office/powerpoint/2010/main" val="2976072533"/>
       </p:ext>
     </p:extLst>
   </p:cSld>
@@ -12030,7 +14332,7 @@
   </p:clrMapOvr>
   <mc:AlternateContent xmlns:mc="http://schemas.openxmlformats.org/markup-compatibility/2006" xmlns:p14="http://schemas.microsoft.com/office/powerpoint/2010/main">
     <mc:Choice Requires="p14">
-      <p:transition p14:dur="10" advTm="4000"/>
+      <p:transition p14:dur="0" advTm="4000"/>
     </mc:Choice>
     <mc:Fallback xmlns="">
       <p:transition advTm="4000"/>
@@ -12058,10 +14360,10 @@
       </p:grpSpPr>
       <p:sp>
         <p:nvSpPr>
-          <p:cNvPr id="10" name="TextBox 9">
-            <a:extLst>
-              <a:ext uri="{FF2B5EF4-FFF2-40B4-BE49-F238E27FC236}">
-                <a16:creationId xmlns:a16="http://schemas.microsoft.com/office/drawing/2014/main" id="{4CB1DBE6-0F98-4049-9665-432AD9D621A8}"/>
+          <p:cNvPr id="13" name="TextBox 12">
+            <a:extLst>
+              <a:ext uri="{FF2B5EF4-FFF2-40B4-BE49-F238E27FC236}">
+                <a16:creationId xmlns:a16="http://schemas.microsoft.com/office/drawing/2014/main" id="{028E2D01-160A-411E-ABE7-0E5E782E538F}"/>
               </a:ext>
             </a:extLst>
           </p:cNvPr>
@@ -12070,8 +14372,8 @@
         </p:nvSpPr>
         <p:spPr>
           <a:xfrm>
-            <a:off x="537797" y="284756"/>
-            <a:ext cx="5347996" cy="707886"/>
+            <a:off x="537798" y="284755"/>
+            <a:ext cx="5312496" cy="719585"/>
           </a:xfrm>
           <a:prstGeom prst="rect">
             <a:avLst/>
@@ -12089,17 +14391,17 @@
                 <a:latin typeface="a가시고기B" panose="02020600000000000000" pitchFamily="18" charset="-127"/>
                 <a:ea typeface="a가시고기B" panose="02020600000000000000" pitchFamily="18" charset="-127"/>
               </a:rPr>
-              <a:t>관련 연구 및 사례</a:t>
-            </a:r>
-          </a:p>
-        </p:txBody>
-      </p:sp>
-      <p:sp>
-        <p:nvSpPr>
-          <p:cNvPr id="11" name="직사각형 10">
-            <a:extLst>
-              <a:ext uri="{FF2B5EF4-FFF2-40B4-BE49-F238E27FC236}">
-                <a16:creationId xmlns:a16="http://schemas.microsoft.com/office/drawing/2014/main" id="{BA266267-9D37-4E05-9406-2517BA8159B6}"/>
+              <a:t>시스템 수행 시나리오</a:t>
+            </a:r>
+          </a:p>
+        </p:txBody>
+      </p:sp>
+      <p:sp>
+        <p:nvSpPr>
+          <p:cNvPr id="18" name="직사각형 17">
+            <a:extLst>
+              <a:ext uri="{FF2B5EF4-FFF2-40B4-BE49-F238E27FC236}">
+                <a16:creationId xmlns:a16="http://schemas.microsoft.com/office/drawing/2014/main" id="{D7A2D4C2-7D2C-4241-9C26-4821AB67AD74}"/>
               </a:ext>
             </a:extLst>
           </p:cNvPr>
@@ -12151,6 +14453,205 @@
           </a:p>
         </p:txBody>
       </p:sp>
+      <p:pic>
+        <p:nvPicPr>
+          <p:cNvPr id="19" name="그림 18">
+            <a:extLst>
+              <a:ext uri="{FF2B5EF4-FFF2-40B4-BE49-F238E27FC236}">
+                <a16:creationId xmlns:a16="http://schemas.microsoft.com/office/drawing/2014/main" id="{1A54B48F-814D-4402-A08A-1E7AEF4A484A}"/>
+              </a:ext>
+            </a:extLst>
+          </p:cNvPr>
+          <p:cNvPicPr>
+            <a:picLocks noChangeAspect="1"/>
+          </p:cNvPicPr>
+          <p:nvPr/>
+        </p:nvPicPr>
+        <p:blipFill>
+          <a:blip r:embed="rId3">
+            <a:extLst>
+              <a:ext uri="{28A0092B-C50C-407E-A947-70E740481C1C}">
+                <a14:useLocalDpi xmlns:a14="http://schemas.microsoft.com/office/drawing/2010/main" val="0"/>
+              </a:ext>
+            </a:extLst>
+          </a:blip>
+          <a:stretch>
+            <a:fillRect/>
+          </a:stretch>
+        </p:blipFill>
+        <p:spPr>
+          <a:xfrm>
+            <a:off x="1489635" y="1004340"/>
+            <a:ext cx="9212729" cy="5568905"/>
+          </a:xfrm>
+          <a:prstGeom prst="rect">
+            <a:avLst/>
+          </a:prstGeom>
+        </p:spPr>
+      </p:pic>
+      <p:sp>
+        <p:nvSpPr>
+          <p:cNvPr id="2" name="슬라이드 번호 개체 틀 1">
+            <a:extLst>
+              <a:ext uri="{FF2B5EF4-FFF2-40B4-BE49-F238E27FC236}">
+                <a16:creationId xmlns:a16="http://schemas.microsoft.com/office/drawing/2014/main" id="{4DAE6D47-4AFA-429A-B83B-0E15B0A6D55E}"/>
+              </a:ext>
+            </a:extLst>
+          </p:cNvPr>
+          <p:cNvSpPr>
+            <a:spLocks noGrp="1"/>
+          </p:cNvSpPr>
+          <p:nvPr>
+            <p:ph type="sldNum" sz="quarter" idx="12"/>
+          </p:nvPr>
+        </p:nvSpPr>
+        <p:spPr/>
+        <p:txBody>
+          <a:bodyPr/>
+          <a:lstStyle/>
+          <a:p>
+            <a:fld id="{9E3BAC05-F6BA-4953-A19F-91E61AE236E7}" type="slidenum">
+              <a:rPr lang="ko-KR" altLang="en-US" smtClean="0"/>
+              <a:pPr/>
+              <a:t>8</a:t>
+            </a:fld>
+            <a:endParaRPr lang="ko-KR" altLang="en-US"/>
+          </a:p>
+        </p:txBody>
+      </p:sp>
+    </p:spTree>
+    <p:extLst>
+      <p:ext uri="{BB962C8B-B14F-4D97-AF65-F5344CB8AC3E}">
+        <p14:creationId xmlns:p14="http://schemas.microsoft.com/office/powerpoint/2010/main" val="3957878154"/>
+      </p:ext>
+    </p:extLst>
+  </p:cSld>
+  <p:clrMapOvr>
+    <a:masterClrMapping/>
+  </p:clrMapOvr>
+  <mc:AlternateContent xmlns:mc="http://schemas.openxmlformats.org/markup-compatibility/2006" xmlns:p14="http://schemas.microsoft.com/office/powerpoint/2010/main">
+    <mc:Choice Requires="p14">
+      <p:transition p14:dur="10" advTm="4000"/>
+    </mc:Choice>
+    <mc:Fallback xmlns="">
+      <p:transition advTm="4000"/>
+    </mc:Fallback>
+  </mc:AlternateContent>
+</p:sld>
+</file>
+
+<file path=ppt/slides/slide9.xml><?xml version="1.0" encoding="utf-8"?>
+<p:sld xmlns:a="http://schemas.openxmlformats.org/drawingml/2006/main" xmlns:r="http://schemas.openxmlformats.org/officeDocument/2006/relationships" xmlns:p="http://schemas.openxmlformats.org/presentationml/2006/main">
+  <p:cSld>
+    <p:spTree>
+      <p:nvGrpSpPr>
+        <p:cNvPr id="1" name=""/>
+        <p:cNvGrpSpPr/>
+        <p:nvPr/>
+      </p:nvGrpSpPr>
+      <p:grpSpPr>
+        <a:xfrm>
+          <a:off x="0" y="0"/>
+          <a:ext cx="0" cy="0"/>
+          <a:chOff x="0" y="0"/>
+          <a:chExt cx="0" cy="0"/>
+        </a:xfrm>
+      </p:grpSpPr>
+      <p:sp>
+        <p:nvSpPr>
+          <p:cNvPr id="10" name="TextBox 9">
+            <a:extLst>
+              <a:ext uri="{FF2B5EF4-FFF2-40B4-BE49-F238E27FC236}">
+                <a16:creationId xmlns:a16="http://schemas.microsoft.com/office/drawing/2014/main" id="{4CB1DBE6-0F98-4049-9665-432AD9D621A8}"/>
+              </a:ext>
+            </a:extLst>
+          </p:cNvPr>
+          <p:cNvSpPr txBox="1"/>
+          <p:nvPr/>
+        </p:nvSpPr>
+        <p:spPr>
+          <a:xfrm>
+            <a:off x="537797" y="284756"/>
+            <a:ext cx="5347996" cy="707886"/>
+          </a:xfrm>
+          <a:prstGeom prst="rect">
+            <a:avLst/>
+          </a:prstGeom>
+          <a:noFill/>
+        </p:spPr>
+        <p:txBody>
+          <a:bodyPr wrap="square" rtlCol="0">
+            <a:spAutoFit/>
+          </a:bodyPr>
+          <a:lstStyle/>
+          <a:p>
+            <a:r>
+              <a:rPr lang="ko-KR" altLang="en-US" sz="4000" dirty="0">
+                <a:latin typeface="a가시고기B" panose="02020600000000000000" pitchFamily="18" charset="-127"/>
+                <a:ea typeface="a가시고기B" panose="02020600000000000000" pitchFamily="18" charset="-127"/>
+              </a:rPr>
+              <a:t>관련 연구 및 사례</a:t>
+            </a:r>
+          </a:p>
+        </p:txBody>
+      </p:sp>
+      <p:sp>
+        <p:nvSpPr>
+          <p:cNvPr id="11" name="직사각형 10">
+            <a:extLst>
+              <a:ext uri="{FF2B5EF4-FFF2-40B4-BE49-F238E27FC236}">
+                <a16:creationId xmlns:a16="http://schemas.microsoft.com/office/drawing/2014/main" id="{BA266267-9D37-4E05-9406-2517BA8159B6}"/>
+              </a:ext>
+            </a:extLst>
+          </p:cNvPr>
+          <p:cNvSpPr/>
+          <p:nvPr/>
+        </p:nvSpPr>
+        <p:spPr>
+          <a:xfrm>
+            <a:off x="453293" y="375138"/>
+            <a:ext cx="84504" cy="527123"/>
+          </a:xfrm>
+          <a:prstGeom prst="rect">
+            <a:avLst/>
+          </a:prstGeom>
+          <a:solidFill>
+            <a:schemeClr val="tx1"/>
+          </a:solidFill>
+          <a:ln>
+            <a:solidFill>
+              <a:schemeClr val="tx1"/>
+            </a:solidFill>
+          </a:ln>
+        </p:spPr>
+        <p:style>
+          <a:lnRef idx="2">
+            <a:schemeClr val="accent1">
+              <a:shade val="50000"/>
+            </a:schemeClr>
+          </a:lnRef>
+          <a:fillRef idx="1">
+            <a:schemeClr val="accent1"/>
+          </a:fillRef>
+          <a:effectRef idx="0">
+            <a:schemeClr val="accent1"/>
+          </a:effectRef>
+          <a:fontRef idx="minor">
+            <a:schemeClr val="lt1"/>
+          </a:fontRef>
+        </p:style>
+        <p:txBody>
+          <a:bodyPr rtlCol="0" anchor="ctr"/>
+          <a:lstStyle/>
+          <a:p>
+            <a:pPr algn="ctr"/>
+            <a:endParaRPr lang="ko-KR" altLang="en-US">
+              <a:latin typeface="a가시고기L" panose="02020600000000000000" pitchFamily="18" charset="-127"/>
+              <a:ea typeface="a가시고기L" panose="02020600000000000000" pitchFamily="18" charset="-127"/>
+            </a:endParaRPr>
+          </a:p>
+        </p:txBody>
+      </p:sp>
       <p:sp>
         <p:nvSpPr>
           <p:cNvPr id="3" name="TextBox 2">
@@ -12184,6 +14685,8 @@
                 <a:solidFill>
                   <a:schemeClr val="bg1"/>
                 </a:solidFill>
+                <a:latin typeface="a가시고기L" panose="02020600000000000000" pitchFamily="18" charset="-127"/>
+                <a:ea typeface="a가시고기L" panose="02020600000000000000" pitchFamily="18" charset="-127"/>
               </a:rPr>
               <a:t>UWB</a:t>
             </a:r>
@@ -12191,6 +14694,8 @@
               <a:solidFill>
                 <a:schemeClr val="bg1"/>
               </a:solidFill>
+              <a:latin typeface="a가시고기L" panose="02020600000000000000" pitchFamily="18" charset="-127"/>
+              <a:ea typeface="a가시고기L" panose="02020600000000000000" pitchFamily="18" charset="-127"/>
             </a:endParaRPr>
           </a:p>
         </p:txBody>
@@ -12796,36 +15301,60 @@
               <a:buChar char="•"/>
             </a:pPr>
             <a:r>
-              <a:rPr lang="ko-KR" altLang="en-US" dirty="0"/>
+              <a:rPr lang="ko-KR" altLang="en-US" dirty="0">
+                <a:latin typeface="a가시고기L" panose="02020600000000000000" pitchFamily="18" charset="-127"/>
+                <a:ea typeface="a가시고기L" panose="02020600000000000000" pitchFamily="18" charset="-127"/>
+              </a:rPr>
               <a:t>다른 통신기술에 비해 통신거리가 길고 장애물에 강한 </a:t>
             </a:r>
             <a:r>
-              <a:rPr lang="ko-KR" altLang="en-US" dirty="0" err="1"/>
+              <a:rPr lang="ko-KR" altLang="en-US" dirty="0" err="1">
+                <a:latin typeface="a가시고기L" panose="02020600000000000000" pitchFamily="18" charset="-127"/>
+                <a:ea typeface="a가시고기L" panose="02020600000000000000" pitchFamily="18" charset="-127"/>
+              </a:rPr>
               <a:t>전달력을</a:t>
             </a:r>
             <a:r>
-              <a:rPr lang="ko-KR" altLang="en-US" dirty="0"/>
+              <a:rPr lang="ko-KR" altLang="en-US" dirty="0">
+                <a:latin typeface="a가시고기L" panose="02020600000000000000" pitchFamily="18" charset="-127"/>
+                <a:ea typeface="a가시고기L" panose="02020600000000000000" pitchFamily="18" charset="-127"/>
+              </a:rPr>
               <a:t> 가지고 있어</a:t>
             </a:r>
-            <a:endParaRPr lang="en-US" altLang="ko-KR" dirty="0"/>
-          </a:p>
-          <a:p>
-            <a:r>
-              <a:rPr lang="en-US" altLang="ko-KR" dirty="0"/>
+            <a:endParaRPr lang="en-US" altLang="ko-KR" dirty="0">
+              <a:latin typeface="a가시고기L" panose="02020600000000000000" pitchFamily="18" charset="-127"/>
+              <a:ea typeface="a가시고기L" panose="02020600000000000000" pitchFamily="18" charset="-127"/>
+            </a:endParaRPr>
+          </a:p>
+          <a:p>
+            <a:r>
+              <a:rPr lang="en-US" altLang="ko-KR" dirty="0">
+                <a:latin typeface="a가시고기L" panose="02020600000000000000" pitchFamily="18" charset="-127"/>
+                <a:ea typeface="a가시고기L" panose="02020600000000000000" pitchFamily="18" charset="-127"/>
+              </a:rPr>
               <a:t>    </a:t>
             </a:r>
             <a:r>
-              <a:rPr lang="ko-KR" altLang="en-US" dirty="0"/>
+              <a:rPr lang="ko-KR" altLang="en-US" dirty="0">
+                <a:latin typeface="a가시고기L" panose="02020600000000000000" pitchFamily="18" charset="-127"/>
+                <a:ea typeface="a가시고기L" panose="02020600000000000000" pitchFamily="18" charset="-127"/>
+              </a:rPr>
               <a:t>다양한 분야에서 관련 기술이 사용되고 있음</a:t>
             </a:r>
-            <a:endParaRPr lang="en-US" altLang="ko-KR" dirty="0"/>
+            <a:endParaRPr lang="en-US" altLang="ko-KR" dirty="0">
+              <a:latin typeface="a가시고기L" panose="02020600000000000000" pitchFamily="18" charset="-127"/>
+              <a:ea typeface="a가시고기L" panose="02020600000000000000" pitchFamily="18" charset="-127"/>
+            </a:endParaRPr>
           </a:p>
           <a:p>
             <a:pPr marL="285750" indent="-285750">
               <a:buFont typeface="Arial" panose="020B0604020202020204" pitchFamily="34" charset="0"/>
               <a:buChar char="•"/>
             </a:pPr>
-            <a:endParaRPr lang="ko-KR" altLang="en-US" dirty="0"/>
+            <a:endParaRPr lang="ko-KR" altLang="en-US" dirty="0">
+              <a:latin typeface="a가시고기L" panose="02020600000000000000" pitchFamily="18" charset="-127"/>
+              <a:ea typeface="a가시고기L" panose="02020600000000000000" pitchFamily="18" charset="-127"/>
+            </a:endParaRPr>
           </a:p>
         </p:txBody>
       </p:sp>
@@ -12928,7 +15457,7 @@
         <p:spPr>
           <a:xfrm>
             <a:off x="8843490" y="3634464"/>
-            <a:ext cx="2052165" cy="276999"/>
+            <a:ext cx="1898277" cy="276999"/>
           </a:xfrm>
           <a:prstGeom prst="rect">
             <a:avLst/>
@@ -12942,30 +15471,33 @@
           <a:lstStyle/>
           <a:p>
             <a:r>
-              <a:rPr lang="en-US" altLang="ko-KR" sz="1200" dirty="0"/>
+              <a:rPr lang="en-US" altLang="ko-KR" sz="1200" dirty="0">
+                <a:latin typeface="a가시고기L" panose="02020600000000000000" pitchFamily="18" charset="-127"/>
+                <a:ea typeface="a가시고기L" panose="02020600000000000000" pitchFamily="18" charset="-127"/>
+              </a:rPr>
               <a:t>SK</a:t>
             </a:r>
             <a:r>
-              <a:rPr lang="ko-KR" altLang="en-US" sz="1200" dirty="0"/>
+              <a:rPr lang="ko-KR" altLang="en-US" sz="1200" dirty="0">
+                <a:latin typeface="a가시고기L" panose="02020600000000000000" pitchFamily="18" charset="-127"/>
+                <a:ea typeface="a가시고기L" panose="02020600000000000000" pitchFamily="18" charset="-127"/>
+              </a:rPr>
               <a:t>텔레콤 </a:t>
             </a:r>
             <a:r>
-              <a:rPr lang="en-US" altLang="ko-KR" sz="1200" dirty="0"/>
-              <a:t>- </a:t>
-            </a:r>
-            <a:r>
               <a:rPr lang="en-US" altLang="ko-KR" sz="1200" dirty="0">
-                <a:ea typeface="a가시고기L"/>
-              </a:rPr>
-              <a:t>T</a:t>
+                <a:latin typeface="a가시고기L" panose="02020600000000000000" pitchFamily="18" charset="-127"/>
+                <a:ea typeface="a가시고기L" panose="02020600000000000000" pitchFamily="18" charset="-127"/>
+              </a:rPr>
+              <a:t>- T</a:t>
             </a:r>
             <a:r>
               <a:rPr lang="ko-KR" altLang="en-US" sz="1200" dirty="0">
-                <a:ea typeface="a가시고기L"/>
+                <a:latin typeface="a가시고기L" panose="02020600000000000000" pitchFamily="18" charset="-127"/>
+                <a:ea typeface="a가시고기L" panose="02020600000000000000" pitchFamily="18" charset="-127"/>
               </a:rPr>
               <a:t>스마트 포지션</a:t>
             </a:r>
-            <a:endParaRPr lang="ko-KR" altLang="en-US" sz="1200" dirty="0"/>
           </a:p>
         </p:txBody>
       </p:sp>
@@ -12984,7 +15516,7 @@
         <p:spPr>
           <a:xfrm>
             <a:off x="8843490" y="6517166"/>
-            <a:ext cx="1622047" cy="276999"/>
+            <a:ext cx="1545231" cy="276999"/>
           </a:xfrm>
           <a:prstGeom prst="rect">
             <a:avLst/>
@@ -12998,30 +15530,74 @@
           <a:lstStyle/>
           <a:p>
             <a:r>
-              <a:rPr lang="en-US" altLang="ko-KR" sz="1200" dirty="0"/>
+              <a:rPr lang="en-US" altLang="ko-KR" sz="1200" dirty="0">
+                <a:latin typeface="a가시고기L" panose="02020600000000000000" pitchFamily="18" charset="-127"/>
+                <a:ea typeface="a가시고기L" panose="02020600000000000000" pitchFamily="18" charset="-127"/>
+              </a:rPr>
               <a:t>LG</a:t>
             </a:r>
             <a:r>
-              <a:rPr lang="ko-KR" altLang="en-US" sz="1200" dirty="0"/>
+              <a:rPr lang="ko-KR" altLang="en-US" sz="1200" dirty="0">
+                <a:latin typeface="a가시고기L" panose="02020600000000000000" pitchFamily="18" charset="-127"/>
+                <a:ea typeface="a가시고기L" panose="02020600000000000000" pitchFamily="18" charset="-127"/>
+              </a:rPr>
               <a:t>전자</a:t>
             </a:r>
             <a:r>
-              <a:rPr lang="en-US" altLang="ko-KR" sz="1200" dirty="0"/>
+              <a:rPr lang="en-US" altLang="ko-KR" sz="1200" dirty="0">
+                <a:latin typeface="a가시고기L" panose="02020600000000000000" pitchFamily="18" charset="-127"/>
+                <a:ea typeface="a가시고기L" panose="02020600000000000000" pitchFamily="18" charset="-127"/>
+              </a:rPr>
               <a:t>- </a:t>
             </a:r>
             <a:r>
               <a:rPr lang="ko-KR" altLang="en-US" sz="1200" dirty="0">
-                <a:ea typeface="a가시고기L"/>
+                <a:latin typeface="a가시고기L" panose="02020600000000000000" pitchFamily="18" charset="-127"/>
+                <a:ea typeface="a가시고기L" panose="02020600000000000000" pitchFamily="18" charset="-127"/>
               </a:rPr>
               <a:t>코드제로 </a:t>
             </a:r>
             <a:r>
               <a:rPr lang="en-US" altLang="ko-KR" sz="1200" dirty="0">
-                <a:ea typeface="a가시고기L"/>
+                <a:latin typeface="a가시고기L" panose="02020600000000000000" pitchFamily="18" charset="-127"/>
+                <a:ea typeface="a가시고기L" panose="02020600000000000000" pitchFamily="18" charset="-127"/>
               </a:rPr>
               <a:t>T9</a:t>
             </a:r>
-            <a:endParaRPr lang="ko-KR" altLang="en-US" sz="1200" dirty="0"/>
+            <a:endParaRPr lang="ko-KR" altLang="en-US" sz="1200" dirty="0">
+              <a:latin typeface="a가시고기L" panose="02020600000000000000" pitchFamily="18" charset="-127"/>
+              <a:ea typeface="a가시고기L" panose="02020600000000000000" pitchFamily="18" charset="-127"/>
+            </a:endParaRPr>
+          </a:p>
+        </p:txBody>
+      </p:sp>
+      <p:sp>
+        <p:nvSpPr>
+          <p:cNvPr id="2" name="슬라이드 번호 개체 틀 1">
+            <a:extLst>
+              <a:ext uri="{FF2B5EF4-FFF2-40B4-BE49-F238E27FC236}">
+                <a16:creationId xmlns:a16="http://schemas.microsoft.com/office/drawing/2014/main" id="{54370B08-8344-44AB-B5CD-7E1E6D7868F3}"/>
+              </a:ext>
+            </a:extLst>
+          </p:cNvPr>
+          <p:cNvSpPr>
+            <a:spLocks noGrp="1"/>
+          </p:cNvSpPr>
+          <p:nvPr>
+            <p:ph type="sldNum" sz="quarter" idx="12"/>
+          </p:nvPr>
+        </p:nvSpPr>
+        <p:spPr/>
+        <p:txBody>
+          <a:bodyPr/>
+          <a:lstStyle/>
+          <a:p>
+            <a:fld id="{9E3BAC05-F6BA-4953-A19F-91E61AE236E7}" type="slidenum">
+              <a:rPr lang="ko-KR" altLang="en-US" smtClean="0"/>
+              <a:pPr/>
+              <a:t>9</a:t>
+            </a:fld>
+            <a:endParaRPr lang="ko-KR" altLang="en-US"/>
           </a:p>
         </p:txBody>
       </p:sp>
@@ -13029,418 +15605,6 @@
     <p:extLst>
       <p:ext uri="{BB962C8B-B14F-4D97-AF65-F5344CB8AC3E}">
         <p14:creationId xmlns:p14="http://schemas.microsoft.com/office/powerpoint/2010/main" val="3777768119"/>
-      </p:ext>
-    </p:extLst>
-  </p:cSld>
-  <p:clrMapOvr>
-    <a:masterClrMapping/>
-  </p:clrMapOvr>
-  <mc:AlternateContent xmlns:mc="http://schemas.openxmlformats.org/markup-compatibility/2006" xmlns:p14="http://schemas.microsoft.com/office/powerpoint/2010/main">
-    <mc:Choice Requires="p14">
-      <p:transition p14:dur="0" advTm="4000"/>
-    </mc:Choice>
-    <mc:Fallback xmlns="">
-      <p:transition advTm="4000"/>
-    </mc:Fallback>
-  </mc:AlternateContent>
-</p:sld>
-</file>
-
-<file path=ppt/slides/slide9.xml><?xml version="1.0" encoding="utf-8"?>
-<p:sld xmlns:a="http://schemas.openxmlformats.org/drawingml/2006/main" xmlns:r="http://schemas.openxmlformats.org/officeDocument/2006/relationships" xmlns:p="http://schemas.openxmlformats.org/presentationml/2006/main">
-  <p:cSld>
-    <p:spTree>
-      <p:nvGrpSpPr>
-        <p:cNvPr id="1" name=""/>
-        <p:cNvGrpSpPr/>
-        <p:nvPr/>
-      </p:nvGrpSpPr>
-      <p:grpSpPr>
-        <a:xfrm>
-          <a:off x="0" y="0"/>
-          <a:ext cx="0" cy="0"/>
-          <a:chOff x="0" y="0"/>
-          <a:chExt cx="0" cy="0"/>
-        </a:xfrm>
-      </p:grpSpPr>
-      <p:sp>
-        <p:nvSpPr>
-          <p:cNvPr id="13" name="직사각형 12">
-            <a:extLst>
-              <a:ext uri="{FF2B5EF4-FFF2-40B4-BE49-F238E27FC236}">
-                <a16:creationId xmlns:a16="http://schemas.microsoft.com/office/drawing/2014/main" id="{54DB8C53-3C8F-47F0-A6C9-7594697D5535}"/>
-              </a:ext>
-            </a:extLst>
-          </p:cNvPr>
-          <p:cNvSpPr/>
-          <p:nvPr/>
-        </p:nvSpPr>
-        <p:spPr>
-          <a:xfrm>
-            <a:off x="585168" y="375138"/>
-            <a:ext cx="44698" cy="527123"/>
-          </a:xfrm>
-          <a:prstGeom prst="rect">
-            <a:avLst/>
-          </a:prstGeom>
-          <a:solidFill>
-            <a:schemeClr val="tx1"/>
-          </a:solidFill>
-          <a:ln>
-            <a:solidFill>
-              <a:schemeClr val="tx1"/>
-            </a:solidFill>
-          </a:ln>
-        </p:spPr>
-        <p:style>
-          <a:lnRef idx="2">
-            <a:schemeClr val="accent1">
-              <a:shade val="50000"/>
-            </a:schemeClr>
-          </a:lnRef>
-          <a:fillRef idx="1">
-            <a:schemeClr val="accent1"/>
-          </a:fillRef>
-          <a:effectRef idx="0">
-            <a:schemeClr val="accent1"/>
-          </a:effectRef>
-          <a:fontRef idx="minor">
-            <a:schemeClr val="lt1"/>
-          </a:fontRef>
-        </p:style>
-        <p:txBody>
-          <a:bodyPr rtlCol="0" anchor="ctr"/>
-          <a:lstStyle/>
-          <a:p>
-            <a:pPr algn="ctr"/>
-            <a:endParaRPr lang="ko-KR" altLang="en-US">
-              <a:latin typeface="a가시고기L" panose="02020600000000000000" pitchFamily="18" charset="-127"/>
-              <a:ea typeface="a가시고기L" panose="02020600000000000000" pitchFamily="18" charset="-127"/>
-            </a:endParaRPr>
-          </a:p>
-        </p:txBody>
-      </p:sp>
-      <p:sp>
-        <p:nvSpPr>
-          <p:cNvPr id="28" name="TextBox 27">
-            <a:extLst>
-              <a:ext uri="{FF2B5EF4-FFF2-40B4-BE49-F238E27FC236}">
-                <a16:creationId xmlns:a16="http://schemas.microsoft.com/office/drawing/2014/main" id="{A4CB0D91-8689-4566-B822-BE69403746C6}"/>
-              </a:ext>
-            </a:extLst>
-          </p:cNvPr>
-          <p:cNvSpPr txBox="1"/>
-          <p:nvPr/>
-        </p:nvSpPr>
-        <p:spPr>
-          <a:xfrm>
-            <a:off x="537797" y="284756"/>
-            <a:ext cx="4167065" cy="707886"/>
-          </a:xfrm>
-          <a:prstGeom prst="rect">
-            <a:avLst/>
-          </a:prstGeom>
-          <a:noFill/>
-        </p:spPr>
-        <p:txBody>
-          <a:bodyPr wrap="square" rtlCol="0">
-            <a:spAutoFit/>
-          </a:bodyPr>
-          <a:lstStyle/>
-          <a:p>
-            <a:r>
-              <a:rPr lang="ko-KR" altLang="en-US" sz="4000" dirty="0">
-                <a:latin typeface="a가시고기B" panose="02020600000000000000" pitchFamily="18" charset="-127"/>
-                <a:ea typeface="a가시고기B" panose="02020600000000000000" pitchFamily="18" charset="-127"/>
-              </a:rPr>
-              <a:t>시스템 구성도</a:t>
-            </a:r>
-          </a:p>
-        </p:txBody>
-      </p:sp>
-      <p:sp>
-        <p:nvSpPr>
-          <p:cNvPr id="2" name="Rectangle 11"/>
-          <p:cNvSpPr>
-            <a:spLocks noChangeArrowheads="1"/>
-          </p:cNvSpPr>
-          <p:nvPr/>
-        </p:nvSpPr>
-        <p:spPr bwMode="auto">
-          <a:xfrm>
-            <a:off x="0" y="0"/>
-            <a:ext cx="12192000" cy="457200"/>
-          </a:xfrm>
-          <a:prstGeom prst="rect">
-            <a:avLst/>
-          </a:prstGeom>
-          <a:noFill/>
-          <a:ln>
-            <a:noFill/>
-          </a:ln>
-          <a:effectLst/>
-          <a:extLst>
-            <a:ext uri="{909E8E84-426E-40DD-AFC4-6F175D3DCCD1}">
-              <a14:hiddenFill xmlns:a14="http://schemas.microsoft.com/office/drawing/2010/main">
-                <a:solidFill>
-                  <a:schemeClr val="accent1"/>
-                </a:solidFill>
-              </a14:hiddenFill>
-            </a:ext>
-            <a:ext uri="{91240B29-F687-4F45-9708-019B960494DF}">
-              <a14:hiddenLine xmlns:a14="http://schemas.microsoft.com/office/drawing/2010/main" w="9525">
-                <a:solidFill>
-                  <a:schemeClr val="tx1"/>
-                </a:solidFill>
-                <a:miter lim="800000"/>
-                <a:headEnd/>
-                <a:tailEnd/>
-              </a14:hiddenLine>
-            </a:ext>
-            <a:ext uri="{AF507438-7753-43E0-B8FC-AC1667EBCBE1}">
-              <a14:hiddenEffects xmlns:a14="http://schemas.microsoft.com/office/drawing/2010/main">
-                <a:effectLst>
-                  <a:outerShdw dist="35921" dir="2700000" algn="ctr" rotWithShape="0">
-                    <a:schemeClr val="bg2"/>
-                  </a:outerShdw>
-                </a:effectLst>
-              </a14:hiddenEffects>
-            </a:ext>
-          </a:extLst>
-        </p:spPr>
-        <p:txBody>
-          <a:bodyPr vert="horz" wrap="none" lIns="91440" tIns="45720" rIns="91440" bIns="45720" numCol="1" anchor="ctr" anchorCtr="0" compatLnSpc="1">
-            <a:prstTxWarp prst="textNoShape">
-              <a:avLst/>
-            </a:prstTxWarp>
-            <a:spAutoFit/>
-          </a:bodyPr>
-          <a:lstStyle/>
-          <a:p>
-            <a:endParaRPr lang="ko-KR" altLang="en-US"/>
-          </a:p>
-        </p:txBody>
-      </p:sp>
-      <p:sp>
-        <p:nvSpPr>
-          <p:cNvPr id="11" name="Rectangle 21"/>
-          <p:cNvSpPr>
-            <a:spLocks noChangeArrowheads="1"/>
-          </p:cNvSpPr>
-          <p:nvPr/>
-        </p:nvSpPr>
-        <p:spPr bwMode="auto">
-          <a:xfrm>
-            <a:off x="0" y="0"/>
-            <a:ext cx="12192000" cy="457200"/>
-          </a:xfrm>
-          <a:prstGeom prst="rect">
-            <a:avLst/>
-          </a:prstGeom>
-          <a:noFill/>
-          <a:ln>
-            <a:noFill/>
-          </a:ln>
-          <a:effectLst/>
-          <a:extLst>
-            <a:ext uri="{909E8E84-426E-40DD-AFC4-6F175D3DCCD1}">
-              <a14:hiddenFill xmlns:a14="http://schemas.microsoft.com/office/drawing/2010/main">
-                <a:solidFill>
-                  <a:schemeClr val="accent1"/>
-                </a:solidFill>
-              </a14:hiddenFill>
-            </a:ext>
-            <a:ext uri="{91240B29-F687-4F45-9708-019B960494DF}">
-              <a14:hiddenLine xmlns:a14="http://schemas.microsoft.com/office/drawing/2010/main" w="9525">
-                <a:solidFill>
-                  <a:schemeClr val="tx1"/>
-                </a:solidFill>
-                <a:miter lim="800000"/>
-                <a:headEnd/>
-                <a:tailEnd/>
-              </a14:hiddenLine>
-            </a:ext>
-            <a:ext uri="{AF507438-7753-43E0-B8FC-AC1667EBCBE1}">
-              <a14:hiddenEffects xmlns:a14="http://schemas.microsoft.com/office/drawing/2010/main">
-                <a:effectLst>
-                  <a:outerShdw dist="35921" dir="2700000" algn="ctr" rotWithShape="0">
-                    <a:schemeClr val="bg2"/>
-                  </a:outerShdw>
-                </a:effectLst>
-              </a14:hiddenEffects>
-            </a:ext>
-          </a:extLst>
-        </p:spPr>
-        <p:txBody>
-          <a:bodyPr vert="horz" wrap="none" lIns="91440" tIns="45720" rIns="91440" bIns="45720" numCol="1" anchor="ctr" anchorCtr="0" compatLnSpc="1">
-            <a:prstTxWarp prst="textNoShape">
-              <a:avLst/>
-            </a:prstTxWarp>
-            <a:spAutoFit/>
-          </a:bodyPr>
-          <a:lstStyle/>
-          <a:p>
-            <a:endParaRPr lang="ko-KR" altLang="en-US"/>
-          </a:p>
-        </p:txBody>
-      </p:sp>
-      <p:sp>
-        <p:nvSpPr>
-          <p:cNvPr id="14" name="Rectangle 24"/>
-          <p:cNvSpPr>
-            <a:spLocks noChangeArrowheads="1"/>
-          </p:cNvSpPr>
-          <p:nvPr/>
-        </p:nvSpPr>
-        <p:spPr bwMode="auto">
-          <a:xfrm>
-            <a:off x="0" y="0"/>
-            <a:ext cx="12192000" cy="457200"/>
-          </a:xfrm>
-          <a:prstGeom prst="rect">
-            <a:avLst/>
-          </a:prstGeom>
-          <a:noFill/>
-          <a:ln>
-            <a:noFill/>
-          </a:ln>
-          <a:effectLst/>
-          <a:extLst>
-            <a:ext uri="{909E8E84-426E-40DD-AFC4-6F175D3DCCD1}">
-              <a14:hiddenFill xmlns:a14="http://schemas.microsoft.com/office/drawing/2010/main">
-                <a:solidFill>
-                  <a:schemeClr val="accent1"/>
-                </a:solidFill>
-              </a14:hiddenFill>
-            </a:ext>
-            <a:ext uri="{91240B29-F687-4F45-9708-019B960494DF}">
-              <a14:hiddenLine xmlns:a14="http://schemas.microsoft.com/office/drawing/2010/main" w="9525">
-                <a:solidFill>
-                  <a:schemeClr val="tx1"/>
-                </a:solidFill>
-                <a:miter lim="800000"/>
-                <a:headEnd/>
-                <a:tailEnd/>
-              </a14:hiddenLine>
-            </a:ext>
-            <a:ext uri="{AF507438-7753-43E0-B8FC-AC1667EBCBE1}">
-              <a14:hiddenEffects xmlns:a14="http://schemas.microsoft.com/office/drawing/2010/main">
-                <a:effectLst>
-                  <a:outerShdw dist="35921" dir="2700000" algn="ctr" rotWithShape="0">
-                    <a:schemeClr val="bg2"/>
-                  </a:outerShdw>
-                </a:effectLst>
-              </a14:hiddenEffects>
-            </a:ext>
-          </a:extLst>
-        </p:spPr>
-        <p:txBody>
-          <a:bodyPr vert="horz" wrap="none" lIns="91440" tIns="45720" rIns="91440" bIns="45720" numCol="1" anchor="ctr" anchorCtr="0" compatLnSpc="1">
-            <a:prstTxWarp prst="textNoShape">
-              <a:avLst/>
-            </a:prstTxWarp>
-            <a:spAutoFit/>
-          </a:bodyPr>
-          <a:lstStyle/>
-          <a:p>
-            <a:endParaRPr lang="ko-KR" altLang="en-US"/>
-          </a:p>
-        </p:txBody>
-      </p:sp>
-      <p:sp>
-        <p:nvSpPr>
-          <p:cNvPr id="60" name="TextBox 59"/>
-          <p:cNvSpPr txBox="1"/>
-          <p:nvPr/>
-        </p:nvSpPr>
-        <p:spPr>
-          <a:xfrm>
-            <a:off x="4254500" y="3467100"/>
-            <a:ext cx="3581400" cy="369332"/>
-          </a:xfrm>
-          <a:prstGeom prst="rect">
-            <a:avLst/>
-          </a:prstGeom>
-          <a:noFill/>
-        </p:spPr>
-        <p:txBody>
-          <a:bodyPr wrap="square" rtlCol="0">
-            <a:spAutoFit/>
-          </a:bodyPr>
-          <a:lstStyle/>
-          <a:p>
-            <a:pPr algn="ctr"/>
-            <a:endParaRPr lang="ko-KR" altLang="en-US" dirty="0"/>
-          </a:p>
-        </p:txBody>
-      </p:sp>
-      <p:sp>
-        <p:nvSpPr>
-          <p:cNvPr id="61" name="TextBox 60"/>
-          <p:cNvSpPr txBox="1"/>
-          <p:nvPr/>
-        </p:nvSpPr>
-        <p:spPr>
-          <a:xfrm>
-            <a:off x="8267700" y="3467100"/>
-            <a:ext cx="3581400" cy="369332"/>
-          </a:xfrm>
-          <a:prstGeom prst="rect">
-            <a:avLst/>
-          </a:prstGeom>
-          <a:noFill/>
-        </p:spPr>
-        <p:txBody>
-          <a:bodyPr wrap="square" rtlCol="0">
-            <a:spAutoFit/>
-          </a:bodyPr>
-          <a:lstStyle/>
-          <a:p>
-            <a:pPr algn="ctr"/>
-            <a:endParaRPr lang="ko-KR" altLang="en-US" dirty="0"/>
-          </a:p>
-        </p:txBody>
-      </p:sp>
-      <p:pic>
-        <p:nvPicPr>
-          <p:cNvPr id="4" name="그림 3">
-            <a:extLst>
-              <a:ext uri="{FF2B5EF4-FFF2-40B4-BE49-F238E27FC236}">
-                <a16:creationId xmlns:a16="http://schemas.microsoft.com/office/drawing/2014/main" id="{98E4624E-6004-4589-85B7-09C2A76BEFA5}"/>
-              </a:ext>
-            </a:extLst>
-          </p:cNvPr>
-          <p:cNvPicPr>
-            <a:picLocks noChangeAspect="1"/>
-          </p:cNvPicPr>
-          <p:nvPr/>
-        </p:nvPicPr>
-        <p:blipFill>
-          <a:blip r:embed="rId2">
-            <a:extLst>
-              <a:ext uri="{28A0092B-C50C-407E-A947-70E740481C1C}">
-                <a14:useLocalDpi xmlns:a14="http://schemas.microsoft.com/office/drawing/2010/main" val="0"/>
-              </a:ext>
-            </a:extLst>
-          </a:blip>
-          <a:stretch>
-            <a:fillRect/>
-          </a:stretch>
-        </p:blipFill>
-        <p:spPr>
-          <a:xfrm>
-            <a:off x="1669921" y="1235328"/>
-            <a:ext cx="8750557" cy="5202207"/>
-          </a:xfrm>
-          <a:prstGeom prst="rect">
-            <a:avLst/>
-          </a:prstGeom>
-        </p:spPr>
-      </p:pic>
-    </p:spTree>
-    <p:extLst>
-      <p:ext uri="{BB962C8B-B14F-4D97-AF65-F5344CB8AC3E}">
-        <p14:creationId xmlns:p14="http://schemas.microsoft.com/office/powerpoint/2010/main" val="3307168380"/>
       </p:ext>
     </p:extLst>
   </p:cSld>
